--- a/daimyo_hooi/fig.pptx
+++ b/daimyo_hooi/fig.pptx
@@ -8,6 +8,8 @@
     <p:sldId id="275" r:id="rId2"/>
     <p:sldId id="276" r:id="rId3"/>
     <p:sldId id="277" r:id="rId4"/>
+    <p:sldId id="278" r:id="rId5"/>
+    <p:sldId id="279" r:id="rId6"/>
   </p:sldIdLst>
   <p:sldSz cx="9144000" cy="6858000" type="screen4x3"/>
   <p:notesSz cx="6858000" cy="9144000"/>
@@ -1169,8 +1171,8 @@
           </a:p>
         </p:txBody>
       </p:sp>
-      <mc:AlternateContent xmlns:mc="http://schemas.openxmlformats.org/markup-compatibility/2006">
-        <mc:Choice xmlns:a14="http://schemas.microsoft.com/office/drawing/2010/main" Requires="a14">
+      <mc:AlternateContent xmlns:mc="http://schemas.openxmlformats.org/markup-compatibility/2006" xmlns:a14="http://schemas.microsoft.com/office/drawing/2010/main">
+        <mc:Choice Requires="a14">
           <p:sp>
             <p:nvSpPr>
               <p:cNvPr id="22" name="テキスト ボックス 21">
@@ -1221,7 +1223,7 @@
             </p:txBody>
           </p:sp>
         </mc:Choice>
-        <mc:Fallback>
+        <mc:Fallback xmlns="">
           <p:sp>
             <p:nvSpPr>
               <p:cNvPr id="22" name="テキスト ボックス 21">
@@ -2922,8 +2924,8 @@
           </a:p>
         </p:txBody>
       </p:sp>
-      <mc:AlternateContent xmlns:mc="http://schemas.openxmlformats.org/markup-compatibility/2006">
-        <mc:Choice xmlns:a14="http://schemas.microsoft.com/office/drawing/2010/main" Requires="a14">
+      <mc:AlternateContent xmlns:mc="http://schemas.openxmlformats.org/markup-compatibility/2006" xmlns:a14="http://schemas.microsoft.com/office/drawing/2010/main">
+        <mc:Choice Requires="a14">
           <p:sp>
             <p:nvSpPr>
               <p:cNvPr id="36" name="テキスト ボックス 35"/>
@@ -2946,6 +2948,7 @@
               </a:bodyPr>
               <a:lstStyle/>
               <a:p>
+                <a:pPr/>
                 <a14:m>
                   <m:oMathPara xmlns:m="http://schemas.openxmlformats.org/officeDocument/2006/math">
                     <m:oMathParaPr>
@@ -2966,7 +2969,7 @@
             </p:txBody>
           </p:sp>
         </mc:Choice>
-        <mc:Fallback>
+        <mc:Fallback xmlns="">
           <p:sp>
             <p:nvSpPr>
               <p:cNvPr id="36" name="テキスト ボックス 35"/>
@@ -3005,8 +3008,8 @@
           </p:sp>
         </mc:Fallback>
       </mc:AlternateContent>
-      <mc:AlternateContent xmlns:mc="http://schemas.openxmlformats.org/markup-compatibility/2006">
-        <mc:Choice xmlns:a14="http://schemas.microsoft.com/office/drawing/2010/main" Requires="a14">
+      <mc:AlternateContent xmlns:mc="http://schemas.openxmlformats.org/markup-compatibility/2006" xmlns:a14="http://schemas.microsoft.com/office/drawing/2010/main">
+        <mc:Choice Requires="a14">
           <p:sp>
             <p:nvSpPr>
               <p:cNvPr id="37" name="テキスト ボックス 36"/>
@@ -3029,6 +3032,7 @@
               </a:bodyPr>
               <a:lstStyle/>
               <a:p>
+                <a:pPr/>
                 <a14:m>
                   <m:oMathPara xmlns:m="http://schemas.openxmlformats.org/officeDocument/2006/math">
                     <m:oMathParaPr>
@@ -3049,7 +3053,7 @@
             </p:txBody>
           </p:sp>
         </mc:Choice>
-        <mc:Fallback>
+        <mc:Fallback xmlns="">
           <p:sp>
             <p:nvSpPr>
               <p:cNvPr id="37" name="テキスト ボックス 36"/>
@@ -3088,8 +3092,8 @@
           </p:sp>
         </mc:Fallback>
       </mc:AlternateContent>
-      <mc:AlternateContent xmlns:mc="http://schemas.openxmlformats.org/markup-compatibility/2006">
-        <mc:Choice xmlns:a14="http://schemas.microsoft.com/office/drawing/2010/main" Requires="a14">
+      <mc:AlternateContent xmlns:mc="http://schemas.openxmlformats.org/markup-compatibility/2006" xmlns:a14="http://schemas.microsoft.com/office/drawing/2010/main">
+        <mc:Choice Requires="a14">
           <p:sp>
             <p:nvSpPr>
               <p:cNvPr id="38" name="テキスト ボックス 37"/>
@@ -3112,6 +3116,7 @@
               </a:bodyPr>
               <a:lstStyle/>
               <a:p>
+                <a:pPr/>
                 <a14:m>
                   <m:oMathPara xmlns:m="http://schemas.openxmlformats.org/officeDocument/2006/math">
                     <m:oMathParaPr>
@@ -3132,7 +3137,7 @@
             </p:txBody>
           </p:sp>
         </mc:Choice>
-        <mc:Fallback>
+        <mc:Fallback xmlns="">
           <p:sp>
             <p:nvSpPr>
               <p:cNvPr id="38" name="テキスト ボックス 37"/>
@@ -4337,8 +4342,8 @@
           </a:p>
         </p:txBody>
       </p:sp>
-      <mc:AlternateContent xmlns:mc="http://schemas.openxmlformats.org/markup-compatibility/2006">
-        <mc:Choice xmlns:a14="http://schemas.microsoft.com/office/drawing/2010/main" Requires="a14">
+      <mc:AlternateContent xmlns:mc="http://schemas.openxmlformats.org/markup-compatibility/2006" xmlns:a14="http://schemas.microsoft.com/office/drawing/2010/main">
+        <mc:Choice Requires="a14">
           <p:sp>
             <p:nvSpPr>
               <p:cNvPr id="45" name="テキスト ボックス 44">
@@ -4389,7 +4394,7 @@
             </p:txBody>
           </p:sp>
         </mc:Choice>
-        <mc:Fallback>
+        <mc:Fallback xmlns="">
           <p:sp>
             <p:nvSpPr>
               <p:cNvPr id="45" name="テキスト ボックス 44">
@@ -4594,6 +4599,4783 @@
     <p:extLst>
       <p:ext uri="{BB962C8B-B14F-4D97-AF65-F5344CB8AC3E}">
         <p14:creationId xmlns:p14="http://schemas.microsoft.com/office/powerpoint/2010/main" val="3790629151"/>
+      </p:ext>
+    </p:extLst>
+  </p:cSld>
+  <p:clrMapOvr>
+    <a:masterClrMapping/>
+  </p:clrMapOvr>
+</p:sld>
+</file>
+
+<file path=ppt/slides/slide4.xml><?xml version="1.0" encoding="utf-8"?>
+<p:sld xmlns:a="http://schemas.openxmlformats.org/drawingml/2006/main" xmlns:r="http://schemas.openxmlformats.org/officeDocument/2006/relationships" xmlns:p="http://schemas.openxmlformats.org/presentationml/2006/main">
+  <p:cSld>
+    <p:spTree>
+      <p:nvGrpSpPr>
+        <p:cNvPr id="1" name=""/>
+        <p:cNvGrpSpPr/>
+        <p:nvPr/>
+      </p:nvGrpSpPr>
+      <p:grpSpPr>
+        <a:xfrm>
+          <a:off x="0" y="0"/>
+          <a:ext cx="0" cy="0"/>
+          <a:chOff x="0" y="0"/>
+          <a:chExt cx="0" cy="0"/>
+        </a:xfrm>
+      </p:grpSpPr>
+      <p:sp>
+        <p:nvSpPr>
+          <p:cNvPr id="2" name="正方形/長方形 1"/>
+          <p:cNvSpPr/>
+          <p:nvPr/>
+        </p:nvSpPr>
+        <p:spPr>
+          <a:xfrm>
+            <a:off x="1115616" y="1268760"/>
+            <a:ext cx="720080" cy="720080"/>
+          </a:xfrm>
+          <a:prstGeom prst="rect">
+            <a:avLst/>
+          </a:prstGeom>
+          <a:solidFill>
+            <a:schemeClr val="accent1">
+              <a:lumMod val="20000"/>
+              <a:lumOff val="80000"/>
+            </a:schemeClr>
+          </a:solidFill>
+          <a:ln>
+            <a:solidFill>
+              <a:schemeClr val="tx1"/>
+            </a:solidFill>
+          </a:ln>
+        </p:spPr>
+        <p:style>
+          <a:lnRef idx="2">
+            <a:schemeClr val="accent1">
+              <a:shade val="50000"/>
+            </a:schemeClr>
+          </a:lnRef>
+          <a:fillRef idx="1">
+            <a:schemeClr val="accent1"/>
+          </a:fillRef>
+          <a:effectRef idx="0">
+            <a:schemeClr val="accent1"/>
+          </a:effectRef>
+          <a:fontRef idx="minor">
+            <a:schemeClr val="lt1"/>
+          </a:fontRef>
+        </p:style>
+        <p:txBody>
+          <a:bodyPr rtlCol="0" anchor="ctr"/>
+          <a:lstStyle/>
+          <a:p>
+            <a:pPr algn="ctr"/>
+            <a:r>
+              <a:rPr lang="en-US" altLang="ja-JP" sz="3600">
+                <a:solidFill>
+                  <a:schemeClr val="tx1"/>
+                </a:solidFill>
+              </a:rPr>
+              <a:t>M</a:t>
+            </a:r>
+            <a:endParaRPr kumimoji="1" lang="ja-JP" altLang="en-US" sz="3600" dirty="0">
+              <a:solidFill>
+                <a:schemeClr val="tx1"/>
+              </a:solidFill>
+            </a:endParaRPr>
+          </a:p>
+        </p:txBody>
+      </p:sp>
+      <p:sp>
+        <p:nvSpPr>
+          <p:cNvPr id="3" name="正方形/長方形 2"/>
+          <p:cNvSpPr/>
+          <p:nvPr/>
+        </p:nvSpPr>
+        <p:spPr>
+          <a:xfrm>
+            <a:off x="755576" y="1556792"/>
+            <a:ext cx="360040" cy="144016"/>
+          </a:xfrm>
+          <a:prstGeom prst="rect">
+            <a:avLst/>
+          </a:prstGeom>
+          <a:solidFill>
+            <a:schemeClr val="tx1"/>
+          </a:solidFill>
+          <a:ln>
+            <a:solidFill>
+              <a:schemeClr val="tx1"/>
+            </a:solidFill>
+          </a:ln>
+        </p:spPr>
+        <p:style>
+          <a:lnRef idx="2">
+            <a:schemeClr val="accent1">
+              <a:shade val="50000"/>
+            </a:schemeClr>
+          </a:lnRef>
+          <a:fillRef idx="1">
+            <a:schemeClr val="accent1"/>
+          </a:fillRef>
+          <a:effectRef idx="0">
+            <a:schemeClr val="accent1"/>
+          </a:effectRef>
+          <a:fontRef idx="minor">
+            <a:schemeClr val="lt1"/>
+          </a:fontRef>
+        </p:style>
+        <p:txBody>
+          <a:bodyPr rtlCol="0" anchor="ctr"/>
+          <a:lstStyle/>
+          <a:p>
+            <a:pPr algn="ctr"/>
+            <a:endParaRPr kumimoji="1" lang="ja-JP" altLang="en-US"/>
+          </a:p>
+        </p:txBody>
+      </p:sp>
+      <p:sp>
+        <p:nvSpPr>
+          <p:cNvPr id="4" name="正方形/長方形 3"/>
+          <p:cNvSpPr/>
+          <p:nvPr/>
+        </p:nvSpPr>
+        <p:spPr>
+          <a:xfrm>
+            <a:off x="1835696" y="1556792"/>
+            <a:ext cx="360040" cy="144016"/>
+          </a:xfrm>
+          <a:prstGeom prst="rect">
+            <a:avLst/>
+          </a:prstGeom>
+          <a:solidFill>
+            <a:schemeClr val="tx1"/>
+          </a:solidFill>
+          <a:ln>
+            <a:solidFill>
+              <a:schemeClr val="tx1"/>
+            </a:solidFill>
+          </a:ln>
+        </p:spPr>
+        <p:style>
+          <a:lnRef idx="2">
+            <a:schemeClr val="accent1">
+              <a:shade val="50000"/>
+            </a:schemeClr>
+          </a:lnRef>
+          <a:fillRef idx="1">
+            <a:schemeClr val="accent1"/>
+          </a:fillRef>
+          <a:effectRef idx="0">
+            <a:schemeClr val="accent1"/>
+          </a:effectRef>
+          <a:fontRef idx="minor">
+            <a:schemeClr val="lt1"/>
+          </a:fontRef>
+        </p:style>
+        <p:txBody>
+          <a:bodyPr rtlCol="0" anchor="ctr"/>
+          <a:lstStyle/>
+          <a:p>
+            <a:pPr algn="ctr"/>
+            <a:endParaRPr kumimoji="1" lang="ja-JP" altLang="en-US"/>
+          </a:p>
+        </p:txBody>
+      </p:sp>
+      <mc:AlternateContent xmlns:mc="http://schemas.openxmlformats.org/markup-compatibility/2006">
+        <mc:Choice xmlns:a14="http://schemas.microsoft.com/office/drawing/2010/main" Requires="a14">
+          <p:sp>
+            <p:nvSpPr>
+              <p:cNvPr id="6" name="正方形/長方形 5"/>
+              <p:cNvSpPr/>
+              <p:nvPr/>
+            </p:nvSpPr>
+            <p:spPr>
+              <a:xfrm>
+                <a:off x="4572000" y="1268760"/>
+                <a:ext cx="720080" cy="720080"/>
+              </a:xfrm>
+              <a:prstGeom prst="rect">
+                <a:avLst/>
+              </a:prstGeom>
+              <a:solidFill>
+                <a:schemeClr val="accent6">
+                  <a:lumMod val="20000"/>
+                  <a:lumOff val="80000"/>
+                </a:schemeClr>
+              </a:solidFill>
+              <a:ln>
+                <a:solidFill>
+                  <a:schemeClr val="tx1"/>
+                </a:solidFill>
+              </a:ln>
+            </p:spPr>
+            <p:style>
+              <a:lnRef idx="2">
+                <a:schemeClr val="accent1">
+                  <a:shade val="50000"/>
+                </a:schemeClr>
+              </a:lnRef>
+              <a:fillRef idx="1">
+                <a:schemeClr val="accent1"/>
+              </a:fillRef>
+              <a:effectRef idx="0">
+                <a:schemeClr val="accent1"/>
+              </a:effectRef>
+              <a:fontRef idx="minor">
+                <a:schemeClr val="lt1"/>
+              </a:fontRef>
+            </p:style>
+            <p:txBody>
+              <a:bodyPr rtlCol="0" anchor="ctr"/>
+              <a:lstStyle/>
+              <a:p>
+                <a:pPr algn="ctr"/>
+                <a14:m>
+                  <m:oMathPara xmlns:m="http://schemas.openxmlformats.org/officeDocument/2006/math">
+                    <m:oMathParaPr>
+                      <m:jc m:val="centerGroup"/>
+                    </m:oMathParaPr>
+                    <m:oMath xmlns:m="http://schemas.openxmlformats.org/officeDocument/2006/math">
+                      <m:r>
+                        <m:rPr>
+                          <m:sty m:val="p"/>
+                        </m:rPr>
+                        <a:rPr kumimoji="1" lang="el-GR" altLang="ja-JP" sz="3600" i="1" smtClean="0">
+                          <a:solidFill>
+                            <a:schemeClr val="tx1"/>
+                          </a:solidFill>
+                          <a:latin typeface="Cambria Math" panose="02040503050406030204" pitchFamily="18" charset="0"/>
+                          <a:ea typeface="Cambria Math" panose="02040503050406030204" pitchFamily="18" charset="0"/>
+                        </a:rPr>
+                        <m:t>Σ</m:t>
+                      </m:r>
+                    </m:oMath>
+                  </m:oMathPara>
+                </a14:m>
+                <a:endParaRPr kumimoji="1" lang="ja-JP" altLang="en-US" sz="3600" dirty="0">
+                  <a:solidFill>
+                    <a:schemeClr val="tx1"/>
+                  </a:solidFill>
+                </a:endParaRPr>
+              </a:p>
+            </p:txBody>
+          </p:sp>
+        </mc:Choice>
+        <mc:Fallback>
+          <p:sp>
+            <p:nvSpPr>
+              <p:cNvPr id="6" name="正方形/長方形 5"/>
+              <p:cNvSpPr>
+                <a:spLocks noRot="1" noChangeAspect="1" noMove="1" noResize="1" noEditPoints="1" noAdjustHandles="1" noChangeArrowheads="1" noChangeShapeType="1" noTextEdit="1"/>
+              </p:cNvSpPr>
+              <p:nvPr/>
+            </p:nvSpPr>
+            <p:spPr>
+              <a:xfrm>
+                <a:off x="4572000" y="1268760"/>
+                <a:ext cx="720080" cy="720080"/>
+              </a:xfrm>
+              <a:prstGeom prst="rect">
+                <a:avLst/>
+              </a:prstGeom>
+              <a:blipFill>
+                <a:blip r:embed="rId2"/>
+                <a:stretch>
+                  <a:fillRect/>
+                </a:stretch>
+              </a:blipFill>
+              <a:ln>
+                <a:solidFill>
+                  <a:schemeClr val="tx1"/>
+                </a:solidFill>
+              </a:ln>
+            </p:spPr>
+            <p:txBody>
+              <a:bodyPr/>
+              <a:lstStyle/>
+              <a:p>
+                <a:r>
+                  <a:rPr lang="ja-JP" altLang="en-US">
+                    <a:noFill/>
+                  </a:rPr>
+                  <a:t> </a:t>
+                </a:r>
+              </a:p>
+            </p:txBody>
+          </p:sp>
+        </mc:Fallback>
+      </mc:AlternateContent>
+      <mc:AlternateContent xmlns:mc="http://schemas.openxmlformats.org/markup-compatibility/2006">
+        <mc:Choice xmlns:a14="http://schemas.microsoft.com/office/drawing/2010/main" Requires="a14">
+          <p:sp>
+            <p:nvSpPr>
+              <p:cNvPr id="8" name="正方形/長方形 7"/>
+              <p:cNvSpPr/>
+              <p:nvPr/>
+            </p:nvSpPr>
+            <p:spPr>
+              <a:xfrm>
+                <a:off x="3491880" y="1268760"/>
+                <a:ext cx="720080" cy="720080"/>
+              </a:xfrm>
+              <a:prstGeom prst="rect">
+                <a:avLst/>
+              </a:prstGeom>
+              <a:solidFill>
+                <a:schemeClr val="accent6">
+                  <a:lumMod val="20000"/>
+                  <a:lumOff val="80000"/>
+                </a:schemeClr>
+              </a:solidFill>
+              <a:ln>
+                <a:solidFill>
+                  <a:schemeClr val="tx1"/>
+                </a:solidFill>
+              </a:ln>
+            </p:spPr>
+            <p:style>
+              <a:lnRef idx="2">
+                <a:schemeClr val="accent1">
+                  <a:shade val="50000"/>
+                </a:schemeClr>
+              </a:lnRef>
+              <a:fillRef idx="1">
+                <a:schemeClr val="accent1"/>
+              </a:fillRef>
+              <a:effectRef idx="0">
+                <a:schemeClr val="accent1"/>
+              </a:effectRef>
+              <a:fontRef idx="minor">
+                <a:schemeClr val="lt1"/>
+              </a:fontRef>
+            </p:style>
+            <p:txBody>
+              <a:bodyPr rtlCol="0" anchor="ctr"/>
+              <a:lstStyle/>
+              <a:p>
+                <a:pPr algn="ctr"/>
+                <a14:m>
+                  <m:oMathPara xmlns:m="http://schemas.openxmlformats.org/officeDocument/2006/math">
+                    <m:oMathParaPr>
+                      <m:jc m:val="centerGroup"/>
+                    </m:oMathParaPr>
+                    <m:oMath xmlns:m="http://schemas.openxmlformats.org/officeDocument/2006/math">
+                      <m:r>
+                        <a:rPr kumimoji="1" lang="en-US" altLang="ja-JP" sz="3600" b="0" i="1" smtClean="0">
+                          <a:solidFill>
+                            <a:schemeClr val="tx1"/>
+                          </a:solidFill>
+                          <a:latin typeface="Cambria Math" panose="02040503050406030204" pitchFamily="18" charset="0"/>
+                          <a:ea typeface="Cambria Math" panose="02040503050406030204" pitchFamily="18" charset="0"/>
+                        </a:rPr>
+                        <m:t>𝑈</m:t>
+                      </m:r>
+                    </m:oMath>
+                  </m:oMathPara>
+                </a14:m>
+                <a:endParaRPr kumimoji="1" lang="ja-JP" altLang="en-US" sz="3600" dirty="0">
+                  <a:solidFill>
+                    <a:schemeClr val="tx1"/>
+                  </a:solidFill>
+                </a:endParaRPr>
+              </a:p>
+            </p:txBody>
+          </p:sp>
+        </mc:Choice>
+        <mc:Fallback>
+          <p:sp>
+            <p:nvSpPr>
+              <p:cNvPr id="8" name="正方形/長方形 7"/>
+              <p:cNvSpPr>
+                <a:spLocks noRot="1" noChangeAspect="1" noMove="1" noResize="1" noEditPoints="1" noAdjustHandles="1" noChangeArrowheads="1" noChangeShapeType="1" noTextEdit="1"/>
+              </p:cNvSpPr>
+              <p:nvPr/>
+            </p:nvSpPr>
+            <p:spPr>
+              <a:xfrm>
+                <a:off x="3491880" y="1268760"/>
+                <a:ext cx="720080" cy="720080"/>
+              </a:xfrm>
+              <a:prstGeom prst="rect">
+                <a:avLst/>
+              </a:prstGeom>
+              <a:blipFill>
+                <a:blip r:embed="rId3"/>
+                <a:stretch>
+                  <a:fillRect/>
+                </a:stretch>
+              </a:blipFill>
+              <a:ln>
+                <a:solidFill>
+                  <a:schemeClr val="tx1"/>
+                </a:solidFill>
+              </a:ln>
+            </p:spPr>
+            <p:txBody>
+              <a:bodyPr/>
+              <a:lstStyle/>
+              <a:p>
+                <a:r>
+                  <a:rPr lang="ja-JP" altLang="en-US">
+                    <a:noFill/>
+                  </a:rPr>
+                  <a:t> </a:t>
+                </a:r>
+              </a:p>
+            </p:txBody>
+          </p:sp>
+        </mc:Fallback>
+      </mc:AlternateContent>
+      <mc:AlternateContent xmlns:mc="http://schemas.openxmlformats.org/markup-compatibility/2006">
+        <mc:Choice xmlns:a14="http://schemas.microsoft.com/office/drawing/2010/main" Requires="a14">
+          <p:sp>
+            <p:nvSpPr>
+              <p:cNvPr id="9" name="正方形/長方形 8"/>
+              <p:cNvSpPr/>
+              <p:nvPr/>
+            </p:nvSpPr>
+            <p:spPr>
+              <a:xfrm>
+                <a:off x="5652120" y="1268760"/>
+                <a:ext cx="720080" cy="720080"/>
+              </a:xfrm>
+              <a:prstGeom prst="rect">
+                <a:avLst/>
+              </a:prstGeom>
+              <a:solidFill>
+                <a:schemeClr val="accent2">
+                  <a:lumMod val="20000"/>
+                  <a:lumOff val="80000"/>
+                </a:schemeClr>
+              </a:solidFill>
+              <a:ln>
+                <a:solidFill>
+                  <a:schemeClr val="tx1"/>
+                </a:solidFill>
+              </a:ln>
+            </p:spPr>
+            <p:style>
+              <a:lnRef idx="2">
+                <a:schemeClr val="accent1">
+                  <a:shade val="50000"/>
+                </a:schemeClr>
+              </a:lnRef>
+              <a:fillRef idx="1">
+                <a:schemeClr val="accent1"/>
+              </a:fillRef>
+              <a:effectRef idx="0">
+                <a:schemeClr val="accent1"/>
+              </a:effectRef>
+              <a:fontRef idx="minor">
+                <a:schemeClr val="lt1"/>
+              </a:fontRef>
+            </p:style>
+            <p:txBody>
+              <a:bodyPr rtlCol="0" anchor="ctr"/>
+              <a:lstStyle/>
+              <a:p>
+                <a:pPr algn="ctr"/>
+                <a14:m>
+                  <m:oMathPara xmlns:m="http://schemas.openxmlformats.org/officeDocument/2006/math">
+                    <m:oMathParaPr>
+                      <m:jc m:val="centerGroup"/>
+                    </m:oMathParaPr>
+                    <m:oMath xmlns:m="http://schemas.openxmlformats.org/officeDocument/2006/math">
+                      <m:sSup>
+                        <m:sSupPr>
+                          <m:ctrlPr>
+                            <a:rPr kumimoji="1" lang="el-GR" altLang="ja-JP" sz="3600" i="1" smtClean="0">
+                              <a:solidFill>
+                                <a:schemeClr val="tx1"/>
+                              </a:solidFill>
+                              <a:latin typeface="Cambria Math" panose="02040503050406030204" pitchFamily="18" charset="0"/>
+                              <a:ea typeface="Cambria Math" panose="02040503050406030204" pitchFamily="18" charset="0"/>
+                            </a:rPr>
+                          </m:ctrlPr>
+                        </m:sSupPr>
+                        <m:e>
+                          <m:r>
+                            <a:rPr kumimoji="1" lang="en-US" altLang="ja-JP" sz="3600" b="0" i="1" smtClean="0">
+                              <a:solidFill>
+                                <a:schemeClr val="tx1"/>
+                              </a:solidFill>
+                              <a:latin typeface="Cambria Math" panose="02040503050406030204" pitchFamily="18" charset="0"/>
+                              <a:ea typeface="Cambria Math" panose="02040503050406030204" pitchFamily="18" charset="0"/>
+                            </a:rPr>
+                            <m:t>𝑉</m:t>
+                          </m:r>
+                        </m:e>
+                        <m:sup>
+                          <m:r>
+                            <a:rPr kumimoji="1" lang="el-GR" altLang="ja-JP" sz="3600" i="1" smtClean="0">
+                              <a:solidFill>
+                                <a:schemeClr val="tx1"/>
+                              </a:solidFill>
+                              <a:latin typeface="Cambria Math" panose="02040503050406030204" pitchFamily="18" charset="0"/>
+                              <a:ea typeface="Cambria Math" panose="02040503050406030204" pitchFamily="18" charset="0"/>
+                            </a:rPr>
+                            <m:t>†</m:t>
+                          </m:r>
+                        </m:sup>
+                      </m:sSup>
+                    </m:oMath>
+                  </m:oMathPara>
+                </a14:m>
+                <a:endParaRPr kumimoji="1" lang="ja-JP" altLang="en-US" sz="3600" dirty="0">
+                  <a:solidFill>
+                    <a:schemeClr val="tx1"/>
+                  </a:solidFill>
+                </a:endParaRPr>
+              </a:p>
+            </p:txBody>
+          </p:sp>
+        </mc:Choice>
+        <mc:Fallback>
+          <p:sp>
+            <p:nvSpPr>
+              <p:cNvPr id="9" name="正方形/長方形 8"/>
+              <p:cNvSpPr>
+                <a:spLocks noRot="1" noChangeAspect="1" noMove="1" noResize="1" noEditPoints="1" noAdjustHandles="1" noChangeArrowheads="1" noChangeShapeType="1" noTextEdit="1"/>
+              </p:cNvSpPr>
+              <p:nvPr/>
+            </p:nvSpPr>
+            <p:spPr>
+              <a:xfrm>
+                <a:off x="5652120" y="1268760"/>
+                <a:ext cx="720080" cy="720080"/>
+              </a:xfrm>
+              <a:prstGeom prst="rect">
+                <a:avLst/>
+              </a:prstGeom>
+              <a:blipFill>
+                <a:blip r:embed="rId4"/>
+                <a:stretch>
+                  <a:fillRect/>
+                </a:stretch>
+              </a:blipFill>
+              <a:ln>
+                <a:solidFill>
+                  <a:schemeClr val="tx1"/>
+                </a:solidFill>
+              </a:ln>
+            </p:spPr>
+            <p:txBody>
+              <a:bodyPr/>
+              <a:lstStyle/>
+              <a:p>
+                <a:r>
+                  <a:rPr lang="ja-JP" altLang="en-US">
+                    <a:noFill/>
+                  </a:rPr>
+                  <a:t> </a:t>
+                </a:r>
+              </a:p>
+            </p:txBody>
+          </p:sp>
+        </mc:Fallback>
+      </mc:AlternateContent>
+      <p:sp>
+        <p:nvSpPr>
+          <p:cNvPr id="10" name="正方形/長方形 9"/>
+          <p:cNvSpPr/>
+          <p:nvPr/>
+        </p:nvSpPr>
+        <p:spPr>
+          <a:xfrm>
+            <a:off x="3131840" y="1556792"/>
+            <a:ext cx="360040" cy="144016"/>
+          </a:xfrm>
+          <a:prstGeom prst="rect">
+            <a:avLst/>
+          </a:prstGeom>
+          <a:solidFill>
+            <a:schemeClr val="tx1"/>
+          </a:solidFill>
+          <a:ln>
+            <a:solidFill>
+              <a:schemeClr val="tx1"/>
+            </a:solidFill>
+          </a:ln>
+        </p:spPr>
+        <p:style>
+          <a:lnRef idx="2">
+            <a:schemeClr val="accent1">
+              <a:shade val="50000"/>
+            </a:schemeClr>
+          </a:lnRef>
+          <a:fillRef idx="1">
+            <a:schemeClr val="accent1"/>
+          </a:fillRef>
+          <a:effectRef idx="0">
+            <a:schemeClr val="accent1"/>
+          </a:effectRef>
+          <a:fontRef idx="minor">
+            <a:schemeClr val="lt1"/>
+          </a:fontRef>
+        </p:style>
+        <p:txBody>
+          <a:bodyPr rtlCol="0" anchor="ctr"/>
+          <a:lstStyle/>
+          <a:p>
+            <a:pPr algn="ctr"/>
+            <a:endParaRPr kumimoji="1" lang="ja-JP" altLang="en-US"/>
+          </a:p>
+        </p:txBody>
+      </p:sp>
+      <p:sp>
+        <p:nvSpPr>
+          <p:cNvPr id="11" name="正方形/長方形 10"/>
+          <p:cNvSpPr/>
+          <p:nvPr/>
+        </p:nvSpPr>
+        <p:spPr>
+          <a:xfrm>
+            <a:off x="4211960" y="1556792"/>
+            <a:ext cx="360040" cy="144016"/>
+          </a:xfrm>
+          <a:prstGeom prst="rect">
+            <a:avLst/>
+          </a:prstGeom>
+          <a:solidFill>
+            <a:schemeClr val="tx1"/>
+          </a:solidFill>
+          <a:ln>
+            <a:solidFill>
+              <a:schemeClr val="tx1"/>
+            </a:solidFill>
+          </a:ln>
+        </p:spPr>
+        <p:style>
+          <a:lnRef idx="2">
+            <a:schemeClr val="accent1">
+              <a:shade val="50000"/>
+            </a:schemeClr>
+          </a:lnRef>
+          <a:fillRef idx="1">
+            <a:schemeClr val="accent1"/>
+          </a:fillRef>
+          <a:effectRef idx="0">
+            <a:schemeClr val="accent1"/>
+          </a:effectRef>
+          <a:fontRef idx="minor">
+            <a:schemeClr val="lt1"/>
+          </a:fontRef>
+        </p:style>
+        <p:txBody>
+          <a:bodyPr rtlCol="0" anchor="ctr"/>
+          <a:lstStyle/>
+          <a:p>
+            <a:pPr algn="ctr"/>
+            <a:endParaRPr kumimoji="1" lang="ja-JP" altLang="en-US"/>
+          </a:p>
+        </p:txBody>
+      </p:sp>
+      <p:sp>
+        <p:nvSpPr>
+          <p:cNvPr id="12" name="正方形/長方形 11"/>
+          <p:cNvSpPr/>
+          <p:nvPr/>
+        </p:nvSpPr>
+        <p:spPr>
+          <a:xfrm>
+            <a:off x="5292080" y="1556792"/>
+            <a:ext cx="360040" cy="144016"/>
+          </a:xfrm>
+          <a:prstGeom prst="rect">
+            <a:avLst/>
+          </a:prstGeom>
+          <a:solidFill>
+            <a:schemeClr val="tx1"/>
+          </a:solidFill>
+          <a:ln>
+            <a:solidFill>
+              <a:schemeClr val="tx1"/>
+            </a:solidFill>
+          </a:ln>
+        </p:spPr>
+        <p:style>
+          <a:lnRef idx="2">
+            <a:schemeClr val="accent1">
+              <a:shade val="50000"/>
+            </a:schemeClr>
+          </a:lnRef>
+          <a:fillRef idx="1">
+            <a:schemeClr val="accent1"/>
+          </a:fillRef>
+          <a:effectRef idx="0">
+            <a:schemeClr val="accent1"/>
+          </a:effectRef>
+          <a:fontRef idx="minor">
+            <a:schemeClr val="lt1"/>
+          </a:fontRef>
+        </p:style>
+        <p:txBody>
+          <a:bodyPr rtlCol="0" anchor="ctr"/>
+          <a:lstStyle/>
+          <a:p>
+            <a:pPr algn="ctr"/>
+            <a:endParaRPr kumimoji="1" lang="ja-JP" altLang="en-US"/>
+          </a:p>
+        </p:txBody>
+      </p:sp>
+      <p:sp>
+        <p:nvSpPr>
+          <p:cNvPr id="13" name="正方形/長方形 12"/>
+          <p:cNvSpPr/>
+          <p:nvPr/>
+        </p:nvSpPr>
+        <p:spPr>
+          <a:xfrm>
+            <a:off x="6372200" y="1556792"/>
+            <a:ext cx="360040" cy="144016"/>
+          </a:xfrm>
+          <a:prstGeom prst="rect">
+            <a:avLst/>
+          </a:prstGeom>
+          <a:solidFill>
+            <a:schemeClr val="tx1"/>
+          </a:solidFill>
+          <a:ln>
+            <a:solidFill>
+              <a:schemeClr val="tx1"/>
+            </a:solidFill>
+          </a:ln>
+        </p:spPr>
+        <p:style>
+          <a:lnRef idx="2">
+            <a:schemeClr val="accent1">
+              <a:shade val="50000"/>
+            </a:schemeClr>
+          </a:lnRef>
+          <a:fillRef idx="1">
+            <a:schemeClr val="accent1"/>
+          </a:fillRef>
+          <a:effectRef idx="0">
+            <a:schemeClr val="accent1"/>
+          </a:effectRef>
+          <a:fontRef idx="minor">
+            <a:schemeClr val="lt1"/>
+          </a:fontRef>
+        </p:style>
+        <p:txBody>
+          <a:bodyPr rtlCol="0" anchor="ctr"/>
+          <a:lstStyle/>
+          <a:p>
+            <a:pPr algn="ctr"/>
+            <a:endParaRPr kumimoji="1" lang="ja-JP" altLang="en-US"/>
+          </a:p>
+        </p:txBody>
+      </p:sp>
+      <mc:AlternateContent xmlns:mc="http://schemas.openxmlformats.org/markup-compatibility/2006">
+        <mc:Choice xmlns:a14="http://schemas.microsoft.com/office/drawing/2010/main" Requires="a14">
+          <p:sp>
+            <p:nvSpPr>
+              <p:cNvPr id="15" name="正方形/長方形 14"/>
+              <p:cNvSpPr/>
+              <p:nvPr/>
+            </p:nvSpPr>
+            <p:spPr>
+              <a:xfrm>
+                <a:off x="3491880" y="2204864"/>
+                <a:ext cx="720080" cy="720080"/>
+              </a:xfrm>
+              <a:prstGeom prst="rect">
+                <a:avLst/>
+              </a:prstGeom>
+              <a:solidFill>
+                <a:schemeClr val="accent6">
+                  <a:lumMod val="20000"/>
+                  <a:lumOff val="80000"/>
+                </a:schemeClr>
+              </a:solidFill>
+              <a:ln>
+                <a:solidFill>
+                  <a:schemeClr val="tx1"/>
+                </a:solidFill>
+              </a:ln>
+            </p:spPr>
+            <p:style>
+              <a:lnRef idx="2">
+                <a:schemeClr val="accent1">
+                  <a:shade val="50000"/>
+                </a:schemeClr>
+              </a:lnRef>
+              <a:fillRef idx="1">
+                <a:schemeClr val="accent1"/>
+              </a:fillRef>
+              <a:effectRef idx="0">
+                <a:schemeClr val="accent1"/>
+              </a:effectRef>
+              <a:fontRef idx="minor">
+                <a:schemeClr val="lt1"/>
+              </a:fontRef>
+            </p:style>
+            <p:txBody>
+              <a:bodyPr rtlCol="0" anchor="ctr"/>
+              <a:lstStyle/>
+              <a:p>
+                <a:pPr algn="ctr"/>
+                <a14:m>
+                  <m:oMathPara xmlns:m="http://schemas.openxmlformats.org/officeDocument/2006/math">
+                    <m:oMathParaPr>
+                      <m:jc m:val="centerGroup"/>
+                    </m:oMathParaPr>
+                    <m:oMath xmlns:m="http://schemas.openxmlformats.org/officeDocument/2006/math">
+                      <m:r>
+                        <a:rPr kumimoji="1" lang="en-US" altLang="ja-JP" sz="3600" b="0" i="1" smtClean="0">
+                          <a:solidFill>
+                            <a:schemeClr val="tx1"/>
+                          </a:solidFill>
+                          <a:latin typeface="Cambria Math" panose="02040503050406030204" pitchFamily="18" charset="0"/>
+                        </a:rPr>
+                        <m:t>𝐿</m:t>
+                      </m:r>
+                    </m:oMath>
+                  </m:oMathPara>
+                </a14:m>
+                <a:endParaRPr kumimoji="1" lang="ja-JP" altLang="en-US" sz="3600" dirty="0">
+                  <a:solidFill>
+                    <a:schemeClr val="tx1"/>
+                  </a:solidFill>
+                </a:endParaRPr>
+              </a:p>
+            </p:txBody>
+          </p:sp>
+        </mc:Choice>
+        <mc:Fallback>
+          <p:sp>
+            <p:nvSpPr>
+              <p:cNvPr id="15" name="正方形/長方形 14"/>
+              <p:cNvSpPr>
+                <a:spLocks noRot="1" noChangeAspect="1" noMove="1" noResize="1" noEditPoints="1" noAdjustHandles="1" noChangeArrowheads="1" noChangeShapeType="1" noTextEdit="1"/>
+              </p:cNvSpPr>
+              <p:nvPr/>
+            </p:nvSpPr>
+            <p:spPr>
+              <a:xfrm>
+                <a:off x="3491880" y="2204864"/>
+                <a:ext cx="720080" cy="720080"/>
+              </a:xfrm>
+              <a:prstGeom prst="rect">
+                <a:avLst/>
+              </a:prstGeom>
+              <a:blipFill>
+                <a:blip r:embed="rId5"/>
+                <a:stretch>
+                  <a:fillRect/>
+                </a:stretch>
+              </a:blipFill>
+              <a:ln>
+                <a:solidFill>
+                  <a:schemeClr val="tx1"/>
+                </a:solidFill>
+              </a:ln>
+            </p:spPr>
+            <p:txBody>
+              <a:bodyPr/>
+              <a:lstStyle/>
+              <a:p>
+                <a:r>
+                  <a:rPr lang="ja-JP" altLang="en-US">
+                    <a:noFill/>
+                  </a:rPr>
+                  <a:t> </a:t>
+                </a:r>
+              </a:p>
+            </p:txBody>
+          </p:sp>
+        </mc:Fallback>
+      </mc:AlternateContent>
+      <mc:AlternateContent xmlns:mc="http://schemas.openxmlformats.org/markup-compatibility/2006">
+        <mc:Choice xmlns:a14="http://schemas.microsoft.com/office/drawing/2010/main" Requires="a14">
+          <p:sp>
+            <p:nvSpPr>
+              <p:cNvPr id="16" name="正方形/長方形 15"/>
+              <p:cNvSpPr/>
+              <p:nvPr/>
+            </p:nvSpPr>
+            <p:spPr>
+              <a:xfrm>
+                <a:off x="4572000" y="2204864"/>
+                <a:ext cx="720080" cy="720080"/>
+              </a:xfrm>
+              <a:prstGeom prst="rect">
+                <a:avLst/>
+              </a:prstGeom>
+              <a:solidFill>
+                <a:schemeClr val="accent2">
+                  <a:lumMod val="20000"/>
+                  <a:lumOff val="80000"/>
+                </a:schemeClr>
+              </a:solidFill>
+              <a:ln>
+                <a:solidFill>
+                  <a:schemeClr val="tx1"/>
+                </a:solidFill>
+              </a:ln>
+            </p:spPr>
+            <p:style>
+              <a:lnRef idx="2">
+                <a:schemeClr val="accent1">
+                  <a:shade val="50000"/>
+                </a:schemeClr>
+              </a:lnRef>
+              <a:fillRef idx="1">
+                <a:schemeClr val="accent1"/>
+              </a:fillRef>
+              <a:effectRef idx="0">
+                <a:schemeClr val="accent1"/>
+              </a:effectRef>
+              <a:fontRef idx="minor">
+                <a:schemeClr val="lt1"/>
+              </a:fontRef>
+            </p:style>
+            <p:txBody>
+              <a:bodyPr rtlCol="0" anchor="ctr"/>
+              <a:lstStyle/>
+              <a:p>
+                <a:pPr algn="ctr"/>
+                <a14:m>
+                  <m:oMathPara xmlns:m="http://schemas.openxmlformats.org/officeDocument/2006/math">
+                    <m:oMathParaPr>
+                      <m:jc m:val="centerGroup"/>
+                    </m:oMathParaPr>
+                    <m:oMath xmlns:m="http://schemas.openxmlformats.org/officeDocument/2006/math">
+                      <m:sSup>
+                        <m:sSupPr>
+                          <m:ctrlPr>
+                            <a:rPr kumimoji="1" lang="el-GR" altLang="ja-JP" sz="3600" i="1" smtClean="0">
+                              <a:solidFill>
+                                <a:schemeClr val="tx1"/>
+                              </a:solidFill>
+                              <a:latin typeface="Cambria Math" panose="02040503050406030204" pitchFamily="18" charset="0"/>
+                              <a:ea typeface="Cambria Math" panose="02040503050406030204" pitchFamily="18" charset="0"/>
+                            </a:rPr>
+                          </m:ctrlPr>
+                        </m:sSupPr>
+                        <m:e>
+                          <m:r>
+                            <a:rPr kumimoji="1" lang="en-US" altLang="ja-JP" sz="3600" b="0" i="1" smtClean="0">
+                              <a:solidFill>
+                                <a:schemeClr val="tx1"/>
+                              </a:solidFill>
+                              <a:latin typeface="Cambria Math" panose="02040503050406030204" pitchFamily="18" charset="0"/>
+                              <a:ea typeface="Cambria Math" panose="02040503050406030204" pitchFamily="18" charset="0"/>
+                            </a:rPr>
+                            <m:t>𝑉</m:t>
+                          </m:r>
+                        </m:e>
+                        <m:sup>
+                          <m:r>
+                            <a:rPr kumimoji="1" lang="el-GR" altLang="ja-JP" sz="3600" i="1" smtClean="0">
+                              <a:solidFill>
+                                <a:schemeClr val="tx1"/>
+                              </a:solidFill>
+                              <a:latin typeface="Cambria Math" panose="02040503050406030204" pitchFamily="18" charset="0"/>
+                              <a:ea typeface="Cambria Math" panose="02040503050406030204" pitchFamily="18" charset="0"/>
+                            </a:rPr>
+                            <m:t>†</m:t>
+                          </m:r>
+                        </m:sup>
+                      </m:sSup>
+                    </m:oMath>
+                  </m:oMathPara>
+                </a14:m>
+                <a:endParaRPr kumimoji="1" lang="ja-JP" altLang="en-US" sz="3600" dirty="0">
+                  <a:solidFill>
+                    <a:schemeClr val="tx1"/>
+                  </a:solidFill>
+                </a:endParaRPr>
+              </a:p>
+            </p:txBody>
+          </p:sp>
+        </mc:Choice>
+        <mc:Fallback>
+          <p:sp>
+            <p:nvSpPr>
+              <p:cNvPr id="16" name="正方形/長方形 15"/>
+              <p:cNvSpPr>
+                <a:spLocks noRot="1" noChangeAspect="1" noMove="1" noResize="1" noEditPoints="1" noAdjustHandles="1" noChangeArrowheads="1" noChangeShapeType="1" noTextEdit="1"/>
+              </p:cNvSpPr>
+              <p:nvPr/>
+            </p:nvSpPr>
+            <p:spPr>
+              <a:xfrm>
+                <a:off x="4572000" y="2204864"/>
+                <a:ext cx="720080" cy="720080"/>
+              </a:xfrm>
+              <a:prstGeom prst="rect">
+                <a:avLst/>
+              </a:prstGeom>
+              <a:blipFill>
+                <a:blip r:embed="rId6"/>
+                <a:stretch>
+                  <a:fillRect/>
+                </a:stretch>
+              </a:blipFill>
+              <a:ln>
+                <a:solidFill>
+                  <a:schemeClr val="tx1"/>
+                </a:solidFill>
+              </a:ln>
+            </p:spPr>
+            <p:txBody>
+              <a:bodyPr/>
+              <a:lstStyle/>
+              <a:p>
+                <a:r>
+                  <a:rPr lang="ja-JP" altLang="en-US">
+                    <a:noFill/>
+                  </a:rPr>
+                  <a:t> </a:t>
+                </a:r>
+              </a:p>
+            </p:txBody>
+          </p:sp>
+        </mc:Fallback>
+      </mc:AlternateContent>
+      <p:sp>
+        <p:nvSpPr>
+          <p:cNvPr id="17" name="正方形/長方形 16"/>
+          <p:cNvSpPr/>
+          <p:nvPr/>
+        </p:nvSpPr>
+        <p:spPr>
+          <a:xfrm>
+            <a:off x="3131840" y="2492896"/>
+            <a:ext cx="360040" cy="144016"/>
+          </a:xfrm>
+          <a:prstGeom prst="rect">
+            <a:avLst/>
+          </a:prstGeom>
+          <a:solidFill>
+            <a:schemeClr val="tx1"/>
+          </a:solidFill>
+          <a:ln>
+            <a:solidFill>
+              <a:schemeClr val="tx1"/>
+            </a:solidFill>
+          </a:ln>
+        </p:spPr>
+        <p:style>
+          <a:lnRef idx="2">
+            <a:schemeClr val="accent1">
+              <a:shade val="50000"/>
+            </a:schemeClr>
+          </a:lnRef>
+          <a:fillRef idx="1">
+            <a:schemeClr val="accent1"/>
+          </a:fillRef>
+          <a:effectRef idx="0">
+            <a:schemeClr val="accent1"/>
+          </a:effectRef>
+          <a:fontRef idx="minor">
+            <a:schemeClr val="lt1"/>
+          </a:fontRef>
+        </p:style>
+        <p:txBody>
+          <a:bodyPr rtlCol="0" anchor="ctr"/>
+          <a:lstStyle/>
+          <a:p>
+            <a:pPr algn="ctr"/>
+            <a:endParaRPr kumimoji="1" lang="ja-JP" altLang="en-US"/>
+          </a:p>
+        </p:txBody>
+      </p:sp>
+      <p:sp>
+        <p:nvSpPr>
+          <p:cNvPr id="19" name="正方形/長方形 18"/>
+          <p:cNvSpPr/>
+          <p:nvPr/>
+        </p:nvSpPr>
+        <p:spPr>
+          <a:xfrm>
+            <a:off x="4211960" y="2492896"/>
+            <a:ext cx="360040" cy="144016"/>
+          </a:xfrm>
+          <a:prstGeom prst="rect">
+            <a:avLst/>
+          </a:prstGeom>
+          <a:solidFill>
+            <a:schemeClr val="tx1"/>
+          </a:solidFill>
+          <a:ln>
+            <a:solidFill>
+              <a:schemeClr val="tx1"/>
+            </a:solidFill>
+          </a:ln>
+        </p:spPr>
+        <p:style>
+          <a:lnRef idx="2">
+            <a:schemeClr val="accent1">
+              <a:shade val="50000"/>
+            </a:schemeClr>
+          </a:lnRef>
+          <a:fillRef idx="1">
+            <a:schemeClr val="accent1"/>
+          </a:fillRef>
+          <a:effectRef idx="0">
+            <a:schemeClr val="accent1"/>
+          </a:effectRef>
+          <a:fontRef idx="minor">
+            <a:schemeClr val="lt1"/>
+          </a:fontRef>
+        </p:style>
+        <p:txBody>
+          <a:bodyPr rtlCol="0" anchor="ctr"/>
+          <a:lstStyle/>
+          <a:p>
+            <a:pPr algn="ctr"/>
+            <a:endParaRPr kumimoji="1" lang="ja-JP" altLang="en-US"/>
+          </a:p>
+        </p:txBody>
+      </p:sp>
+      <p:sp>
+        <p:nvSpPr>
+          <p:cNvPr id="20" name="正方形/長方形 19"/>
+          <p:cNvSpPr/>
+          <p:nvPr/>
+        </p:nvSpPr>
+        <p:spPr>
+          <a:xfrm>
+            <a:off x="5292080" y="2492896"/>
+            <a:ext cx="360040" cy="144016"/>
+          </a:xfrm>
+          <a:prstGeom prst="rect">
+            <a:avLst/>
+          </a:prstGeom>
+          <a:solidFill>
+            <a:schemeClr val="tx1"/>
+          </a:solidFill>
+          <a:ln>
+            <a:solidFill>
+              <a:schemeClr val="tx1"/>
+            </a:solidFill>
+          </a:ln>
+        </p:spPr>
+        <p:style>
+          <a:lnRef idx="2">
+            <a:schemeClr val="accent1">
+              <a:shade val="50000"/>
+            </a:schemeClr>
+          </a:lnRef>
+          <a:fillRef idx="1">
+            <a:schemeClr val="accent1"/>
+          </a:fillRef>
+          <a:effectRef idx="0">
+            <a:schemeClr val="accent1"/>
+          </a:effectRef>
+          <a:fontRef idx="minor">
+            <a:schemeClr val="lt1"/>
+          </a:fontRef>
+        </p:style>
+        <p:txBody>
+          <a:bodyPr rtlCol="0" anchor="ctr"/>
+          <a:lstStyle/>
+          <a:p>
+            <a:pPr algn="ctr"/>
+            <a:endParaRPr kumimoji="1" lang="ja-JP" altLang="en-US"/>
+          </a:p>
+        </p:txBody>
+      </p:sp>
+      <mc:AlternateContent xmlns:mc="http://schemas.openxmlformats.org/markup-compatibility/2006">
+        <mc:Choice xmlns:a14="http://schemas.microsoft.com/office/drawing/2010/main" Requires="a14">
+          <p:sp>
+            <p:nvSpPr>
+              <p:cNvPr id="21" name="正方形/長方形 20"/>
+              <p:cNvSpPr/>
+              <p:nvPr/>
+            </p:nvSpPr>
+            <p:spPr>
+              <a:xfrm>
+                <a:off x="3491880" y="3140968"/>
+                <a:ext cx="720080" cy="720080"/>
+              </a:xfrm>
+              <a:prstGeom prst="rect">
+                <a:avLst/>
+              </a:prstGeom>
+              <a:solidFill>
+                <a:schemeClr val="accent6">
+                  <a:lumMod val="20000"/>
+                  <a:lumOff val="80000"/>
+                </a:schemeClr>
+              </a:solidFill>
+              <a:ln>
+                <a:solidFill>
+                  <a:schemeClr val="tx1"/>
+                </a:solidFill>
+              </a:ln>
+            </p:spPr>
+            <p:style>
+              <a:lnRef idx="2">
+                <a:schemeClr val="accent1">
+                  <a:shade val="50000"/>
+                </a:schemeClr>
+              </a:lnRef>
+              <a:fillRef idx="1">
+                <a:schemeClr val="accent1"/>
+              </a:fillRef>
+              <a:effectRef idx="0">
+                <a:schemeClr val="accent1"/>
+              </a:effectRef>
+              <a:fontRef idx="minor">
+                <a:schemeClr val="lt1"/>
+              </a:fontRef>
+            </p:style>
+            <p:txBody>
+              <a:bodyPr rtlCol="0" anchor="ctr"/>
+              <a:lstStyle/>
+              <a:p>
+                <a:pPr algn="ctr"/>
+                <a14:m>
+                  <m:oMathPara xmlns:m="http://schemas.openxmlformats.org/officeDocument/2006/math">
+                    <m:oMathParaPr>
+                      <m:jc m:val="centerGroup"/>
+                    </m:oMathParaPr>
+                    <m:oMath xmlns:m="http://schemas.openxmlformats.org/officeDocument/2006/math">
+                      <m:r>
+                        <a:rPr kumimoji="1" lang="en-US" altLang="ja-JP" sz="3600" b="0" i="1" smtClean="0">
+                          <a:solidFill>
+                            <a:schemeClr val="tx1"/>
+                          </a:solidFill>
+                          <a:latin typeface="Cambria Math" panose="02040503050406030204" pitchFamily="18" charset="0"/>
+                        </a:rPr>
+                        <m:t>𝐶</m:t>
+                      </m:r>
+                    </m:oMath>
+                  </m:oMathPara>
+                </a14:m>
+                <a:endParaRPr kumimoji="1" lang="ja-JP" altLang="en-US" sz="3600" dirty="0">
+                  <a:solidFill>
+                    <a:schemeClr val="tx1"/>
+                  </a:solidFill>
+                </a:endParaRPr>
+              </a:p>
+            </p:txBody>
+          </p:sp>
+        </mc:Choice>
+        <mc:Fallback>
+          <p:sp>
+            <p:nvSpPr>
+              <p:cNvPr id="21" name="正方形/長方形 20"/>
+              <p:cNvSpPr>
+                <a:spLocks noRot="1" noChangeAspect="1" noMove="1" noResize="1" noEditPoints="1" noAdjustHandles="1" noChangeArrowheads="1" noChangeShapeType="1" noTextEdit="1"/>
+              </p:cNvSpPr>
+              <p:nvPr/>
+            </p:nvSpPr>
+            <p:spPr>
+              <a:xfrm>
+                <a:off x="3491880" y="3140968"/>
+                <a:ext cx="720080" cy="720080"/>
+              </a:xfrm>
+              <a:prstGeom prst="rect">
+                <a:avLst/>
+              </a:prstGeom>
+              <a:blipFill>
+                <a:blip r:embed="rId7"/>
+                <a:stretch>
+                  <a:fillRect/>
+                </a:stretch>
+              </a:blipFill>
+              <a:ln>
+                <a:solidFill>
+                  <a:schemeClr val="tx1"/>
+                </a:solidFill>
+              </a:ln>
+            </p:spPr>
+            <p:txBody>
+              <a:bodyPr/>
+              <a:lstStyle/>
+              <a:p>
+                <a:r>
+                  <a:rPr lang="ja-JP" altLang="en-US">
+                    <a:noFill/>
+                  </a:rPr>
+                  <a:t> </a:t>
+                </a:r>
+              </a:p>
+            </p:txBody>
+          </p:sp>
+        </mc:Fallback>
+      </mc:AlternateContent>
+      <mc:AlternateContent xmlns:mc="http://schemas.openxmlformats.org/markup-compatibility/2006">
+        <mc:Choice xmlns:a14="http://schemas.microsoft.com/office/drawing/2010/main" Requires="a14">
+          <p:sp>
+            <p:nvSpPr>
+              <p:cNvPr id="22" name="正方形/長方形 21"/>
+              <p:cNvSpPr/>
+              <p:nvPr/>
+            </p:nvSpPr>
+            <p:spPr>
+              <a:xfrm>
+                <a:off x="5724128" y="3140968"/>
+                <a:ext cx="720080" cy="720080"/>
+              </a:xfrm>
+              <a:prstGeom prst="rect">
+                <a:avLst/>
+              </a:prstGeom>
+              <a:solidFill>
+                <a:schemeClr val="accent2">
+                  <a:lumMod val="20000"/>
+                  <a:lumOff val="80000"/>
+                </a:schemeClr>
+              </a:solidFill>
+              <a:ln>
+                <a:solidFill>
+                  <a:schemeClr val="tx1"/>
+                </a:solidFill>
+              </a:ln>
+            </p:spPr>
+            <p:style>
+              <a:lnRef idx="2">
+                <a:schemeClr val="accent1">
+                  <a:shade val="50000"/>
+                </a:schemeClr>
+              </a:lnRef>
+              <a:fillRef idx="1">
+                <a:schemeClr val="accent1"/>
+              </a:fillRef>
+              <a:effectRef idx="0">
+                <a:schemeClr val="accent1"/>
+              </a:effectRef>
+              <a:fontRef idx="minor">
+                <a:schemeClr val="lt1"/>
+              </a:fontRef>
+            </p:style>
+            <p:txBody>
+              <a:bodyPr rtlCol="0" anchor="ctr"/>
+              <a:lstStyle/>
+              <a:p>
+                <a:pPr algn="ctr"/>
+                <a14:m>
+                  <m:oMathPara xmlns:m="http://schemas.openxmlformats.org/officeDocument/2006/math">
+                    <m:oMathParaPr>
+                      <m:jc m:val="centerGroup"/>
+                    </m:oMathParaPr>
+                    <m:oMath xmlns:m="http://schemas.openxmlformats.org/officeDocument/2006/math">
+                      <m:sSup>
+                        <m:sSupPr>
+                          <m:ctrlPr>
+                            <a:rPr kumimoji="1" lang="el-GR" altLang="ja-JP" sz="3600" i="1" smtClean="0">
+                              <a:solidFill>
+                                <a:schemeClr val="tx1"/>
+                              </a:solidFill>
+                              <a:latin typeface="Cambria Math" panose="02040503050406030204" pitchFamily="18" charset="0"/>
+                              <a:ea typeface="Cambria Math" panose="02040503050406030204" pitchFamily="18" charset="0"/>
+                            </a:rPr>
+                          </m:ctrlPr>
+                        </m:sSupPr>
+                        <m:e>
+                          <m:acc>
+                            <m:accPr>
+                              <m:chr m:val="̃"/>
+                              <m:ctrlPr>
+                                <a:rPr kumimoji="1" lang="el-GR" altLang="ja-JP" sz="3600" i="1" smtClean="0">
+                                  <a:solidFill>
+                                    <a:schemeClr val="tx1"/>
+                                  </a:solidFill>
+                                  <a:latin typeface="Cambria Math" panose="02040503050406030204" pitchFamily="18" charset="0"/>
+                                  <a:ea typeface="Cambria Math" panose="02040503050406030204" pitchFamily="18" charset="0"/>
+                                </a:rPr>
+                              </m:ctrlPr>
+                            </m:accPr>
+                            <m:e>
+                              <m:r>
+                                <a:rPr kumimoji="1" lang="en-US" altLang="ja-JP" sz="3600" b="0" i="1" smtClean="0">
+                                  <a:solidFill>
+                                    <a:schemeClr val="tx1"/>
+                                  </a:solidFill>
+                                  <a:latin typeface="Cambria Math" panose="02040503050406030204" pitchFamily="18" charset="0"/>
+                                  <a:ea typeface="Cambria Math" panose="02040503050406030204" pitchFamily="18" charset="0"/>
+                                </a:rPr>
+                                <m:t>𝑉</m:t>
+                              </m:r>
+                            </m:e>
+                          </m:acc>
+                        </m:e>
+                        <m:sup>
+                          <m:r>
+                            <a:rPr kumimoji="1" lang="el-GR" altLang="ja-JP" sz="3600" i="1" smtClean="0">
+                              <a:solidFill>
+                                <a:schemeClr val="tx1"/>
+                              </a:solidFill>
+                              <a:latin typeface="Cambria Math" panose="02040503050406030204" pitchFamily="18" charset="0"/>
+                              <a:ea typeface="Cambria Math" panose="02040503050406030204" pitchFamily="18" charset="0"/>
+                            </a:rPr>
+                            <m:t>†</m:t>
+                          </m:r>
+                        </m:sup>
+                      </m:sSup>
+                    </m:oMath>
+                  </m:oMathPara>
+                </a14:m>
+                <a:endParaRPr kumimoji="1" lang="ja-JP" altLang="en-US" sz="3600" dirty="0">
+                  <a:solidFill>
+                    <a:schemeClr val="tx1"/>
+                  </a:solidFill>
+                </a:endParaRPr>
+              </a:p>
+            </p:txBody>
+          </p:sp>
+        </mc:Choice>
+        <mc:Fallback>
+          <p:sp>
+            <p:nvSpPr>
+              <p:cNvPr id="22" name="正方形/長方形 21"/>
+              <p:cNvSpPr>
+                <a:spLocks noRot="1" noChangeAspect="1" noMove="1" noResize="1" noEditPoints="1" noAdjustHandles="1" noChangeArrowheads="1" noChangeShapeType="1" noTextEdit="1"/>
+              </p:cNvSpPr>
+              <p:nvPr/>
+            </p:nvSpPr>
+            <p:spPr>
+              <a:xfrm>
+                <a:off x="5724128" y="3140968"/>
+                <a:ext cx="720080" cy="720080"/>
+              </a:xfrm>
+              <a:prstGeom prst="rect">
+                <a:avLst/>
+              </a:prstGeom>
+              <a:blipFill>
+                <a:blip r:embed="rId8"/>
+                <a:stretch>
+                  <a:fillRect/>
+                </a:stretch>
+              </a:blipFill>
+              <a:ln>
+                <a:solidFill>
+                  <a:schemeClr val="tx1"/>
+                </a:solidFill>
+              </a:ln>
+            </p:spPr>
+            <p:txBody>
+              <a:bodyPr/>
+              <a:lstStyle/>
+              <a:p>
+                <a:r>
+                  <a:rPr lang="ja-JP" altLang="en-US">
+                    <a:noFill/>
+                  </a:rPr>
+                  <a:t> </a:t>
+                </a:r>
+              </a:p>
+            </p:txBody>
+          </p:sp>
+        </mc:Fallback>
+      </mc:AlternateContent>
+      <p:sp>
+        <p:nvSpPr>
+          <p:cNvPr id="23" name="正方形/長方形 22"/>
+          <p:cNvSpPr/>
+          <p:nvPr/>
+        </p:nvSpPr>
+        <p:spPr>
+          <a:xfrm>
+            <a:off x="3131840" y="3429000"/>
+            <a:ext cx="360040" cy="144016"/>
+          </a:xfrm>
+          <a:prstGeom prst="rect">
+            <a:avLst/>
+          </a:prstGeom>
+          <a:solidFill>
+            <a:schemeClr val="tx1"/>
+          </a:solidFill>
+          <a:ln>
+            <a:solidFill>
+              <a:schemeClr val="tx1"/>
+            </a:solidFill>
+          </a:ln>
+        </p:spPr>
+        <p:style>
+          <a:lnRef idx="2">
+            <a:schemeClr val="accent1">
+              <a:shade val="50000"/>
+            </a:schemeClr>
+          </a:lnRef>
+          <a:fillRef idx="1">
+            <a:schemeClr val="accent1"/>
+          </a:fillRef>
+          <a:effectRef idx="0">
+            <a:schemeClr val="accent1"/>
+          </a:effectRef>
+          <a:fontRef idx="minor">
+            <a:schemeClr val="lt1"/>
+          </a:fontRef>
+        </p:style>
+        <p:txBody>
+          <a:bodyPr rtlCol="0" anchor="ctr"/>
+          <a:lstStyle/>
+          <a:p>
+            <a:pPr algn="ctr"/>
+            <a:endParaRPr kumimoji="1" lang="ja-JP" altLang="en-US"/>
+          </a:p>
+        </p:txBody>
+      </p:sp>
+      <p:sp>
+        <p:nvSpPr>
+          <p:cNvPr id="24" name="正方形/長方形 23"/>
+          <p:cNvSpPr/>
+          <p:nvPr/>
+        </p:nvSpPr>
+        <p:spPr>
+          <a:xfrm>
+            <a:off x="4211960" y="3429000"/>
+            <a:ext cx="360040" cy="144016"/>
+          </a:xfrm>
+          <a:prstGeom prst="rect">
+            <a:avLst/>
+          </a:prstGeom>
+          <a:solidFill>
+            <a:schemeClr val="tx1"/>
+          </a:solidFill>
+          <a:ln>
+            <a:solidFill>
+              <a:schemeClr val="tx1"/>
+            </a:solidFill>
+          </a:ln>
+        </p:spPr>
+        <p:style>
+          <a:lnRef idx="2">
+            <a:schemeClr val="accent1">
+              <a:shade val="50000"/>
+            </a:schemeClr>
+          </a:lnRef>
+          <a:fillRef idx="1">
+            <a:schemeClr val="accent1"/>
+          </a:fillRef>
+          <a:effectRef idx="0">
+            <a:schemeClr val="accent1"/>
+          </a:effectRef>
+          <a:fontRef idx="minor">
+            <a:schemeClr val="lt1"/>
+          </a:fontRef>
+        </p:style>
+        <p:txBody>
+          <a:bodyPr rtlCol="0" anchor="ctr"/>
+          <a:lstStyle/>
+          <a:p>
+            <a:pPr algn="ctr"/>
+            <a:endParaRPr kumimoji="1" lang="ja-JP" altLang="en-US"/>
+          </a:p>
+        </p:txBody>
+      </p:sp>
+      <p:grpSp>
+        <p:nvGrpSpPr>
+          <p:cNvPr id="26" name="グループ化 25"/>
+          <p:cNvGrpSpPr/>
+          <p:nvPr/>
+        </p:nvGrpSpPr>
+        <p:grpSpPr>
+          <a:xfrm rot="10800000">
+            <a:off x="4644008" y="4221088"/>
+            <a:ext cx="1080120" cy="720080"/>
+            <a:chOff x="4211960" y="1268760"/>
+            <a:chExt cx="1080120" cy="720080"/>
+          </a:xfrm>
+        </p:grpSpPr>
+        <p:sp>
+          <p:nvSpPr>
+            <p:cNvPr id="27" name="二等辺三角形 26"/>
+            <p:cNvSpPr/>
+            <p:nvPr/>
+          </p:nvSpPr>
+          <p:spPr>
+            <a:xfrm rot="16200000">
+              <a:off x="4391980" y="1448780"/>
+              <a:ext cx="720080" cy="360040"/>
+            </a:xfrm>
+            <a:prstGeom prst="triangle">
+              <a:avLst/>
+            </a:prstGeom>
+            <a:solidFill>
+              <a:schemeClr val="accent2">
+                <a:lumMod val="40000"/>
+                <a:lumOff val="60000"/>
+              </a:schemeClr>
+            </a:solidFill>
+            <a:ln>
+              <a:solidFill>
+                <a:schemeClr val="tx1"/>
+              </a:solidFill>
+            </a:ln>
+          </p:spPr>
+          <p:style>
+            <a:lnRef idx="2">
+              <a:schemeClr val="accent1">
+                <a:shade val="50000"/>
+              </a:schemeClr>
+            </a:lnRef>
+            <a:fillRef idx="1">
+              <a:schemeClr val="accent1"/>
+            </a:fillRef>
+            <a:effectRef idx="0">
+              <a:schemeClr val="accent1"/>
+            </a:effectRef>
+            <a:fontRef idx="minor">
+              <a:schemeClr val="lt1"/>
+            </a:fontRef>
+          </p:style>
+          <p:txBody>
+            <a:bodyPr rtlCol="0" anchor="ctr"/>
+            <a:lstStyle/>
+            <a:p>
+              <a:pPr algn="ctr"/>
+              <a:endParaRPr kumimoji="1" lang="ja-JP" altLang="en-US"/>
+            </a:p>
+          </p:txBody>
+        </p:sp>
+        <p:cxnSp>
+          <p:nvCxnSpPr>
+            <p:cNvPr id="28" name="直線コネクタ 27"/>
+            <p:cNvCxnSpPr/>
+            <p:nvPr/>
+          </p:nvCxnSpPr>
+          <p:spPr>
+            <a:xfrm flipH="1">
+              <a:off x="4211960" y="1628800"/>
+              <a:ext cx="360040" cy="0"/>
+            </a:xfrm>
+            <a:prstGeom prst="line">
+              <a:avLst/>
+            </a:prstGeom>
+            <a:ln w="12700">
+              <a:solidFill>
+                <a:schemeClr val="tx1"/>
+              </a:solidFill>
+            </a:ln>
+          </p:spPr>
+          <p:style>
+            <a:lnRef idx="1">
+              <a:schemeClr val="accent1"/>
+            </a:lnRef>
+            <a:fillRef idx="0">
+              <a:schemeClr val="accent1"/>
+            </a:fillRef>
+            <a:effectRef idx="0">
+              <a:schemeClr val="accent1"/>
+            </a:effectRef>
+            <a:fontRef idx="minor">
+              <a:schemeClr val="tx1"/>
+            </a:fontRef>
+          </p:style>
+        </p:cxnSp>
+        <p:sp>
+          <p:nvSpPr>
+            <p:cNvPr id="29" name="正方形/長方形 28"/>
+            <p:cNvSpPr/>
+            <p:nvPr/>
+          </p:nvSpPr>
+          <p:spPr>
+            <a:xfrm>
+              <a:off x="4932040" y="1556792"/>
+              <a:ext cx="360040" cy="144016"/>
+            </a:xfrm>
+            <a:prstGeom prst="rect">
+              <a:avLst/>
+            </a:prstGeom>
+            <a:solidFill>
+              <a:schemeClr val="tx1"/>
+            </a:solidFill>
+            <a:ln>
+              <a:solidFill>
+                <a:schemeClr val="tx1"/>
+              </a:solidFill>
+            </a:ln>
+          </p:spPr>
+          <p:style>
+            <a:lnRef idx="2">
+              <a:schemeClr val="accent1">
+                <a:shade val="50000"/>
+              </a:schemeClr>
+            </a:lnRef>
+            <a:fillRef idx="1">
+              <a:schemeClr val="accent1"/>
+            </a:fillRef>
+            <a:effectRef idx="0">
+              <a:schemeClr val="accent1"/>
+            </a:effectRef>
+            <a:fontRef idx="minor">
+              <a:schemeClr val="lt1"/>
+            </a:fontRef>
+          </p:style>
+          <p:txBody>
+            <a:bodyPr rtlCol="0" anchor="ctr"/>
+            <a:lstStyle/>
+            <a:p>
+              <a:pPr algn="ctr"/>
+              <a:endParaRPr kumimoji="1" lang="ja-JP" altLang="en-US"/>
+            </a:p>
+          </p:txBody>
+        </p:sp>
+      </p:grpSp>
+      <p:grpSp>
+        <p:nvGrpSpPr>
+          <p:cNvPr id="30" name="グループ化 29"/>
+          <p:cNvGrpSpPr/>
+          <p:nvPr/>
+        </p:nvGrpSpPr>
+        <p:grpSpPr>
+          <a:xfrm rot="10800000">
+            <a:off x="5724128" y="4221088"/>
+            <a:ext cx="720080" cy="720080"/>
+            <a:chOff x="2051720" y="4149080"/>
+            <a:chExt cx="720080" cy="720080"/>
+          </a:xfrm>
+        </p:grpSpPr>
+        <p:sp>
+          <p:nvSpPr>
+            <p:cNvPr id="31" name="二等辺三角形 30"/>
+            <p:cNvSpPr/>
+            <p:nvPr/>
+          </p:nvSpPr>
+          <p:spPr>
+            <a:xfrm rot="5400000">
+              <a:off x="2231740" y="4329100"/>
+              <a:ext cx="720080" cy="360040"/>
+            </a:xfrm>
+            <a:prstGeom prst="triangle">
+              <a:avLst/>
+            </a:prstGeom>
+            <a:solidFill>
+              <a:schemeClr val="accent2">
+                <a:lumMod val="40000"/>
+                <a:lumOff val="60000"/>
+              </a:schemeClr>
+            </a:solidFill>
+            <a:ln>
+              <a:solidFill>
+                <a:schemeClr val="tx1"/>
+              </a:solidFill>
+            </a:ln>
+          </p:spPr>
+          <p:style>
+            <a:lnRef idx="2">
+              <a:schemeClr val="accent1">
+                <a:shade val="50000"/>
+              </a:schemeClr>
+            </a:lnRef>
+            <a:fillRef idx="1">
+              <a:schemeClr val="accent1"/>
+            </a:fillRef>
+            <a:effectRef idx="0">
+              <a:schemeClr val="accent1"/>
+            </a:effectRef>
+            <a:fontRef idx="minor">
+              <a:schemeClr val="lt1"/>
+            </a:fontRef>
+          </p:style>
+          <p:txBody>
+            <a:bodyPr rtlCol="0" anchor="ctr"/>
+            <a:lstStyle/>
+            <a:p>
+              <a:pPr algn="ctr"/>
+              <a:endParaRPr kumimoji="1" lang="ja-JP" altLang="en-US"/>
+            </a:p>
+          </p:txBody>
+        </p:sp>
+        <p:sp>
+          <p:nvSpPr>
+            <p:cNvPr id="32" name="正方形/長方形 31"/>
+            <p:cNvSpPr/>
+            <p:nvPr/>
+          </p:nvSpPr>
+          <p:spPr>
+            <a:xfrm>
+              <a:off x="2051720" y="4437112"/>
+              <a:ext cx="360040" cy="144016"/>
+            </a:xfrm>
+            <a:prstGeom prst="rect">
+              <a:avLst/>
+            </a:prstGeom>
+            <a:solidFill>
+              <a:schemeClr val="tx1"/>
+            </a:solidFill>
+            <a:ln>
+              <a:solidFill>
+                <a:schemeClr val="tx1"/>
+              </a:solidFill>
+            </a:ln>
+          </p:spPr>
+          <p:style>
+            <a:lnRef idx="2">
+              <a:schemeClr val="accent1">
+                <a:shade val="50000"/>
+              </a:schemeClr>
+            </a:lnRef>
+            <a:fillRef idx="1">
+              <a:schemeClr val="accent1"/>
+            </a:fillRef>
+            <a:effectRef idx="0">
+              <a:schemeClr val="accent1"/>
+            </a:effectRef>
+            <a:fontRef idx="minor">
+              <a:schemeClr val="lt1"/>
+            </a:fontRef>
+          </p:style>
+          <p:txBody>
+            <a:bodyPr rtlCol="0" anchor="ctr"/>
+            <a:lstStyle/>
+            <a:p>
+              <a:pPr algn="ctr"/>
+              <a:endParaRPr kumimoji="1" lang="ja-JP" altLang="en-US"/>
+            </a:p>
+          </p:txBody>
+        </p:sp>
+      </p:grpSp>
+      <p:sp>
+        <p:nvSpPr>
+          <p:cNvPr id="33" name="正方形/長方形 32"/>
+          <p:cNvSpPr/>
+          <p:nvPr/>
+        </p:nvSpPr>
+        <p:spPr>
+          <a:xfrm>
+            <a:off x="6444208" y="3429000"/>
+            <a:ext cx="360040" cy="144016"/>
+          </a:xfrm>
+          <a:prstGeom prst="rect">
+            <a:avLst/>
+          </a:prstGeom>
+          <a:solidFill>
+            <a:schemeClr val="tx1"/>
+          </a:solidFill>
+          <a:ln>
+            <a:solidFill>
+              <a:schemeClr val="tx1"/>
+            </a:solidFill>
+          </a:ln>
+        </p:spPr>
+        <p:style>
+          <a:lnRef idx="2">
+            <a:schemeClr val="accent1">
+              <a:shade val="50000"/>
+            </a:schemeClr>
+          </a:lnRef>
+          <a:fillRef idx="1">
+            <a:schemeClr val="accent1"/>
+          </a:fillRef>
+          <a:effectRef idx="0">
+            <a:schemeClr val="accent1"/>
+          </a:effectRef>
+          <a:fontRef idx="minor">
+            <a:schemeClr val="lt1"/>
+          </a:fontRef>
+        </p:style>
+        <p:txBody>
+          <a:bodyPr rtlCol="0" anchor="ctr"/>
+          <a:lstStyle/>
+          <a:p>
+            <a:pPr algn="ctr"/>
+            <a:endParaRPr kumimoji="1" lang="ja-JP" altLang="en-US"/>
+          </a:p>
+        </p:txBody>
+      </p:sp>
+      <mc:AlternateContent xmlns:mc="http://schemas.openxmlformats.org/markup-compatibility/2006">
+        <mc:Choice xmlns:a14="http://schemas.microsoft.com/office/drawing/2010/main" Requires="a14">
+          <p:sp>
+            <p:nvSpPr>
+              <p:cNvPr id="34" name="正方形/長方形 33"/>
+              <p:cNvSpPr/>
+              <p:nvPr/>
+            </p:nvSpPr>
+            <p:spPr>
+              <a:xfrm>
+                <a:off x="4572000" y="3140968"/>
+                <a:ext cx="720080" cy="720080"/>
+              </a:xfrm>
+              <a:prstGeom prst="rect">
+                <a:avLst/>
+              </a:prstGeom>
+              <a:solidFill>
+                <a:schemeClr val="accent2">
+                  <a:lumMod val="20000"/>
+                  <a:lumOff val="80000"/>
+                </a:schemeClr>
+              </a:solidFill>
+              <a:ln>
+                <a:solidFill>
+                  <a:schemeClr val="tx1"/>
+                </a:solidFill>
+              </a:ln>
+            </p:spPr>
+            <p:style>
+              <a:lnRef idx="2">
+                <a:schemeClr val="accent1">
+                  <a:shade val="50000"/>
+                </a:schemeClr>
+              </a:lnRef>
+              <a:fillRef idx="1">
+                <a:schemeClr val="accent1"/>
+              </a:fillRef>
+              <a:effectRef idx="0">
+                <a:schemeClr val="accent1"/>
+              </a:effectRef>
+              <a:fontRef idx="minor">
+                <a:schemeClr val="lt1"/>
+              </a:fontRef>
+            </p:style>
+            <p:txBody>
+              <a:bodyPr rtlCol="0" anchor="ctr"/>
+              <a:lstStyle/>
+              <a:p>
+                <a:pPr algn="ctr"/>
+                <a14:m>
+                  <m:oMathPara xmlns:m="http://schemas.openxmlformats.org/officeDocument/2006/math">
+                    <m:oMathParaPr>
+                      <m:jc m:val="centerGroup"/>
+                    </m:oMathParaPr>
+                    <m:oMath xmlns:m="http://schemas.openxmlformats.org/officeDocument/2006/math">
+                      <m:acc>
+                        <m:accPr>
+                          <m:chr m:val="̃"/>
+                          <m:ctrlPr>
+                            <a:rPr kumimoji="1" lang="el-GR" altLang="ja-JP" sz="3600" i="1" smtClean="0">
+                              <a:solidFill>
+                                <a:schemeClr val="tx1"/>
+                              </a:solidFill>
+                              <a:latin typeface="Cambria Math" panose="02040503050406030204" pitchFamily="18" charset="0"/>
+                              <a:ea typeface="Cambria Math" panose="02040503050406030204" pitchFamily="18" charset="0"/>
+                            </a:rPr>
+                          </m:ctrlPr>
+                        </m:accPr>
+                        <m:e>
+                          <m:r>
+                            <a:rPr kumimoji="1" lang="en-US" altLang="ja-JP" sz="3600" b="0" i="1" smtClean="0">
+                              <a:solidFill>
+                                <a:schemeClr val="tx1"/>
+                              </a:solidFill>
+                              <a:latin typeface="Cambria Math" panose="02040503050406030204" pitchFamily="18" charset="0"/>
+                              <a:ea typeface="Cambria Math" panose="02040503050406030204" pitchFamily="18" charset="0"/>
+                            </a:rPr>
+                            <m:t>𝑉</m:t>
+                          </m:r>
+                        </m:e>
+                      </m:acc>
+                    </m:oMath>
+                  </m:oMathPara>
+                </a14:m>
+                <a:endParaRPr kumimoji="1" lang="ja-JP" altLang="en-US" sz="3600" dirty="0">
+                  <a:solidFill>
+                    <a:schemeClr val="tx1"/>
+                  </a:solidFill>
+                </a:endParaRPr>
+              </a:p>
+            </p:txBody>
+          </p:sp>
+        </mc:Choice>
+        <mc:Fallback>
+          <p:sp>
+            <p:nvSpPr>
+              <p:cNvPr id="34" name="正方形/長方形 33"/>
+              <p:cNvSpPr>
+                <a:spLocks noRot="1" noChangeAspect="1" noMove="1" noResize="1" noEditPoints="1" noAdjustHandles="1" noChangeArrowheads="1" noChangeShapeType="1" noTextEdit="1"/>
+              </p:cNvSpPr>
+              <p:nvPr/>
+            </p:nvSpPr>
+            <p:spPr>
+              <a:xfrm>
+                <a:off x="4572000" y="3140968"/>
+                <a:ext cx="720080" cy="720080"/>
+              </a:xfrm>
+              <a:prstGeom prst="rect">
+                <a:avLst/>
+              </a:prstGeom>
+              <a:blipFill>
+                <a:blip r:embed="rId9"/>
+                <a:stretch>
+                  <a:fillRect/>
+                </a:stretch>
+              </a:blipFill>
+              <a:ln>
+                <a:solidFill>
+                  <a:schemeClr val="tx1"/>
+                </a:solidFill>
+              </a:ln>
+            </p:spPr>
+            <p:txBody>
+              <a:bodyPr/>
+              <a:lstStyle/>
+              <a:p>
+                <a:r>
+                  <a:rPr lang="ja-JP" altLang="en-US">
+                    <a:noFill/>
+                  </a:rPr>
+                  <a:t> </a:t>
+                </a:r>
+              </a:p>
+            </p:txBody>
+          </p:sp>
+        </mc:Fallback>
+      </mc:AlternateContent>
+      <p:cxnSp>
+        <p:nvCxnSpPr>
+          <p:cNvPr id="36" name="直線コネクタ 35"/>
+          <p:cNvCxnSpPr>
+            <a:stCxn id="34" idx="3"/>
+          </p:cNvCxnSpPr>
+          <p:nvPr/>
+        </p:nvCxnSpPr>
+        <p:spPr>
+          <a:xfrm>
+            <a:off x="5292080" y="3501008"/>
+            <a:ext cx="432048" cy="0"/>
+          </a:xfrm>
+          <a:prstGeom prst="line">
+            <a:avLst/>
+          </a:prstGeom>
+          <a:ln w="12700">
+            <a:solidFill>
+              <a:schemeClr val="tx1"/>
+            </a:solidFill>
+          </a:ln>
+        </p:spPr>
+        <p:style>
+          <a:lnRef idx="1">
+            <a:schemeClr val="accent1"/>
+          </a:lnRef>
+          <a:fillRef idx="0">
+            <a:schemeClr val="accent1"/>
+          </a:fillRef>
+          <a:effectRef idx="0">
+            <a:schemeClr val="accent1"/>
+          </a:effectRef>
+          <a:fontRef idx="minor">
+            <a:schemeClr val="tx1"/>
+          </a:fontRef>
+        </p:style>
+      </p:cxnSp>
+      <p:sp>
+        <p:nvSpPr>
+          <p:cNvPr id="39" name="テキスト ボックス 38"/>
+          <p:cNvSpPr txBox="1"/>
+          <p:nvPr/>
+        </p:nvSpPr>
+        <p:spPr>
+          <a:xfrm>
+            <a:off x="2411760" y="1196752"/>
+            <a:ext cx="465192" cy="769441"/>
+          </a:xfrm>
+          <a:prstGeom prst="rect">
+            <a:avLst/>
+          </a:prstGeom>
+          <a:noFill/>
+        </p:spPr>
+        <p:txBody>
+          <a:bodyPr wrap="none" rtlCol="0">
+            <a:spAutoFit/>
+          </a:bodyPr>
+          <a:lstStyle/>
+          <a:p>
+            <a:r>
+              <a:rPr kumimoji="1" lang="en-US" altLang="ja-JP" sz="4400" smtClean="0"/>
+              <a:t>=</a:t>
+            </a:r>
+            <a:endParaRPr kumimoji="1" lang="ja-JP" altLang="en-US" sz="4400"/>
+          </a:p>
+        </p:txBody>
+      </p:sp>
+      <mc:AlternateContent xmlns:mc="http://schemas.openxmlformats.org/markup-compatibility/2006">
+        <mc:Choice xmlns:a14="http://schemas.microsoft.com/office/drawing/2010/main" Requires="a14">
+          <p:sp>
+            <p:nvSpPr>
+              <p:cNvPr id="40" name="テキスト ボックス 39">
+                <a:extLst>
+                  <a:ext uri="{FF2B5EF4-FFF2-40B4-BE49-F238E27FC236}">
+                    <a16:creationId xmlns:a16="http://schemas.microsoft.com/office/drawing/2014/main" id="{F3924E14-7FCB-E443-A7EC-8F3DB10D927C}"/>
+                  </a:ext>
+                </a:extLst>
+              </p:cNvPr>
+              <p:cNvSpPr txBox="1"/>
+              <p:nvPr/>
+            </p:nvSpPr>
+            <p:spPr>
+              <a:xfrm>
+                <a:off x="2411760" y="3140968"/>
+                <a:ext cx="543417" cy="677108"/>
+              </a:xfrm>
+              <a:prstGeom prst="rect">
+                <a:avLst/>
+              </a:prstGeom>
+              <a:noFill/>
+            </p:spPr>
+            <p:txBody>
+              <a:bodyPr wrap="none" lIns="0" tIns="0" rIns="0" bIns="0" rtlCol="0">
+                <a:spAutoFit/>
+              </a:bodyPr>
+              <a:lstStyle/>
+              <a:p>
+                <a:pPr/>
+                <a14:m>
+                  <m:oMathPara xmlns:m="http://schemas.openxmlformats.org/officeDocument/2006/math">
+                    <m:oMathParaPr>
+                      <m:jc m:val="centerGroup"/>
+                    </m:oMathParaPr>
+                    <m:oMath xmlns:m="http://schemas.openxmlformats.org/officeDocument/2006/math">
+                      <m:r>
+                        <a:rPr kumimoji="1" lang="en-US" altLang="ja-JP" sz="4400" b="0" i="1" smtClean="0">
+                          <a:latin typeface="Cambria Math" panose="02040503050406030204" pitchFamily="18" charset="0"/>
+                          <a:ea typeface="Cambria Math" panose="02040503050406030204" pitchFamily="18" charset="0"/>
+                        </a:rPr>
+                        <m:t>≈</m:t>
+                      </m:r>
+                    </m:oMath>
+                  </m:oMathPara>
+                </a14:m>
+                <a:endParaRPr kumimoji="1" lang="ja-JP" altLang="en-US" sz="4400" dirty="0"/>
+              </a:p>
+            </p:txBody>
+          </p:sp>
+        </mc:Choice>
+        <mc:Fallback>
+          <p:sp>
+            <p:nvSpPr>
+              <p:cNvPr id="40" name="テキスト ボックス 39">
+                <a:extLst>
+                  <a:ext uri="{FF2B5EF4-FFF2-40B4-BE49-F238E27FC236}">
+                    <a16:creationId xmlns:a16="http://schemas.microsoft.com/office/drawing/2014/main" id="{F3924E14-7FCB-E443-A7EC-8F3DB10D927C}"/>
+                  </a:ext>
+                </a:extLst>
+              </p:cNvPr>
+              <p:cNvSpPr txBox="1">
+                <a:spLocks noRot="1" noChangeAspect="1" noMove="1" noResize="1" noEditPoints="1" noAdjustHandles="1" noChangeArrowheads="1" noChangeShapeType="1" noTextEdit="1"/>
+              </p:cNvSpPr>
+              <p:nvPr/>
+            </p:nvSpPr>
+            <p:spPr>
+              <a:xfrm>
+                <a:off x="2411760" y="3140968"/>
+                <a:ext cx="543417" cy="677108"/>
+              </a:xfrm>
+              <a:prstGeom prst="rect">
+                <a:avLst/>
+              </a:prstGeom>
+              <a:blipFill>
+                <a:blip r:embed="rId10"/>
+                <a:stretch>
+                  <a:fillRect/>
+                </a:stretch>
+              </a:blipFill>
+            </p:spPr>
+            <p:txBody>
+              <a:bodyPr/>
+              <a:lstStyle/>
+              <a:p>
+                <a:r>
+                  <a:rPr lang="ja-JP" altLang="en-US">
+                    <a:noFill/>
+                  </a:rPr>
+                  <a:t> </a:t>
+                </a:r>
+              </a:p>
+            </p:txBody>
+          </p:sp>
+        </mc:Fallback>
+      </mc:AlternateContent>
+      <p:sp>
+        <p:nvSpPr>
+          <p:cNvPr id="41" name="テキスト ボックス 40"/>
+          <p:cNvSpPr txBox="1"/>
+          <p:nvPr/>
+        </p:nvSpPr>
+        <p:spPr>
+          <a:xfrm>
+            <a:off x="2411760" y="2132856"/>
+            <a:ext cx="465192" cy="769441"/>
+          </a:xfrm>
+          <a:prstGeom prst="rect">
+            <a:avLst/>
+          </a:prstGeom>
+          <a:noFill/>
+        </p:spPr>
+        <p:txBody>
+          <a:bodyPr wrap="none" rtlCol="0">
+            <a:spAutoFit/>
+          </a:bodyPr>
+          <a:lstStyle/>
+          <a:p>
+            <a:r>
+              <a:rPr kumimoji="1" lang="en-US" altLang="ja-JP" sz="4400" smtClean="0"/>
+              <a:t>=</a:t>
+            </a:r>
+            <a:endParaRPr kumimoji="1" lang="ja-JP" altLang="en-US" sz="4400"/>
+          </a:p>
+        </p:txBody>
+      </p:sp>
+      <p:sp>
+        <p:nvSpPr>
+          <p:cNvPr id="42" name="左中かっこ 41"/>
+          <p:cNvSpPr/>
+          <p:nvPr/>
+        </p:nvSpPr>
+        <p:spPr>
+          <a:xfrm rot="16200000">
+            <a:off x="5400092" y="2816932"/>
+            <a:ext cx="288032" cy="2520280"/>
+          </a:xfrm>
+          <a:prstGeom prst="leftBrace">
+            <a:avLst/>
+          </a:prstGeom>
+          <a:ln w="12700">
+            <a:solidFill>
+              <a:schemeClr val="tx1"/>
+            </a:solidFill>
+          </a:ln>
+        </p:spPr>
+        <p:style>
+          <a:lnRef idx="1">
+            <a:schemeClr val="accent1"/>
+          </a:lnRef>
+          <a:fillRef idx="0">
+            <a:schemeClr val="accent1"/>
+          </a:fillRef>
+          <a:effectRef idx="0">
+            <a:schemeClr val="accent1"/>
+          </a:effectRef>
+          <a:fontRef idx="minor">
+            <a:schemeClr val="tx1"/>
+          </a:fontRef>
+        </p:style>
+        <p:txBody>
+          <a:bodyPr rtlCol="0" anchor="ctr"/>
+          <a:lstStyle/>
+          <a:p>
+            <a:pPr algn="ctr"/>
+            <a:endParaRPr kumimoji="1" lang="ja-JP" altLang="en-US"/>
+          </a:p>
+        </p:txBody>
+      </p:sp>
+      <p:cxnSp>
+        <p:nvCxnSpPr>
+          <p:cNvPr id="44" name="直線コネクタ 43"/>
+          <p:cNvCxnSpPr/>
+          <p:nvPr/>
+        </p:nvCxnSpPr>
+        <p:spPr>
+          <a:xfrm>
+            <a:off x="3491880" y="1916832"/>
+            <a:ext cx="0" cy="288032"/>
+          </a:xfrm>
+          <a:prstGeom prst="line">
+            <a:avLst/>
+          </a:prstGeom>
+          <a:ln w="12700">
+            <a:solidFill>
+              <a:schemeClr val="tx1"/>
+            </a:solidFill>
+          </a:ln>
+        </p:spPr>
+        <p:style>
+          <a:lnRef idx="1">
+            <a:schemeClr val="accent1"/>
+          </a:lnRef>
+          <a:fillRef idx="0">
+            <a:schemeClr val="accent1"/>
+          </a:fillRef>
+          <a:effectRef idx="0">
+            <a:schemeClr val="accent1"/>
+          </a:effectRef>
+          <a:fontRef idx="minor">
+            <a:schemeClr val="tx1"/>
+          </a:fontRef>
+        </p:style>
+      </p:cxnSp>
+      <p:cxnSp>
+        <p:nvCxnSpPr>
+          <p:cNvPr id="46" name="直線コネクタ 45"/>
+          <p:cNvCxnSpPr/>
+          <p:nvPr/>
+        </p:nvCxnSpPr>
+        <p:spPr>
+          <a:xfrm flipH="1">
+            <a:off x="4211960" y="1988840"/>
+            <a:ext cx="1080120" cy="216024"/>
+          </a:xfrm>
+          <a:prstGeom prst="line">
+            <a:avLst/>
+          </a:prstGeom>
+          <a:ln w="12700">
+            <a:solidFill>
+              <a:schemeClr val="tx1"/>
+            </a:solidFill>
+          </a:ln>
+        </p:spPr>
+        <p:style>
+          <a:lnRef idx="1">
+            <a:schemeClr val="accent1"/>
+          </a:lnRef>
+          <a:fillRef idx="0">
+            <a:schemeClr val="accent1"/>
+          </a:fillRef>
+          <a:effectRef idx="0">
+            <a:schemeClr val="accent1"/>
+          </a:effectRef>
+          <a:fontRef idx="minor">
+            <a:schemeClr val="tx1"/>
+          </a:fontRef>
+        </p:style>
+      </p:cxnSp>
+    </p:spTree>
+    <p:extLst>
+      <p:ext uri="{BB962C8B-B14F-4D97-AF65-F5344CB8AC3E}">
+        <p14:creationId xmlns:p14="http://schemas.microsoft.com/office/powerpoint/2010/main" val="928357091"/>
+      </p:ext>
+    </p:extLst>
+  </p:cSld>
+  <p:clrMapOvr>
+    <a:masterClrMapping/>
+  </p:clrMapOvr>
+</p:sld>
+</file>
+
+<file path=ppt/slides/slide5.xml><?xml version="1.0" encoding="utf-8"?>
+<p:sld xmlns:a="http://schemas.openxmlformats.org/drawingml/2006/main" xmlns:r="http://schemas.openxmlformats.org/officeDocument/2006/relationships" xmlns:p="http://schemas.openxmlformats.org/presentationml/2006/main">
+  <p:cSld>
+    <p:spTree>
+      <p:nvGrpSpPr>
+        <p:cNvPr id="1" name=""/>
+        <p:cNvGrpSpPr/>
+        <p:nvPr/>
+      </p:nvGrpSpPr>
+      <p:grpSpPr>
+        <a:xfrm>
+          <a:off x="0" y="0"/>
+          <a:ext cx="0" cy="0"/>
+          <a:chOff x="0" y="0"/>
+          <a:chExt cx="0" cy="0"/>
+        </a:xfrm>
+      </p:grpSpPr>
+      <p:sp>
+        <p:nvSpPr>
+          <p:cNvPr id="2" name="正方形/長方形 1"/>
+          <p:cNvSpPr/>
+          <p:nvPr/>
+        </p:nvSpPr>
+        <p:spPr>
+          <a:xfrm>
+            <a:off x="1835696" y="901169"/>
+            <a:ext cx="720080" cy="720080"/>
+          </a:xfrm>
+          <a:prstGeom prst="rect">
+            <a:avLst/>
+          </a:prstGeom>
+          <a:solidFill>
+            <a:schemeClr val="accent1">
+              <a:lumMod val="20000"/>
+              <a:lumOff val="80000"/>
+            </a:schemeClr>
+          </a:solidFill>
+          <a:ln>
+            <a:solidFill>
+              <a:schemeClr val="tx1"/>
+            </a:solidFill>
+          </a:ln>
+        </p:spPr>
+        <p:style>
+          <a:lnRef idx="2">
+            <a:schemeClr val="accent1">
+              <a:shade val="50000"/>
+            </a:schemeClr>
+          </a:lnRef>
+          <a:fillRef idx="1">
+            <a:schemeClr val="accent1"/>
+          </a:fillRef>
+          <a:effectRef idx="0">
+            <a:schemeClr val="accent1"/>
+          </a:effectRef>
+          <a:fontRef idx="minor">
+            <a:schemeClr val="lt1"/>
+          </a:fontRef>
+        </p:style>
+        <p:txBody>
+          <a:bodyPr rtlCol="0" anchor="ctr"/>
+          <a:lstStyle/>
+          <a:p>
+            <a:pPr algn="ctr"/>
+            <a:r>
+              <a:rPr kumimoji="1" lang="en-US" altLang="ja-JP" sz="3600" smtClean="0">
+                <a:solidFill>
+                  <a:schemeClr val="tx1"/>
+                </a:solidFill>
+              </a:rPr>
+              <a:t>X</a:t>
+            </a:r>
+            <a:endParaRPr kumimoji="1" lang="ja-JP" altLang="en-US" sz="3600" dirty="0">
+              <a:solidFill>
+                <a:schemeClr val="tx1"/>
+              </a:solidFill>
+            </a:endParaRPr>
+          </a:p>
+        </p:txBody>
+      </p:sp>
+      <p:sp>
+        <p:nvSpPr>
+          <p:cNvPr id="3" name="正方形/長方形 2"/>
+          <p:cNvSpPr/>
+          <p:nvPr/>
+        </p:nvSpPr>
+        <p:spPr>
+          <a:xfrm rot="5400000">
+            <a:off x="2015716" y="1729261"/>
+            <a:ext cx="360040" cy="144016"/>
+          </a:xfrm>
+          <a:prstGeom prst="rect">
+            <a:avLst/>
+          </a:prstGeom>
+          <a:solidFill>
+            <a:schemeClr val="tx1"/>
+          </a:solidFill>
+          <a:ln>
+            <a:solidFill>
+              <a:schemeClr val="tx1"/>
+            </a:solidFill>
+          </a:ln>
+        </p:spPr>
+        <p:style>
+          <a:lnRef idx="2">
+            <a:schemeClr val="accent1">
+              <a:shade val="50000"/>
+            </a:schemeClr>
+          </a:lnRef>
+          <a:fillRef idx="1">
+            <a:schemeClr val="accent1"/>
+          </a:fillRef>
+          <a:effectRef idx="0">
+            <a:schemeClr val="accent1"/>
+          </a:effectRef>
+          <a:fontRef idx="minor">
+            <a:schemeClr val="lt1"/>
+          </a:fontRef>
+        </p:style>
+        <p:txBody>
+          <a:bodyPr rtlCol="0" anchor="ctr"/>
+          <a:lstStyle/>
+          <a:p>
+            <a:pPr algn="ctr"/>
+            <a:endParaRPr kumimoji="1" lang="ja-JP" altLang="en-US"/>
+          </a:p>
+        </p:txBody>
+      </p:sp>
+      <p:sp>
+        <p:nvSpPr>
+          <p:cNvPr id="4" name="正方形/長方形 3"/>
+          <p:cNvSpPr/>
+          <p:nvPr/>
+        </p:nvSpPr>
+        <p:spPr>
+          <a:xfrm>
+            <a:off x="1475656" y="1189201"/>
+            <a:ext cx="360040" cy="144016"/>
+          </a:xfrm>
+          <a:prstGeom prst="rect">
+            <a:avLst/>
+          </a:prstGeom>
+          <a:solidFill>
+            <a:schemeClr val="tx1"/>
+          </a:solidFill>
+          <a:ln>
+            <a:solidFill>
+              <a:schemeClr val="tx1"/>
+            </a:solidFill>
+          </a:ln>
+        </p:spPr>
+        <p:style>
+          <a:lnRef idx="2">
+            <a:schemeClr val="accent1">
+              <a:shade val="50000"/>
+            </a:schemeClr>
+          </a:lnRef>
+          <a:fillRef idx="1">
+            <a:schemeClr val="accent1"/>
+          </a:fillRef>
+          <a:effectRef idx="0">
+            <a:schemeClr val="accent1"/>
+          </a:effectRef>
+          <a:fontRef idx="minor">
+            <a:schemeClr val="lt1"/>
+          </a:fontRef>
+        </p:style>
+        <p:txBody>
+          <a:bodyPr rtlCol="0" anchor="ctr"/>
+          <a:lstStyle/>
+          <a:p>
+            <a:pPr algn="ctr"/>
+            <a:endParaRPr kumimoji="1" lang="ja-JP" altLang="en-US"/>
+          </a:p>
+        </p:txBody>
+      </p:sp>
+      <p:sp>
+        <p:nvSpPr>
+          <p:cNvPr id="5" name="正方形/長方形 4"/>
+          <p:cNvSpPr/>
+          <p:nvPr/>
+        </p:nvSpPr>
+        <p:spPr>
+          <a:xfrm>
+            <a:off x="2555776" y="1189201"/>
+            <a:ext cx="360040" cy="144016"/>
+          </a:xfrm>
+          <a:prstGeom prst="rect">
+            <a:avLst/>
+          </a:prstGeom>
+          <a:solidFill>
+            <a:schemeClr val="tx1"/>
+          </a:solidFill>
+          <a:ln>
+            <a:solidFill>
+              <a:schemeClr val="tx1"/>
+            </a:solidFill>
+          </a:ln>
+        </p:spPr>
+        <p:style>
+          <a:lnRef idx="2">
+            <a:schemeClr val="accent1">
+              <a:shade val="50000"/>
+            </a:schemeClr>
+          </a:lnRef>
+          <a:fillRef idx="1">
+            <a:schemeClr val="accent1"/>
+          </a:fillRef>
+          <a:effectRef idx="0">
+            <a:schemeClr val="accent1"/>
+          </a:effectRef>
+          <a:fontRef idx="minor">
+            <a:schemeClr val="lt1"/>
+          </a:fontRef>
+        </p:style>
+        <p:txBody>
+          <a:bodyPr rtlCol="0" anchor="ctr"/>
+          <a:lstStyle/>
+          <a:p>
+            <a:pPr algn="ctr"/>
+            <a:endParaRPr kumimoji="1" lang="ja-JP" altLang="en-US"/>
+          </a:p>
+        </p:txBody>
+      </p:sp>
+      <p:sp>
+        <p:nvSpPr>
+          <p:cNvPr id="6" name="正方形/長方形 5"/>
+          <p:cNvSpPr/>
+          <p:nvPr/>
+        </p:nvSpPr>
+        <p:spPr>
+          <a:xfrm>
+            <a:off x="3923928" y="901169"/>
+            <a:ext cx="720080" cy="720080"/>
+          </a:xfrm>
+          <a:prstGeom prst="rect">
+            <a:avLst/>
+          </a:prstGeom>
+          <a:solidFill>
+            <a:schemeClr val="accent1">
+              <a:lumMod val="20000"/>
+              <a:lumOff val="80000"/>
+            </a:schemeClr>
+          </a:solidFill>
+          <a:ln>
+            <a:solidFill>
+              <a:schemeClr val="tx1"/>
+            </a:solidFill>
+          </a:ln>
+        </p:spPr>
+        <p:style>
+          <a:lnRef idx="2">
+            <a:schemeClr val="accent1">
+              <a:shade val="50000"/>
+            </a:schemeClr>
+          </a:lnRef>
+          <a:fillRef idx="1">
+            <a:schemeClr val="accent1"/>
+          </a:fillRef>
+          <a:effectRef idx="0">
+            <a:schemeClr val="accent1"/>
+          </a:effectRef>
+          <a:fontRef idx="minor">
+            <a:schemeClr val="lt1"/>
+          </a:fontRef>
+        </p:style>
+        <p:txBody>
+          <a:bodyPr rtlCol="0" anchor="ctr"/>
+          <a:lstStyle/>
+          <a:p>
+            <a:pPr algn="ctr"/>
+            <a:r>
+              <a:rPr kumimoji="1" lang="en-US" altLang="ja-JP" sz="3600" smtClean="0">
+                <a:solidFill>
+                  <a:schemeClr val="tx1"/>
+                </a:solidFill>
+              </a:rPr>
+              <a:t>X</a:t>
+            </a:r>
+            <a:endParaRPr kumimoji="1" lang="ja-JP" altLang="en-US" sz="3600" dirty="0">
+              <a:solidFill>
+                <a:schemeClr val="tx1"/>
+              </a:solidFill>
+            </a:endParaRPr>
+          </a:p>
+        </p:txBody>
+      </p:sp>
+      <p:sp>
+        <p:nvSpPr>
+          <p:cNvPr id="8" name="正方形/長方形 7"/>
+          <p:cNvSpPr/>
+          <p:nvPr/>
+        </p:nvSpPr>
+        <p:spPr>
+          <a:xfrm>
+            <a:off x="3563888" y="1045185"/>
+            <a:ext cx="360040" cy="144016"/>
+          </a:xfrm>
+          <a:prstGeom prst="rect">
+            <a:avLst/>
+          </a:prstGeom>
+          <a:solidFill>
+            <a:schemeClr val="tx1"/>
+          </a:solidFill>
+          <a:ln>
+            <a:solidFill>
+              <a:schemeClr val="tx1"/>
+            </a:solidFill>
+          </a:ln>
+        </p:spPr>
+        <p:style>
+          <a:lnRef idx="2">
+            <a:schemeClr val="accent1">
+              <a:shade val="50000"/>
+            </a:schemeClr>
+          </a:lnRef>
+          <a:fillRef idx="1">
+            <a:schemeClr val="accent1"/>
+          </a:fillRef>
+          <a:effectRef idx="0">
+            <a:schemeClr val="accent1"/>
+          </a:effectRef>
+          <a:fontRef idx="minor">
+            <a:schemeClr val="lt1"/>
+          </a:fontRef>
+        </p:style>
+        <p:txBody>
+          <a:bodyPr rtlCol="0" anchor="ctr"/>
+          <a:lstStyle/>
+          <a:p>
+            <a:pPr algn="ctr"/>
+            <a:endParaRPr kumimoji="1" lang="ja-JP" altLang="en-US"/>
+          </a:p>
+        </p:txBody>
+      </p:sp>
+      <p:sp>
+        <p:nvSpPr>
+          <p:cNvPr id="9" name="正方形/長方形 8"/>
+          <p:cNvSpPr/>
+          <p:nvPr/>
+        </p:nvSpPr>
+        <p:spPr>
+          <a:xfrm>
+            <a:off x="4644008" y="1189201"/>
+            <a:ext cx="360040" cy="144016"/>
+          </a:xfrm>
+          <a:prstGeom prst="rect">
+            <a:avLst/>
+          </a:prstGeom>
+          <a:solidFill>
+            <a:schemeClr val="tx1"/>
+          </a:solidFill>
+          <a:ln>
+            <a:solidFill>
+              <a:schemeClr val="tx1"/>
+            </a:solidFill>
+          </a:ln>
+        </p:spPr>
+        <p:style>
+          <a:lnRef idx="2">
+            <a:schemeClr val="accent1">
+              <a:shade val="50000"/>
+            </a:schemeClr>
+          </a:lnRef>
+          <a:fillRef idx="1">
+            <a:schemeClr val="accent1"/>
+          </a:fillRef>
+          <a:effectRef idx="0">
+            <a:schemeClr val="accent1"/>
+          </a:effectRef>
+          <a:fontRef idx="minor">
+            <a:schemeClr val="lt1"/>
+          </a:fontRef>
+        </p:style>
+        <p:txBody>
+          <a:bodyPr rtlCol="0" anchor="ctr"/>
+          <a:lstStyle/>
+          <a:p>
+            <a:pPr algn="ctr"/>
+            <a:endParaRPr kumimoji="1" lang="ja-JP" altLang="en-US"/>
+          </a:p>
+        </p:txBody>
+      </p:sp>
+      <p:sp>
+        <p:nvSpPr>
+          <p:cNvPr id="10" name="正方形/長方形 9"/>
+          <p:cNvSpPr/>
+          <p:nvPr/>
+        </p:nvSpPr>
+        <p:spPr>
+          <a:xfrm>
+            <a:off x="3563888" y="1333217"/>
+            <a:ext cx="360040" cy="144016"/>
+          </a:xfrm>
+          <a:prstGeom prst="rect">
+            <a:avLst/>
+          </a:prstGeom>
+          <a:solidFill>
+            <a:schemeClr val="tx1"/>
+          </a:solidFill>
+          <a:ln>
+            <a:solidFill>
+              <a:schemeClr val="tx1"/>
+            </a:solidFill>
+          </a:ln>
+        </p:spPr>
+        <p:style>
+          <a:lnRef idx="2">
+            <a:schemeClr val="accent1">
+              <a:shade val="50000"/>
+            </a:schemeClr>
+          </a:lnRef>
+          <a:fillRef idx="1">
+            <a:schemeClr val="accent1"/>
+          </a:fillRef>
+          <a:effectRef idx="0">
+            <a:schemeClr val="accent1"/>
+          </a:effectRef>
+          <a:fontRef idx="minor">
+            <a:schemeClr val="lt1"/>
+          </a:fontRef>
+        </p:style>
+        <p:txBody>
+          <a:bodyPr rtlCol="0" anchor="ctr"/>
+          <a:lstStyle/>
+          <a:p>
+            <a:pPr algn="ctr"/>
+            <a:endParaRPr kumimoji="1" lang="ja-JP" altLang="en-US"/>
+          </a:p>
+        </p:txBody>
+      </p:sp>
+      <p:sp>
+        <p:nvSpPr>
+          <p:cNvPr id="11" name="正方形/長方形 10"/>
+          <p:cNvSpPr/>
+          <p:nvPr/>
+        </p:nvSpPr>
+        <p:spPr>
+          <a:xfrm>
+            <a:off x="3923928" y="1837273"/>
+            <a:ext cx="720080" cy="720080"/>
+          </a:xfrm>
+          <a:prstGeom prst="rect">
+            <a:avLst/>
+          </a:prstGeom>
+          <a:solidFill>
+            <a:schemeClr val="accent6">
+              <a:lumMod val="20000"/>
+              <a:lumOff val="80000"/>
+            </a:schemeClr>
+          </a:solidFill>
+          <a:ln>
+            <a:solidFill>
+              <a:schemeClr val="tx1"/>
+            </a:solidFill>
+          </a:ln>
+        </p:spPr>
+        <p:style>
+          <a:lnRef idx="2">
+            <a:schemeClr val="accent1">
+              <a:shade val="50000"/>
+            </a:schemeClr>
+          </a:lnRef>
+          <a:fillRef idx="1">
+            <a:schemeClr val="accent1"/>
+          </a:fillRef>
+          <a:effectRef idx="0">
+            <a:schemeClr val="accent1"/>
+          </a:effectRef>
+          <a:fontRef idx="minor">
+            <a:schemeClr val="lt1"/>
+          </a:fontRef>
+        </p:style>
+        <p:txBody>
+          <a:bodyPr rtlCol="0" anchor="ctr"/>
+          <a:lstStyle/>
+          <a:p>
+            <a:pPr algn="ctr"/>
+            <a:endParaRPr kumimoji="1" lang="ja-JP" altLang="en-US" sz="3600" dirty="0">
+              <a:solidFill>
+                <a:schemeClr val="tx1"/>
+              </a:solidFill>
+            </a:endParaRPr>
+          </a:p>
+        </p:txBody>
+      </p:sp>
+      <p:sp>
+        <p:nvSpPr>
+          <p:cNvPr id="12" name="正方形/長方形 11"/>
+          <p:cNvSpPr/>
+          <p:nvPr/>
+        </p:nvSpPr>
+        <p:spPr>
+          <a:xfrm>
+            <a:off x="5004048" y="1837273"/>
+            <a:ext cx="720080" cy="720080"/>
+          </a:xfrm>
+          <a:prstGeom prst="rect">
+            <a:avLst/>
+          </a:prstGeom>
+          <a:solidFill>
+            <a:schemeClr val="accent2">
+              <a:lumMod val="20000"/>
+              <a:lumOff val="80000"/>
+            </a:schemeClr>
+          </a:solidFill>
+          <a:ln>
+            <a:solidFill>
+              <a:schemeClr val="tx1"/>
+            </a:solidFill>
+          </a:ln>
+        </p:spPr>
+        <p:style>
+          <a:lnRef idx="2">
+            <a:schemeClr val="accent1">
+              <a:shade val="50000"/>
+            </a:schemeClr>
+          </a:lnRef>
+          <a:fillRef idx="1">
+            <a:schemeClr val="accent1"/>
+          </a:fillRef>
+          <a:effectRef idx="0">
+            <a:schemeClr val="accent1"/>
+          </a:effectRef>
+          <a:fontRef idx="minor">
+            <a:schemeClr val="lt1"/>
+          </a:fontRef>
+        </p:style>
+        <p:txBody>
+          <a:bodyPr rtlCol="0" anchor="ctr"/>
+          <a:lstStyle/>
+          <a:p>
+            <a:pPr algn="ctr"/>
+            <a:endParaRPr kumimoji="1" lang="ja-JP" altLang="en-US" sz="3600" dirty="0">
+              <a:solidFill>
+                <a:schemeClr val="tx1"/>
+              </a:solidFill>
+            </a:endParaRPr>
+          </a:p>
+        </p:txBody>
+      </p:sp>
+      <p:sp>
+        <p:nvSpPr>
+          <p:cNvPr id="13" name="正方形/長方形 12"/>
+          <p:cNvSpPr/>
+          <p:nvPr/>
+        </p:nvSpPr>
+        <p:spPr>
+          <a:xfrm>
+            <a:off x="3563888" y="1981289"/>
+            <a:ext cx="360040" cy="144016"/>
+          </a:xfrm>
+          <a:prstGeom prst="rect">
+            <a:avLst/>
+          </a:prstGeom>
+          <a:solidFill>
+            <a:schemeClr val="tx1"/>
+          </a:solidFill>
+          <a:ln>
+            <a:solidFill>
+              <a:schemeClr val="tx1"/>
+            </a:solidFill>
+          </a:ln>
+        </p:spPr>
+        <p:style>
+          <a:lnRef idx="2">
+            <a:schemeClr val="accent1">
+              <a:shade val="50000"/>
+            </a:schemeClr>
+          </a:lnRef>
+          <a:fillRef idx="1">
+            <a:schemeClr val="accent1"/>
+          </a:fillRef>
+          <a:effectRef idx="0">
+            <a:schemeClr val="accent1"/>
+          </a:effectRef>
+          <a:fontRef idx="minor">
+            <a:schemeClr val="lt1"/>
+          </a:fontRef>
+        </p:style>
+        <p:txBody>
+          <a:bodyPr rtlCol="0" anchor="ctr"/>
+          <a:lstStyle/>
+          <a:p>
+            <a:pPr algn="ctr"/>
+            <a:endParaRPr kumimoji="1" lang="ja-JP" altLang="en-US"/>
+          </a:p>
+        </p:txBody>
+      </p:sp>
+      <p:sp>
+        <p:nvSpPr>
+          <p:cNvPr id="14" name="正方形/長方形 13"/>
+          <p:cNvSpPr/>
+          <p:nvPr/>
+        </p:nvSpPr>
+        <p:spPr>
+          <a:xfrm>
+            <a:off x="4644008" y="2125305"/>
+            <a:ext cx="360040" cy="144016"/>
+          </a:xfrm>
+          <a:prstGeom prst="rect">
+            <a:avLst/>
+          </a:prstGeom>
+          <a:solidFill>
+            <a:schemeClr val="tx1"/>
+          </a:solidFill>
+          <a:ln>
+            <a:solidFill>
+              <a:schemeClr val="tx1"/>
+            </a:solidFill>
+          </a:ln>
+        </p:spPr>
+        <p:style>
+          <a:lnRef idx="2">
+            <a:schemeClr val="accent1">
+              <a:shade val="50000"/>
+            </a:schemeClr>
+          </a:lnRef>
+          <a:fillRef idx="1">
+            <a:schemeClr val="accent1"/>
+          </a:fillRef>
+          <a:effectRef idx="0">
+            <a:schemeClr val="accent1"/>
+          </a:effectRef>
+          <a:fontRef idx="minor">
+            <a:schemeClr val="lt1"/>
+          </a:fontRef>
+        </p:style>
+        <p:txBody>
+          <a:bodyPr rtlCol="0" anchor="ctr"/>
+          <a:lstStyle/>
+          <a:p>
+            <a:pPr algn="ctr"/>
+            <a:endParaRPr kumimoji="1" lang="ja-JP" altLang="en-US"/>
+          </a:p>
+        </p:txBody>
+      </p:sp>
+      <p:sp>
+        <p:nvSpPr>
+          <p:cNvPr id="15" name="正方形/長方形 14"/>
+          <p:cNvSpPr/>
+          <p:nvPr/>
+        </p:nvSpPr>
+        <p:spPr>
+          <a:xfrm>
+            <a:off x="5724128" y="2125305"/>
+            <a:ext cx="360040" cy="144016"/>
+          </a:xfrm>
+          <a:prstGeom prst="rect">
+            <a:avLst/>
+          </a:prstGeom>
+          <a:solidFill>
+            <a:schemeClr val="tx1"/>
+          </a:solidFill>
+          <a:ln>
+            <a:solidFill>
+              <a:schemeClr val="tx1"/>
+            </a:solidFill>
+          </a:ln>
+        </p:spPr>
+        <p:style>
+          <a:lnRef idx="2">
+            <a:schemeClr val="accent1">
+              <a:shade val="50000"/>
+            </a:schemeClr>
+          </a:lnRef>
+          <a:fillRef idx="1">
+            <a:schemeClr val="accent1"/>
+          </a:fillRef>
+          <a:effectRef idx="0">
+            <a:schemeClr val="accent1"/>
+          </a:effectRef>
+          <a:fontRef idx="minor">
+            <a:schemeClr val="lt1"/>
+          </a:fontRef>
+        </p:style>
+        <p:txBody>
+          <a:bodyPr rtlCol="0" anchor="ctr"/>
+          <a:lstStyle/>
+          <a:p>
+            <a:pPr algn="ctr"/>
+            <a:endParaRPr kumimoji="1" lang="ja-JP" altLang="en-US"/>
+          </a:p>
+        </p:txBody>
+      </p:sp>
+      <p:sp>
+        <p:nvSpPr>
+          <p:cNvPr id="16" name="正方形/長方形 15"/>
+          <p:cNvSpPr/>
+          <p:nvPr/>
+        </p:nvSpPr>
+        <p:spPr>
+          <a:xfrm>
+            <a:off x="3563888" y="2269321"/>
+            <a:ext cx="360040" cy="144016"/>
+          </a:xfrm>
+          <a:prstGeom prst="rect">
+            <a:avLst/>
+          </a:prstGeom>
+          <a:solidFill>
+            <a:schemeClr val="tx1"/>
+          </a:solidFill>
+          <a:ln>
+            <a:solidFill>
+              <a:schemeClr val="tx1"/>
+            </a:solidFill>
+          </a:ln>
+        </p:spPr>
+        <p:style>
+          <a:lnRef idx="2">
+            <a:schemeClr val="accent1">
+              <a:shade val="50000"/>
+            </a:schemeClr>
+          </a:lnRef>
+          <a:fillRef idx="1">
+            <a:schemeClr val="accent1"/>
+          </a:fillRef>
+          <a:effectRef idx="0">
+            <a:schemeClr val="accent1"/>
+          </a:effectRef>
+          <a:fontRef idx="minor">
+            <a:schemeClr val="lt1"/>
+          </a:fontRef>
+        </p:style>
+        <p:txBody>
+          <a:bodyPr rtlCol="0" anchor="ctr"/>
+          <a:lstStyle/>
+          <a:p>
+            <a:pPr algn="ctr"/>
+            <a:endParaRPr kumimoji="1" lang="ja-JP" altLang="en-US"/>
+          </a:p>
+        </p:txBody>
+      </p:sp>
+      <p:sp>
+        <p:nvSpPr>
+          <p:cNvPr id="18" name="正方形/長方形 17"/>
+          <p:cNvSpPr/>
+          <p:nvPr/>
+        </p:nvSpPr>
+        <p:spPr>
+          <a:xfrm>
+            <a:off x="3563888" y="3133417"/>
+            <a:ext cx="360040" cy="144016"/>
+          </a:xfrm>
+          <a:prstGeom prst="rect">
+            <a:avLst/>
+          </a:prstGeom>
+          <a:solidFill>
+            <a:schemeClr val="tx1"/>
+          </a:solidFill>
+          <a:ln>
+            <a:solidFill>
+              <a:schemeClr val="tx1"/>
+            </a:solidFill>
+          </a:ln>
+        </p:spPr>
+        <p:style>
+          <a:lnRef idx="2">
+            <a:schemeClr val="accent1">
+              <a:shade val="50000"/>
+            </a:schemeClr>
+          </a:lnRef>
+          <a:fillRef idx="1">
+            <a:schemeClr val="accent1"/>
+          </a:fillRef>
+          <a:effectRef idx="0">
+            <a:schemeClr val="accent1"/>
+          </a:effectRef>
+          <a:fontRef idx="minor">
+            <a:schemeClr val="lt1"/>
+          </a:fontRef>
+        </p:style>
+        <p:txBody>
+          <a:bodyPr rtlCol="0" anchor="ctr"/>
+          <a:lstStyle/>
+          <a:p>
+            <a:pPr algn="ctr"/>
+            <a:endParaRPr kumimoji="1" lang="ja-JP" altLang="en-US"/>
+          </a:p>
+        </p:txBody>
+      </p:sp>
+      <p:sp>
+        <p:nvSpPr>
+          <p:cNvPr id="19" name="テキスト ボックス 18"/>
+          <p:cNvSpPr txBox="1"/>
+          <p:nvPr/>
+        </p:nvSpPr>
+        <p:spPr>
+          <a:xfrm>
+            <a:off x="2699792" y="829161"/>
+            <a:ext cx="301686" cy="369332"/>
+          </a:xfrm>
+          <a:prstGeom prst="rect">
+            <a:avLst/>
+          </a:prstGeom>
+          <a:noFill/>
+        </p:spPr>
+        <p:txBody>
+          <a:bodyPr wrap="none" rtlCol="0">
+            <a:spAutoFit/>
+          </a:bodyPr>
+          <a:lstStyle/>
+          <a:p>
+            <a:r>
+              <a:rPr kumimoji="1" lang="en-US" altLang="ja-JP" smtClean="0"/>
+              <a:t>1</a:t>
+            </a:r>
+            <a:endParaRPr kumimoji="1" lang="ja-JP" altLang="en-US"/>
+          </a:p>
+        </p:txBody>
+      </p:sp>
+      <p:sp>
+        <p:nvSpPr>
+          <p:cNvPr id="20" name="テキスト ボックス 19"/>
+          <p:cNvSpPr txBox="1"/>
+          <p:nvPr/>
+        </p:nvSpPr>
+        <p:spPr>
+          <a:xfrm>
+            <a:off x="2267744" y="1693257"/>
+            <a:ext cx="301686" cy="369332"/>
+          </a:xfrm>
+          <a:prstGeom prst="rect">
+            <a:avLst/>
+          </a:prstGeom>
+          <a:noFill/>
+        </p:spPr>
+        <p:txBody>
+          <a:bodyPr wrap="none" rtlCol="0">
+            <a:spAutoFit/>
+          </a:bodyPr>
+          <a:lstStyle/>
+          <a:p>
+            <a:r>
+              <a:rPr lang="en-US" altLang="ja-JP"/>
+              <a:t>2</a:t>
+            </a:r>
+            <a:endParaRPr kumimoji="1" lang="ja-JP" altLang="en-US"/>
+          </a:p>
+        </p:txBody>
+      </p:sp>
+      <p:sp>
+        <p:nvSpPr>
+          <p:cNvPr id="21" name="テキスト ボックス 20"/>
+          <p:cNvSpPr txBox="1"/>
+          <p:nvPr/>
+        </p:nvSpPr>
+        <p:spPr>
+          <a:xfrm>
+            <a:off x="1331640" y="829161"/>
+            <a:ext cx="301686" cy="369332"/>
+          </a:xfrm>
+          <a:prstGeom prst="rect">
+            <a:avLst/>
+          </a:prstGeom>
+          <a:noFill/>
+        </p:spPr>
+        <p:txBody>
+          <a:bodyPr wrap="none" rtlCol="0">
+            <a:spAutoFit/>
+          </a:bodyPr>
+          <a:lstStyle/>
+          <a:p>
+            <a:r>
+              <a:rPr lang="en-US" altLang="ja-JP" smtClean="0"/>
+              <a:t>3</a:t>
+            </a:r>
+            <a:endParaRPr kumimoji="1" lang="ja-JP" altLang="en-US"/>
+          </a:p>
+        </p:txBody>
+      </p:sp>
+      <p:sp>
+        <p:nvSpPr>
+          <p:cNvPr id="23" name="二等辺三角形 22"/>
+          <p:cNvSpPr/>
+          <p:nvPr/>
+        </p:nvSpPr>
+        <p:spPr>
+          <a:xfrm rot="5400000">
+            <a:off x="4824028" y="3025405"/>
+            <a:ext cx="720080" cy="360040"/>
+          </a:xfrm>
+          <a:prstGeom prst="triangle">
+            <a:avLst/>
+          </a:prstGeom>
+          <a:solidFill>
+            <a:schemeClr val="accent2">
+              <a:lumMod val="40000"/>
+              <a:lumOff val="60000"/>
+            </a:schemeClr>
+          </a:solidFill>
+          <a:ln>
+            <a:solidFill>
+              <a:schemeClr val="tx1"/>
+            </a:solidFill>
+          </a:ln>
+        </p:spPr>
+        <p:style>
+          <a:lnRef idx="2">
+            <a:schemeClr val="accent1">
+              <a:shade val="50000"/>
+            </a:schemeClr>
+          </a:lnRef>
+          <a:fillRef idx="1">
+            <a:schemeClr val="accent1"/>
+          </a:fillRef>
+          <a:effectRef idx="0">
+            <a:schemeClr val="accent1"/>
+          </a:effectRef>
+          <a:fontRef idx="minor">
+            <a:schemeClr val="lt1"/>
+          </a:fontRef>
+        </p:style>
+        <p:txBody>
+          <a:bodyPr rtlCol="0" anchor="ctr"/>
+          <a:lstStyle/>
+          <a:p>
+            <a:pPr algn="ctr"/>
+            <a:endParaRPr kumimoji="1" lang="ja-JP" altLang="en-US"/>
+          </a:p>
+        </p:txBody>
+      </p:sp>
+      <p:cxnSp>
+        <p:nvCxnSpPr>
+          <p:cNvPr id="24" name="直線コネクタ 23"/>
+          <p:cNvCxnSpPr/>
+          <p:nvPr/>
+        </p:nvCxnSpPr>
+        <p:spPr>
+          <a:xfrm rot="10800000" flipH="1">
+            <a:off x="5364088" y="3205425"/>
+            <a:ext cx="360040" cy="0"/>
+          </a:xfrm>
+          <a:prstGeom prst="line">
+            <a:avLst/>
+          </a:prstGeom>
+          <a:ln w="12700">
+            <a:solidFill>
+              <a:schemeClr val="tx1"/>
+            </a:solidFill>
+          </a:ln>
+        </p:spPr>
+        <p:style>
+          <a:lnRef idx="1">
+            <a:schemeClr val="accent1"/>
+          </a:lnRef>
+          <a:fillRef idx="0">
+            <a:schemeClr val="accent1"/>
+          </a:fillRef>
+          <a:effectRef idx="0">
+            <a:schemeClr val="accent1"/>
+          </a:effectRef>
+          <a:fontRef idx="minor">
+            <a:schemeClr val="tx1"/>
+          </a:fontRef>
+        </p:style>
+      </p:cxnSp>
+      <p:sp>
+        <p:nvSpPr>
+          <p:cNvPr id="25" name="正方形/長方形 24"/>
+          <p:cNvSpPr/>
+          <p:nvPr/>
+        </p:nvSpPr>
+        <p:spPr>
+          <a:xfrm rot="10800000">
+            <a:off x="4644008" y="3133417"/>
+            <a:ext cx="360040" cy="144016"/>
+          </a:xfrm>
+          <a:prstGeom prst="rect">
+            <a:avLst/>
+          </a:prstGeom>
+          <a:solidFill>
+            <a:schemeClr val="tx1"/>
+          </a:solidFill>
+          <a:ln>
+            <a:solidFill>
+              <a:schemeClr val="tx1"/>
+            </a:solidFill>
+          </a:ln>
+        </p:spPr>
+        <p:style>
+          <a:lnRef idx="2">
+            <a:schemeClr val="accent1">
+              <a:shade val="50000"/>
+            </a:schemeClr>
+          </a:lnRef>
+          <a:fillRef idx="1">
+            <a:schemeClr val="accent1"/>
+          </a:fillRef>
+          <a:effectRef idx="0">
+            <a:schemeClr val="accent1"/>
+          </a:effectRef>
+          <a:fontRef idx="minor">
+            <a:schemeClr val="lt1"/>
+          </a:fontRef>
+        </p:style>
+        <p:txBody>
+          <a:bodyPr rtlCol="0" anchor="ctr"/>
+          <a:lstStyle/>
+          <a:p>
+            <a:pPr algn="ctr"/>
+            <a:endParaRPr kumimoji="1" lang="ja-JP" altLang="en-US"/>
+          </a:p>
+        </p:txBody>
+      </p:sp>
+      <p:sp>
+        <p:nvSpPr>
+          <p:cNvPr id="27" name="二等辺三角形 26"/>
+          <p:cNvSpPr/>
+          <p:nvPr/>
+        </p:nvSpPr>
+        <p:spPr>
+          <a:xfrm rot="16200000">
+            <a:off x="5544108" y="3025405"/>
+            <a:ext cx="720080" cy="360040"/>
+          </a:xfrm>
+          <a:prstGeom prst="triangle">
+            <a:avLst/>
+          </a:prstGeom>
+          <a:solidFill>
+            <a:schemeClr val="accent2">
+              <a:lumMod val="40000"/>
+              <a:lumOff val="60000"/>
+            </a:schemeClr>
+          </a:solidFill>
+          <a:ln>
+            <a:solidFill>
+              <a:schemeClr val="tx1"/>
+            </a:solidFill>
+          </a:ln>
+        </p:spPr>
+        <p:style>
+          <a:lnRef idx="2">
+            <a:schemeClr val="accent1">
+              <a:shade val="50000"/>
+            </a:schemeClr>
+          </a:lnRef>
+          <a:fillRef idx="1">
+            <a:schemeClr val="accent1"/>
+          </a:fillRef>
+          <a:effectRef idx="0">
+            <a:schemeClr val="accent1"/>
+          </a:effectRef>
+          <a:fontRef idx="minor">
+            <a:schemeClr val="lt1"/>
+          </a:fontRef>
+        </p:style>
+        <p:txBody>
+          <a:bodyPr rtlCol="0" anchor="ctr"/>
+          <a:lstStyle/>
+          <a:p>
+            <a:pPr algn="ctr"/>
+            <a:endParaRPr kumimoji="1" lang="ja-JP" altLang="en-US"/>
+          </a:p>
+        </p:txBody>
+      </p:sp>
+      <p:sp>
+        <p:nvSpPr>
+          <p:cNvPr id="28" name="正方形/長方形 27"/>
+          <p:cNvSpPr/>
+          <p:nvPr/>
+        </p:nvSpPr>
+        <p:spPr>
+          <a:xfrm rot="10800000">
+            <a:off x="6084168" y="3133417"/>
+            <a:ext cx="360040" cy="144016"/>
+          </a:xfrm>
+          <a:prstGeom prst="rect">
+            <a:avLst/>
+          </a:prstGeom>
+          <a:solidFill>
+            <a:schemeClr val="tx1"/>
+          </a:solidFill>
+          <a:ln>
+            <a:solidFill>
+              <a:schemeClr val="tx1"/>
+            </a:solidFill>
+          </a:ln>
+        </p:spPr>
+        <p:style>
+          <a:lnRef idx="2">
+            <a:schemeClr val="accent1">
+              <a:shade val="50000"/>
+            </a:schemeClr>
+          </a:lnRef>
+          <a:fillRef idx="1">
+            <a:schemeClr val="accent1"/>
+          </a:fillRef>
+          <a:effectRef idx="0">
+            <a:schemeClr val="accent1"/>
+          </a:effectRef>
+          <a:fontRef idx="minor">
+            <a:schemeClr val="lt1"/>
+          </a:fontRef>
+        </p:style>
+        <p:txBody>
+          <a:bodyPr rtlCol="0" anchor="ctr"/>
+          <a:lstStyle/>
+          <a:p>
+            <a:pPr algn="ctr"/>
+            <a:endParaRPr kumimoji="1" lang="ja-JP" altLang="en-US"/>
+          </a:p>
+        </p:txBody>
+      </p:sp>
+      <p:sp>
+        <p:nvSpPr>
+          <p:cNvPr id="29" name="正方形/長方形 28"/>
+          <p:cNvSpPr/>
+          <p:nvPr/>
+        </p:nvSpPr>
+        <p:spPr>
+          <a:xfrm>
+            <a:off x="3923928" y="2845385"/>
+            <a:ext cx="720080" cy="720080"/>
+          </a:xfrm>
+          <a:prstGeom prst="rect">
+            <a:avLst/>
+          </a:prstGeom>
+          <a:solidFill>
+            <a:schemeClr val="accent1">
+              <a:lumMod val="20000"/>
+              <a:lumOff val="80000"/>
+            </a:schemeClr>
+          </a:solidFill>
+          <a:ln>
+            <a:solidFill>
+              <a:schemeClr val="tx1"/>
+            </a:solidFill>
+          </a:ln>
+        </p:spPr>
+        <p:style>
+          <a:lnRef idx="2">
+            <a:schemeClr val="accent1">
+              <a:shade val="50000"/>
+            </a:schemeClr>
+          </a:lnRef>
+          <a:fillRef idx="1">
+            <a:schemeClr val="accent1"/>
+          </a:fillRef>
+          <a:effectRef idx="0">
+            <a:schemeClr val="accent1"/>
+          </a:effectRef>
+          <a:fontRef idx="minor">
+            <a:schemeClr val="lt1"/>
+          </a:fontRef>
+        </p:style>
+        <p:txBody>
+          <a:bodyPr rtlCol="0" anchor="ctr"/>
+          <a:lstStyle/>
+          <a:p>
+            <a:pPr algn="ctr"/>
+            <a:endParaRPr kumimoji="1" lang="ja-JP" altLang="en-US" sz="3600" dirty="0">
+              <a:solidFill>
+                <a:schemeClr val="tx1"/>
+              </a:solidFill>
+            </a:endParaRPr>
+          </a:p>
+        </p:txBody>
+      </p:sp>
+      <p:sp>
+        <p:nvSpPr>
+          <p:cNvPr id="30" name="テキスト ボックス 29"/>
+          <p:cNvSpPr txBox="1"/>
+          <p:nvPr/>
+        </p:nvSpPr>
+        <p:spPr>
+          <a:xfrm>
+            <a:off x="4990394" y="3052117"/>
+            <a:ext cx="301686" cy="369332"/>
+          </a:xfrm>
+          <a:prstGeom prst="rect">
+            <a:avLst/>
+          </a:prstGeom>
+          <a:noFill/>
+        </p:spPr>
+        <p:txBody>
+          <a:bodyPr wrap="none" rtlCol="0">
+            <a:spAutoFit/>
+          </a:bodyPr>
+          <a:lstStyle/>
+          <a:p>
+            <a:r>
+              <a:rPr kumimoji="1" lang="en-US" altLang="ja-JP" smtClean="0"/>
+              <a:t>1</a:t>
+            </a:r>
+            <a:endParaRPr kumimoji="1" lang="ja-JP" altLang="en-US"/>
+          </a:p>
+        </p:txBody>
+      </p:sp>
+      <p:sp>
+        <p:nvSpPr>
+          <p:cNvPr id="31" name="テキスト ボックス 30"/>
+          <p:cNvSpPr txBox="1"/>
+          <p:nvPr/>
+        </p:nvSpPr>
+        <p:spPr>
+          <a:xfrm>
+            <a:off x="5796136" y="3052117"/>
+            <a:ext cx="301686" cy="369332"/>
+          </a:xfrm>
+          <a:prstGeom prst="rect">
+            <a:avLst/>
+          </a:prstGeom>
+          <a:noFill/>
+        </p:spPr>
+        <p:txBody>
+          <a:bodyPr wrap="none" rtlCol="0">
+            <a:spAutoFit/>
+          </a:bodyPr>
+          <a:lstStyle/>
+          <a:p>
+            <a:r>
+              <a:rPr kumimoji="1" lang="en-US" altLang="ja-JP" smtClean="0"/>
+              <a:t>1</a:t>
+            </a:r>
+            <a:endParaRPr kumimoji="1" lang="ja-JP" altLang="en-US"/>
+          </a:p>
+        </p:txBody>
+      </p:sp>
+      <p:sp>
+        <p:nvSpPr>
+          <p:cNvPr id="32" name="テキスト ボックス 31"/>
+          <p:cNvSpPr txBox="1"/>
+          <p:nvPr/>
+        </p:nvSpPr>
+        <p:spPr>
+          <a:xfrm>
+            <a:off x="2990932" y="872133"/>
+            <a:ext cx="465192" cy="769441"/>
+          </a:xfrm>
+          <a:prstGeom prst="rect">
+            <a:avLst/>
+          </a:prstGeom>
+          <a:noFill/>
+        </p:spPr>
+        <p:txBody>
+          <a:bodyPr wrap="none" rtlCol="0">
+            <a:spAutoFit/>
+          </a:bodyPr>
+          <a:lstStyle/>
+          <a:p>
+            <a:r>
+              <a:rPr kumimoji="1" lang="en-US" altLang="ja-JP" sz="4400" smtClean="0"/>
+              <a:t>=</a:t>
+            </a:r>
+            <a:endParaRPr kumimoji="1" lang="ja-JP" altLang="en-US" sz="4400"/>
+          </a:p>
+        </p:txBody>
+      </p:sp>
+      <mc:AlternateContent xmlns:mc="http://schemas.openxmlformats.org/markup-compatibility/2006">
+        <mc:Choice xmlns:a14="http://schemas.microsoft.com/office/drawing/2010/main" Requires="a14">
+          <p:sp>
+            <p:nvSpPr>
+              <p:cNvPr id="33" name="テキスト ボックス 32">
+                <a:extLst>
+                  <a:ext uri="{FF2B5EF4-FFF2-40B4-BE49-F238E27FC236}">
+                    <a16:creationId xmlns:a16="http://schemas.microsoft.com/office/drawing/2014/main" id="{F3924E14-7FCB-E443-A7EC-8F3DB10D927C}"/>
+                  </a:ext>
+                </a:extLst>
+              </p:cNvPr>
+              <p:cNvSpPr txBox="1"/>
+              <p:nvPr/>
+            </p:nvSpPr>
+            <p:spPr>
+              <a:xfrm>
+                <a:off x="3023828" y="2845385"/>
+                <a:ext cx="399401" cy="677108"/>
+              </a:xfrm>
+              <a:prstGeom prst="rect">
+                <a:avLst/>
+              </a:prstGeom>
+              <a:noFill/>
+            </p:spPr>
+            <p:txBody>
+              <a:bodyPr wrap="square" lIns="0" tIns="0" rIns="0" bIns="0" rtlCol="0">
+                <a:spAutoFit/>
+              </a:bodyPr>
+              <a:lstStyle/>
+              <a:p>
+                <a:pPr/>
+                <a14:m>
+                  <m:oMathPara xmlns:m="http://schemas.openxmlformats.org/officeDocument/2006/math">
+                    <m:oMathParaPr>
+                      <m:jc m:val="centerGroup"/>
+                    </m:oMathParaPr>
+                    <m:oMath xmlns:m="http://schemas.openxmlformats.org/officeDocument/2006/math">
+                      <m:r>
+                        <a:rPr kumimoji="1" lang="en-US" altLang="ja-JP" sz="4400" b="0" i="1" smtClean="0">
+                          <a:latin typeface="Cambria Math" panose="02040503050406030204" pitchFamily="18" charset="0"/>
+                          <a:ea typeface="Cambria Math" panose="02040503050406030204" pitchFamily="18" charset="0"/>
+                        </a:rPr>
+                        <m:t>≈</m:t>
+                      </m:r>
+                    </m:oMath>
+                  </m:oMathPara>
+                </a14:m>
+                <a:endParaRPr kumimoji="1" lang="ja-JP" altLang="en-US" sz="4400" dirty="0"/>
+              </a:p>
+            </p:txBody>
+          </p:sp>
+        </mc:Choice>
+        <mc:Fallback>
+          <p:sp>
+            <p:nvSpPr>
+              <p:cNvPr id="33" name="テキスト ボックス 32">
+                <a:extLst>
+                  <a:ext uri="{FF2B5EF4-FFF2-40B4-BE49-F238E27FC236}">
+                    <a16:creationId xmlns:a16="http://schemas.microsoft.com/office/drawing/2014/main" id="{F3924E14-7FCB-E443-A7EC-8F3DB10D927C}"/>
+                  </a:ext>
+                </a:extLst>
+              </p:cNvPr>
+              <p:cNvSpPr txBox="1">
+                <a:spLocks noRot="1" noChangeAspect="1" noMove="1" noResize="1" noEditPoints="1" noAdjustHandles="1" noChangeArrowheads="1" noChangeShapeType="1" noTextEdit="1"/>
+              </p:cNvSpPr>
+              <p:nvPr/>
+            </p:nvSpPr>
+            <p:spPr>
+              <a:xfrm>
+                <a:off x="3023828" y="2845385"/>
+                <a:ext cx="399401" cy="677108"/>
+              </a:xfrm>
+              <a:prstGeom prst="rect">
+                <a:avLst/>
+              </a:prstGeom>
+              <a:blipFill>
+                <a:blip r:embed="rId2"/>
+                <a:stretch>
+                  <a:fillRect/>
+                </a:stretch>
+              </a:blipFill>
+            </p:spPr>
+            <p:txBody>
+              <a:bodyPr/>
+              <a:lstStyle/>
+              <a:p>
+                <a:r>
+                  <a:rPr lang="ja-JP" altLang="en-US">
+                    <a:noFill/>
+                  </a:rPr>
+                  <a:t> </a:t>
+                </a:r>
+              </a:p>
+            </p:txBody>
+          </p:sp>
+        </mc:Fallback>
+      </mc:AlternateContent>
+      <p:sp>
+        <p:nvSpPr>
+          <p:cNvPr id="34" name="テキスト ボックス 33"/>
+          <p:cNvSpPr txBox="1"/>
+          <p:nvPr/>
+        </p:nvSpPr>
+        <p:spPr>
+          <a:xfrm>
+            <a:off x="2990932" y="1765265"/>
+            <a:ext cx="465192" cy="769441"/>
+          </a:xfrm>
+          <a:prstGeom prst="rect">
+            <a:avLst/>
+          </a:prstGeom>
+          <a:noFill/>
+        </p:spPr>
+        <p:txBody>
+          <a:bodyPr wrap="none" rtlCol="0">
+            <a:spAutoFit/>
+          </a:bodyPr>
+          <a:lstStyle/>
+          <a:p>
+            <a:r>
+              <a:rPr kumimoji="1" lang="en-US" altLang="ja-JP" sz="4400" smtClean="0"/>
+              <a:t>=</a:t>
+            </a:r>
+            <a:endParaRPr kumimoji="1" lang="ja-JP" altLang="en-US" sz="4400"/>
+          </a:p>
+        </p:txBody>
+      </p:sp>
+      <p:sp>
+        <p:nvSpPr>
+          <p:cNvPr id="35" name="正方形/長方形 34"/>
+          <p:cNvSpPr/>
+          <p:nvPr/>
+        </p:nvSpPr>
+        <p:spPr>
+          <a:xfrm>
+            <a:off x="1835696" y="4797152"/>
+            <a:ext cx="720080" cy="720080"/>
+          </a:xfrm>
+          <a:prstGeom prst="rect">
+            <a:avLst/>
+          </a:prstGeom>
+          <a:solidFill>
+            <a:schemeClr val="accent1">
+              <a:lumMod val="20000"/>
+              <a:lumOff val="80000"/>
+            </a:schemeClr>
+          </a:solidFill>
+          <a:ln>
+            <a:solidFill>
+              <a:schemeClr val="tx1"/>
+            </a:solidFill>
+          </a:ln>
+        </p:spPr>
+        <p:style>
+          <a:lnRef idx="2">
+            <a:schemeClr val="accent1">
+              <a:shade val="50000"/>
+            </a:schemeClr>
+          </a:lnRef>
+          <a:fillRef idx="1">
+            <a:schemeClr val="accent1"/>
+          </a:fillRef>
+          <a:effectRef idx="0">
+            <a:schemeClr val="accent1"/>
+          </a:effectRef>
+          <a:fontRef idx="minor">
+            <a:schemeClr val="lt1"/>
+          </a:fontRef>
+        </p:style>
+        <p:txBody>
+          <a:bodyPr rtlCol="0" anchor="ctr"/>
+          <a:lstStyle/>
+          <a:p>
+            <a:pPr algn="ctr"/>
+            <a:r>
+              <a:rPr lang="en-US" altLang="ja-JP" sz="3600">
+                <a:solidFill>
+                  <a:schemeClr val="tx1"/>
+                </a:solidFill>
+              </a:rPr>
+              <a:t>C</a:t>
+            </a:r>
+            <a:endParaRPr kumimoji="1" lang="ja-JP" altLang="en-US" sz="3600" dirty="0">
+              <a:solidFill>
+                <a:schemeClr val="tx1"/>
+              </a:solidFill>
+            </a:endParaRPr>
+          </a:p>
+        </p:txBody>
+      </p:sp>
+      <p:cxnSp>
+        <p:nvCxnSpPr>
+          <p:cNvPr id="36" name="直線コネクタ 35"/>
+          <p:cNvCxnSpPr>
+            <a:stCxn id="35" idx="1"/>
+          </p:cNvCxnSpPr>
+          <p:nvPr/>
+        </p:nvCxnSpPr>
+        <p:spPr>
+          <a:xfrm flipH="1">
+            <a:off x="1475656" y="5157192"/>
+            <a:ext cx="360040" cy="0"/>
+          </a:xfrm>
+          <a:prstGeom prst="line">
+            <a:avLst/>
+          </a:prstGeom>
+          <a:ln w="12700">
+            <a:solidFill>
+              <a:schemeClr val="tx1"/>
+            </a:solidFill>
+          </a:ln>
+        </p:spPr>
+        <p:style>
+          <a:lnRef idx="1">
+            <a:schemeClr val="accent1"/>
+          </a:lnRef>
+          <a:fillRef idx="0">
+            <a:schemeClr val="accent1"/>
+          </a:fillRef>
+          <a:effectRef idx="0">
+            <a:schemeClr val="accent1"/>
+          </a:effectRef>
+          <a:fontRef idx="minor">
+            <a:schemeClr val="tx1"/>
+          </a:fontRef>
+        </p:style>
+      </p:cxnSp>
+      <p:cxnSp>
+        <p:nvCxnSpPr>
+          <p:cNvPr id="37" name="直線コネクタ 36"/>
+          <p:cNvCxnSpPr>
+            <a:stCxn id="35" idx="3"/>
+          </p:cNvCxnSpPr>
+          <p:nvPr/>
+        </p:nvCxnSpPr>
+        <p:spPr>
+          <a:xfrm>
+            <a:off x="2555776" y="5157192"/>
+            <a:ext cx="360040" cy="0"/>
+          </a:xfrm>
+          <a:prstGeom prst="line">
+            <a:avLst/>
+          </a:prstGeom>
+          <a:ln w="12700">
+            <a:solidFill>
+              <a:schemeClr val="tx1"/>
+            </a:solidFill>
+          </a:ln>
+        </p:spPr>
+        <p:style>
+          <a:lnRef idx="1">
+            <a:schemeClr val="accent1"/>
+          </a:lnRef>
+          <a:fillRef idx="0">
+            <a:schemeClr val="accent1"/>
+          </a:fillRef>
+          <a:effectRef idx="0">
+            <a:schemeClr val="accent1"/>
+          </a:effectRef>
+          <a:fontRef idx="minor">
+            <a:schemeClr val="tx1"/>
+          </a:fontRef>
+        </p:style>
+      </p:cxnSp>
+      <p:cxnSp>
+        <p:nvCxnSpPr>
+          <p:cNvPr id="38" name="直線コネクタ 37"/>
+          <p:cNvCxnSpPr>
+            <a:stCxn id="35" idx="2"/>
+          </p:cNvCxnSpPr>
+          <p:nvPr/>
+        </p:nvCxnSpPr>
+        <p:spPr>
+          <a:xfrm>
+            <a:off x="2195736" y="5517232"/>
+            <a:ext cx="0" cy="360040"/>
+          </a:xfrm>
+          <a:prstGeom prst="line">
+            <a:avLst/>
+          </a:prstGeom>
+          <a:ln w="12700">
+            <a:solidFill>
+              <a:schemeClr val="tx1"/>
+            </a:solidFill>
+          </a:ln>
+        </p:spPr>
+        <p:style>
+          <a:lnRef idx="1">
+            <a:schemeClr val="accent1"/>
+          </a:lnRef>
+          <a:fillRef idx="0">
+            <a:schemeClr val="accent1"/>
+          </a:fillRef>
+          <a:effectRef idx="0">
+            <a:schemeClr val="accent1"/>
+          </a:effectRef>
+          <a:fontRef idx="minor">
+            <a:schemeClr val="tx1"/>
+          </a:fontRef>
+        </p:style>
+      </p:cxnSp>
+      <p:sp>
+        <p:nvSpPr>
+          <p:cNvPr id="39" name="テキスト ボックス 38"/>
+          <p:cNvSpPr txBox="1"/>
+          <p:nvPr/>
+        </p:nvSpPr>
+        <p:spPr>
+          <a:xfrm>
+            <a:off x="1475656" y="4293096"/>
+            <a:ext cx="1569660" cy="369332"/>
+          </a:xfrm>
+          <a:prstGeom prst="rect">
+            <a:avLst/>
+          </a:prstGeom>
+          <a:noFill/>
+        </p:spPr>
+        <p:txBody>
+          <a:bodyPr wrap="none" rtlCol="0">
+            <a:spAutoFit/>
+          </a:bodyPr>
+          <a:lstStyle/>
+          <a:p>
+            <a:r>
+              <a:rPr lang="ja-JP" altLang="en-US" smtClean="0"/>
+              <a:t>コアテンソル</a:t>
+            </a:r>
+            <a:endParaRPr kumimoji="1" lang="ja-JP" altLang="en-US"/>
+          </a:p>
+        </p:txBody>
+      </p:sp>
+      <p:grpSp>
+        <p:nvGrpSpPr>
+          <p:cNvPr id="40" name="グループ化 39"/>
+          <p:cNvGrpSpPr/>
+          <p:nvPr/>
+        </p:nvGrpSpPr>
+        <p:grpSpPr>
+          <a:xfrm>
+            <a:off x="4355976" y="4797152"/>
+            <a:ext cx="1080120" cy="720080"/>
+            <a:chOff x="4211960" y="1268760"/>
+            <a:chExt cx="1080120" cy="720080"/>
+          </a:xfrm>
+        </p:grpSpPr>
+        <p:sp>
+          <p:nvSpPr>
+            <p:cNvPr id="41" name="二等辺三角形 40"/>
+            <p:cNvSpPr/>
+            <p:nvPr/>
+          </p:nvSpPr>
+          <p:spPr>
+            <a:xfrm rot="16200000">
+              <a:off x="4391980" y="1448780"/>
+              <a:ext cx="720080" cy="360040"/>
+            </a:xfrm>
+            <a:prstGeom prst="triangle">
+              <a:avLst/>
+            </a:prstGeom>
+            <a:solidFill>
+              <a:schemeClr val="accent2">
+                <a:lumMod val="40000"/>
+                <a:lumOff val="60000"/>
+              </a:schemeClr>
+            </a:solidFill>
+            <a:ln>
+              <a:solidFill>
+                <a:schemeClr val="tx1"/>
+              </a:solidFill>
+            </a:ln>
+          </p:spPr>
+          <p:style>
+            <a:lnRef idx="2">
+              <a:schemeClr val="accent1">
+                <a:shade val="50000"/>
+              </a:schemeClr>
+            </a:lnRef>
+            <a:fillRef idx="1">
+              <a:schemeClr val="accent1"/>
+            </a:fillRef>
+            <a:effectRef idx="0">
+              <a:schemeClr val="accent1"/>
+            </a:effectRef>
+            <a:fontRef idx="minor">
+              <a:schemeClr val="lt1"/>
+            </a:fontRef>
+          </p:style>
+          <p:txBody>
+            <a:bodyPr rtlCol="0" anchor="ctr"/>
+            <a:lstStyle/>
+            <a:p>
+              <a:pPr algn="ctr"/>
+              <a:endParaRPr kumimoji="1" lang="ja-JP" altLang="en-US"/>
+            </a:p>
+          </p:txBody>
+        </p:sp>
+        <p:cxnSp>
+          <p:nvCxnSpPr>
+            <p:cNvPr id="42" name="直線コネクタ 41"/>
+            <p:cNvCxnSpPr/>
+            <p:nvPr/>
+          </p:nvCxnSpPr>
+          <p:spPr>
+            <a:xfrm flipH="1">
+              <a:off x="4211960" y="1628800"/>
+              <a:ext cx="360040" cy="0"/>
+            </a:xfrm>
+            <a:prstGeom prst="line">
+              <a:avLst/>
+            </a:prstGeom>
+            <a:ln w="12700">
+              <a:solidFill>
+                <a:schemeClr val="tx1"/>
+              </a:solidFill>
+            </a:ln>
+          </p:spPr>
+          <p:style>
+            <a:lnRef idx="1">
+              <a:schemeClr val="accent1"/>
+            </a:lnRef>
+            <a:fillRef idx="0">
+              <a:schemeClr val="accent1"/>
+            </a:fillRef>
+            <a:effectRef idx="0">
+              <a:schemeClr val="accent1"/>
+            </a:effectRef>
+            <a:fontRef idx="minor">
+              <a:schemeClr val="tx1"/>
+            </a:fontRef>
+          </p:style>
+        </p:cxnSp>
+        <p:sp>
+          <p:nvSpPr>
+            <p:cNvPr id="43" name="正方形/長方形 42"/>
+            <p:cNvSpPr/>
+            <p:nvPr/>
+          </p:nvSpPr>
+          <p:spPr>
+            <a:xfrm>
+              <a:off x="4932040" y="1556792"/>
+              <a:ext cx="360040" cy="144016"/>
+            </a:xfrm>
+            <a:prstGeom prst="rect">
+              <a:avLst/>
+            </a:prstGeom>
+            <a:solidFill>
+              <a:schemeClr val="tx1"/>
+            </a:solidFill>
+            <a:ln>
+              <a:solidFill>
+                <a:schemeClr val="tx1"/>
+              </a:solidFill>
+            </a:ln>
+          </p:spPr>
+          <p:style>
+            <a:lnRef idx="2">
+              <a:schemeClr val="accent1">
+                <a:shade val="50000"/>
+              </a:schemeClr>
+            </a:lnRef>
+            <a:fillRef idx="1">
+              <a:schemeClr val="accent1"/>
+            </a:fillRef>
+            <a:effectRef idx="0">
+              <a:schemeClr val="accent1"/>
+            </a:effectRef>
+            <a:fontRef idx="minor">
+              <a:schemeClr val="lt1"/>
+            </a:fontRef>
+          </p:style>
+          <p:txBody>
+            <a:bodyPr rtlCol="0" anchor="ctr"/>
+            <a:lstStyle/>
+            <a:p>
+              <a:pPr algn="ctr"/>
+              <a:endParaRPr kumimoji="1" lang="ja-JP" altLang="en-US"/>
+            </a:p>
+          </p:txBody>
+        </p:sp>
+      </p:grpSp>
+      <p:grpSp>
+        <p:nvGrpSpPr>
+          <p:cNvPr id="44" name="グループ化 43"/>
+          <p:cNvGrpSpPr/>
+          <p:nvPr/>
+        </p:nvGrpSpPr>
+        <p:grpSpPr>
+          <a:xfrm rot="16200000">
+            <a:off x="5256076" y="5697252"/>
+            <a:ext cx="1080120" cy="720080"/>
+            <a:chOff x="4211960" y="1268760"/>
+            <a:chExt cx="1080120" cy="720080"/>
+          </a:xfrm>
+        </p:grpSpPr>
+        <p:sp>
+          <p:nvSpPr>
+            <p:cNvPr id="45" name="二等辺三角形 44"/>
+            <p:cNvSpPr/>
+            <p:nvPr/>
+          </p:nvSpPr>
+          <p:spPr>
+            <a:xfrm rot="16200000">
+              <a:off x="4391980" y="1448780"/>
+              <a:ext cx="720080" cy="360040"/>
+            </a:xfrm>
+            <a:prstGeom prst="triangle">
+              <a:avLst/>
+            </a:prstGeom>
+            <a:solidFill>
+              <a:schemeClr val="accent2">
+                <a:lumMod val="40000"/>
+                <a:lumOff val="60000"/>
+              </a:schemeClr>
+            </a:solidFill>
+            <a:ln>
+              <a:solidFill>
+                <a:schemeClr val="tx1"/>
+              </a:solidFill>
+            </a:ln>
+          </p:spPr>
+          <p:style>
+            <a:lnRef idx="2">
+              <a:schemeClr val="accent1">
+                <a:shade val="50000"/>
+              </a:schemeClr>
+            </a:lnRef>
+            <a:fillRef idx="1">
+              <a:schemeClr val="accent1"/>
+            </a:fillRef>
+            <a:effectRef idx="0">
+              <a:schemeClr val="accent1"/>
+            </a:effectRef>
+            <a:fontRef idx="minor">
+              <a:schemeClr val="lt1"/>
+            </a:fontRef>
+          </p:style>
+          <p:txBody>
+            <a:bodyPr rtlCol="0" anchor="ctr"/>
+            <a:lstStyle/>
+            <a:p>
+              <a:pPr algn="ctr"/>
+              <a:endParaRPr kumimoji="1" lang="ja-JP" altLang="en-US"/>
+            </a:p>
+          </p:txBody>
+        </p:sp>
+        <p:cxnSp>
+          <p:nvCxnSpPr>
+            <p:cNvPr id="46" name="直線コネクタ 45"/>
+            <p:cNvCxnSpPr/>
+            <p:nvPr/>
+          </p:nvCxnSpPr>
+          <p:spPr>
+            <a:xfrm flipH="1">
+              <a:off x="4211960" y="1628800"/>
+              <a:ext cx="360040" cy="0"/>
+            </a:xfrm>
+            <a:prstGeom prst="line">
+              <a:avLst/>
+            </a:prstGeom>
+            <a:ln w="12700">
+              <a:solidFill>
+                <a:schemeClr val="tx1"/>
+              </a:solidFill>
+            </a:ln>
+          </p:spPr>
+          <p:style>
+            <a:lnRef idx="1">
+              <a:schemeClr val="accent1"/>
+            </a:lnRef>
+            <a:fillRef idx="0">
+              <a:schemeClr val="accent1"/>
+            </a:fillRef>
+            <a:effectRef idx="0">
+              <a:schemeClr val="accent1"/>
+            </a:effectRef>
+            <a:fontRef idx="minor">
+              <a:schemeClr val="tx1"/>
+            </a:fontRef>
+          </p:style>
+        </p:cxnSp>
+        <p:sp>
+          <p:nvSpPr>
+            <p:cNvPr id="47" name="正方形/長方形 46"/>
+            <p:cNvSpPr/>
+            <p:nvPr/>
+          </p:nvSpPr>
+          <p:spPr>
+            <a:xfrm>
+              <a:off x="4932040" y="1556792"/>
+              <a:ext cx="360040" cy="144016"/>
+            </a:xfrm>
+            <a:prstGeom prst="rect">
+              <a:avLst/>
+            </a:prstGeom>
+            <a:solidFill>
+              <a:schemeClr val="tx1"/>
+            </a:solidFill>
+            <a:ln>
+              <a:solidFill>
+                <a:schemeClr val="tx1"/>
+              </a:solidFill>
+            </a:ln>
+          </p:spPr>
+          <p:style>
+            <a:lnRef idx="2">
+              <a:schemeClr val="accent1">
+                <a:shade val="50000"/>
+              </a:schemeClr>
+            </a:lnRef>
+            <a:fillRef idx="1">
+              <a:schemeClr val="accent1"/>
+            </a:fillRef>
+            <a:effectRef idx="0">
+              <a:schemeClr val="accent1"/>
+            </a:effectRef>
+            <a:fontRef idx="minor">
+              <a:schemeClr val="lt1"/>
+            </a:fontRef>
+          </p:style>
+          <p:txBody>
+            <a:bodyPr rtlCol="0" anchor="ctr"/>
+            <a:lstStyle/>
+            <a:p>
+              <a:pPr algn="ctr"/>
+              <a:endParaRPr kumimoji="1" lang="ja-JP" altLang="en-US"/>
+            </a:p>
+          </p:txBody>
+        </p:sp>
+      </p:grpSp>
+      <p:grpSp>
+        <p:nvGrpSpPr>
+          <p:cNvPr id="48" name="グループ化 47"/>
+          <p:cNvGrpSpPr/>
+          <p:nvPr/>
+        </p:nvGrpSpPr>
+        <p:grpSpPr>
+          <a:xfrm rot="10800000">
+            <a:off x="6156176" y="4797152"/>
+            <a:ext cx="1080120" cy="720080"/>
+            <a:chOff x="4211960" y="1268760"/>
+            <a:chExt cx="1080120" cy="720080"/>
+          </a:xfrm>
+        </p:grpSpPr>
+        <p:sp>
+          <p:nvSpPr>
+            <p:cNvPr id="49" name="二等辺三角形 48"/>
+            <p:cNvSpPr/>
+            <p:nvPr/>
+          </p:nvSpPr>
+          <p:spPr>
+            <a:xfrm rot="16200000">
+              <a:off x="4391980" y="1448780"/>
+              <a:ext cx="720080" cy="360040"/>
+            </a:xfrm>
+            <a:prstGeom prst="triangle">
+              <a:avLst/>
+            </a:prstGeom>
+            <a:solidFill>
+              <a:schemeClr val="accent2">
+                <a:lumMod val="40000"/>
+                <a:lumOff val="60000"/>
+              </a:schemeClr>
+            </a:solidFill>
+            <a:ln>
+              <a:solidFill>
+                <a:schemeClr val="tx1"/>
+              </a:solidFill>
+            </a:ln>
+          </p:spPr>
+          <p:style>
+            <a:lnRef idx="2">
+              <a:schemeClr val="accent1">
+                <a:shade val="50000"/>
+              </a:schemeClr>
+            </a:lnRef>
+            <a:fillRef idx="1">
+              <a:schemeClr val="accent1"/>
+            </a:fillRef>
+            <a:effectRef idx="0">
+              <a:schemeClr val="accent1"/>
+            </a:effectRef>
+            <a:fontRef idx="minor">
+              <a:schemeClr val="lt1"/>
+            </a:fontRef>
+          </p:style>
+          <p:txBody>
+            <a:bodyPr rtlCol="0" anchor="ctr"/>
+            <a:lstStyle/>
+            <a:p>
+              <a:pPr algn="ctr"/>
+              <a:endParaRPr kumimoji="1" lang="ja-JP" altLang="en-US"/>
+            </a:p>
+          </p:txBody>
+        </p:sp>
+        <p:cxnSp>
+          <p:nvCxnSpPr>
+            <p:cNvPr id="50" name="直線コネクタ 49"/>
+            <p:cNvCxnSpPr/>
+            <p:nvPr/>
+          </p:nvCxnSpPr>
+          <p:spPr>
+            <a:xfrm flipH="1">
+              <a:off x="4211960" y="1628800"/>
+              <a:ext cx="360040" cy="0"/>
+            </a:xfrm>
+            <a:prstGeom prst="line">
+              <a:avLst/>
+            </a:prstGeom>
+            <a:ln w="12700">
+              <a:solidFill>
+                <a:schemeClr val="tx1"/>
+              </a:solidFill>
+            </a:ln>
+          </p:spPr>
+          <p:style>
+            <a:lnRef idx="1">
+              <a:schemeClr val="accent1"/>
+            </a:lnRef>
+            <a:fillRef idx="0">
+              <a:schemeClr val="accent1"/>
+            </a:fillRef>
+            <a:effectRef idx="0">
+              <a:schemeClr val="accent1"/>
+            </a:effectRef>
+            <a:fontRef idx="minor">
+              <a:schemeClr val="tx1"/>
+            </a:fontRef>
+          </p:style>
+        </p:cxnSp>
+        <p:sp>
+          <p:nvSpPr>
+            <p:cNvPr id="51" name="正方形/長方形 50"/>
+            <p:cNvSpPr/>
+            <p:nvPr/>
+          </p:nvSpPr>
+          <p:spPr>
+            <a:xfrm>
+              <a:off x="4932040" y="1556792"/>
+              <a:ext cx="360040" cy="144016"/>
+            </a:xfrm>
+            <a:prstGeom prst="rect">
+              <a:avLst/>
+            </a:prstGeom>
+            <a:solidFill>
+              <a:schemeClr val="tx1"/>
+            </a:solidFill>
+            <a:ln>
+              <a:solidFill>
+                <a:schemeClr val="tx1"/>
+              </a:solidFill>
+            </a:ln>
+          </p:spPr>
+          <p:style>
+            <a:lnRef idx="2">
+              <a:schemeClr val="accent1">
+                <a:shade val="50000"/>
+              </a:schemeClr>
+            </a:lnRef>
+            <a:fillRef idx="1">
+              <a:schemeClr val="accent1"/>
+            </a:fillRef>
+            <a:effectRef idx="0">
+              <a:schemeClr val="accent1"/>
+            </a:effectRef>
+            <a:fontRef idx="minor">
+              <a:schemeClr val="lt1"/>
+            </a:fontRef>
+          </p:style>
+          <p:txBody>
+            <a:bodyPr rtlCol="0" anchor="ctr"/>
+            <a:lstStyle/>
+            <a:p>
+              <a:pPr algn="ctr"/>
+              <a:endParaRPr kumimoji="1" lang="ja-JP" altLang="en-US"/>
+            </a:p>
+          </p:txBody>
+        </p:sp>
+      </p:grpSp>
+      <p:sp>
+        <p:nvSpPr>
+          <p:cNvPr id="52" name="正方形/長方形 51"/>
+          <p:cNvSpPr/>
+          <p:nvPr/>
+        </p:nvSpPr>
+        <p:spPr>
+          <a:xfrm>
+            <a:off x="5436096" y="4797152"/>
+            <a:ext cx="720080" cy="720080"/>
+          </a:xfrm>
+          <a:prstGeom prst="rect">
+            <a:avLst/>
+          </a:prstGeom>
+          <a:solidFill>
+            <a:schemeClr val="accent1">
+              <a:lumMod val="20000"/>
+              <a:lumOff val="80000"/>
+            </a:schemeClr>
+          </a:solidFill>
+          <a:ln>
+            <a:solidFill>
+              <a:schemeClr val="tx1"/>
+            </a:solidFill>
+          </a:ln>
+        </p:spPr>
+        <p:style>
+          <a:lnRef idx="2">
+            <a:schemeClr val="accent1">
+              <a:shade val="50000"/>
+            </a:schemeClr>
+          </a:lnRef>
+          <a:fillRef idx="1">
+            <a:schemeClr val="accent1"/>
+          </a:fillRef>
+          <a:effectRef idx="0">
+            <a:schemeClr val="accent1"/>
+          </a:effectRef>
+          <a:fontRef idx="minor">
+            <a:schemeClr val="lt1"/>
+          </a:fontRef>
+        </p:style>
+        <p:txBody>
+          <a:bodyPr rtlCol="0" anchor="ctr"/>
+          <a:lstStyle/>
+          <a:p>
+            <a:pPr algn="ctr"/>
+            <a:r>
+              <a:rPr kumimoji="1" lang="en-US" altLang="ja-JP" sz="3600" smtClean="0">
+                <a:solidFill>
+                  <a:schemeClr val="tx1"/>
+                </a:solidFill>
+              </a:rPr>
+              <a:t>X</a:t>
+            </a:r>
+            <a:endParaRPr kumimoji="1" lang="ja-JP" altLang="en-US" sz="3600" dirty="0">
+              <a:solidFill>
+                <a:schemeClr val="tx1"/>
+              </a:solidFill>
+            </a:endParaRPr>
+          </a:p>
+        </p:txBody>
+      </p:sp>
+      <p:sp>
+        <p:nvSpPr>
+          <p:cNvPr id="53" name="テキスト ボックス 52"/>
+          <p:cNvSpPr txBox="1"/>
+          <p:nvPr/>
+        </p:nvSpPr>
+        <p:spPr>
+          <a:xfrm>
+            <a:off x="3419872" y="4725144"/>
+            <a:ext cx="465192" cy="769441"/>
+          </a:xfrm>
+          <a:prstGeom prst="rect">
+            <a:avLst/>
+          </a:prstGeom>
+          <a:noFill/>
+        </p:spPr>
+        <p:txBody>
+          <a:bodyPr wrap="none" rtlCol="0">
+            <a:spAutoFit/>
+          </a:bodyPr>
+          <a:lstStyle/>
+          <a:p>
+            <a:r>
+              <a:rPr kumimoji="1" lang="en-US" altLang="ja-JP" sz="4400" smtClean="0"/>
+              <a:t>=</a:t>
+            </a:r>
+            <a:endParaRPr kumimoji="1" lang="ja-JP" altLang="en-US" sz="4400"/>
+          </a:p>
+        </p:txBody>
+      </p:sp>
+      <p:sp>
+        <p:nvSpPr>
+          <p:cNvPr id="56" name="テキスト ボックス 55"/>
+          <p:cNvSpPr txBox="1"/>
+          <p:nvPr/>
+        </p:nvSpPr>
+        <p:spPr>
+          <a:xfrm>
+            <a:off x="6502562" y="5003884"/>
+            <a:ext cx="301686" cy="369332"/>
+          </a:xfrm>
+          <a:prstGeom prst="rect">
+            <a:avLst/>
+          </a:prstGeom>
+          <a:noFill/>
+        </p:spPr>
+        <p:txBody>
+          <a:bodyPr wrap="none" rtlCol="0">
+            <a:spAutoFit/>
+          </a:bodyPr>
+          <a:lstStyle/>
+          <a:p>
+            <a:r>
+              <a:rPr kumimoji="1" lang="en-US" altLang="ja-JP" smtClean="0"/>
+              <a:t>1</a:t>
+            </a:r>
+            <a:endParaRPr kumimoji="1" lang="ja-JP" altLang="en-US"/>
+          </a:p>
+        </p:txBody>
+      </p:sp>
+      <p:sp>
+        <p:nvSpPr>
+          <p:cNvPr id="57" name="テキスト ボックス 56"/>
+          <p:cNvSpPr txBox="1"/>
+          <p:nvPr/>
+        </p:nvSpPr>
+        <p:spPr>
+          <a:xfrm>
+            <a:off x="5652120" y="5867980"/>
+            <a:ext cx="301686" cy="369332"/>
+          </a:xfrm>
+          <a:prstGeom prst="rect">
+            <a:avLst/>
+          </a:prstGeom>
+          <a:noFill/>
+        </p:spPr>
+        <p:txBody>
+          <a:bodyPr wrap="none" rtlCol="0">
+            <a:spAutoFit/>
+          </a:bodyPr>
+          <a:lstStyle/>
+          <a:p>
+            <a:r>
+              <a:rPr lang="en-US" altLang="ja-JP"/>
+              <a:t>2</a:t>
+            </a:r>
+            <a:endParaRPr kumimoji="1" lang="ja-JP" altLang="en-US"/>
+          </a:p>
+        </p:txBody>
+      </p:sp>
+      <p:sp>
+        <p:nvSpPr>
+          <p:cNvPr id="58" name="テキスト ボックス 57"/>
+          <p:cNvSpPr txBox="1"/>
+          <p:nvPr/>
+        </p:nvSpPr>
+        <p:spPr>
+          <a:xfrm>
+            <a:off x="4788024" y="5003884"/>
+            <a:ext cx="216024" cy="369332"/>
+          </a:xfrm>
+          <a:prstGeom prst="rect">
+            <a:avLst/>
+          </a:prstGeom>
+          <a:noFill/>
+        </p:spPr>
+        <p:txBody>
+          <a:bodyPr wrap="square" rtlCol="0">
+            <a:spAutoFit/>
+          </a:bodyPr>
+          <a:lstStyle/>
+          <a:p>
+            <a:r>
+              <a:rPr kumimoji="1" lang="en-US" altLang="ja-JP" smtClean="0"/>
+              <a:t>3</a:t>
+            </a:r>
+            <a:endParaRPr kumimoji="1" lang="ja-JP" altLang="en-US"/>
+          </a:p>
+        </p:txBody>
+      </p:sp>
+      <p:sp>
+        <p:nvSpPr>
+          <p:cNvPr id="59" name="テキスト ボックス 58"/>
+          <p:cNvSpPr txBox="1"/>
+          <p:nvPr/>
+        </p:nvSpPr>
+        <p:spPr>
+          <a:xfrm>
+            <a:off x="5796136" y="1045185"/>
+            <a:ext cx="2610010" cy="369332"/>
+          </a:xfrm>
+          <a:prstGeom prst="rect">
+            <a:avLst/>
+          </a:prstGeom>
+          <a:noFill/>
+        </p:spPr>
+        <p:txBody>
+          <a:bodyPr wrap="none" rtlCol="0">
+            <a:spAutoFit/>
+          </a:bodyPr>
+          <a:lstStyle/>
+          <a:p>
+            <a:r>
+              <a:rPr kumimoji="1" lang="en-US" altLang="ja-JP" smtClean="0"/>
+              <a:t>1</a:t>
+            </a:r>
+            <a:r>
+              <a:rPr kumimoji="1" lang="ja-JP" altLang="en-US" smtClean="0"/>
+              <a:t>番以外の足をまとめる</a:t>
+            </a:r>
+            <a:endParaRPr kumimoji="1" lang="ja-JP" altLang="en-US"/>
+          </a:p>
+        </p:txBody>
+      </p:sp>
+      <p:sp>
+        <p:nvSpPr>
+          <p:cNvPr id="60" name="テキスト ボックス 59"/>
+          <p:cNvSpPr txBox="1"/>
+          <p:nvPr/>
+        </p:nvSpPr>
+        <p:spPr>
+          <a:xfrm>
+            <a:off x="6602740" y="1971997"/>
+            <a:ext cx="1947969" cy="369332"/>
+          </a:xfrm>
+          <a:prstGeom prst="rect">
+            <a:avLst/>
+          </a:prstGeom>
+          <a:noFill/>
+        </p:spPr>
+        <p:txBody>
+          <a:bodyPr wrap="none" rtlCol="0">
+            <a:spAutoFit/>
+          </a:bodyPr>
+          <a:lstStyle/>
+          <a:p>
+            <a:r>
+              <a:rPr kumimoji="1" lang="ja-JP" altLang="en-US" smtClean="0"/>
+              <a:t>行列と思って</a:t>
+            </a:r>
+            <a:r>
+              <a:rPr kumimoji="1" lang="en-US" altLang="ja-JP" smtClean="0"/>
+              <a:t>SVD</a:t>
+            </a:r>
+            <a:endParaRPr kumimoji="1" lang="ja-JP" altLang="en-US"/>
+          </a:p>
+        </p:txBody>
+      </p:sp>
+      <p:sp>
+        <p:nvSpPr>
+          <p:cNvPr id="61" name="テキスト ボックス 60"/>
+          <p:cNvSpPr txBox="1"/>
+          <p:nvPr/>
+        </p:nvSpPr>
+        <p:spPr>
+          <a:xfrm>
+            <a:off x="6660232" y="2989401"/>
+            <a:ext cx="2351926" cy="646331"/>
+          </a:xfrm>
+          <a:prstGeom prst="rect">
+            <a:avLst/>
+          </a:prstGeom>
+          <a:noFill/>
+        </p:spPr>
+        <p:txBody>
+          <a:bodyPr wrap="none" rtlCol="0">
+            <a:spAutoFit/>
+          </a:bodyPr>
+          <a:lstStyle/>
+          <a:p>
+            <a:r>
+              <a:rPr kumimoji="1" lang="en-US" altLang="ja-JP" smtClean="0"/>
+              <a:t>1</a:t>
+            </a:r>
+            <a:r>
+              <a:rPr kumimoji="1" lang="ja-JP" altLang="en-US" smtClean="0"/>
+              <a:t>番の足の</a:t>
+            </a:r>
+            <a:endParaRPr kumimoji="1" lang="en-US" altLang="ja-JP" smtClean="0"/>
+          </a:p>
+          <a:p>
+            <a:r>
+              <a:rPr lang="ja-JP" altLang="en-US" smtClean="0"/>
+              <a:t>圧縮</a:t>
+            </a:r>
+            <a:r>
+              <a:rPr lang="en-US" altLang="ja-JP" smtClean="0"/>
+              <a:t>/</a:t>
+            </a:r>
+            <a:r>
+              <a:rPr lang="ja-JP" altLang="en-US" smtClean="0"/>
+              <a:t>復元行列を得る</a:t>
+            </a:r>
+            <a:endParaRPr kumimoji="1" lang="ja-JP" altLang="en-US"/>
+          </a:p>
+        </p:txBody>
+      </p:sp>
+      <p:sp>
+        <p:nvSpPr>
+          <p:cNvPr id="62" name="テキスト ボックス 61"/>
+          <p:cNvSpPr txBox="1"/>
+          <p:nvPr/>
+        </p:nvSpPr>
+        <p:spPr>
+          <a:xfrm>
+            <a:off x="2051720" y="3707740"/>
+            <a:ext cx="4687502" cy="369332"/>
+          </a:xfrm>
+          <a:prstGeom prst="rect">
+            <a:avLst/>
+          </a:prstGeom>
+          <a:noFill/>
+        </p:spPr>
+        <p:txBody>
+          <a:bodyPr wrap="none" rtlCol="0">
+            <a:spAutoFit/>
+          </a:bodyPr>
+          <a:lstStyle/>
+          <a:p>
+            <a:r>
+              <a:rPr lang="ja-JP" altLang="en-US" smtClean="0"/>
+              <a:t>残りの</a:t>
+            </a:r>
+            <a:r>
+              <a:rPr lang="en-US" altLang="ja-JP" smtClean="0"/>
+              <a:t>2</a:t>
+            </a:r>
+            <a:r>
+              <a:rPr lang="ja-JP" altLang="en-US" smtClean="0"/>
+              <a:t>本の足についても同様な処理をする</a:t>
+            </a:r>
+            <a:endParaRPr kumimoji="1" lang="ja-JP" altLang="en-US"/>
+          </a:p>
+        </p:txBody>
+      </p:sp>
+      <p:sp>
+        <p:nvSpPr>
+          <p:cNvPr id="63" name="下矢印 62"/>
+          <p:cNvSpPr/>
+          <p:nvPr/>
+        </p:nvSpPr>
+        <p:spPr>
+          <a:xfrm>
+            <a:off x="3923928" y="4283804"/>
+            <a:ext cx="504056" cy="402344"/>
+          </a:xfrm>
+          <a:prstGeom prst="downArrow">
+            <a:avLst/>
+          </a:prstGeom>
+          <a:solidFill>
+            <a:srgbClr val="FF0000"/>
+          </a:solidFill>
+          <a:ln>
+            <a:solidFill>
+              <a:schemeClr val="tx1"/>
+            </a:solidFill>
+          </a:ln>
+        </p:spPr>
+        <p:style>
+          <a:lnRef idx="2">
+            <a:schemeClr val="accent1">
+              <a:shade val="50000"/>
+            </a:schemeClr>
+          </a:lnRef>
+          <a:fillRef idx="1">
+            <a:schemeClr val="accent1"/>
+          </a:fillRef>
+          <a:effectRef idx="0">
+            <a:schemeClr val="accent1"/>
+          </a:effectRef>
+          <a:fontRef idx="minor">
+            <a:schemeClr val="lt1"/>
+          </a:fontRef>
+        </p:style>
+        <p:txBody>
+          <a:bodyPr rtlCol="0" anchor="ctr"/>
+          <a:lstStyle/>
+          <a:p>
+            <a:pPr algn="ctr"/>
+            <a:endParaRPr kumimoji="1" lang="ja-JP" altLang="en-US"/>
+          </a:p>
+        </p:txBody>
+      </p:sp>
+      <p:sp>
+        <p:nvSpPr>
+          <p:cNvPr id="64" name="テキスト ボックス 63"/>
+          <p:cNvSpPr txBox="1"/>
+          <p:nvPr/>
+        </p:nvSpPr>
+        <p:spPr>
+          <a:xfrm>
+            <a:off x="3635896" y="116632"/>
+            <a:ext cx="1385700" cy="584775"/>
+          </a:xfrm>
+          <a:prstGeom prst="rect">
+            <a:avLst/>
+          </a:prstGeom>
+          <a:noFill/>
+        </p:spPr>
+        <p:txBody>
+          <a:bodyPr wrap="none" rtlCol="0">
+            <a:spAutoFit/>
+          </a:bodyPr>
+          <a:lstStyle/>
+          <a:p>
+            <a:r>
+              <a:rPr kumimoji="1" lang="en-US" altLang="ja-JP" sz="3200" smtClean="0"/>
+              <a:t>HOSVD</a:t>
+            </a:r>
+            <a:endParaRPr kumimoji="1" lang="ja-JP" altLang="en-US" sz="3200"/>
+          </a:p>
+        </p:txBody>
+      </p:sp>
+    </p:spTree>
+    <p:extLst>
+      <p:ext uri="{BB962C8B-B14F-4D97-AF65-F5344CB8AC3E}">
+        <p14:creationId xmlns:p14="http://schemas.microsoft.com/office/powerpoint/2010/main" val="2752747345"/>
       </p:ext>
     </p:extLst>
   </p:cSld>

--- a/daimyo_hooi/fig.pptx
+++ b/daimyo_hooi/fig.pptx
@@ -10,6 +10,8 @@
     <p:sldId id="277" r:id="rId4"/>
     <p:sldId id="278" r:id="rId5"/>
     <p:sldId id="279" r:id="rId6"/>
+    <p:sldId id="280" r:id="rId7"/>
+    <p:sldId id="281" r:id="rId8"/>
   </p:sldIdLst>
   <p:sldSz cx="9144000" cy="6858000" type="screen4x3"/>
   <p:notesSz cx="6858000" cy="9144000"/>
@@ -538,7 +540,7 @@
           <a:p>
             <a:pPr algn="ctr"/>
             <a:r>
-              <a:rPr kumimoji="1" lang="en-US" altLang="ja-JP" sz="3600" smtClean="0">
+              <a:rPr kumimoji="1" lang="en-US" altLang="ja-JP" sz="3600">
                 <a:solidFill>
                   <a:schemeClr val="tx1"/>
                 </a:solidFill>
@@ -1291,7 +1293,7 @@
           <a:lstStyle/>
           <a:p>
             <a:r>
-              <a:rPr lang="ja-JP" altLang="en-US" smtClean="0"/>
+              <a:rPr lang="ja-JP" altLang="en-US"/>
               <a:t>元のテンソル</a:t>
             </a:r>
             <a:endParaRPr kumimoji="1" lang="ja-JP" altLang="en-US"/>
@@ -1321,7 +1323,7 @@
           <a:lstStyle/>
           <a:p>
             <a:r>
-              <a:rPr lang="ja-JP" altLang="en-US" smtClean="0"/>
+              <a:rPr lang="ja-JP" altLang="en-US"/>
               <a:t>近似されたテンソル</a:t>
             </a:r>
             <a:endParaRPr kumimoji="1" lang="ja-JP" altLang="en-US"/>
@@ -1485,7 +1487,7 @@
           <a:lstStyle/>
           <a:p>
             <a:r>
-              <a:rPr lang="ja-JP" altLang="en-US" smtClean="0"/>
+              <a:rPr lang="ja-JP" altLang="en-US"/>
               <a:t>復元行列</a:t>
             </a:r>
             <a:endParaRPr kumimoji="1" lang="ja-JP" altLang="en-US"/>
@@ -1689,7 +1691,7 @@
           <a:lstStyle/>
           <a:p>
             <a:r>
-              <a:rPr lang="ja-JP" altLang="en-US" smtClean="0"/>
+              <a:rPr lang="ja-JP" altLang="en-US"/>
               <a:t>コアテンソル</a:t>
             </a:r>
             <a:endParaRPr kumimoji="1" lang="ja-JP" altLang="en-US"/>
@@ -1719,14 +1721,13 @@
           <a:lstStyle/>
           <a:p>
             <a:r>
-              <a:rPr kumimoji="1" lang="en-US" altLang="ja-JP" smtClean="0"/>
+              <a:rPr kumimoji="1" lang="en-US" altLang="ja-JP"/>
               <a:t>Tucker</a:t>
             </a:r>
             <a:r>
-              <a:rPr kumimoji="1" lang="ja-JP" altLang="en-US" smtClean="0"/>
+              <a:rPr kumimoji="1" lang="ja-JP" altLang="en-US"/>
               <a:t>分解</a:t>
             </a:r>
-            <a:endParaRPr kumimoji="1" lang="ja-JP" altLang="en-US"/>
           </a:p>
         </p:txBody>
       </p:sp>
@@ -1957,7 +1958,7 @@
           <a:lstStyle/>
           <a:p>
             <a:r>
-              <a:rPr lang="ja-JP" altLang="en-US" smtClean="0"/>
+              <a:rPr lang="ja-JP" altLang="en-US"/>
               <a:t>コアテンソル</a:t>
             </a:r>
             <a:endParaRPr kumimoji="1" lang="ja-JP" altLang="en-US"/>
@@ -2459,7 +2460,7 @@
           <a:p>
             <a:pPr algn="ctr"/>
             <a:r>
-              <a:rPr kumimoji="1" lang="en-US" altLang="ja-JP" sz="3600" smtClean="0">
+              <a:rPr kumimoji="1" lang="en-US" altLang="ja-JP" sz="3600">
                 <a:solidFill>
                   <a:schemeClr val="tx1"/>
                 </a:solidFill>
@@ -2497,7 +2498,7 @@
           <a:lstStyle/>
           <a:p>
             <a:r>
-              <a:rPr kumimoji="1" lang="en-US" altLang="ja-JP" sz="4400" smtClean="0"/>
+              <a:rPr kumimoji="1" lang="en-US" altLang="ja-JP" sz="4400"/>
               <a:t>=</a:t>
             </a:r>
             <a:endParaRPr kumimoji="1" lang="ja-JP" altLang="en-US" sz="4400"/>
@@ -2528,11 +2529,7 @@
           <a:p>
             <a:r>
               <a:rPr lang="ja-JP" altLang="en-US"/>
-              <a:t>元の</a:t>
-            </a:r>
-            <a:r>
-              <a:rPr lang="ja-JP" altLang="en-US" smtClean="0"/>
-              <a:t>テンソル</a:t>
+              <a:t>元のテンソル</a:t>
             </a:r>
             <a:endParaRPr kumimoji="1" lang="ja-JP" altLang="en-US"/>
           </a:p>
@@ -2734,7 +2731,7 @@
           <a:lstStyle/>
           <a:p>
             <a:r>
-              <a:rPr lang="ja-JP" altLang="en-US" smtClean="0"/>
+              <a:rPr lang="ja-JP" altLang="en-US"/>
               <a:t>復元行列</a:t>
             </a:r>
             <a:endParaRPr kumimoji="1" lang="ja-JP" altLang="en-US"/>
@@ -2914,11 +2911,7 @@
           <a:p>
             <a:r>
               <a:rPr lang="ja-JP" altLang="en-US"/>
-              <a:t>圧縮</a:t>
-            </a:r>
-            <a:r>
-              <a:rPr lang="ja-JP" altLang="en-US" smtClean="0"/>
-              <a:t>行列</a:t>
+              <a:t>圧縮行列</a:t>
             </a:r>
             <a:endParaRPr kumimoji="1" lang="ja-JP" altLang="en-US"/>
           </a:p>
@@ -3254,7 +3247,7 @@
           <a:p>
             <a:pPr algn="ctr"/>
             <a:r>
-              <a:rPr kumimoji="1" lang="en-US" altLang="ja-JP" sz="3600" smtClean="0">
+              <a:rPr kumimoji="1" lang="en-US" altLang="ja-JP" sz="3600">
                 <a:solidFill>
                   <a:schemeClr val="tx1"/>
                 </a:solidFill>
@@ -3908,7 +3901,7 @@
           <a:p>
             <a:pPr algn="ctr"/>
             <a:r>
-              <a:rPr kumimoji="1" lang="en-US" altLang="ja-JP" sz="3600" smtClean="0">
+              <a:rPr kumimoji="1" lang="en-US" altLang="ja-JP" sz="3600">
                 <a:solidFill>
                   <a:schemeClr val="tx1"/>
                 </a:solidFill>
@@ -4288,7 +4281,7 @@
           <a:lstStyle/>
           <a:p>
             <a:r>
-              <a:rPr lang="ja-JP" altLang="en-US" smtClean="0"/>
+              <a:rPr lang="ja-JP" altLang="en-US"/>
               <a:t>元のテンソル</a:t>
             </a:r>
             <a:endParaRPr kumimoji="1" lang="ja-JP" altLang="en-US"/>
@@ -4462,7 +4455,7 @@
           <a:lstStyle/>
           <a:p>
             <a:r>
-              <a:rPr lang="ja-JP" altLang="en-US" smtClean="0"/>
+              <a:rPr lang="ja-JP" altLang="en-US"/>
               <a:t>コアテンソル</a:t>
             </a:r>
             <a:endParaRPr kumimoji="1" lang="ja-JP" altLang="en-US"/>
@@ -4547,11 +4540,7 @@
           <a:p>
             <a:r>
               <a:rPr lang="ja-JP" altLang="en-US"/>
-              <a:t>近似</a:t>
-            </a:r>
-            <a:r>
-              <a:rPr lang="ja-JP" altLang="en-US" smtClean="0"/>
-              <a:t>テンソル</a:t>
+              <a:t>近似テンソル</a:t>
             </a:r>
             <a:endParaRPr kumimoji="1" lang="ja-JP" altLang="en-US"/>
           </a:p>
@@ -4784,8 +4773,8 @@
           </a:p>
         </p:txBody>
       </p:sp>
-      <mc:AlternateContent xmlns:mc="http://schemas.openxmlformats.org/markup-compatibility/2006">
-        <mc:Choice xmlns:a14="http://schemas.microsoft.com/office/drawing/2010/main" Requires="a14">
+      <mc:AlternateContent xmlns:mc="http://schemas.openxmlformats.org/markup-compatibility/2006" xmlns:a14="http://schemas.microsoft.com/office/drawing/2010/main">
+        <mc:Choice Requires="a14">
           <p:sp>
             <p:nvSpPr>
               <p:cNvPr id="6" name="正方形/長方形 5"/>
@@ -4864,7 +4853,7 @@
             </p:txBody>
           </p:sp>
         </mc:Choice>
-        <mc:Fallback>
+        <mc:Fallback xmlns="">
           <p:sp>
             <p:nvSpPr>
               <p:cNvPr id="6" name="正方形/長方形 5"/>
@@ -4908,8 +4897,8 @@
           </p:sp>
         </mc:Fallback>
       </mc:AlternateContent>
-      <mc:AlternateContent xmlns:mc="http://schemas.openxmlformats.org/markup-compatibility/2006">
-        <mc:Choice xmlns:a14="http://schemas.microsoft.com/office/drawing/2010/main" Requires="a14">
+      <mc:AlternateContent xmlns:mc="http://schemas.openxmlformats.org/markup-compatibility/2006" xmlns:a14="http://schemas.microsoft.com/office/drawing/2010/main">
+        <mc:Choice Requires="a14">
           <p:sp>
             <p:nvSpPr>
               <p:cNvPr id="8" name="正方形/長方形 7"/>
@@ -4985,7 +4974,7 @@
             </p:txBody>
           </p:sp>
         </mc:Choice>
-        <mc:Fallback>
+        <mc:Fallback xmlns="">
           <p:sp>
             <p:nvSpPr>
               <p:cNvPr id="8" name="正方形/長方形 7"/>
@@ -5029,8 +5018,8 @@
           </p:sp>
         </mc:Fallback>
       </mc:AlternateContent>
-      <mc:AlternateContent xmlns:mc="http://schemas.openxmlformats.org/markup-compatibility/2006">
-        <mc:Choice xmlns:a14="http://schemas.microsoft.com/office/drawing/2010/main" Requires="a14">
+      <mc:AlternateContent xmlns:mc="http://schemas.openxmlformats.org/markup-compatibility/2006" xmlns:a14="http://schemas.microsoft.com/office/drawing/2010/main">
+        <mc:Choice Requires="a14">
           <p:sp>
             <p:nvSpPr>
               <p:cNvPr id="9" name="正方形/長方形 8"/>
@@ -5133,7 +5122,7 @@
             </p:txBody>
           </p:sp>
         </mc:Choice>
-        <mc:Fallback>
+        <mc:Fallback xmlns="">
           <p:sp>
             <p:nvSpPr>
               <p:cNvPr id="9" name="正方形/長方形 8"/>
@@ -5369,8 +5358,8 @@
           </a:p>
         </p:txBody>
       </p:sp>
-      <mc:AlternateContent xmlns:mc="http://schemas.openxmlformats.org/markup-compatibility/2006">
-        <mc:Choice xmlns:a14="http://schemas.microsoft.com/office/drawing/2010/main" Requires="a14">
+      <mc:AlternateContent xmlns:mc="http://schemas.openxmlformats.org/markup-compatibility/2006" xmlns:a14="http://schemas.microsoft.com/office/drawing/2010/main">
+        <mc:Choice Requires="a14">
           <p:sp>
             <p:nvSpPr>
               <p:cNvPr id="15" name="正方形/長方形 14"/>
@@ -5445,7 +5434,7 @@
             </p:txBody>
           </p:sp>
         </mc:Choice>
-        <mc:Fallback>
+        <mc:Fallback xmlns="">
           <p:sp>
             <p:nvSpPr>
               <p:cNvPr id="15" name="正方形/長方形 14"/>
@@ -5489,8 +5478,8 @@
           </p:sp>
         </mc:Fallback>
       </mc:AlternateContent>
-      <mc:AlternateContent xmlns:mc="http://schemas.openxmlformats.org/markup-compatibility/2006">
-        <mc:Choice xmlns:a14="http://schemas.microsoft.com/office/drawing/2010/main" Requires="a14">
+      <mc:AlternateContent xmlns:mc="http://schemas.openxmlformats.org/markup-compatibility/2006" xmlns:a14="http://schemas.microsoft.com/office/drawing/2010/main">
+        <mc:Choice Requires="a14">
           <p:sp>
             <p:nvSpPr>
               <p:cNvPr id="16" name="正方形/長方形 15"/>
@@ -5593,7 +5582,7 @@
             </p:txBody>
           </p:sp>
         </mc:Choice>
-        <mc:Fallback>
+        <mc:Fallback xmlns="">
           <p:sp>
             <p:nvSpPr>
               <p:cNvPr id="16" name="正方形/長方形 15"/>
@@ -5781,8 +5770,8 @@
           </a:p>
         </p:txBody>
       </p:sp>
-      <mc:AlternateContent xmlns:mc="http://schemas.openxmlformats.org/markup-compatibility/2006">
-        <mc:Choice xmlns:a14="http://schemas.microsoft.com/office/drawing/2010/main" Requires="a14">
+      <mc:AlternateContent xmlns:mc="http://schemas.openxmlformats.org/markup-compatibility/2006" xmlns:a14="http://schemas.microsoft.com/office/drawing/2010/main">
+        <mc:Choice Requires="a14">
           <p:sp>
             <p:nvSpPr>
               <p:cNvPr id="21" name="正方形/長方形 20"/>
@@ -5857,7 +5846,7 @@
             </p:txBody>
           </p:sp>
         </mc:Choice>
-        <mc:Fallback>
+        <mc:Fallback xmlns="">
           <p:sp>
             <p:nvSpPr>
               <p:cNvPr id="21" name="正方形/長方形 20"/>
@@ -5901,8 +5890,8 @@
           </p:sp>
         </mc:Fallback>
       </mc:AlternateContent>
-      <mc:AlternateContent xmlns:mc="http://schemas.openxmlformats.org/markup-compatibility/2006">
-        <mc:Choice xmlns:a14="http://schemas.microsoft.com/office/drawing/2010/main" Requires="a14">
+      <mc:AlternateContent xmlns:mc="http://schemas.openxmlformats.org/markup-compatibility/2006" xmlns:a14="http://schemas.microsoft.com/office/drawing/2010/main">
+        <mc:Choice Requires="a14">
           <p:sp>
             <p:nvSpPr>
               <p:cNvPr id="22" name="正方形/長方形 21"/>
@@ -6021,7 +6010,7 @@
             </p:txBody>
           </p:sp>
         </mc:Choice>
-        <mc:Fallback>
+        <mc:Fallback xmlns="">
           <p:sp>
             <p:nvSpPr>
               <p:cNvPr id="22" name="正方形/長方形 21"/>
@@ -6472,8 +6461,8 @@
           </a:p>
         </p:txBody>
       </p:sp>
-      <mc:AlternateContent xmlns:mc="http://schemas.openxmlformats.org/markup-compatibility/2006">
-        <mc:Choice xmlns:a14="http://schemas.microsoft.com/office/drawing/2010/main" Requires="a14">
+      <mc:AlternateContent xmlns:mc="http://schemas.openxmlformats.org/markup-compatibility/2006" xmlns:a14="http://schemas.microsoft.com/office/drawing/2010/main">
+        <mc:Choice Requires="a14">
           <p:sp>
             <p:nvSpPr>
               <p:cNvPr id="34" name="正方形/長方形 33"/>
@@ -6565,7 +6554,7 @@
             </p:txBody>
           </p:sp>
         </mc:Choice>
-        <mc:Fallback>
+        <mc:Fallback xmlns="">
           <p:sp>
             <p:nvSpPr>
               <p:cNvPr id="34" name="正方形/長方形 33"/>
@@ -6669,15 +6658,15 @@
           <a:lstStyle/>
           <a:p>
             <a:r>
-              <a:rPr kumimoji="1" lang="en-US" altLang="ja-JP" sz="4400" smtClean="0"/>
+              <a:rPr kumimoji="1" lang="en-US" altLang="ja-JP" sz="4400"/>
               <a:t>=</a:t>
             </a:r>
             <a:endParaRPr kumimoji="1" lang="ja-JP" altLang="en-US" sz="4400"/>
           </a:p>
         </p:txBody>
       </p:sp>
-      <mc:AlternateContent xmlns:mc="http://schemas.openxmlformats.org/markup-compatibility/2006">
-        <mc:Choice xmlns:a14="http://schemas.microsoft.com/office/drawing/2010/main" Requires="a14">
+      <mc:AlternateContent xmlns:mc="http://schemas.openxmlformats.org/markup-compatibility/2006" xmlns:a14="http://schemas.microsoft.com/office/drawing/2010/main">
+        <mc:Choice Requires="a14">
           <p:sp>
             <p:nvSpPr>
               <p:cNvPr id="40" name="テキスト ボックス 39">
@@ -6728,7 +6717,7 @@
             </p:txBody>
           </p:sp>
         </mc:Choice>
-        <mc:Fallback>
+        <mc:Fallback xmlns="">
           <p:sp>
             <p:nvSpPr>
               <p:cNvPr id="40" name="テキスト ボックス 39">
@@ -6796,7 +6785,7 @@
           <a:lstStyle/>
           <a:p>
             <a:r>
-              <a:rPr kumimoji="1" lang="en-US" altLang="ja-JP" sz="4400" smtClean="0"/>
+              <a:rPr kumimoji="1" lang="en-US" altLang="ja-JP" sz="4400"/>
               <a:t>=</a:t>
             </a:r>
             <a:endParaRPr kumimoji="1" lang="ja-JP" altLang="en-US" sz="4400"/>
@@ -6994,7 +6983,7 @@
           <a:p>
             <a:pPr algn="ctr"/>
             <a:r>
-              <a:rPr kumimoji="1" lang="en-US" altLang="ja-JP" sz="3600" smtClean="0">
+              <a:rPr kumimoji="1" lang="en-US" altLang="ja-JP" sz="3600">
                 <a:solidFill>
                   <a:schemeClr val="tx1"/>
                 </a:solidFill>
@@ -7201,7 +7190,7 @@
           <a:p>
             <a:pPr algn="ctr"/>
             <a:r>
-              <a:rPr kumimoji="1" lang="en-US" altLang="ja-JP" sz="3600" smtClean="0">
+              <a:rPr kumimoji="1" lang="en-US" altLang="ja-JP" sz="3600">
                 <a:solidFill>
                   <a:schemeClr val="tx1"/>
                 </a:solidFill>
@@ -7733,7 +7722,7 @@
           <a:lstStyle/>
           <a:p>
             <a:r>
-              <a:rPr kumimoji="1" lang="en-US" altLang="ja-JP" smtClean="0"/>
+              <a:rPr kumimoji="1" lang="en-US" altLang="ja-JP"/>
               <a:t>1</a:t>
             </a:r>
             <a:endParaRPr kumimoji="1" lang="ja-JP" altLang="en-US"/>
@@ -7793,7 +7782,7 @@
           <a:lstStyle/>
           <a:p>
             <a:r>
-              <a:rPr lang="en-US" altLang="ja-JP" smtClean="0"/>
+              <a:rPr lang="en-US" altLang="ja-JP"/>
               <a:t>3</a:t>
             </a:r>
             <a:endParaRPr kumimoji="1" lang="ja-JP" altLang="en-US"/>
@@ -8111,7 +8100,7 @@
           <a:lstStyle/>
           <a:p>
             <a:r>
-              <a:rPr kumimoji="1" lang="en-US" altLang="ja-JP" smtClean="0"/>
+              <a:rPr kumimoji="1" lang="en-US" altLang="ja-JP"/>
               <a:t>1</a:t>
             </a:r>
             <a:endParaRPr kumimoji="1" lang="ja-JP" altLang="en-US"/>
@@ -8141,7 +8130,7 @@
           <a:lstStyle/>
           <a:p>
             <a:r>
-              <a:rPr kumimoji="1" lang="en-US" altLang="ja-JP" smtClean="0"/>
+              <a:rPr kumimoji="1" lang="en-US" altLang="ja-JP"/>
               <a:t>1</a:t>
             </a:r>
             <a:endParaRPr kumimoji="1" lang="ja-JP" altLang="en-US"/>
@@ -8171,15 +8160,15 @@
           <a:lstStyle/>
           <a:p>
             <a:r>
-              <a:rPr kumimoji="1" lang="en-US" altLang="ja-JP" sz="4400" smtClean="0"/>
+              <a:rPr kumimoji="1" lang="en-US" altLang="ja-JP" sz="4400"/>
               <a:t>=</a:t>
             </a:r>
             <a:endParaRPr kumimoji="1" lang="ja-JP" altLang="en-US" sz="4400"/>
           </a:p>
         </p:txBody>
       </p:sp>
-      <mc:AlternateContent xmlns:mc="http://schemas.openxmlformats.org/markup-compatibility/2006">
-        <mc:Choice xmlns:a14="http://schemas.microsoft.com/office/drawing/2010/main" Requires="a14">
+      <mc:AlternateContent xmlns:mc="http://schemas.openxmlformats.org/markup-compatibility/2006" xmlns:a14="http://schemas.microsoft.com/office/drawing/2010/main">
+        <mc:Choice Requires="a14">
           <p:sp>
             <p:nvSpPr>
               <p:cNvPr id="33" name="テキスト ボックス 32">
@@ -8230,7 +8219,7 @@
             </p:txBody>
           </p:sp>
         </mc:Choice>
-        <mc:Fallback>
+        <mc:Fallback xmlns="">
           <p:sp>
             <p:nvSpPr>
               <p:cNvPr id="33" name="テキスト ボックス 32">
@@ -8298,7 +8287,7 @@
           <a:lstStyle/>
           <a:p>
             <a:r>
-              <a:rPr kumimoji="1" lang="en-US" altLang="ja-JP" sz="4400" smtClean="0"/>
+              <a:rPr kumimoji="1" lang="en-US" altLang="ja-JP" sz="4400"/>
               <a:t>=</a:t>
             </a:r>
             <a:endParaRPr kumimoji="1" lang="ja-JP" altLang="en-US" sz="4400"/>
@@ -8502,7 +8491,7 @@
           <a:lstStyle/>
           <a:p>
             <a:r>
-              <a:rPr lang="ja-JP" altLang="en-US" smtClean="0"/>
+              <a:rPr lang="ja-JP" altLang="en-US"/>
               <a:t>コアテンソル</a:t>
             </a:r>
             <a:endParaRPr kumimoji="1" lang="ja-JP" altLang="en-US"/>
@@ -9004,7 +8993,7 @@
           <a:p>
             <a:pPr algn="ctr"/>
             <a:r>
-              <a:rPr kumimoji="1" lang="en-US" altLang="ja-JP" sz="3600" smtClean="0">
+              <a:rPr kumimoji="1" lang="en-US" altLang="ja-JP" sz="3600">
                 <a:solidFill>
                   <a:schemeClr val="tx1"/>
                 </a:solidFill>
@@ -9042,7 +9031,7 @@
           <a:lstStyle/>
           <a:p>
             <a:r>
-              <a:rPr kumimoji="1" lang="en-US" altLang="ja-JP" sz="4400" smtClean="0"/>
+              <a:rPr kumimoji="1" lang="en-US" altLang="ja-JP" sz="4400"/>
               <a:t>=</a:t>
             </a:r>
             <a:endParaRPr kumimoji="1" lang="ja-JP" altLang="en-US" sz="4400"/>
@@ -9072,7 +9061,7 @@
           <a:lstStyle/>
           <a:p>
             <a:r>
-              <a:rPr kumimoji="1" lang="en-US" altLang="ja-JP" smtClean="0"/>
+              <a:rPr kumimoji="1" lang="en-US" altLang="ja-JP"/>
               <a:t>1</a:t>
             </a:r>
             <a:endParaRPr kumimoji="1" lang="ja-JP" altLang="en-US"/>
@@ -9132,7 +9121,7 @@
           <a:lstStyle/>
           <a:p>
             <a:r>
-              <a:rPr kumimoji="1" lang="en-US" altLang="ja-JP" smtClean="0"/>
+              <a:rPr kumimoji="1" lang="en-US" altLang="ja-JP"/>
               <a:t>3</a:t>
             </a:r>
             <a:endParaRPr kumimoji="1" lang="ja-JP" altLang="en-US"/>
@@ -9162,14 +9151,13 @@
           <a:lstStyle/>
           <a:p>
             <a:r>
-              <a:rPr kumimoji="1" lang="en-US" altLang="ja-JP" smtClean="0"/>
+              <a:rPr kumimoji="1" lang="en-US" altLang="ja-JP"/>
               <a:t>1</a:t>
             </a:r>
             <a:r>
-              <a:rPr kumimoji="1" lang="ja-JP" altLang="en-US" smtClean="0"/>
+              <a:rPr kumimoji="1" lang="ja-JP" altLang="en-US"/>
               <a:t>番以外の足をまとめる</a:t>
             </a:r>
-            <a:endParaRPr kumimoji="1" lang="ja-JP" altLang="en-US"/>
           </a:p>
         </p:txBody>
       </p:sp>
@@ -9196,11 +9184,11 @@
           <a:lstStyle/>
           <a:p>
             <a:r>
-              <a:rPr kumimoji="1" lang="ja-JP" altLang="en-US" smtClean="0"/>
+              <a:rPr kumimoji="1" lang="ja-JP" altLang="en-US"/>
               <a:t>行列と思って</a:t>
             </a:r>
             <a:r>
-              <a:rPr kumimoji="1" lang="en-US" altLang="ja-JP" smtClean="0"/>
+              <a:rPr kumimoji="1" lang="en-US" altLang="ja-JP"/>
               <a:t>SVD</a:t>
             </a:r>
             <a:endParaRPr kumimoji="1" lang="ja-JP" altLang="en-US"/>
@@ -9230,26 +9218,26 @@
           <a:lstStyle/>
           <a:p>
             <a:r>
-              <a:rPr kumimoji="1" lang="en-US" altLang="ja-JP" smtClean="0"/>
+              <a:rPr kumimoji="1" lang="en-US" altLang="ja-JP"/>
               <a:t>1</a:t>
             </a:r>
             <a:r>
-              <a:rPr kumimoji="1" lang="ja-JP" altLang="en-US" smtClean="0"/>
-              <a:t>番の足の</a:t>
+              <a:rPr kumimoji="1" lang="ja-JP" altLang="en-US"/>
+              <a:t>番の足用の</a:t>
             </a:r>
-            <a:endParaRPr kumimoji="1" lang="en-US" altLang="ja-JP" smtClean="0"/>
+            <a:endParaRPr kumimoji="1" lang="en-US" altLang="ja-JP"/>
           </a:p>
           <a:p>
             <a:r>
-              <a:rPr lang="ja-JP" altLang="en-US" smtClean="0"/>
+              <a:rPr lang="ja-JP" altLang="en-US"/>
               <a:t>圧縮</a:t>
             </a:r>
             <a:r>
-              <a:rPr lang="en-US" altLang="ja-JP" smtClean="0"/>
+              <a:rPr lang="en-US" altLang="ja-JP"/>
               <a:t>/</a:t>
             </a:r>
             <a:r>
-              <a:rPr lang="ja-JP" altLang="en-US" smtClean="0"/>
+              <a:rPr lang="ja-JP" altLang="en-US"/>
               <a:t>復元行列を得る</a:t>
             </a:r>
             <a:endParaRPr kumimoji="1" lang="ja-JP" altLang="en-US"/>
@@ -9279,15 +9267,15 @@
           <a:lstStyle/>
           <a:p>
             <a:r>
-              <a:rPr lang="ja-JP" altLang="en-US" smtClean="0"/>
+              <a:rPr lang="ja-JP" altLang="en-US"/>
               <a:t>残りの</a:t>
             </a:r>
             <a:r>
-              <a:rPr lang="en-US" altLang="ja-JP" smtClean="0"/>
+              <a:rPr lang="en-US" altLang="ja-JP"/>
               <a:t>2</a:t>
             </a:r>
             <a:r>
-              <a:rPr lang="ja-JP" altLang="en-US" smtClean="0"/>
+              <a:rPr lang="ja-JP" altLang="en-US"/>
               <a:t>本の足についても同様な処理をする</a:t>
             </a:r>
             <a:endParaRPr kumimoji="1" lang="ja-JP" altLang="en-US"/>
@@ -9365,7 +9353,7 @@
           <a:lstStyle/>
           <a:p>
             <a:r>
-              <a:rPr kumimoji="1" lang="en-US" altLang="ja-JP" sz="3200" smtClean="0"/>
+              <a:rPr kumimoji="1" lang="en-US" altLang="ja-JP" sz="3200"/>
               <a:t>HOSVD</a:t>
             </a:r>
             <a:endParaRPr kumimoji="1" lang="ja-JP" altLang="en-US" sz="3200"/>
@@ -9376,6 +9364,5957 @@
     <p:extLst>
       <p:ext uri="{BB962C8B-B14F-4D97-AF65-F5344CB8AC3E}">
         <p14:creationId xmlns:p14="http://schemas.microsoft.com/office/powerpoint/2010/main" val="2752747345"/>
+      </p:ext>
+    </p:extLst>
+  </p:cSld>
+  <p:clrMapOvr>
+    <a:masterClrMapping/>
+  </p:clrMapOvr>
+</p:sld>
+</file>
+
+<file path=ppt/slides/slide6.xml><?xml version="1.0" encoding="utf-8"?>
+<p:sld xmlns:a="http://schemas.openxmlformats.org/drawingml/2006/main" xmlns:r="http://schemas.openxmlformats.org/officeDocument/2006/relationships" xmlns:p="http://schemas.openxmlformats.org/presentationml/2006/main">
+  <p:cSld>
+    <p:spTree>
+      <p:nvGrpSpPr>
+        <p:cNvPr id="1" name=""/>
+        <p:cNvGrpSpPr/>
+        <p:nvPr/>
+      </p:nvGrpSpPr>
+      <p:grpSpPr>
+        <a:xfrm>
+          <a:off x="0" y="0"/>
+          <a:ext cx="0" cy="0"/>
+          <a:chOff x="0" y="0"/>
+          <a:chExt cx="0" cy="0"/>
+        </a:xfrm>
+      </p:grpSpPr>
+      <p:sp>
+        <p:nvSpPr>
+          <p:cNvPr id="2" name="正方形/長方形 1">
+            <a:extLst>
+              <a:ext uri="{FF2B5EF4-FFF2-40B4-BE49-F238E27FC236}">
+                <a16:creationId xmlns:a16="http://schemas.microsoft.com/office/drawing/2014/main" id="{2AB4F025-E1A4-764D-A0EE-6930577539F2}"/>
+              </a:ext>
+            </a:extLst>
+          </p:cNvPr>
+          <p:cNvSpPr/>
+          <p:nvPr/>
+        </p:nvSpPr>
+        <p:spPr>
+          <a:xfrm>
+            <a:off x="1403648" y="2348880"/>
+            <a:ext cx="720080" cy="720080"/>
+          </a:xfrm>
+          <a:prstGeom prst="rect">
+            <a:avLst/>
+          </a:prstGeom>
+          <a:solidFill>
+            <a:schemeClr val="accent1">
+              <a:lumMod val="20000"/>
+              <a:lumOff val="80000"/>
+            </a:schemeClr>
+          </a:solidFill>
+          <a:ln>
+            <a:solidFill>
+              <a:schemeClr val="tx1"/>
+            </a:solidFill>
+          </a:ln>
+        </p:spPr>
+        <p:style>
+          <a:lnRef idx="2">
+            <a:schemeClr val="accent1">
+              <a:shade val="50000"/>
+            </a:schemeClr>
+          </a:lnRef>
+          <a:fillRef idx="1">
+            <a:schemeClr val="accent1"/>
+          </a:fillRef>
+          <a:effectRef idx="0">
+            <a:schemeClr val="accent1"/>
+          </a:effectRef>
+          <a:fontRef idx="minor">
+            <a:schemeClr val="lt1"/>
+          </a:fontRef>
+        </p:style>
+        <p:txBody>
+          <a:bodyPr rtlCol="0" anchor="ctr"/>
+          <a:lstStyle/>
+          <a:p>
+            <a:pPr algn="ctr"/>
+            <a:r>
+              <a:rPr kumimoji="1" lang="en-US" altLang="ja-JP" sz="3600">
+                <a:solidFill>
+                  <a:schemeClr val="tx1"/>
+                </a:solidFill>
+              </a:rPr>
+              <a:t>X</a:t>
+            </a:r>
+            <a:endParaRPr kumimoji="1" lang="ja-JP" altLang="en-US" sz="3600" dirty="0">
+              <a:solidFill>
+                <a:schemeClr val="tx1"/>
+              </a:solidFill>
+            </a:endParaRPr>
+          </a:p>
+        </p:txBody>
+      </p:sp>
+      <p:sp>
+        <p:nvSpPr>
+          <p:cNvPr id="5" name="正方形/長方形 4">
+            <a:extLst>
+              <a:ext uri="{FF2B5EF4-FFF2-40B4-BE49-F238E27FC236}">
+                <a16:creationId xmlns:a16="http://schemas.microsoft.com/office/drawing/2014/main" id="{99D38A21-5EB8-F64F-8FE1-716470BFE721}"/>
+              </a:ext>
+            </a:extLst>
+          </p:cNvPr>
+          <p:cNvSpPr/>
+          <p:nvPr/>
+        </p:nvSpPr>
+        <p:spPr>
+          <a:xfrm>
+            <a:off x="2123728" y="2636912"/>
+            <a:ext cx="360040" cy="144016"/>
+          </a:xfrm>
+          <a:prstGeom prst="rect">
+            <a:avLst/>
+          </a:prstGeom>
+          <a:solidFill>
+            <a:schemeClr val="tx1"/>
+          </a:solidFill>
+          <a:ln>
+            <a:solidFill>
+              <a:schemeClr val="tx1"/>
+            </a:solidFill>
+          </a:ln>
+        </p:spPr>
+        <p:style>
+          <a:lnRef idx="2">
+            <a:schemeClr val="accent1">
+              <a:shade val="50000"/>
+            </a:schemeClr>
+          </a:lnRef>
+          <a:fillRef idx="1">
+            <a:schemeClr val="accent1"/>
+          </a:fillRef>
+          <a:effectRef idx="0">
+            <a:schemeClr val="accent1"/>
+          </a:effectRef>
+          <a:fontRef idx="minor">
+            <a:schemeClr val="lt1"/>
+          </a:fontRef>
+        </p:style>
+        <p:txBody>
+          <a:bodyPr rtlCol="0" anchor="ctr"/>
+          <a:lstStyle/>
+          <a:p>
+            <a:pPr algn="ctr"/>
+            <a:endParaRPr kumimoji="1" lang="ja-JP" altLang="en-US"/>
+          </a:p>
+        </p:txBody>
+      </p:sp>
+      <p:sp>
+        <p:nvSpPr>
+          <p:cNvPr id="6" name="テキスト ボックス 5">
+            <a:extLst>
+              <a:ext uri="{FF2B5EF4-FFF2-40B4-BE49-F238E27FC236}">
+                <a16:creationId xmlns:a16="http://schemas.microsoft.com/office/drawing/2014/main" id="{DD9F9F1A-E8F1-5843-99E8-BF711E9AB499}"/>
+              </a:ext>
+            </a:extLst>
+          </p:cNvPr>
+          <p:cNvSpPr txBox="1"/>
+          <p:nvPr/>
+        </p:nvSpPr>
+        <p:spPr>
+          <a:xfrm>
+            <a:off x="2267744" y="2276872"/>
+            <a:ext cx="301686" cy="369332"/>
+          </a:xfrm>
+          <a:prstGeom prst="rect">
+            <a:avLst/>
+          </a:prstGeom>
+          <a:noFill/>
+        </p:spPr>
+        <p:txBody>
+          <a:bodyPr wrap="none" rtlCol="0">
+            <a:spAutoFit/>
+          </a:bodyPr>
+          <a:lstStyle/>
+          <a:p>
+            <a:r>
+              <a:rPr kumimoji="1" lang="en-US" altLang="ja-JP"/>
+              <a:t>1</a:t>
+            </a:r>
+            <a:endParaRPr kumimoji="1" lang="ja-JP" altLang="en-US"/>
+          </a:p>
+        </p:txBody>
+      </p:sp>
+      <p:grpSp>
+        <p:nvGrpSpPr>
+          <p:cNvPr id="14" name="グループ化 13">
+            <a:extLst>
+              <a:ext uri="{FF2B5EF4-FFF2-40B4-BE49-F238E27FC236}">
+                <a16:creationId xmlns:a16="http://schemas.microsoft.com/office/drawing/2014/main" id="{A12A13CB-9E1E-2B4A-BDE4-DBB2FEC73058}"/>
+              </a:ext>
+            </a:extLst>
+          </p:cNvPr>
+          <p:cNvGrpSpPr/>
+          <p:nvPr/>
+        </p:nvGrpSpPr>
+        <p:grpSpPr>
+          <a:xfrm rot="16200000">
+            <a:off x="1223628" y="3248980"/>
+            <a:ext cx="1080120" cy="720080"/>
+            <a:chOff x="4211960" y="1268760"/>
+            <a:chExt cx="1080120" cy="720080"/>
+          </a:xfrm>
+        </p:grpSpPr>
+        <p:sp>
+          <p:nvSpPr>
+            <p:cNvPr id="15" name="二等辺三角形 44">
+              <a:extLst>
+                <a:ext uri="{FF2B5EF4-FFF2-40B4-BE49-F238E27FC236}">
+                  <a16:creationId xmlns:a16="http://schemas.microsoft.com/office/drawing/2014/main" id="{CDC6BA78-B870-6541-A002-3B03540B3AAB}"/>
+                </a:ext>
+              </a:extLst>
+            </p:cNvPr>
+            <p:cNvSpPr/>
+            <p:nvPr/>
+          </p:nvSpPr>
+          <p:spPr>
+            <a:xfrm rot="16200000">
+              <a:off x="4391980" y="1448780"/>
+              <a:ext cx="720080" cy="360040"/>
+            </a:xfrm>
+            <a:prstGeom prst="triangle">
+              <a:avLst/>
+            </a:prstGeom>
+            <a:solidFill>
+              <a:schemeClr val="accent2">
+                <a:lumMod val="40000"/>
+                <a:lumOff val="60000"/>
+              </a:schemeClr>
+            </a:solidFill>
+            <a:ln>
+              <a:solidFill>
+                <a:schemeClr val="tx1"/>
+              </a:solidFill>
+            </a:ln>
+          </p:spPr>
+          <p:style>
+            <a:lnRef idx="2">
+              <a:schemeClr val="accent1">
+                <a:shade val="50000"/>
+              </a:schemeClr>
+            </a:lnRef>
+            <a:fillRef idx="1">
+              <a:schemeClr val="accent1"/>
+            </a:fillRef>
+            <a:effectRef idx="0">
+              <a:schemeClr val="accent1"/>
+            </a:effectRef>
+            <a:fontRef idx="minor">
+              <a:schemeClr val="lt1"/>
+            </a:fontRef>
+          </p:style>
+          <p:txBody>
+            <a:bodyPr rtlCol="0" anchor="ctr"/>
+            <a:lstStyle/>
+            <a:p>
+              <a:pPr algn="ctr"/>
+              <a:endParaRPr kumimoji="1" lang="ja-JP" altLang="en-US"/>
+            </a:p>
+          </p:txBody>
+        </p:sp>
+        <p:cxnSp>
+          <p:nvCxnSpPr>
+            <p:cNvPr id="16" name="直線コネクタ 15">
+              <a:extLst>
+                <a:ext uri="{FF2B5EF4-FFF2-40B4-BE49-F238E27FC236}">
+                  <a16:creationId xmlns:a16="http://schemas.microsoft.com/office/drawing/2014/main" id="{65DE4878-9631-3549-8763-ACA70A8E1150}"/>
+                </a:ext>
+              </a:extLst>
+            </p:cNvPr>
+            <p:cNvCxnSpPr/>
+            <p:nvPr/>
+          </p:nvCxnSpPr>
+          <p:spPr>
+            <a:xfrm flipH="1">
+              <a:off x="4211960" y="1628800"/>
+              <a:ext cx="360040" cy="0"/>
+            </a:xfrm>
+            <a:prstGeom prst="line">
+              <a:avLst/>
+            </a:prstGeom>
+            <a:ln w="12700">
+              <a:solidFill>
+                <a:schemeClr val="tx1"/>
+              </a:solidFill>
+            </a:ln>
+          </p:spPr>
+          <p:style>
+            <a:lnRef idx="1">
+              <a:schemeClr val="accent1"/>
+            </a:lnRef>
+            <a:fillRef idx="0">
+              <a:schemeClr val="accent1"/>
+            </a:fillRef>
+            <a:effectRef idx="0">
+              <a:schemeClr val="accent1"/>
+            </a:effectRef>
+            <a:fontRef idx="minor">
+              <a:schemeClr val="tx1"/>
+            </a:fontRef>
+          </p:style>
+        </p:cxnSp>
+        <p:sp>
+          <p:nvSpPr>
+            <p:cNvPr id="17" name="正方形/長方形 16">
+              <a:extLst>
+                <a:ext uri="{FF2B5EF4-FFF2-40B4-BE49-F238E27FC236}">
+                  <a16:creationId xmlns:a16="http://schemas.microsoft.com/office/drawing/2014/main" id="{BE677B36-0666-CE40-8384-8BB045144A5F}"/>
+                </a:ext>
+              </a:extLst>
+            </p:cNvPr>
+            <p:cNvSpPr/>
+            <p:nvPr/>
+          </p:nvSpPr>
+          <p:spPr>
+            <a:xfrm>
+              <a:off x="4932040" y="1556792"/>
+              <a:ext cx="360040" cy="144016"/>
+            </a:xfrm>
+            <a:prstGeom prst="rect">
+              <a:avLst/>
+            </a:prstGeom>
+            <a:solidFill>
+              <a:schemeClr val="tx1"/>
+            </a:solidFill>
+            <a:ln>
+              <a:solidFill>
+                <a:schemeClr val="tx1"/>
+              </a:solidFill>
+            </a:ln>
+          </p:spPr>
+          <p:style>
+            <a:lnRef idx="2">
+              <a:schemeClr val="accent1">
+                <a:shade val="50000"/>
+              </a:schemeClr>
+            </a:lnRef>
+            <a:fillRef idx="1">
+              <a:schemeClr val="accent1"/>
+            </a:fillRef>
+            <a:effectRef idx="0">
+              <a:schemeClr val="accent1"/>
+            </a:effectRef>
+            <a:fontRef idx="minor">
+              <a:schemeClr val="lt1"/>
+            </a:fontRef>
+          </p:style>
+          <p:txBody>
+            <a:bodyPr rtlCol="0" anchor="ctr"/>
+            <a:lstStyle/>
+            <a:p>
+              <a:pPr algn="ctr"/>
+              <a:endParaRPr kumimoji="1" lang="ja-JP" altLang="en-US"/>
+            </a:p>
+          </p:txBody>
+        </p:sp>
+      </p:grpSp>
+      <p:sp>
+        <p:nvSpPr>
+          <p:cNvPr id="18" name="テキスト ボックス 17">
+            <a:extLst>
+              <a:ext uri="{FF2B5EF4-FFF2-40B4-BE49-F238E27FC236}">
+                <a16:creationId xmlns:a16="http://schemas.microsoft.com/office/drawing/2014/main" id="{A072898F-9540-6943-AA09-6DB2F45D7F86}"/>
+              </a:ext>
+            </a:extLst>
+          </p:cNvPr>
+          <p:cNvSpPr txBox="1"/>
+          <p:nvPr/>
+        </p:nvSpPr>
+        <p:spPr>
+          <a:xfrm>
+            <a:off x="1619672" y="3419708"/>
+            <a:ext cx="301686" cy="369332"/>
+          </a:xfrm>
+          <a:prstGeom prst="rect">
+            <a:avLst/>
+          </a:prstGeom>
+          <a:noFill/>
+        </p:spPr>
+        <p:txBody>
+          <a:bodyPr wrap="none" rtlCol="0">
+            <a:spAutoFit/>
+          </a:bodyPr>
+          <a:lstStyle/>
+          <a:p>
+            <a:r>
+              <a:rPr lang="en-US" altLang="ja-JP"/>
+              <a:t>2</a:t>
+            </a:r>
+            <a:endParaRPr kumimoji="1" lang="ja-JP" altLang="en-US"/>
+          </a:p>
+        </p:txBody>
+      </p:sp>
+      <p:grpSp>
+        <p:nvGrpSpPr>
+          <p:cNvPr id="19" name="グループ化 18">
+            <a:extLst>
+              <a:ext uri="{FF2B5EF4-FFF2-40B4-BE49-F238E27FC236}">
+                <a16:creationId xmlns:a16="http://schemas.microsoft.com/office/drawing/2014/main" id="{0E8F86F2-5F07-EA46-BDB7-992A7A693D93}"/>
+              </a:ext>
+            </a:extLst>
+          </p:cNvPr>
+          <p:cNvGrpSpPr/>
+          <p:nvPr/>
+        </p:nvGrpSpPr>
+        <p:grpSpPr>
+          <a:xfrm>
+            <a:off x="323528" y="2348880"/>
+            <a:ext cx="1080120" cy="720080"/>
+            <a:chOff x="4211960" y="1268760"/>
+            <a:chExt cx="1080120" cy="720080"/>
+          </a:xfrm>
+        </p:grpSpPr>
+        <p:sp>
+          <p:nvSpPr>
+            <p:cNvPr id="20" name="二等辺三角形 40">
+              <a:extLst>
+                <a:ext uri="{FF2B5EF4-FFF2-40B4-BE49-F238E27FC236}">
+                  <a16:creationId xmlns:a16="http://schemas.microsoft.com/office/drawing/2014/main" id="{610E5379-A35B-D949-B801-9A8F8B82C547}"/>
+                </a:ext>
+              </a:extLst>
+            </p:cNvPr>
+            <p:cNvSpPr/>
+            <p:nvPr/>
+          </p:nvSpPr>
+          <p:spPr>
+            <a:xfrm rot="16200000">
+              <a:off x="4391980" y="1448780"/>
+              <a:ext cx="720080" cy="360040"/>
+            </a:xfrm>
+            <a:prstGeom prst="triangle">
+              <a:avLst/>
+            </a:prstGeom>
+            <a:solidFill>
+              <a:schemeClr val="accent2">
+                <a:lumMod val="40000"/>
+                <a:lumOff val="60000"/>
+              </a:schemeClr>
+            </a:solidFill>
+            <a:ln>
+              <a:solidFill>
+                <a:schemeClr val="tx1"/>
+              </a:solidFill>
+            </a:ln>
+          </p:spPr>
+          <p:style>
+            <a:lnRef idx="2">
+              <a:schemeClr val="accent1">
+                <a:shade val="50000"/>
+              </a:schemeClr>
+            </a:lnRef>
+            <a:fillRef idx="1">
+              <a:schemeClr val="accent1"/>
+            </a:fillRef>
+            <a:effectRef idx="0">
+              <a:schemeClr val="accent1"/>
+            </a:effectRef>
+            <a:fontRef idx="minor">
+              <a:schemeClr val="lt1"/>
+            </a:fontRef>
+          </p:style>
+          <p:txBody>
+            <a:bodyPr rtlCol="0" anchor="ctr"/>
+            <a:lstStyle/>
+            <a:p>
+              <a:pPr algn="ctr"/>
+              <a:endParaRPr kumimoji="1" lang="ja-JP" altLang="en-US"/>
+            </a:p>
+          </p:txBody>
+        </p:sp>
+        <p:cxnSp>
+          <p:nvCxnSpPr>
+            <p:cNvPr id="21" name="直線コネクタ 20">
+              <a:extLst>
+                <a:ext uri="{FF2B5EF4-FFF2-40B4-BE49-F238E27FC236}">
+                  <a16:creationId xmlns:a16="http://schemas.microsoft.com/office/drawing/2014/main" id="{0E9BD135-EB5A-A64A-93AD-CC626BE9E72A}"/>
+                </a:ext>
+              </a:extLst>
+            </p:cNvPr>
+            <p:cNvCxnSpPr/>
+            <p:nvPr/>
+          </p:nvCxnSpPr>
+          <p:spPr>
+            <a:xfrm flipH="1">
+              <a:off x="4211960" y="1628800"/>
+              <a:ext cx="360040" cy="0"/>
+            </a:xfrm>
+            <a:prstGeom prst="line">
+              <a:avLst/>
+            </a:prstGeom>
+            <a:ln w="12700">
+              <a:solidFill>
+                <a:schemeClr val="tx1"/>
+              </a:solidFill>
+            </a:ln>
+          </p:spPr>
+          <p:style>
+            <a:lnRef idx="1">
+              <a:schemeClr val="accent1"/>
+            </a:lnRef>
+            <a:fillRef idx="0">
+              <a:schemeClr val="accent1"/>
+            </a:fillRef>
+            <a:effectRef idx="0">
+              <a:schemeClr val="accent1"/>
+            </a:effectRef>
+            <a:fontRef idx="minor">
+              <a:schemeClr val="tx1"/>
+            </a:fontRef>
+          </p:style>
+        </p:cxnSp>
+        <p:sp>
+          <p:nvSpPr>
+            <p:cNvPr id="22" name="正方形/長方形 21">
+              <a:extLst>
+                <a:ext uri="{FF2B5EF4-FFF2-40B4-BE49-F238E27FC236}">
+                  <a16:creationId xmlns:a16="http://schemas.microsoft.com/office/drawing/2014/main" id="{DA7F4AC9-821C-DA49-A0FA-E8F307D89A38}"/>
+                </a:ext>
+              </a:extLst>
+            </p:cNvPr>
+            <p:cNvSpPr/>
+            <p:nvPr/>
+          </p:nvSpPr>
+          <p:spPr>
+            <a:xfrm>
+              <a:off x="4932040" y="1556792"/>
+              <a:ext cx="360040" cy="144016"/>
+            </a:xfrm>
+            <a:prstGeom prst="rect">
+              <a:avLst/>
+            </a:prstGeom>
+            <a:solidFill>
+              <a:schemeClr val="tx1"/>
+            </a:solidFill>
+            <a:ln>
+              <a:solidFill>
+                <a:schemeClr val="tx1"/>
+              </a:solidFill>
+            </a:ln>
+          </p:spPr>
+          <p:style>
+            <a:lnRef idx="2">
+              <a:schemeClr val="accent1">
+                <a:shade val="50000"/>
+              </a:schemeClr>
+            </a:lnRef>
+            <a:fillRef idx="1">
+              <a:schemeClr val="accent1"/>
+            </a:fillRef>
+            <a:effectRef idx="0">
+              <a:schemeClr val="accent1"/>
+            </a:effectRef>
+            <a:fontRef idx="minor">
+              <a:schemeClr val="lt1"/>
+            </a:fontRef>
+          </p:style>
+          <p:txBody>
+            <a:bodyPr rtlCol="0" anchor="ctr"/>
+            <a:lstStyle/>
+            <a:p>
+              <a:pPr algn="ctr"/>
+              <a:endParaRPr kumimoji="1" lang="ja-JP" altLang="en-US"/>
+            </a:p>
+          </p:txBody>
+        </p:sp>
+      </p:grpSp>
+      <p:sp>
+        <p:nvSpPr>
+          <p:cNvPr id="23" name="テキスト ボックス 22">
+            <a:extLst>
+              <a:ext uri="{FF2B5EF4-FFF2-40B4-BE49-F238E27FC236}">
+                <a16:creationId xmlns:a16="http://schemas.microsoft.com/office/drawing/2014/main" id="{CC5D5AEC-0047-B349-B18A-925462F1BE8A}"/>
+              </a:ext>
+            </a:extLst>
+          </p:cNvPr>
+          <p:cNvSpPr txBox="1"/>
+          <p:nvPr/>
+        </p:nvSpPr>
+        <p:spPr>
+          <a:xfrm>
+            <a:off x="755576" y="2492896"/>
+            <a:ext cx="216024" cy="369332"/>
+          </a:xfrm>
+          <a:prstGeom prst="rect">
+            <a:avLst/>
+          </a:prstGeom>
+          <a:noFill/>
+        </p:spPr>
+        <p:txBody>
+          <a:bodyPr wrap="square" rtlCol="0">
+            <a:spAutoFit/>
+          </a:bodyPr>
+          <a:lstStyle/>
+          <a:p>
+            <a:r>
+              <a:rPr kumimoji="1" lang="en-US" altLang="ja-JP"/>
+              <a:t>3</a:t>
+            </a:r>
+            <a:endParaRPr kumimoji="1" lang="ja-JP" altLang="en-US"/>
+          </a:p>
+        </p:txBody>
+      </p:sp>
+      <p:sp>
+        <p:nvSpPr>
+          <p:cNvPr id="24" name="テキスト ボックス 23">
+            <a:extLst>
+              <a:ext uri="{FF2B5EF4-FFF2-40B4-BE49-F238E27FC236}">
+                <a16:creationId xmlns:a16="http://schemas.microsoft.com/office/drawing/2014/main" id="{ED41339E-FD64-224B-A6FA-473DF6AC5AB3}"/>
+              </a:ext>
+            </a:extLst>
+          </p:cNvPr>
+          <p:cNvSpPr txBox="1"/>
+          <p:nvPr/>
+        </p:nvSpPr>
+        <p:spPr>
+          <a:xfrm>
+            <a:off x="395536" y="1844824"/>
+            <a:ext cx="2840842" cy="369332"/>
+          </a:xfrm>
+          <a:prstGeom prst="rect">
+            <a:avLst/>
+          </a:prstGeom>
+          <a:noFill/>
+        </p:spPr>
+        <p:txBody>
+          <a:bodyPr wrap="none" rtlCol="0">
+            <a:spAutoFit/>
+          </a:bodyPr>
+          <a:lstStyle/>
+          <a:p>
+            <a:r>
+              <a:rPr kumimoji="1" lang="en-US" altLang="ja-JP"/>
+              <a:t>1</a:t>
+            </a:r>
+            <a:r>
+              <a:rPr lang="ja-JP" altLang="en-US"/>
+              <a:t>番の足以外を潰しておく</a:t>
+            </a:r>
+            <a:endParaRPr kumimoji="1" lang="ja-JP" altLang="en-US"/>
+          </a:p>
+        </p:txBody>
+      </p:sp>
+      <p:sp>
+        <p:nvSpPr>
+          <p:cNvPr id="25" name="正方形/長方形 24">
+            <a:extLst>
+              <a:ext uri="{FF2B5EF4-FFF2-40B4-BE49-F238E27FC236}">
+                <a16:creationId xmlns:a16="http://schemas.microsoft.com/office/drawing/2014/main" id="{6080B0CE-2601-6349-9524-A4AC0A579F79}"/>
+              </a:ext>
+            </a:extLst>
+          </p:cNvPr>
+          <p:cNvSpPr/>
+          <p:nvPr/>
+        </p:nvSpPr>
+        <p:spPr>
+          <a:xfrm>
+            <a:off x="3635896" y="2276872"/>
+            <a:ext cx="720080" cy="720080"/>
+          </a:xfrm>
+          <a:prstGeom prst="rect">
+            <a:avLst/>
+          </a:prstGeom>
+          <a:solidFill>
+            <a:schemeClr val="accent1">
+              <a:lumMod val="20000"/>
+              <a:lumOff val="80000"/>
+            </a:schemeClr>
+          </a:solidFill>
+          <a:ln>
+            <a:solidFill>
+              <a:schemeClr val="tx1"/>
+            </a:solidFill>
+          </a:ln>
+        </p:spPr>
+        <p:style>
+          <a:lnRef idx="2">
+            <a:schemeClr val="accent1">
+              <a:shade val="50000"/>
+            </a:schemeClr>
+          </a:lnRef>
+          <a:fillRef idx="1">
+            <a:schemeClr val="accent1"/>
+          </a:fillRef>
+          <a:effectRef idx="0">
+            <a:schemeClr val="accent1"/>
+          </a:effectRef>
+          <a:fontRef idx="minor">
+            <a:schemeClr val="lt1"/>
+          </a:fontRef>
+        </p:style>
+        <p:txBody>
+          <a:bodyPr rtlCol="0" anchor="ctr"/>
+          <a:lstStyle/>
+          <a:p>
+            <a:pPr algn="ctr"/>
+            <a:r>
+              <a:rPr kumimoji="1" lang="en-US" altLang="ja-JP" sz="3600">
+                <a:solidFill>
+                  <a:schemeClr val="tx1"/>
+                </a:solidFill>
+              </a:rPr>
+              <a:t>X</a:t>
+            </a:r>
+            <a:endParaRPr kumimoji="1" lang="ja-JP" altLang="en-US" sz="3600" dirty="0">
+              <a:solidFill>
+                <a:schemeClr val="tx1"/>
+              </a:solidFill>
+            </a:endParaRPr>
+          </a:p>
+        </p:txBody>
+      </p:sp>
+      <p:sp>
+        <p:nvSpPr>
+          <p:cNvPr id="27" name="正方形/長方形 26">
+            <a:extLst>
+              <a:ext uri="{FF2B5EF4-FFF2-40B4-BE49-F238E27FC236}">
+                <a16:creationId xmlns:a16="http://schemas.microsoft.com/office/drawing/2014/main" id="{36AFDCC3-9C65-2D4F-B4A6-ABE7314AD711}"/>
+              </a:ext>
+            </a:extLst>
+          </p:cNvPr>
+          <p:cNvSpPr/>
+          <p:nvPr/>
+        </p:nvSpPr>
+        <p:spPr>
+          <a:xfrm>
+            <a:off x="4355976" y="2564904"/>
+            <a:ext cx="360040" cy="144016"/>
+          </a:xfrm>
+          <a:prstGeom prst="rect">
+            <a:avLst/>
+          </a:prstGeom>
+          <a:solidFill>
+            <a:schemeClr val="tx1"/>
+          </a:solidFill>
+          <a:ln>
+            <a:solidFill>
+              <a:schemeClr val="tx1"/>
+            </a:solidFill>
+          </a:ln>
+        </p:spPr>
+        <p:style>
+          <a:lnRef idx="2">
+            <a:schemeClr val="accent1">
+              <a:shade val="50000"/>
+            </a:schemeClr>
+          </a:lnRef>
+          <a:fillRef idx="1">
+            <a:schemeClr val="accent1"/>
+          </a:fillRef>
+          <a:effectRef idx="0">
+            <a:schemeClr val="accent1"/>
+          </a:effectRef>
+          <a:fontRef idx="minor">
+            <a:schemeClr val="lt1"/>
+          </a:fontRef>
+        </p:style>
+        <p:txBody>
+          <a:bodyPr rtlCol="0" anchor="ctr"/>
+          <a:lstStyle/>
+          <a:p>
+            <a:pPr algn="ctr"/>
+            <a:endParaRPr kumimoji="1" lang="ja-JP" altLang="en-US"/>
+          </a:p>
+        </p:txBody>
+      </p:sp>
+      <p:sp>
+        <p:nvSpPr>
+          <p:cNvPr id="29" name="正方形/長方形 28">
+            <a:extLst>
+              <a:ext uri="{FF2B5EF4-FFF2-40B4-BE49-F238E27FC236}">
+                <a16:creationId xmlns:a16="http://schemas.microsoft.com/office/drawing/2014/main" id="{4F592BF8-4D09-1644-BEF0-1C927F14012A}"/>
+              </a:ext>
+            </a:extLst>
+          </p:cNvPr>
+          <p:cNvSpPr/>
+          <p:nvPr/>
+        </p:nvSpPr>
+        <p:spPr>
+          <a:xfrm>
+            <a:off x="3635896" y="3212976"/>
+            <a:ext cx="720080" cy="720080"/>
+          </a:xfrm>
+          <a:prstGeom prst="rect">
+            <a:avLst/>
+          </a:prstGeom>
+          <a:solidFill>
+            <a:schemeClr val="accent6">
+              <a:lumMod val="20000"/>
+              <a:lumOff val="80000"/>
+            </a:schemeClr>
+          </a:solidFill>
+          <a:ln>
+            <a:solidFill>
+              <a:schemeClr val="tx1"/>
+            </a:solidFill>
+          </a:ln>
+        </p:spPr>
+        <p:style>
+          <a:lnRef idx="2">
+            <a:schemeClr val="accent1">
+              <a:shade val="50000"/>
+            </a:schemeClr>
+          </a:lnRef>
+          <a:fillRef idx="1">
+            <a:schemeClr val="accent1"/>
+          </a:fillRef>
+          <a:effectRef idx="0">
+            <a:schemeClr val="accent1"/>
+          </a:effectRef>
+          <a:fontRef idx="minor">
+            <a:schemeClr val="lt1"/>
+          </a:fontRef>
+        </p:style>
+        <p:txBody>
+          <a:bodyPr rtlCol="0" anchor="ctr"/>
+          <a:lstStyle/>
+          <a:p>
+            <a:pPr algn="ctr"/>
+            <a:endParaRPr kumimoji="1" lang="ja-JP" altLang="en-US" sz="3600" dirty="0">
+              <a:solidFill>
+                <a:schemeClr val="tx1"/>
+              </a:solidFill>
+            </a:endParaRPr>
+          </a:p>
+        </p:txBody>
+      </p:sp>
+      <p:sp>
+        <p:nvSpPr>
+          <p:cNvPr id="30" name="正方形/長方形 29">
+            <a:extLst>
+              <a:ext uri="{FF2B5EF4-FFF2-40B4-BE49-F238E27FC236}">
+                <a16:creationId xmlns:a16="http://schemas.microsoft.com/office/drawing/2014/main" id="{5FD0C452-A635-E344-B0E1-D64F43C11259}"/>
+              </a:ext>
+            </a:extLst>
+          </p:cNvPr>
+          <p:cNvSpPr/>
+          <p:nvPr/>
+        </p:nvSpPr>
+        <p:spPr>
+          <a:xfrm>
+            <a:off x="4716016" y="3212976"/>
+            <a:ext cx="720080" cy="720080"/>
+          </a:xfrm>
+          <a:prstGeom prst="rect">
+            <a:avLst/>
+          </a:prstGeom>
+          <a:solidFill>
+            <a:schemeClr val="accent2">
+              <a:lumMod val="20000"/>
+              <a:lumOff val="80000"/>
+            </a:schemeClr>
+          </a:solidFill>
+          <a:ln>
+            <a:solidFill>
+              <a:schemeClr val="tx1"/>
+            </a:solidFill>
+          </a:ln>
+        </p:spPr>
+        <p:style>
+          <a:lnRef idx="2">
+            <a:schemeClr val="accent1">
+              <a:shade val="50000"/>
+            </a:schemeClr>
+          </a:lnRef>
+          <a:fillRef idx="1">
+            <a:schemeClr val="accent1"/>
+          </a:fillRef>
+          <a:effectRef idx="0">
+            <a:schemeClr val="accent1"/>
+          </a:effectRef>
+          <a:fontRef idx="minor">
+            <a:schemeClr val="lt1"/>
+          </a:fontRef>
+        </p:style>
+        <p:txBody>
+          <a:bodyPr rtlCol="0" anchor="ctr"/>
+          <a:lstStyle/>
+          <a:p>
+            <a:pPr algn="ctr"/>
+            <a:endParaRPr kumimoji="1" lang="ja-JP" altLang="en-US" sz="3600" dirty="0">
+              <a:solidFill>
+                <a:schemeClr val="tx1"/>
+              </a:solidFill>
+            </a:endParaRPr>
+          </a:p>
+        </p:txBody>
+      </p:sp>
+      <p:sp>
+        <p:nvSpPr>
+          <p:cNvPr id="32" name="正方形/長方形 31">
+            <a:extLst>
+              <a:ext uri="{FF2B5EF4-FFF2-40B4-BE49-F238E27FC236}">
+                <a16:creationId xmlns:a16="http://schemas.microsoft.com/office/drawing/2014/main" id="{2D94325A-8DD5-7441-87AF-361F50676AC9}"/>
+              </a:ext>
+            </a:extLst>
+          </p:cNvPr>
+          <p:cNvSpPr/>
+          <p:nvPr/>
+        </p:nvSpPr>
+        <p:spPr>
+          <a:xfrm>
+            <a:off x="4355976" y="3501008"/>
+            <a:ext cx="360040" cy="144016"/>
+          </a:xfrm>
+          <a:prstGeom prst="rect">
+            <a:avLst/>
+          </a:prstGeom>
+          <a:solidFill>
+            <a:schemeClr val="tx1"/>
+          </a:solidFill>
+          <a:ln>
+            <a:solidFill>
+              <a:schemeClr val="tx1"/>
+            </a:solidFill>
+          </a:ln>
+        </p:spPr>
+        <p:style>
+          <a:lnRef idx="2">
+            <a:schemeClr val="accent1">
+              <a:shade val="50000"/>
+            </a:schemeClr>
+          </a:lnRef>
+          <a:fillRef idx="1">
+            <a:schemeClr val="accent1"/>
+          </a:fillRef>
+          <a:effectRef idx="0">
+            <a:schemeClr val="accent1"/>
+          </a:effectRef>
+          <a:fontRef idx="minor">
+            <a:schemeClr val="lt1"/>
+          </a:fontRef>
+        </p:style>
+        <p:txBody>
+          <a:bodyPr rtlCol="0" anchor="ctr"/>
+          <a:lstStyle/>
+          <a:p>
+            <a:pPr algn="ctr"/>
+            <a:endParaRPr kumimoji="1" lang="ja-JP" altLang="en-US"/>
+          </a:p>
+        </p:txBody>
+      </p:sp>
+      <p:sp>
+        <p:nvSpPr>
+          <p:cNvPr id="33" name="正方形/長方形 32">
+            <a:extLst>
+              <a:ext uri="{FF2B5EF4-FFF2-40B4-BE49-F238E27FC236}">
+                <a16:creationId xmlns:a16="http://schemas.microsoft.com/office/drawing/2014/main" id="{68BCE95D-2123-EE4F-804A-1AE71A83F27A}"/>
+              </a:ext>
+            </a:extLst>
+          </p:cNvPr>
+          <p:cNvSpPr/>
+          <p:nvPr/>
+        </p:nvSpPr>
+        <p:spPr>
+          <a:xfrm>
+            <a:off x="5436096" y="3501008"/>
+            <a:ext cx="360040" cy="144016"/>
+          </a:xfrm>
+          <a:prstGeom prst="rect">
+            <a:avLst/>
+          </a:prstGeom>
+          <a:solidFill>
+            <a:schemeClr val="tx1"/>
+          </a:solidFill>
+          <a:ln>
+            <a:solidFill>
+              <a:schemeClr val="tx1"/>
+            </a:solidFill>
+          </a:ln>
+        </p:spPr>
+        <p:style>
+          <a:lnRef idx="2">
+            <a:schemeClr val="accent1">
+              <a:shade val="50000"/>
+            </a:schemeClr>
+          </a:lnRef>
+          <a:fillRef idx="1">
+            <a:schemeClr val="accent1"/>
+          </a:fillRef>
+          <a:effectRef idx="0">
+            <a:schemeClr val="accent1"/>
+          </a:effectRef>
+          <a:fontRef idx="minor">
+            <a:schemeClr val="lt1"/>
+          </a:fontRef>
+        </p:style>
+        <p:txBody>
+          <a:bodyPr rtlCol="0" anchor="ctr"/>
+          <a:lstStyle/>
+          <a:p>
+            <a:pPr algn="ctr"/>
+            <a:endParaRPr kumimoji="1" lang="ja-JP" altLang="en-US"/>
+          </a:p>
+        </p:txBody>
+      </p:sp>
+      <p:sp>
+        <p:nvSpPr>
+          <p:cNvPr id="36" name="二等辺三角形 22">
+            <a:extLst>
+              <a:ext uri="{FF2B5EF4-FFF2-40B4-BE49-F238E27FC236}">
+                <a16:creationId xmlns:a16="http://schemas.microsoft.com/office/drawing/2014/main" id="{430A89F6-4FD0-124F-8441-13F28757AAEF}"/>
+              </a:ext>
+            </a:extLst>
+          </p:cNvPr>
+          <p:cNvSpPr/>
+          <p:nvPr/>
+        </p:nvSpPr>
+        <p:spPr>
+          <a:xfrm rot="5400000">
+            <a:off x="4535996" y="4401108"/>
+            <a:ext cx="720080" cy="360040"/>
+          </a:xfrm>
+          <a:prstGeom prst="triangle">
+            <a:avLst/>
+          </a:prstGeom>
+          <a:solidFill>
+            <a:schemeClr val="accent2">
+              <a:lumMod val="40000"/>
+              <a:lumOff val="60000"/>
+            </a:schemeClr>
+          </a:solidFill>
+          <a:ln>
+            <a:solidFill>
+              <a:schemeClr val="tx1"/>
+            </a:solidFill>
+          </a:ln>
+        </p:spPr>
+        <p:style>
+          <a:lnRef idx="2">
+            <a:schemeClr val="accent1">
+              <a:shade val="50000"/>
+            </a:schemeClr>
+          </a:lnRef>
+          <a:fillRef idx="1">
+            <a:schemeClr val="accent1"/>
+          </a:fillRef>
+          <a:effectRef idx="0">
+            <a:schemeClr val="accent1"/>
+          </a:effectRef>
+          <a:fontRef idx="minor">
+            <a:schemeClr val="lt1"/>
+          </a:fontRef>
+        </p:style>
+        <p:txBody>
+          <a:bodyPr rtlCol="0" anchor="ctr"/>
+          <a:lstStyle/>
+          <a:p>
+            <a:pPr algn="ctr"/>
+            <a:endParaRPr kumimoji="1" lang="ja-JP" altLang="en-US"/>
+          </a:p>
+        </p:txBody>
+      </p:sp>
+      <p:cxnSp>
+        <p:nvCxnSpPr>
+          <p:cNvPr id="37" name="直線コネクタ 36">
+            <a:extLst>
+              <a:ext uri="{FF2B5EF4-FFF2-40B4-BE49-F238E27FC236}">
+                <a16:creationId xmlns:a16="http://schemas.microsoft.com/office/drawing/2014/main" id="{A59CFEC0-903E-C14D-80CA-2434328B8AB1}"/>
+              </a:ext>
+            </a:extLst>
+          </p:cNvPr>
+          <p:cNvCxnSpPr/>
+          <p:nvPr/>
+        </p:nvCxnSpPr>
+        <p:spPr>
+          <a:xfrm rot="10800000" flipH="1">
+            <a:off x="5076056" y="4581128"/>
+            <a:ext cx="360040" cy="0"/>
+          </a:xfrm>
+          <a:prstGeom prst="line">
+            <a:avLst/>
+          </a:prstGeom>
+          <a:ln w="12700">
+            <a:solidFill>
+              <a:schemeClr val="tx1"/>
+            </a:solidFill>
+          </a:ln>
+        </p:spPr>
+        <p:style>
+          <a:lnRef idx="1">
+            <a:schemeClr val="accent1"/>
+          </a:lnRef>
+          <a:fillRef idx="0">
+            <a:schemeClr val="accent1"/>
+          </a:fillRef>
+          <a:effectRef idx="0">
+            <a:schemeClr val="accent1"/>
+          </a:effectRef>
+          <a:fontRef idx="minor">
+            <a:schemeClr val="tx1"/>
+          </a:fontRef>
+        </p:style>
+      </p:cxnSp>
+      <p:sp>
+        <p:nvSpPr>
+          <p:cNvPr id="38" name="正方形/長方形 37">
+            <a:extLst>
+              <a:ext uri="{FF2B5EF4-FFF2-40B4-BE49-F238E27FC236}">
+                <a16:creationId xmlns:a16="http://schemas.microsoft.com/office/drawing/2014/main" id="{94AB4C7A-49E5-6641-8E53-EFEC99F7B8D5}"/>
+              </a:ext>
+            </a:extLst>
+          </p:cNvPr>
+          <p:cNvSpPr/>
+          <p:nvPr/>
+        </p:nvSpPr>
+        <p:spPr>
+          <a:xfrm rot="10800000">
+            <a:off x="4355976" y="4509120"/>
+            <a:ext cx="360040" cy="144016"/>
+          </a:xfrm>
+          <a:prstGeom prst="rect">
+            <a:avLst/>
+          </a:prstGeom>
+          <a:solidFill>
+            <a:schemeClr val="tx1"/>
+          </a:solidFill>
+          <a:ln>
+            <a:solidFill>
+              <a:schemeClr val="tx1"/>
+            </a:solidFill>
+          </a:ln>
+        </p:spPr>
+        <p:style>
+          <a:lnRef idx="2">
+            <a:schemeClr val="accent1">
+              <a:shade val="50000"/>
+            </a:schemeClr>
+          </a:lnRef>
+          <a:fillRef idx="1">
+            <a:schemeClr val="accent1"/>
+          </a:fillRef>
+          <a:effectRef idx="0">
+            <a:schemeClr val="accent1"/>
+          </a:effectRef>
+          <a:fontRef idx="minor">
+            <a:schemeClr val="lt1"/>
+          </a:fontRef>
+        </p:style>
+        <p:txBody>
+          <a:bodyPr rtlCol="0" anchor="ctr"/>
+          <a:lstStyle/>
+          <a:p>
+            <a:pPr algn="ctr"/>
+            <a:endParaRPr kumimoji="1" lang="ja-JP" altLang="en-US"/>
+          </a:p>
+        </p:txBody>
+      </p:sp>
+      <p:sp>
+        <p:nvSpPr>
+          <p:cNvPr id="39" name="二等辺三角形 26">
+            <a:extLst>
+              <a:ext uri="{FF2B5EF4-FFF2-40B4-BE49-F238E27FC236}">
+                <a16:creationId xmlns:a16="http://schemas.microsoft.com/office/drawing/2014/main" id="{A05BB3ED-8F12-5E40-AA43-CE667C0438C7}"/>
+              </a:ext>
+            </a:extLst>
+          </p:cNvPr>
+          <p:cNvSpPr/>
+          <p:nvPr/>
+        </p:nvSpPr>
+        <p:spPr>
+          <a:xfrm rot="16200000">
+            <a:off x="5256076" y="4401108"/>
+            <a:ext cx="720080" cy="360040"/>
+          </a:xfrm>
+          <a:prstGeom prst="triangle">
+            <a:avLst/>
+          </a:prstGeom>
+          <a:solidFill>
+            <a:schemeClr val="accent2">
+              <a:lumMod val="40000"/>
+              <a:lumOff val="60000"/>
+            </a:schemeClr>
+          </a:solidFill>
+          <a:ln>
+            <a:solidFill>
+              <a:schemeClr val="tx1"/>
+            </a:solidFill>
+          </a:ln>
+        </p:spPr>
+        <p:style>
+          <a:lnRef idx="2">
+            <a:schemeClr val="accent1">
+              <a:shade val="50000"/>
+            </a:schemeClr>
+          </a:lnRef>
+          <a:fillRef idx="1">
+            <a:schemeClr val="accent1"/>
+          </a:fillRef>
+          <a:effectRef idx="0">
+            <a:schemeClr val="accent1"/>
+          </a:effectRef>
+          <a:fontRef idx="minor">
+            <a:schemeClr val="lt1"/>
+          </a:fontRef>
+        </p:style>
+        <p:txBody>
+          <a:bodyPr rtlCol="0" anchor="ctr"/>
+          <a:lstStyle/>
+          <a:p>
+            <a:pPr algn="ctr"/>
+            <a:endParaRPr kumimoji="1" lang="ja-JP" altLang="en-US"/>
+          </a:p>
+        </p:txBody>
+      </p:sp>
+      <p:sp>
+        <p:nvSpPr>
+          <p:cNvPr id="40" name="正方形/長方形 39">
+            <a:extLst>
+              <a:ext uri="{FF2B5EF4-FFF2-40B4-BE49-F238E27FC236}">
+                <a16:creationId xmlns:a16="http://schemas.microsoft.com/office/drawing/2014/main" id="{3CCCB72B-98B0-134F-9CC7-304172DB503C}"/>
+              </a:ext>
+            </a:extLst>
+          </p:cNvPr>
+          <p:cNvSpPr/>
+          <p:nvPr/>
+        </p:nvSpPr>
+        <p:spPr>
+          <a:xfrm rot="10800000">
+            <a:off x="5796136" y="4509120"/>
+            <a:ext cx="360040" cy="144016"/>
+          </a:xfrm>
+          <a:prstGeom prst="rect">
+            <a:avLst/>
+          </a:prstGeom>
+          <a:solidFill>
+            <a:schemeClr val="tx1"/>
+          </a:solidFill>
+          <a:ln>
+            <a:solidFill>
+              <a:schemeClr val="tx1"/>
+            </a:solidFill>
+          </a:ln>
+        </p:spPr>
+        <p:style>
+          <a:lnRef idx="2">
+            <a:schemeClr val="accent1">
+              <a:shade val="50000"/>
+            </a:schemeClr>
+          </a:lnRef>
+          <a:fillRef idx="1">
+            <a:schemeClr val="accent1"/>
+          </a:fillRef>
+          <a:effectRef idx="0">
+            <a:schemeClr val="accent1"/>
+          </a:effectRef>
+          <a:fontRef idx="minor">
+            <a:schemeClr val="lt1"/>
+          </a:fontRef>
+        </p:style>
+        <p:txBody>
+          <a:bodyPr rtlCol="0" anchor="ctr"/>
+          <a:lstStyle/>
+          <a:p>
+            <a:pPr algn="ctr"/>
+            <a:endParaRPr kumimoji="1" lang="ja-JP" altLang="en-US"/>
+          </a:p>
+        </p:txBody>
+      </p:sp>
+      <p:sp>
+        <p:nvSpPr>
+          <p:cNvPr id="41" name="正方形/長方形 40">
+            <a:extLst>
+              <a:ext uri="{FF2B5EF4-FFF2-40B4-BE49-F238E27FC236}">
+                <a16:creationId xmlns:a16="http://schemas.microsoft.com/office/drawing/2014/main" id="{B4965238-B4AE-3048-A66D-8F8CE4432735}"/>
+              </a:ext>
+            </a:extLst>
+          </p:cNvPr>
+          <p:cNvSpPr/>
+          <p:nvPr/>
+        </p:nvSpPr>
+        <p:spPr>
+          <a:xfrm>
+            <a:off x="3635896" y="4221088"/>
+            <a:ext cx="720080" cy="720080"/>
+          </a:xfrm>
+          <a:prstGeom prst="rect">
+            <a:avLst/>
+          </a:prstGeom>
+          <a:solidFill>
+            <a:schemeClr val="accent1">
+              <a:lumMod val="20000"/>
+              <a:lumOff val="80000"/>
+            </a:schemeClr>
+          </a:solidFill>
+          <a:ln>
+            <a:solidFill>
+              <a:schemeClr val="tx1"/>
+            </a:solidFill>
+          </a:ln>
+        </p:spPr>
+        <p:style>
+          <a:lnRef idx="2">
+            <a:schemeClr val="accent1">
+              <a:shade val="50000"/>
+            </a:schemeClr>
+          </a:lnRef>
+          <a:fillRef idx="1">
+            <a:schemeClr val="accent1"/>
+          </a:fillRef>
+          <a:effectRef idx="0">
+            <a:schemeClr val="accent1"/>
+          </a:effectRef>
+          <a:fontRef idx="minor">
+            <a:schemeClr val="lt1"/>
+          </a:fontRef>
+        </p:style>
+        <p:txBody>
+          <a:bodyPr rtlCol="0" anchor="ctr"/>
+          <a:lstStyle/>
+          <a:p>
+            <a:pPr algn="ctr"/>
+            <a:endParaRPr kumimoji="1" lang="ja-JP" altLang="en-US" sz="3600" dirty="0">
+              <a:solidFill>
+                <a:schemeClr val="tx1"/>
+              </a:solidFill>
+            </a:endParaRPr>
+          </a:p>
+        </p:txBody>
+      </p:sp>
+      <p:sp>
+        <p:nvSpPr>
+          <p:cNvPr id="42" name="テキスト ボックス 41">
+            <a:extLst>
+              <a:ext uri="{FF2B5EF4-FFF2-40B4-BE49-F238E27FC236}">
+                <a16:creationId xmlns:a16="http://schemas.microsoft.com/office/drawing/2014/main" id="{96AA86CB-E1FD-C947-B9DE-C7A6522CFD94}"/>
+              </a:ext>
+            </a:extLst>
+          </p:cNvPr>
+          <p:cNvSpPr txBox="1"/>
+          <p:nvPr/>
+        </p:nvSpPr>
+        <p:spPr>
+          <a:xfrm>
+            <a:off x="4702362" y="4427820"/>
+            <a:ext cx="301686" cy="369332"/>
+          </a:xfrm>
+          <a:prstGeom prst="rect">
+            <a:avLst/>
+          </a:prstGeom>
+          <a:noFill/>
+        </p:spPr>
+        <p:txBody>
+          <a:bodyPr wrap="none" rtlCol="0">
+            <a:spAutoFit/>
+          </a:bodyPr>
+          <a:lstStyle/>
+          <a:p>
+            <a:r>
+              <a:rPr kumimoji="1" lang="en-US" altLang="ja-JP"/>
+              <a:t>1</a:t>
+            </a:r>
+            <a:endParaRPr kumimoji="1" lang="ja-JP" altLang="en-US"/>
+          </a:p>
+        </p:txBody>
+      </p:sp>
+      <p:sp>
+        <p:nvSpPr>
+          <p:cNvPr id="43" name="テキスト ボックス 42">
+            <a:extLst>
+              <a:ext uri="{FF2B5EF4-FFF2-40B4-BE49-F238E27FC236}">
+                <a16:creationId xmlns:a16="http://schemas.microsoft.com/office/drawing/2014/main" id="{D77D80EE-31E4-2745-B4E4-189575E7E2D0}"/>
+              </a:ext>
+            </a:extLst>
+          </p:cNvPr>
+          <p:cNvSpPr txBox="1"/>
+          <p:nvPr/>
+        </p:nvSpPr>
+        <p:spPr>
+          <a:xfrm>
+            <a:off x="5508104" y="4427820"/>
+            <a:ext cx="301686" cy="369332"/>
+          </a:xfrm>
+          <a:prstGeom prst="rect">
+            <a:avLst/>
+          </a:prstGeom>
+          <a:noFill/>
+        </p:spPr>
+        <p:txBody>
+          <a:bodyPr wrap="none" rtlCol="0">
+            <a:spAutoFit/>
+          </a:bodyPr>
+          <a:lstStyle/>
+          <a:p>
+            <a:r>
+              <a:rPr kumimoji="1" lang="en-US" altLang="ja-JP"/>
+              <a:t>1</a:t>
+            </a:r>
+            <a:endParaRPr kumimoji="1" lang="ja-JP" altLang="en-US"/>
+          </a:p>
+        </p:txBody>
+      </p:sp>
+      <p:sp>
+        <p:nvSpPr>
+          <p:cNvPr id="44" name="テキスト ボックス 43">
+            <a:extLst>
+              <a:ext uri="{FF2B5EF4-FFF2-40B4-BE49-F238E27FC236}">
+                <a16:creationId xmlns:a16="http://schemas.microsoft.com/office/drawing/2014/main" id="{97D56B18-9981-B049-BED5-409F49A3214D}"/>
+              </a:ext>
+            </a:extLst>
+          </p:cNvPr>
+          <p:cNvSpPr txBox="1"/>
+          <p:nvPr/>
+        </p:nvSpPr>
+        <p:spPr>
+          <a:xfrm>
+            <a:off x="2702900" y="2247836"/>
+            <a:ext cx="465192" cy="769441"/>
+          </a:xfrm>
+          <a:prstGeom prst="rect">
+            <a:avLst/>
+          </a:prstGeom>
+          <a:noFill/>
+        </p:spPr>
+        <p:txBody>
+          <a:bodyPr wrap="none" rtlCol="0">
+            <a:spAutoFit/>
+          </a:bodyPr>
+          <a:lstStyle/>
+          <a:p>
+            <a:r>
+              <a:rPr kumimoji="1" lang="en-US" altLang="ja-JP" sz="4400"/>
+              <a:t>=</a:t>
+            </a:r>
+            <a:endParaRPr kumimoji="1" lang="ja-JP" altLang="en-US" sz="4400"/>
+          </a:p>
+        </p:txBody>
+      </p:sp>
+      <mc:AlternateContent xmlns:mc="http://schemas.openxmlformats.org/markup-compatibility/2006">
+        <mc:Choice xmlns:a14="http://schemas.microsoft.com/office/drawing/2010/main" Requires="a14">
+          <p:sp>
+            <p:nvSpPr>
+              <p:cNvPr id="45" name="テキスト ボックス 44">
+                <a:extLst>
+                  <a:ext uri="{FF2B5EF4-FFF2-40B4-BE49-F238E27FC236}">
+                    <a16:creationId xmlns:a16="http://schemas.microsoft.com/office/drawing/2014/main" id="{9C947BB1-8F01-1548-914F-C60066211CA9}"/>
+                  </a:ext>
+                </a:extLst>
+              </p:cNvPr>
+              <p:cNvSpPr txBox="1"/>
+              <p:nvPr/>
+            </p:nvSpPr>
+            <p:spPr>
+              <a:xfrm>
+                <a:off x="2735796" y="4221088"/>
+                <a:ext cx="399401" cy="677108"/>
+              </a:xfrm>
+              <a:prstGeom prst="rect">
+                <a:avLst/>
+              </a:prstGeom>
+              <a:noFill/>
+            </p:spPr>
+            <p:txBody>
+              <a:bodyPr wrap="square" lIns="0" tIns="0" rIns="0" bIns="0" rtlCol="0">
+                <a:spAutoFit/>
+              </a:bodyPr>
+              <a:lstStyle/>
+              <a:p>
+                <a:pPr/>
+                <a14:m>
+                  <m:oMathPara xmlns:m="http://schemas.openxmlformats.org/officeDocument/2006/math">
+                    <m:oMathParaPr>
+                      <m:jc m:val="centerGroup"/>
+                    </m:oMathParaPr>
+                    <m:oMath xmlns:m="http://schemas.openxmlformats.org/officeDocument/2006/math">
+                      <m:r>
+                        <a:rPr kumimoji="1" lang="en-US" altLang="ja-JP" sz="4400" b="0" i="1" smtClean="0">
+                          <a:latin typeface="Cambria Math" panose="02040503050406030204" pitchFamily="18" charset="0"/>
+                          <a:ea typeface="Cambria Math" panose="02040503050406030204" pitchFamily="18" charset="0"/>
+                        </a:rPr>
+                        <m:t>≈</m:t>
+                      </m:r>
+                    </m:oMath>
+                  </m:oMathPara>
+                </a14:m>
+                <a:endParaRPr kumimoji="1" lang="ja-JP" altLang="en-US" sz="4400" dirty="0"/>
+              </a:p>
+            </p:txBody>
+          </p:sp>
+        </mc:Choice>
+        <mc:Fallback>
+          <p:sp>
+            <p:nvSpPr>
+              <p:cNvPr id="45" name="テキスト ボックス 44">
+                <a:extLst>
+                  <a:ext uri="{FF2B5EF4-FFF2-40B4-BE49-F238E27FC236}">
+                    <a16:creationId xmlns:a16="http://schemas.microsoft.com/office/drawing/2014/main" id="{9C947BB1-8F01-1548-914F-C60066211CA9}"/>
+                  </a:ext>
+                </a:extLst>
+              </p:cNvPr>
+              <p:cNvSpPr txBox="1">
+                <a:spLocks noRot="1" noChangeAspect="1" noMove="1" noResize="1" noEditPoints="1" noAdjustHandles="1" noChangeArrowheads="1" noChangeShapeType="1" noTextEdit="1"/>
+              </p:cNvSpPr>
+              <p:nvPr/>
+            </p:nvSpPr>
+            <p:spPr>
+              <a:xfrm>
+                <a:off x="2735796" y="4221088"/>
+                <a:ext cx="399401" cy="677108"/>
+              </a:xfrm>
+              <a:prstGeom prst="rect">
+                <a:avLst/>
+              </a:prstGeom>
+              <a:blipFill>
+                <a:blip r:embed="rId2"/>
+                <a:stretch>
+                  <a:fillRect l="-30303" r="-33333"/>
+                </a:stretch>
+              </a:blipFill>
+            </p:spPr>
+            <p:txBody>
+              <a:bodyPr/>
+              <a:lstStyle/>
+              <a:p>
+                <a:r>
+                  <a:rPr lang="ja-JP" altLang="en-US">
+                    <a:noFill/>
+                  </a:rPr>
+                  <a:t> </a:t>
+                </a:r>
+              </a:p>
+            </p:txBody>
+          </p:sp>
+        </mc:Fallback>
+      </mc:AlternateContent>
+      <p:sp>
+        <p:nvSpPr>
+          <p:cNvPr id="46" name="テキスト ボックス 45">
+            <a:extLst>
+              <a:ext uri="{FF2B5EF4-FFF2-40B4-BE49-F238E27FC236}">
+                <a16:creationId xmlns:a16="http://schemas.microsoft.com/office/drawing/2014/main" id="{26BA0C3E-B738-1546-9955-551B453A8346}"/>
+              </a:ext>
+            </a:extLst>
+          </p:cNvPr>
+          <p:cNvSpPr txBox="1"/>
+          <p:nvPr/>
+        </p:nvSpPr>
+        <p:spPr>
+          <a:xfrm>
+            <a:off x="2702900" y="3140968"/>
+            <a:ext cx="465192" cy="769441"/>
+          </a:xfrm>
+          <a:prstGeom prst="rect">
+            <a:avLst/>
+          </a:prstGeom>
+          <a:noFill/>
+        </p:spPr>
+        <p:txBody>
+          <a:bodyPr wrap="none" rtlCol="0">
+            <a:spAutoFit/>
+          </a:bodyPr>
+          <a:lstStyle/>
+          <a:p>
+            <a:r>
+              <a:rPr kumimoji="1" lang="en-US" altLang="ja-JP" sz="4400"/>
+              <a:t>=</a:t>
+            </a:r>
+            <a:endParaRPr kumimoji="1" lang="ja-JP" altLang="en-US" sz="4400"/>
+          </a:p>
+        </p:txBody>
+      </p:sp>
+      <p:sp>
+        <p:nvSpPr>
+          <p:cNvPr id="47" name="テキスト ボックス 46">
+            <a:extLst>
+              <a:ext uri="{FF2B5EF4-FFF2-40B4-BE49-F238E27FC236}">
+                <a16:creationId xmlns:a16="http://schemas.microsoft.com/office/drawing/2014/main" id="{0FA6C40C-8FC0-864A-A55F-A92EC03085DA}"/>
+              </a:ext>
+            </a:extLst>
+          </p:cNvPr>
+          <p:cNvSpPr txBox="1"/>
+          <p:nvPr/>
+        </p:nvSpPr>
+        <p:spPr>
+          <a:xfrm>
+            <a:off x="5508104" y="2420888"/>
+            <a:ext cx="2610010" cy="369332"/>
+          </a:xfrm>
+          <a:prstGeom prst="rect">
+            <a:avLst/>
+          </a:prstGeom>
+          <a:noFill/>
+        </p:spPr>
+        <p:txBody>
+          <a:bodyPr wrap="none" rtlCol="0">
+            <a:spAutoFit/>
+          </a:bodyPr>
+          <a:lstStyle/>
+          <a:p>
+            <a:r>
+              <a:rPr kumimoji="1" lang="en-US" altLang="ja-JP"/>
+              <a:t>1</a:t>
+            </a:r>
+            <a:r>
+              <a:rPr kumimoji="1" lang="ja-JP" altLang="en-US"/>
+              <a:t>番以外の足をまとめる</a:t>
+            </a:r>
+          </a:p>
+        </p:txBody>
+      </p:sp>
+      <p:sp>
+        <p:nvSpPr>
+          <p:cNvPr id="48" name="テキスト ボックス 47">
+            <a:extLst>
+              <a:ext uri="{FF2B5EF4-FFF2-40B4-BE49-F238E27FC236}">
+                <a16:creationId xmlns:a16="http://schemas.microsoft.com/office/drawing/2014/main" id="{07DF3642-FFA9-AD45-A0E3-BA3FF335A4C3}"/>
+              </a:ext>
+            </a:extLst>
+          </p:cNvPr>
+          <p:cNvSpPr txBox="1"/>
+          <p:nvPr/>
+        </p:nvSpPr>
+        <p:spPr>
+          <a:xfrm>
+            <a:off x="6314708" y="3347700"/>
+            <a:ext cx="1947969" cy="369332"/>
+          </a:xfrm>
+          <a:prstGeom prst="rect">
+            <a:avLst/>
+          </a:prstGeom>
+          <a:noFill/>
+        </p:spPr>
+        <p:txBody>
+          <a:bodyPr wrap="none" rtlCol="0">
+            <a:spAutoFit/>
+          </a:bodyPr>
+          <a:lstStyle/>
+          <a:p>
+            <a:r>
+              <a:rPr kumimoji="1" lang="ja-JP" altLang="en-US"/>
+              <a:t>行列と思って</a:t>
+            </a:r>
+            <a:r>
+              <a:rPr kumimoji="1" lang="en-US" altLang="ja-JP"/>
+              <a:t>SVD</a:t>
+            </a:r>
+            <a:endParaRPr kumimoji="1" lang="ja-JP" altLang="en-US"/>
+          </a:p>
+        </p:txBody>
+      </p:sp>
+      <p:sp>
+        <p:nvSpPr>
+          <p:cNvPr id="49" name="テキスト ボックス 48">
+            <a:extLst>
+              <a:ext uri="{FF2B5EF4-FFF2-40B4-BE49-F238E27FC236}">
+                <a16:creationId xmlns:a16="http://schemas.microsoft.com/office/drawing/2014/main" id="{B445065F-7A36-F54A-8B73-C06D5AD9F9DF}"/>
+              </a:ext>
+            </a:extLst>
+          </p:cNvPr>
+          <p:cNvSpPr txBox="1"/>
+          <p:nvPr/>
+        </p:nvSpPr>
+        <p:spPr>
+          <a:xfrm>
+            <a:off x="6319884" y="4293096"/>
+            <a:ext cx="2351926" cy="646331"/>
+          </a:xfrm>
+          <a:prstGeom prst="rect">
+            <a:avLst/>
+          </a:prstGeom>
+          <a:noFill/>
+        </p:spPr>
+        <p:txBody>
+          <a:bodyPr wrap="none" rtlCol="0">
+            <a:spAutoFit/>
+          </a:bodyPr>
+          <a:lstStyle/>
+          <a:p>
+            <a:r>
+              <a:rPr lang="en-US" altLang="ja-JP"/>
+              <a:t>1</a:t>
+            </a:r>
+            <a:r>
+              <a:rPr lang="ja-JP" altLang="en-US"/>
+              <a:t>番用の新たな</a:t>
+            </a:r>
+            <a:endParaRPr lang="en-US" altLang="ja-JP"/>
+          </a:p>
+          <a:p>
+            <a:r>
+              <a:rPr lang="ja-JP" altLang="en-US"/>
+              <a:t>圧縮</a:t>
+            </a:r>
+            <a:r>
+              <a:rPr lang="en-US" altLang="ja-JP"/>
+              <a:t>/</a:t>
+            </a:r>
+            <a:r>
+              <a:rPr lang="ja-JP" altLang="en-US"/>
+              <a:t>復元行列を得る</a:t>
+            </a:r>
+            <a:endParaRPr lang="en-US" altLang="ja-JP"/>
+          </a:p>
+        </p:txBody>
+      </p:sp>
+      <p:cxnSp>
+        <p:nvCxnSpPr>
+          <p:cNvPr id="51" name="直線コネクタ 50">
+            <a:extLst>
+              <a:ext uri="{FF2B5EF4-FFF2-40B4-BE49-F238E27FC236}">
+                <a16:creationId xmlns:a16="http://schemas.microsoft.com/office/drawing/2014/main" id="{C93FE979-2A71-3A45-8B93-24B9D2227EA6}"/>
+              </a:ext>
+            </a:extLst>
+          </p:cNvPr>
+          <p:cNvCxnSpPr/>
+          <p:nvPr/>
+        </p:nvCxnSpPr>
+        <p:spPr>
+          <a:xfrm flipH="1">
+            <a:off x="3203848" y="2492896"/>
+            <a:ext cx="432048" cy="0"/>
+          </a:xfrm>
+          <a:prstGeom prst="line">
+            <a:avLst/>
+          </a:prstGeom>
+          <a:ln w="12700">
+            <a:solidFill>
+              <a:schemeClr val="tx1"/>
+            </a:solidFill>
+          </a:ln>
+        </p:spPr>
+        <p:style>
+          <a:lnRef idx="1">
+            <a:schemeClr val="accent1"/>
+          </a:lnRef>
+          <a:fillRef idx="0">
+            <a:schemeClr val="accent1"/>
+          </a:fillRef>
+          <a:effectRef idx="0">
+            <a:schemeClr val="accent1"/>
+          </a:effectRef>
+          <a:fontRef idx="minor">
+            <a:schemeClr val="tx1"/>
+          </a:fontRef>
+        </p:style>
+      </p:cxnSp>
+      <p:cxnSp>
+        <p:nvCxnSpPr>
+          <p:cNvPr id="52" name="直線コネクタ 51">
+            <a:extLst>
+              <a:ext uri="{FF2B5EF4-FFF2-40B4-BE49-F238E27FC236}">
+                <a16:creationId xmlns:a16="http://schemas.microsoft.com/office/drawing/2014/main" id="{433D2C2E-17F6-664E-A48B-4D5409C5E460}"/>
+              </a:ext>
+            </a:extLst>
+          </p:cNvPr>
+          <p:cNvCxnSpPr/>
+          <p:nvPr/>
+        </p:nvCxnSpPr>
+        <p:spPr>
+          <a:xfrm flipH="1">
+            <a:off x="3203848" y="2780928"/>
+            <a:ext cx="432048" cy="0"/>
+          </a:xfrm>
+          <a:prstGeom prst="line">
+            <a:avLst/>
+          </a:prstGeom>
+          <a:ln w="12700">
+            <a:solidFill>
+              <a:schemeClr val="tx1"/>
+            </a:solidFill>
+          </a:ln>
+        </p:spPr>
+        <p:style>
+          <a:lnRef idx="1">
+            <a:schemeClr val="accent1"/>
+          </a:lnRef>
+          <a:fillRef idx="0">
+            <a:schemeClr val="accent1"/>
+          </a:fillRef>
+          <a:effectRef idx="0">
+            <a:schemeClr val="accent1"/>
+          </a:effectRef>
+          <a:fontRef idx="minor">
+            <a:schemeClr val="tx1"/>
+          </a:fontRef>
+        </p:style>
+      </p:cxnSp>
+      <p:cxnSp>
+        <p:nvCxnSpPr>
+          <p:cNvPr id="53" name="直線コネクタ 52">
+            <a:extLst>
+              <a:ext uri="{FF2B5EF4-FFF2-40B4-BE49-F238E27FC236}">
+                <a16:creationId xmlns:a16="http://schemas.microsoft.com/office/drawing/2014/main" id="{B2BCA43B-D134-914B-AD88-7FE6886A1D95}"/>
+              </a:ext>
+            </a:extLst>
+          </p:cNvPr>
+          <p:cNvCxnSpPr/>
+          <p:nvPr/>
+        </p:nvCxnSpPr>
+        <p:spPr>
+          <a:xfrm flipH="1">
+            <a:off x="3203848" y="3429000"/>
+            <a:ext cx="432048" cy="0"/>
+          </a:xfrm>
+          <a:prstGeom prst="line">
+            <a:avLst/>
+          </a:prstGeom>
+          <a:ln w="12700">
+            <a:solidFill>
+              <a:schemeClr val="tx1"/>
+            </a:solidFill>
+          </a:ln>
+        </p:spPr>
+        <p:style>
+          <a:lnRef idx="1">
+            <a:schemeClr val="accent1"/>
+          </a:lnRef>
+          <a:fillRef idx="0">
+            <a:schemeClr val="accent1"/>
+          </a:fillRef>
+          <a:effectRef idx="0">
+            <a:schemeClr val="accent1"/>
+          </a:effectRef>
+          <a:fontRef idx="minor">
+            <a:schemeClr val="tx1"/>
+          </a:fontRef>
+        </p:style>
+      </p:cxnSp>
+      <p:cxnSp>
+        <p:nvCxnSpPr>
+          <p:cNvPr id="54" name="直線コネクタ 53">
+            <a:extLst>
+              <a:ext uri="{FF2B5EF4-FFF2-40B4-BE49-F238E27FC236}">
+                <a16:creationId xmlns:a16="http://schemas.microsoft.com/office/drawing/2014/main" id="{588A6E9F-BFA6-014A-B31A-3039ECB328FE}"/>
+              </a:ext>
+            </a:extLst>
+          </p:cNvPr>
+          <p:cNvCxnSpPr/>
+          <p:nvPr/>
+        </p:nvCxnSpPr>
+        <p:spPr>
+          <a:xfrm flipH="1">
+            <a:off x="3203848" y="3717032"/>
+            <a:ext cx="432048" cy="0"/>
+          </a:xfrm>
+          <a:prstGeom prst="line">
+            <a:avLst/>
+          </a:prstGeom>
+          <a:ln w="12700">
+            <a:solidFill>
+              <a:schemeClr val="tx1"/>
+            </a:solidFill>
+          </a:ln>
+        </p:spPr>
+        <p:style>
+          <a:lnRef idx="1">
+            <a:schemeClr val="accent1"/>
+          </a:lnRef>
+          <a:fillRef idx="0">
+            <a:schemeClr val="accent1"/>
+          </a:fillRef>
+          <a:effectRef idx="0">
+            <a:schemeClr val="accent1"/>
+          </a:effectRef>
+          <a:fontRef idx="minor">
+            <a:schemeClr val="tx1"/>
+          </a:fontRef>
+        </p:style>
+      </p:cxnSp>
+      <p:cxnSp>
+        <p:nvCxnSpPr>
+          <p:cNvPr id="55" name="直線コネクタ 54">
+            <a:extLst>
+              <a:ext uri="{FF2B5EF4-FFF2-40B4-BE49-F238E27FC236}">
+                <a16:creationId xmlns:a16="http://schemas.microsoft.com/office/drawing/2014/main" id="{0AAF4EA8-753B-7144-A7D6-C7E9537F4490}"/>
+              </a:ext>
+            </a:extLst>
+          </p:cNvPr>
+          <p:cNvCxnSpPr/>
+          <p:nvPr/>
+        </p:nvCxnSpPr>
+        <p:spPr>
+          <a:xfrm flipH="1">
+            <a:off x="3203848" y="4437112"/>
+            <a:ext cx="432048" cy="0"/>
+          </a:xfrm>
+          <a:prstGeom prst="line">
+            <a:avLst/>
+          </a:prstGeom>
+          <a:ln w="12700">
+            <a:solidFill>
+              <a:schemeClr val="tx1"/>
+            </a:solidFill>
+          </a:ln>
+        </p:spPr>
+        <p:style>
+          <a:lnRef idx="1">
+            <a:schemeClr val="accent1"/>
+          </a:lnRef>
+          <a:fillRef idx="0">
+            <a:schemeClr val="accent1"/>
+          </a:fillRef>
+          <a:effectRef idx="0">
+            <a:schemeClr val="accent1"/>
+          </a:effectRef>
+          <a:fontRef idx="minor">
+            <a:schemeClr val="tx1"/>
+          </a:fontRef>
+        </p:style>
+      </p:cxnSp>
+      <p:cxnSp>
+        <p:nvCxnSpPr>
+          <p:cNvPr id="56" name="直線コネクタ 55">
+            <a:extLst>
+              <a:ext uri="{FF2B5EF4-FFF2-40B4-BE49-F238E27FC236}">
+                <a16:creationId xmlns:a16="http://schemas.microsoft.com/office/drawing/2014/main" id="{ED44BDE6-D049-8F4C-B4A1-AB3842E36E4C}"/>
+              </a:ext>
+            </a:extLst>
+          </p:cNvPr>
+          <p:cNvCxnSpPr/>
+          <p:nvPr/>
+        </p:nvCxnSpPr>
+        <p:spPr>
+          <a:xfrm flipH="1">
+            <a:off x="3203848" y="4725144"/>
+            <a:ext cx="432048" cy="0"/>
+          </a:xfrm>
+          <a:prstGeom prst="line">
+            <a:avLst/>
+          </a:prstGeom>
+          <a:ln w="12700">
+            <a:solidFill>
+              <a:schemeClr val="tx1"/>
+            </a:solidFill>
+          </a:ln>
+        </p:spPr>
+        <p:style>
+          <a:lnRef idx="1">
+            <a:schemeClr val="accent1"/>
+          </a:lnRef>
+          <a:fillRef idx="0">
+            <a:schemeClr val="accent1"/>
+          </a:fillRef>
+          <a:effectRef idx="0">
+            <a:schemeClr val="accent1"/>
+          </a:effectRef>
+          <a:fontRef idx="minor">
+            <a:schemeClr val="tx1"/>
+          </a:fontRef>
+        </p:style>
+      </p:cxnSp>
+      <p:sp>
+        <p:nvSpPr>
+          <p:cNvPr id="57" name="二等辺三角形 22">
+            <a:extLst>
+              <a:ext uri="{FF2B5EF4-FFF2-40B4-BE49-F238E27FC236}">
+                <a16:creationId xmlns:a16="http://schemas.microsoft.com/office/drawing/2014/main" id="{6C740918-993E-1D4D-8231-6877D871092D}"/>
+              </a:ext>
+            </a:extLst>
+          </p:cNvPr>
+          <p:cNvSpPr/>
+          <p:nvPr/>
+        </p:nvSpPr>
+        <p:spPr>
+          <a:xfrm rot="5400000">
+            <a:off x="1295636" y="800708"/>
+            <a:ext cx="720080" cy="360040"/>
+          </a:xfrm>
+          <a:prstGeom prst="triangle">
+            <a:avLst/>
+          </a:prstGeom>
+          <a:solidFill>
+            <a:schemeClr val="accent2">
+              <a:lumMod val="40000"/>
+              <a:lumOff val="60000"/>
+            </a:schemeClr>
+          </a:solidFill>
+          <a:ln>
+            <a:solidFill>
+              <a:schemeClr val="tx1"/>
+            </a:solidFill>
+          </a:ln>
+        </p:spPr>
+        <p:style>
+          <a:lnRef idx="2">
+            <a:schemeClr val="accent1">
+              <a:shade val="50000"/>
+            </a:schemeClr>
+          </a:lnRef>
+          <a:fillRef idx="1">
+            <a:schemeClr val="accent1"/>
+          </a:fillRef>
+          <a:effectRef idx="0">
+            <a:schemeClr val="accent1"/>
+          </a:effectRef>
+          <a:fontRef idx="minor">
+            <a:schemeClr val="lt1"/>
+          </a:fontRef>
+        </p:style>
+        <p:txBody>
+          <a:bodyPr rtlCol="0" anchor="ctr"/>
+          <a:lstStyle/>
+          <a:p>
+            <a:pPr algn="ctr"/>
+            <a:endParaRPr kumimoji="1" lang="ja-JP" altLang="en-US"/>
+          </a:p>
+        </p:txBody>
+      </p:sp>
+      <p:sp>
+        <p:nvSpPr>
+          <p:cNvPr id="58" name="正方形/長方形 57">
+            <a:extLst>
+              <a:ext uri="{FF2B5EF4-FFF2-40B4-BE49-F238E27FC236}">
+                <a16:creationId xmlns:a16="http://schemas.microsoft.com/office/drawing/2014/main" id="{3F5726E5-7FB8-2C45-B154-BDE47080F1BB}"/>
+              </a:ext>
+            </a:extLst>
+          </p:cNvPr>
+          <p:cNvSpPr/>
+          <p:nvPr/>
+        </p:nvSpPr>
+        <p:spPr>
+          <a:xfrm rot="10800000">
+            <a:off x="1115616" y="908720"/>
+            <a:ext cx="360040" cy="144016"/>
+          </a:xfrm>
+          <a:prstGeom prst="rect">
+            <a:avLst/>
+          </a:prstGeom>
+          <a:solidFill>
+            <a:schemeClr val="tx1"/>
+          </a:solidFill>
+          <a:ln>
+            <a:solidFill>
+              <a:schemeClr val="tx1"/>
+            </a:solidFill>
+          </a:ln>
+        </p:spPr>
+        <p:style>
+          <a:lnRef idx="2">
+            <a:schemeClr val="accent1">
+              <a:shade val="50000"/>
+            </a:schemeClr>
+          </a:lnRef>
+          <a:fillRef idx="1">
+            <a:schemeClr val="accent1"/>
+          </a:fillRef>
+          <a:effectRef idx="0">
+            <a:schemeClr val="accent1"/>
+          </a:effectRef>
+          <a:fontRef idx="minor">
+            <a:schemeClr val="lt1"/>
+          </a:fontRef>
+        </p:style>
+        <p:txBody>
+          <a:bodyPr rtlCol="0" anchor="ctr"/>
+          <a:lstStyle/>
+          <a:p>
+            <a:pPr algn="ctr"/>
+            <a:endParaRPr kumimoji="1" lang="ja-JP" altLang="en-US"/>
+          </a:p>
+        </p:txBody>
+      </p:sp>
+      <p:sp>
+        <p:nvSpPr>
+          <p:cNvPr id="59" name="テキスト ボックス 58">
+            <a:extLst>
+              <a:ext uri="{FF2B5EF4-FFF2-40B4-BE49-F238E27FC236}">
+                <a16:creationId xmlns:a16="http://schemas.microsoft.com/office/drawing/2014/main" id="{E75BFEB4-BFD4-F847-8554-7461D5F7C6BF}"/>
+              </a:ext>
+            </a:extLst>
+          </p:cNvPr>
+          <p:cNvSpPr txBox="1"/>
+          <p:nvPr/>
+        </p:nvSpPr>
+        <p:spPr>
+          <a:xfrm>
+            <a:off x="1462002" y="827420"/>
+            <a:ext cx="301686" cy="369332"/>
+          </a:xfrm>
+          <a:prstGeom prst="rect">
+            <a:avLst/>
+          </a:prstGeom>
+          <a:noFill/>
+        </p:spPr>
+        <p:txBody>
+          <a:bodyPr wrap="none" rtlCol="0">
+            <a:spAutoFit/>
+          </a:bodyPr>
+          <a:lstStyle/>
+          <a:p>
+            <a:r>
+              <a:rPr kumimoji="1" lang="en-US" altLang="ja-JP"/>
+              <a:t>1</a:t>
+            </a:r>
+            <a:endParaRPr kumimoji="1" lang="ja-JP" altLang="en-US"/>
+          </a:p>
+        </p:txBody>
+      </p:sp>
+      <mc:AlternateContent xmlns:mc="http://schemas.openxmlformats.org/markup-compatibility/2006">
+        <mc:Choice xmlns:a14="http://schemas.microsoft.com/office/drawing/2010/main" Requires="a14">
+          <p:sp>
+            <p:nvSpPr>
+              <p:cNvPr id="60" name="テキスト ボックス 59">
+                <a:extLst>
+                  <a:ext uri="{FF2B5EF4-FFF2-40B4-BE49-F238E27FC236}">
+                    <a16:creationId xmlns:a16="http://schemas.microsoft.com/office/drawing/2014/main" id="{2C990B2E-28FF-234D-926C-72E051775BD7}"/>
+                  </a:ext>
+                </a:extLst>
+              </p:cNvPr>
+              <p:cNvSpPr txBox="1"/>
+              <p:nvPr/>
+            </p:nvSpPr>
+            <p:spPr>
+              <a:xfrm>
+                <a:off x="1259632" y="1412776"/>
+                <a:ext cx="458267" cy="358431"/>
+              </a:xfrm>
+              <a:prstGeom prst="rect">
+                <a:avLst/>
+              </a:prstGeom>
+              <a:noFill/>
+            </p:spPr>
+            <p:txBody>
+              <a:bodyPr wrap="none" lIns="0" tIns="0" rIns="0" bIns="0" rtlCol="0">
+                <a:spAutoFit/>
+              </a:bodyPr>
+              <a:lstStyle/>
+              <a:p>
+                <a14:m>
+                  <m:oMathPara xmlns:m="http://schemas.openxmlformats.org/officeDocument/2006/math">
+                    <m:oMathParaPr>
+                      <m:jc m:val="centerGroup"/>
+                    </m:oMathParaPr>
+                    <m:oMath xmlns:m="http://schemas.openxmlformats.org/officeDocument/2006/math">
+                      <m:sSubSup>
+                        <m:sSubSupPr>
+                          <m:ctrlPr>
+                            <a:rPr kumimoji="1" lang="en-US" altLang="ja-JP" i="1">
+                              <a:latin typeface="Cambria Math" panose="02040503050406030204" pitchFamily="18" charset="0"/>
+                            </a:rPr>
+                          </m:ctrlPr>
+                        </m:sSubSupPr>
+                        <m:e>
+                          <m:r>
+                            <a:rPr kumimoji="1" lang="en-US" altLang="ja-JP" b="0" i="1">
+                              <a:latin typeface="Cambria Math" panose="02040503050406030204" pitchFamily="18" charset="0"/>
+                            </a:rPr>
+                            <m:t>𝑉</m:t>
+                          </m:r>
+                        </m:e>
+                        <m:sub>
+                          <m:r>
+                            <a:rPr kumimoji="1" lang="en-US" altLang="ja-JP" b="0" i="1">
+                              <a:latin typeface="Cambria Math" panose="02040503050406030204" pitchFamily="18" charset="0"/>
+                            </a:rPr>
+                            <m:t>1</m:t>
+                          </m:r>
+                        </m:sub>
+                        <m:sup>
+                          <m:r>
+                            <a:rPr kumimoji="1" lang="en-US" altLang="ja-JP" b="0" i="1">
+                              <a:latin typeface="Cambria Math" panose="02040503050406030204" pitchFamily="18" charset="0"/>
+                            </a:rPr>
+                            <m:t>(0)</m:t>
+                          </m:r>
+                        </m:sup>
+                      </m:sSubSup>
+                    </m:oMath>
+                  </m:oMathPara>
+                </a14:m>
+                <a:endParaRPr kumimoji="1" lang="ja-JP" altLang="en-US"/>
+              </a:p>
+            </p:txBody>
+          </p:sp>
+        </mc:Choice>
+        <mc:Fallback>
+          <p:sp>
+            <p:nvSpPr>
+              <p:cNvPr id="60" name="テキスト ボックス 59">
+                <a:extLst>
+                  <a:ext uri="{FF2B5EF4-FFF2-40B4-BE49-F238E27FC236}">
+                    <a16:creationId xmlns:a16="http://schemas.microsoft.com/office/drawing/2014/main" id="{2C990B2E-28FF-234D-926C-72E051775BD7}"/>
+                  </a:ext>
+                </a:extLst>
+              </p:cNvPr>
+              <p:cNvSpPr txBox="1">
+                <a:spLocks noRot="1" noChangeAspect="1" noMove="1" noResize="1" noEditPoints="1" noAdjustHandles="1" noChangeArrowheads="1" noChangeShapeType="1" noTextEdit="1"/>
+              </p:cNvSpPr>
+              <p:nvPr/>
+            </p:nvSpPr>
+            <p:spPr>
+              <a:xfrm>
+                <a:off x="1259632" y="1412776"/>
+                <a:ext cx="458267" cy="358431"/>
+              </a:xfrm>
+              <a:prstGeom prst="rect">
+                <a:avLst/>
+              </a:prstGeom>
+              <a:blipFill>
+                <a:blip r:embed="rId3"/>
+                <a:stretch>
+                  <a:fillRect l="-8108" t="-3448" r="-10811" b="-13793"/>
+                </a:stretch>
+              </a:blipFill>
+            </p:spPr>
+            <p:txBody>
+              <a:bodyPr/>
+              <a:lstStyle/>
+              <a:p>
+                <a:r>
+                  <a:rPr lang="ja-JP" altLang="en-US">
+                    <a:noFill/>
+                  </a:rPr>
+                  <a:t> </a:t>
+                </a:r>
+              </a:p>
+            </p:txBody>
+          </p:sp>
+        </mc:Fallback>
+      </mc:AlternateContent>
+      <p:sp>
+        <p:nvSpPr>
+          <p:cNvPr id="61" name="二等辺三角形 22">
+            <a:extLst>
+              <a:ext uri="{FF2B5EF4-FFF2-40B4-BE49-F238E27FC236}">
+                <a16:creationId xmlns:a16="http://schemas.microsoft.com/office/drawing/2014/main" id="{9E342D9E-56AE-F947-B05D-04B4B63AA343}"/>
+              </a:ext>
+            </a:extLst>
+          </p:cNvPr>
+          <p:cNvSpPr/>
+          <p:nvPr/>
+        </p:nvSpPr>
+        <p:spPr>
+          <a:xfrm rot="5400000">
+            <a:off x="2591780" y="800708"/>
+            <a:ext cx="720080" cy="360040"/>
+          </a:xfrm>
+          <a:prstGeom prst="triangle">
+            <a:avLst/>
+          </a:prstGeom>
+          <a:solidFill>
+            <a:schemeClr val="accent2">
+              <a:lumMod val="40000"/>
+              <a:lumOff val="60000"/>
+            </a:schemeClr>
+          </a:solidFill>
+          <a:ln>
+            <a:solidFill>
+              <a:schemeClr val="tx1"/>
+            </a:solidFill>
+          </a:ln>
+        </p:spPr>
+        <p:style>
+          <a:lnRef idx="2">
+            <a:schemeClr val="accent1">
+              <a:shade val="50000"/>
+            </a:schemeClr>
+          </a:lnRef>
+          <a:fillRef idx="1">
+            <a:schemeClr val="accent1"/>
+          </a:fillRef>
+          <a:effectRef idx="0">
+            <a:schemeClr val="accent1"/>
+          </a:effectRef>
+          <a:fontRef idx="minor">
+            <a:schemeClr val="lt1"/>
+          </a:fontRef>
+        </p:style>
+        <p:txBody>
+          <a:bodyPr rtlCol="0" anchor="ctr"/>
+          <a:lstStyle/>
+          <a:p>
+            <a:pPr algn="ctr"/>
+            <a:endParaRPr kumimoji="1" lang="ja-JP" altLang="en-US"/>
+          </a:p>
+        </p:txBody>
+      </p:sp>
+      <p:sp>
+        <p:nvSpPr>
+          <p:cNvPr id="62" name="正方形/長方形 61">
+            <a:extLst>
+              <a:ext uri="{FF2B5EF4-FFF2-40B4-BE49-F238E27FC236}">
+                <a16:creationId xmlns:a16="http://schemas.microsoft.com/office/drawing/2014/main" id="{BF6B85C8-6E54-1B4A-B6F1-4C64B3C12B18}"/>
+              </a:ext>
+            </a:extLst>
+          </p:cNvPr>
+          <p:cNvSpPr/>
+          <p:nvPr/>
+        </p:nvSpPr>
+        <p:spPr>
+          <a:xfrm rot="10800000">
+            <a:off x="2411760" y="908720"/>
+            <a:ext cx="360040" cy="144016"/>
+          </a:xfrm>
+          <a:prstGeom prst="rect">
+            <a:avLst/>
+          </a:prstGeom>
+          <a:solidFill>
+            <a:schemeClr val="tx1"/>
+          </a:solidFill>
+          <a:ln>
+            <a:solidFill>
+              <a:schemeClr val="tx1"/>
+            </a:solidFill>
+          </a:ln>
+        </p:spPr>
+        <p:style>
+          <a:lnRef idx="2">
+            <a:schemeClr val="accent1">
+              <a:shade val="50000"/>
+            </a:schemeClr>
+          </a:lnRef>
+          <a:fillRef idx="1">
+            <a:schemeClr val="accent1"/>
+          </a:fillRef>
+          <a:effectRef idx="0">
+            <a:schemeClr val="accent1"/>
+          </a:effectRef>
+          <a:fontRef idx="minor">
+            <a:schemeClr val="lt1"/>
+          </a:fontRef>
+        </p:style>
+        <p:txBody>
+          <a:bodyPr rtlCol="0" anchor="ctr"/>
+          <a:lstStyle/>
+          <a:p>
+            <a:pPr algn="ctr"/>
+            <a:endParaRPr kumimoji="1" lang="ja-JP" altLang="en-US"/>
+          </a:p>
+        </p:txBody>
+      </p:sp>
+      <p:sp>
+        <p:nvSpPr>
+          <p:cNvPr id="63" name="テキスト ボックス 62">
+            <a:extLst>
+              <a:ext uri="{FF2B5EF4-FFF2-40B4-BE49-F238E27FC236}">
+                <a16:creationId xmlns:a16="http://schemas.microsoft.com/office/drawing/2014/main" id="{9C0815BE-CF8B-D44A-8360-399DABD15BB6}"/>
+              </a:ext>
+            </a:extLst>
+          </p:cNvPr>
+          <p:cNvSpPr txBox="1"/>
+          <p:nvPr/>
+        </p:nvSpPr>
+        <p:spPr>
+          <a:xfrm>
+            <a:off x="2758146" y="827420"/>
+            <a:ext cx="301686" cy="369332"/>
+          </a:xfrm>
+          <a:prstGeom prst="rect">
+            <a:avLst/>
+          </a:prstGeom>
+          <a:noFill/>
+        </p:spPr>
+        <p:txBody>
+          <a:bodyPr wrap="none" rtlCol="0">
+            <a:spAutoFit/>
+          </a:bodyPr>
+          <a:lstStyle/>
+          <a:p>
+            <a:r>
+              <a:rPr kumimoji="1" lang="en-US" altLang="ja-JP"/>
+              <a:t>2</a:t>
+            </a:r>
+            <a:endParaRPr kumimoji="1" lang="ja-JP" altLang="en-US"/>
+          </a:p>
+        </p:txBody>
+      </p:sp>
+      <mc:AlternateContent xmlns:mc="http://schemas.openxmlformats.org/markup-compatibility/2006">
+        <mc:Choice xmlns:a14="http://schemas.microsoft.com/office/drawing/2010/main" Requires="a14">
+          <p:sp>
+            <p:nvSpPr>
+              <p:cNvPr id="64" name="テキスト ボックス 63">
+                <a:extLst>
+                  <a:ext uri="{FF2B5EF4-FFF2-40B4-BE49-F238E27FC236}">
+                    <a16:creationId xmlns:a16="http://schemas.microsoft.com/office/drawing/2014/main" id="{9C5328A8-EC05-2E47-9F19-030E38D6BA30}"/>
+                  </a:ext>
+                </a:extLst>
+              </p:cNvPr>
+              <p:cNvSpPr txBox="1"/>
+              <p:nvPr/>
+            </p:nvSpPr>
+            <p:spPr>
+              <a:xfrm>
+                <a:off x="2555776" y="1412776"/>
+                <a:ext cx="458267" cy="358431"/>
+              </a:xfrm>
+              <a:prstGeom prst="rect">
+                <a:avLst/>
+              </a:prstGeom>
+              <a:noFill/>
+            </p:spPr>
+            <p:txBody>
+              <a:bodyPr wrap="none" lIns="0" tIns="0" rIns="0" bIns="0" rtlCol="0">
+                <a:spAutoFit/>
+              </a:bodyPr>
+              <a:lstStyle/>
+              <a:p>
+                <a14:m>
+                  <m:oMathPara xmlns:m="http://schemas.openxmlformats.org/officeDocument/2006/math">
+                    <m:oMathParaPr>
+                      <m:jc m:val="centerGroup"/>
+                    </m:oMathParaPr>
+                    <m:oMath xmlns:m="http://schemas.openxmlformats.org/officeDocument/2006/math">
+                      <m:sSubSup>
+                        <m:sSubSupPr>
+                          <m:ctrlPr>
+                            <a:rPr kumimoji="1" lang="en-US" altLang="ja-JP" i="1">
+                              <a:latin typeface="Cambria Math" panose="02040503050406030204" pitchFamily="18" charset="0"/>
+                            </a:rPr>
+                          </m:ctrlPr>
+                        </m:sSubSupPr>
+                        <m:e>
+                          <m:r>
+                            <a:rPr kumimoji="1" lang="en-US" altLang="ja-JP" b="0" i="1">
+                              <a:latin typeface="Cambria Math" panose="02040503050406030204" pitchFamily="18" charset="0"/>
+                            </a:rPr>
+                            <m:t>𝑉</m:t>
+                          </m:r>
+                        </m:e>
+                        <m:sub>
+                          <m:r>
+                            <a:rPr kumimoji="1" lang="en-US" altLang="ja-JP" b="0" i="1">
+                              <a:latin typeface="Cambria Math" panose="02040503050406030204" pitchFamily="18" charset="0"/>
+                            </a:rPr>
+                            <m:t>2</m:t>
+                          </m:r>
+                        </m:sub>
+                        <m:sup>
+                          <m:r>
+                            <a:rPr kumimoji="1" lang="en-US" altLang="ja-JP" b="0" i="1">
+                              <a:latin typeface="Cambria Math" panose="02040503050406030204" pitchFamily="18" charset="0"/>
+                            </a:rPr>
+                            <m:t>(0)</m:t>
+                          </m:r>
+                        </m:sup>
+                      </m:sSubSup>
+                    </m:oMath>
+                  </m:oMathPara>
+                </a14:m>
+                <a:endParaRPr kumimoji="1" lang="ja-JP" altLang="en-US"/>
+              </a:p>
+            </p:txBody>
+          </p:sp>
+        </mc:Choice>
+        <mc:Fallback>
+          <p:sp>
+            <p:nvSpPr>
+              <p:cNvPr id="64" name="テキスト ボックス 63">
+                <a:extLst>
+                  <a:ext uri="{FF2B5EF4-FFF2-40B4-BE49-F238E27FC236}">
+                    <a16:creationId xmlns:a16="http://schemas.microsoft.com/office/drawing/2014/main" id="{9C5328A8-EC05-2E47-9F19-030E38D6BA30}"/>
+                  </a:ext>
+                </a:extLst>
+              </p:cNvPr>
+              <p:cNvSpPr txBox="1">
+                <a:spLocks noRot="1" noChangeAspect="1" noMove="1" noResize="1" noEditPoints="1" noAdjustHandles="1" noChangeArrowheads="1" noChangeShapeType="1" noTextEdit="1"/>
+              </p:cNvSpPr>
+              <p:nvPr/>
+            </p:nvSpPr>
+            <p:spPr>
+              <a:xfrm>
+                <a:off x="2555776" y="1412776"/>
+                <a:ext cx="458267" cy="358431"/>
+              </a:xfrm>
+              <a:prstGeom prst="rect">
+                <a:avLst/>
+              </a:prstGeom>
+              <a:blipFill>
+                <a:blip r:embed="rId4"/>
+                <a:stretch>
+                  <a:fillRect l="-8108" t="-3448" r="-8108" b="-13793"/>
+                </a:stretch>
+              </a:blipFill>
+            </p:spPr>
+            <p:txBody>
+              <a:bodyPr/>
+              <a:lstStyle/>
+              <a:p>
+                <a:r>
+                  <a:rPr lang="ja-JP" altLang="en-US">
+                    <a:noFill/>
+                  </a:rPr>
+                  <a:t> </a:t>
+                </a:r>
+              </a:p>
+            </p:txBody>
+          </p:sp>
+        </mc:Fallback>
+      </mc:AlternateContent>
+      <p:sp>
+        <p:nvSpPr>
+          <p:cNvPr id="65" name="二等辺三角形 22">
+            <a:extLst>
+              <a:ext uri="{FF2B5EF4-FFF2-40B4-BE49-F238E27FC236}">
+                <a16:creationId xmlns:a16="http://schemas.microsoft.com/office/drawing/2014/main" id="{D582A22A-038E-AF4C-B22B-3218E0FFD6DD}"/>
+              </a:ext>
+            </a:extLst>
+          </p:cNvPr>
+          <p:cNvSpPr/>
+          <p:nvPr/>
+        </p:nvSpPr>
+        <p:spPr>
+          <a:xfrm rot="5400000">
+            <a:off x="3887924" y="800708"/>
+            <a:ext cx="720080" cy="360040"/>
+          </a:xfrm>
+          <a:prstGeom prst="triangle">
+            <a:avLst/>
+          </a:prstGeom>
+          <a:solidFill>
+            <a:schemeClr val="accent2">
+              <a:lumMod val="40000"/>
+              <a:lumOff val="60000"/>
+            </a:schemeClr>
+          </a:solidFill>
+          <a:ln>
+            <a:solidFill>
+              <a:schemeClr val="tx1"/>
+            </a:solidFill>
+          </a:ln>
+        </p:spPr>
+        <p:style>
+          <a:lnRef idx="2">
+            <a:schemeClr val="accent1">
+              <a:shade val="50000"/>
+            </a:schemeClr>
+          </a:lnRef>
+          <a:fillRef idx="1">
+            <a:schemeClr val="accent1"/>
+          </a:fillRef>
+          <a:effectRef idx="0">
+            <a:schemeClr val="accent1"/>
+          </a:effectRef>
+          <a:fontRef idx="minor">
+            <a:schemeClr val="lt1"/>
+          </a:fontRef>
+        </p:style>
+        <p:txBody>
+          <a:bodyPr rtlCol="0" anchor="ctr"/>
+          <a:lstStyle/>
+          <a:p>
+            <a:pPr algn="ctr"/>
+            <a:endParaRPr kumimoji="1" lang="ja-JP" altLang="en-US"/>
+          </a:p>
+        </p:txBody>
+      </p:sp>
+      <p:sp>
+        <p:nvSpPr>
+          <p:cNvPr id="66" name="正方形/長方形 65">
+            <a:extLst>
+              <a:ext uri="{FF2B5EF4-FFF2-40B4-BE49-F238E27FC236}">
+                <a16:creationId xmlns:a16="http://schemas.microsoft.com/office/drawing/2014/main" id="{FDDBA510-0F7C-9C4B-91C9-CFC613022D56}"/>
+              </a:ext>
+            </a:extLst>
+          </p:cNvPr>
+          <p:cNvSpPr/>
+          <p:nvPr/>
+        </p:nvSpPr>
+        <p:spPr>
+          <a:xfrm rot="10800000">
+            <a:off x="3707904" y="908720"/>
+            <a:ext cx="360040" cy="144016"/>
+          </a:xfrm>
+          <a:prstGeom prst="rect">
+            <a:avLst/>
+          </a:prstGeom>
+          <a:solidFill>
+            <a:schemeClr val="tx1"/>
+          </a:solidFill>
+          <a:ln>
+            <a:solidFill>
+              <a:schemeClr val="tx1"/>
+            </a:solidFill>
+          </a:ln>
+        </p:spPr>
+        <p:style>
+          <a:lnRef idx="2">
+            <a:schemeClr val="accent1">
+              <a:shade val="50000"/>
+            </a:schemeClr>
+          </a:lnRef>
+          <a:fillRef idx="1">
+            <a:schemeClr val="accent1"/>
+          </a:fillRef>
+          <a:effectRef idx="0">
+            <a:schemeClr val="accent1"/>
+          </a:effectRef>
+          <a:fontRef idx="minor">
+            <a:schemeClr val="lt1"/>
+          </a:fontRef>
+        </p:style>
+        <p:txBody>
+          <a:bodyPr rtlCol="0" anchor="ctr"/>
+          <a:lstStyle/>
+          <a:p>
+            <a:pPr algn="ctr"/>
+            <a:endParaRPr kumimoji="1" lang="ja-JP" altLang="en-US"/>
+          </a:p>
+        </p:txBody>
+      </p:sp>
+      <p:sp>
+        <p:nvSpPr>
+          <p:cNvPr id="67" name="テキスト ボックス 66">
+            <a:extLst>
+              <a:ext uri="{FF2B5EF4-FFF2-40B4-BE49-F238E27FC236}">
+                <a16:creationId xmlns:a16="http://schemas.microsoft.com/office/drawing/2014/main" id="{A7F23A5B-BDA4-9343-A1F3-7E1077A59964}"/>
+              </a:ext>
+            </a:extLst>
+          </p:cNvPr>
+          <p:cNvSpPr txBox="1"/>
+          <p:nvPr/>
+        </p:nvSpPr>
+        <p:spPr>
+          <a:xfrm>
+            <a:off x="4054290" y="827420"/>
+            <a:ext cx="301686" cy="369332"/>
+          </a:xfrm>
+          <a:prstGeom prst="rect">
+            <a:avLst/>
+          </a:prstGeom>
+          <a:noFill/>
+        </p:spPr>
+        <p:txBody>
+          <a:bodyPr wrap="none" rtlCol="0">
+            <a:spAutoFit/>
+          </a:bodyPr>
+          <a:lstStyle/>
+          <a:p>
+            <a:r>
+              <a:rPr kumimoji="1" lang="en-US" altLang="ja-JP"/>
+              <a:t>3</a:t>
+            </a:r>
+            <a:endParaRPr kumimoji="1" lang="ja-JP" altLang="en-US"/>
+          </a:p>
+        </p:txBody>
+      </p:sp>
+      <mc:AlternateContent xmlns:mc="http://schemas.openxmlformats.org/markup-compatibility/2006">
+        <mc:Choice xmlns:a14="http://schemas.microsoft.com/office/drawing/2010/main" Requires="a14">
+          <p:sp>
+            <p:nvSpPr>
+              <p:cNvPr id="68" name="テキスト ボックス 67">
+                <a:extLst>
+                  <a:ext uri="{FF2B5EF4-FFF2-40B4-BE49-F238E27FC236}">
+                    <a16:creationId xmlns:a16="http://schemas.microsoft.com/office/drawing/2014/main" id="{284EA271-91CC-B949-BD49-11EB57F4299F}"/>
+                  </a:ext>
+                </a:extLst>
+              </p:cNvPr>
+              <p:cNvSpPr txBox="1"/>
+              <p:nvPr/>
+            </p:nvSpPr>
+            <p:spPr>
+              <a:xfrm>
+                <a:off x="3851920" y="1412776"/>
+                <a:ext cx="458267" cy="358431"/>
+              </a:xfrm>
+              <a:prstGeom prst="rect">
+                <a:avLst/>
+              </a:prstGeom>
+              <a:noFill/>
+            </p:spPr>
+            <p:txBody>
+              <a:bodyPr wrap="none" lIns="0" tIns="0" rIns="0" bIns="0" rtlCol="0">
+                <a:spAutoFit/>
+              </a:bodyPr>
+              <a:lstStyle/>
+              <a:p>
+                <a14:m>
+                  <m:oMathPara xmlns:m="http://schemas.openxmlformats.org/officeDocument/2006/math">
+                    <m:oMathParaPr>
+                      <m:jc m:val="centerGroup"/>
+                    </m:oMathParaPr>
+                    <m:oMath xmlns:m="http://schemas.openxmlformats.org/officeDocument/2006/math">
+                      <m:sSubSup>
+                        <m:sSubSupPr>
+                          <m:ctrlPr>
+                            <a:rPr kumimoji="1" lang="en-US" altLang="ja-JP" i="1">
+                              <a:latin typeface="Cambria Math" panose="02040503050406030204" pitchFamily="18" charset="0"/>
+                            </a:rPr>
+                          </m:ctrlPr>
+                        </m:sSubSupPr>
+                        <m:e>
+                          <m:r>
+                            <a:rPr kumimoji="1" lang="en-US" altLang="ja-JP" b="0" i="1">
+                              <a:latin typeface="Cambria Math" panose="02040503050406030204" pitchFamily="18" charset="0"/>
+                            </a:rPr>
+                            <m:t>𝑉</m:t>
+                          </m:r>
+                        </m:e>
+                        <m:sub>
+                          <m:r>
+                            <a:rPr kumimoji="1" lang="en-US" altLang="ja-JP" b="0" i="1">
+                              <a:latin typeface="Cambria Math" panose="02040503050406030204" pitchFamily="18" charset="0"/>
+                            </a:rPr>
+                            <m:t>3</m:t>
+                          </m:r>
+                        </m:sub>
+                        <m:sup>
+                          <m:r>
+                            <a:rPr kumimoji="1" lang="en-US" altLang="ja-JP" b="0" i="1">
+                              <a:latin typeface="Cambria Math" panose="02040503050406030204" pitchFamily="18" charset="0"/>
+                            </a:rPr>
+                            <m:t>(0)</m:t>
+                          </m:r>
+                        </m:sup>
+                      </m:sSubSup>
+                    </m:oMath>
+                  </m:oMathPara>
+                </a14:m>
+                <a:endParaRPr kumimoji="1" lang="ja-JP" altLang="en-US"/>
+              </a:p>
+            </p:txBody>
+          </p:sp>
+        </mc:Choice>
+        <mc:Fallback>
+          <p:sp>
+            <p:nvSpPr>
+              <p:cNvPr id="68" name="テキスト ボックス 67">
+                <a:extLst>
+                  <a:ext uri="{FF2B5EF4-FFF2-40B4-BE49-F238E27FC236}">
+                    <a16:creationId xmlns:a16="http://schemas.microsoft.com/office/drawing/2014/main" id="{284EA271-91CC-B949-BD49-11EB57F4299F}"/>
+                  </a:ext>
+                </a:extLst>
+              </p:cNvPr>
+              <p:cNvSpPr txBox="1">
+                <a:spLocks noRot="1" noChangeAspect="1" noMove="1" noResize="1" noEditPoints="1" noAdjustHandles="1" noChangeArrowheads="1" noChangeShapeType="1" noTextEdit="1"/>
+              </p:cNvSpPr>
+              <p:nvPr/>
+            </p:nvSpPr>
+            <p:spPr>
+              <a:xfrm>
+                <a:off x="3851920" y="1412776"/>
+                <a:ext cx="458267" cy="358431"/>
+              </a:xfrm>
+              <a:prstGeom prst="rect">
+                <a:avLst/>
+              </a:prstGeom>
+              <a:blipFill>
+                <a:blip r:embed="rId5"/>
+                <a:stretch>
+                  <a:fillRect l="-8108" t="-3448" r="-10811" b="-13793"/>
+                </a:stretch>
+              </a:blipFill>
+            </p:spPr>
+            <p:txBody>
+              <a:bodyPr/>
+              <a:lstStyle/>
+              <a:p>
+                <a:r>
+                  <a:rPr lang="ja-JP" altLang="en-US">
+                    <a:noFill/>
+                  </a:rPr>
+                  <a:t> </a:t>
+                </a:r>
+              </a:p>
+            </p:txBody>
+          </p:sp>
+        </mc:Fallback>
+      </mc:AlternateContent>
+      <p:sp>
+        <p:nvSpPr>
+          <p:cNvPr id="69" name="テキスト ボックス 68">
+            <a:extLst>
+              <a:ext uri="{FF2B5EF4-FFF2-40B4-BE49-F238E27FC236}">
+                <a16:creationId xmlns:a16="http://schemas.microsoft.com/office/drawing/2014/main" id="{58208F59-1DF9-8140-A3BA-2C1CEA8467A2}"/>
+              </a:ext>
+            </a:extLst>
+          </p:cNvPr>
+          <p:cNvSpPr txBox="1"/>
+          <p:nvPr/>
+        </p:nvSpPr>
+        <p:spPr>
+          <a:xfrm>
+            <a:off x="395536" y="116632"/>
+            <a:ext cx="5493812" cy="369332"/>
+          </a:xfrm>
+          <a:prstGeom prst="rect">
+            <a:avLst/>
+          </a:prstGeom>
+          <a:noFill/>
+        </p:spPr>
+        <p:txBody>
+          <a:bodyPr wrap="none" rtlCol="0">
+            <a:spAutoFit/>
+          </a:bodyPr>
+          <a:lstStyle/>
+          <a:p>
+            <a:r>
+              <a:rPr kumimoji="1" lang="ja-JP" altLang="en-US"/>
+              <a:t>それぞれの足の圧縮行列をランダムに用意しておく</a:t>
+            </a:r>
+          </a:p>
+        </p:txBody>
+      </p:sp>
+      <mc:AlternateContent xmlns:mc="http://schemas.openxmlformats.org/markup-compatibility/2006">
+        <mc:Choice xmlns:a14="http://schemas.microsoft.com/office/drawing/2010/main" Requires="a14">
+          <p:sp>
+            <p:nvSpPr>
+              <p:cNvPr id="70" name="テキスト ボックス 69">
+                <a:extLst>
+                  <a:ext uri="{FF2B5EF4-FFF2-40B4-BE49-F238E27FC236}">
+                    <a16:creationId xmlns:a16="http://schemas.microsoft.com/office/drawing/2014/main" id="{8CBE0B98-5840-644E-A443-9FEF8005B2CA}"/>
+                  </a:ext>
+                </a:extLst>
+              </p:cNvPr>
+              <p:cNvSpPr txBox="1"/>
+              <p:nvPr/>
+            </p:nvSpPr>
+            <p:spPr>
+              <a:xfrm>
+                <a:off x="4644008" y="4941168"/>
+                <a:ext cx="458267" cy="358431"/>
+              </a:xfrm>
+              <a:prstGeom prst="rect">
+                <a:avLst/>
+              </a:prstGeom>
+              <a:noFill/>
+            </p:spPr>
+            <p:txBody>
+              <a:bodyPr wrap="none" lIns="0" tIns="0" rIns="0" bIns="0" rtlCol="0">
+                <a:spAutoFit/>
+              </a:bodyPr>
+              <a:lstStyle/>
+              <a:p>
+                <a14:m>
+                  <m:oMathPara xmlns:m="http://schemas.openxmlformats.org/officeDocument/2006/math">
+                    <m:oMathParaPr>
+                      <m:jc m:val="centerGroup"/>
+                    </m:oMathParaPr>
+                    <m:oMath xmlns:m="http://schemas.openxmlformats.org/officeDocument/2006/math">
+                      <m:sSubSup>
+                        <m:sSubSupPr>
+                          <m:ctrlPr>
+                            <a:rPr kumimoji="1" lang="en-US" altLang="ja-JP" i="1">
+                              <a:latin typeface="Cambria Math" panose="02040503050406030204" pitchFamily="18" charset="0"/>
+                            </a:rPr>
+                          </m:ctrlPr>
+                        </m:sSubSupPr>
+                        <m:e>
+                          <m:r>
+                            <a:rPr kumimoji="1" lang="en-US" altLang="ja-JP" b="0" i="1">
+                              <a:latin typeface="Cambria Math" panose="02040503050406030204" pitchFamily="18" charset="0"/>
+                            </a:rPr>
+                            <m:t>𝑉</m:t>
+                          </m:r>
+                        </m:e>
+                        <m:sub>
+                          <m:r>
+                            <a:rPr kumimoji="1" lang="en-US" altLang="ja-JP" b="0" i="1">
+                              <a:latin typeface="Cambria Math" panose="02040503050406030204" pitchFamily="18" charset="0"/>
+                            </a:rPr>
+                            <m:t>1</m:t>
+                          </m:r>
+                        </m:sub>
+                        <m:sup>
+                          <m:r>
+                            <a:rPr kumimoji="1" lang="en-US" altLang="ja-JP" b="0" i="1">
+                              <a:latin typeface="Cambria Math" panose="02040503050406030204" pitchFamily="18" charset="0"/>
+                            </a:rPr>
+                            <m:t>(1)</m:t>
+                          </m:r>
+                        </m:sup>
+                      </m:sSubSup>
+                    </m:oMath>
+                  </m:oMathPara>
+                </a14:m>
+                <a:endParaRPr kumimoji="1" lang="ja-JP" altLang="en-US"/>
+              </a:p>
+            </p:txBody>
+          </p:sp>
+        </mc:Choice>
+        <mc:Fallback>
+          <p:sp>
+            <p:nvSpPr>
+              <p:cNvPr id="70" name="テキスト ボックス 69">
+                <a:extLst>
+                  <a:ext uri="{FF2B5EF4-FFF2-40B4-BE49-F238E27FC236}">
+                    <a16:creationId xmlns:a16="http://schemas.microsoft.com/office/drawing/2014/main" id="{8CBE0B98-5840-644E-A443-9FEF8005B2CA}"/>
+                  </a:ext>
+                </a:extLst>
+              </p:cNvPr>
+              <p:cNvSpPr txBox="1">
+                <a:spLocks noRot="1" noChangeAspect="1" noMove="1" noResize="1" noEditPoints="1" noAdjustHandles="1" noChangeArrowheads="1" noChangeShapeType="1" noTextEdit="1"/>
+              </p:cNvSpPr>
+              <p:nvPr/>
+            </p:nvSpPr>
+            <p:spPr>
+              <a:xfrm>
+                <a:off x="4644008" y="4941168"/>
+                <a:ext cx="458267" cy="358431"/>
+              </a:xfrm>
+              <a:prstGeom prst="rect">
+                <a:avLst/>
+              </a:prstGeom>
+              <a:blipFill>
+                <a:blip r:embed="rId6"/>
+                <a:stretch>
+                  <a:fillRect l="-10811" t="-3448" r="-8108" b="-13793"/>
+                </a:stretch>
+              </a:blipFill>
+            </p:spPr>
+            <p:txBody>
+              <a:bodyPr/>
+              <a:lstStyle/>
+              <a:p>
+                <a:r>
+                  <a:rPr lang="ja-JP" altLang="en-US">
+                    <a:noFill/>
+                  </a:rPr>
+                  <a:t> </a:t>
+                </a:r>
+              </a:p>
+            </p:txBody>
+          </p:sp>
+        </mc:Fallback>
+      </mc:AlternateContent>
+      <p:cxnSp>
+        <p:nvCxnSpPr>
+          <p:cNvPr id="84" name="直線コネクタ 83">
+            <a:extLst>
+              <a:ext uri="{FF2B5EF4-FFF2-40B4-BE49-F238E27FC236}">
+                <a16:creationId xmlns:a16="http://schemas.microsoft.com/office/drawing/2014/main" id="{34E097FB-BC61-BC4E-9931-FA299D42FDE2}"/>
+              </a:ext>
+            </a:extLst>
+          </p:cNvPr>
+          <p:cNvCxnSpPr/>
+          <p:nvPr/>
+        </p:nvCxnSpPr>
+        <p:spPr>
+          <a:xfrm flipH="1">
+            <a:off x="1835696" y="980728"/>
+            <a:ext cx="360040" cy="0"/>
+          </a:xfrm>
+          <a:prstGeom prst="line">
+            <a:avLst/>
+          </a:prstGeom>
+          <a:ln w="12700">
+            <a:solidFill>
+              <a:schemeClr val="tx1"/>
+            </a:solidFill>
+          </a:ln>
+        </p:spPr>
+        <p:style>
+          <a:lnRef idx="1">
+            <a:schemeClr val="accent1"/>
+          </a:lnRef>
+          <a:fillRef idx="0">
+            <a:schemeClr val="accent1"/>
+          </a:fillRef>
+          <a:effectRef idx="0">
+            <a:schemeClr val="accent1"/>
+          </a:effectRef>
+          <a:fontRef idx="minor">
+            <a:schemeClr val="tx1"/>
+          </a:fontRef>
+        </p:style>
+      </p:cxnSp>
+      <p:cxnSp>
+        <p:nvCxnSpPr>
+          <p:cNvPr id="85" name="直線コネクタ 84">
+            <a:extLst>
+              <a:ext uri="{FF2B5EF4-FFF2-40B4-BE49-F238E27FC236}">
+                <a16:creationId xmlns:a16="http://schemas.microsoft.com/office/drawing/2014/main" id="{55A2A7FA-D78A-5248-AD3E-7C38FBC82B5D}"/>
+              </a:ext>
+            </a:extLst>
+          </p:cNvPr>
+          <p:cNvCxnSpPr/>
+          <p:nvPr/>
+        </p:nvCxnSpPr>
+        <p:spPr>
+          <a:xfrm flipH="1">
+            <a:off x="3131840" y="980728"/>
+            <a:ext cx="360040" cy="0"/>
+          </a:xfrm>
+          <a:prstGeom prst="line">
+            <a:avLst/>
+          </a:prstGeom>
+          <a:ln w="12700">
+            <a:solidFill>
+              <a:schemeClr val="tx1"/>
+            </a:solidFill>
+          </a:ln>
+        </p:spPr>
+        <p:style>
+          <a:lnRef idx="1">
+            <a:schemeClr val="accent1"/>
+          </a:lnRef>
+          <a:fillRef idx="0">
+            <a:schemeClr val="accent1"/>
+          </a:fillRef>
+          <a:effectRef idx="0">
+            <a:schemeClr val="accent1"/>
+          </a:effectRef>
+          <a:fontRef idx="minor">
+            <a:schemeClr val="tx1"/>
+          </a:fontRef>
+        </p:style>
+      </p:cxnSp>
+      <p:cxnSp>
+        <p:nvCxnSpPr>
+          <p:cNvPr id="86" name="直線コネクタ 85">
+            <a:extLst>
+              <a:ext uri="{FF2B5EF4-FFF2-40B4-BE49-F238E27FC236}">
+                <a16:creationId xmlns:a16="http://schemas.microsoft.com/office/drawing/2014/main" id="{AC57E3EA-0D75-544F-81B0-1199E66CE755}"/>
+              </a:ext>
+            </a:extLst>
+          </p:cNvPr>
+          <p:cNvCxnSpPr/>
+          <p:nvPr/>
+        </p:nvCxnSpPr>
+        <p:spPr>
+          <a:xfrm flipH="1">
+            <a:off x="4427984" y="980728"/>
+            <a:ext cx="360040" cy="0"/>
+          </a:xfrm>
+          <a:prstGeom prst="line">
+            <a:avLst/>
+          </a:prstGeom>
+          <a:ln w="12700">
+            <a:solidFill>
+              <a:schemeClr val="tx1"/>
+            </a:solidFill>
+          </a:ln>
+        </p:spPr>
+        <p:style>
+          <a:lnRef idx="1">
+            <a:schemeClr val="accent1"/>
+          </a:lnRef>
+          <a:fillRef idx="0">
+            <a:schemeClr val="accent1"/>
+          </a:fillRef>
+          <a:effectRef idx="0">
+            <a:schemeClr val="accent1"/>
+          </a:effectRef>
+          <a:fontRef idx="minor">
+            <a:schemeClr val="tx1"/>
+          </a:fontRef>
+        </p:style>
+      </p:cxnSp>
+      <p:sp>
+        <p:nvSpPr>
+          <p:cNvPr id="89" name="右矢印 88">
+            <a:extLst>
+              <a:ext uri="{FF2B5EF4-FFF2-40B4-BE49-F238E27FC236}">
+                <a16:creationId xmlns:a16="http://schemas.microsoft.com/office/drawing/2014/main" id="{AD9902D1-BE18-C745-A585-6CF9EFCB3F3D}"/>
+              </a:ext>
+            </a:extLst>
+          </p:cNvPr>
+          <p:cNvSpPr/>
+          <p:nvPr/>
+        </p:nvSpPr>
+        <p:spPr>
+          <a:xfrm>
+            <a:off x="3419872" y="5805264"/>
+            <a:ext cx="360040" cy="268608"/>
+          </a:xfrm>
+          <a:prstGeom prst="rightArrow">
+            <a:avLst/>
+          </a:prstGeom>
+          <a:solidFill>
+            <a:srgbClr val="FF0000"/>
+          </a:solidFill>
+          <a:ln>
+            <a:solidFill>
+              <a:schemeClr val="tx1"/>
+            </a:solidFill>
+          </a:ln>
+        </p:spPr>
+        <p:style>
+          <a:lnRef idx="2">
+            <a:schemeClr val="accent1">
+              <a:shade val="50000"/>
+            </a:schemeClr>
+          </a:lnRef>
+          <a:fillRef idx="1">
+            <a:schemeClr val="accent1"/>
+          </a:fillRef>
+          <a:effectRef idx="0">
+            <a:schemeClr val="accent1"/>
+          </a:effectRef>
+          <a:fontRef idx="minor">
+            <a:schemeClr val="lt1"/>
+          </a:fontRef>
+        </p:style>
+        <p:txBody>
+          <a:bodyPr rtlCol="0" anchor="ctr"/>
+          <a:lstStyle/>
+          <a:p>
+            <a:pPr algn="ctr"/>
+            <a:endParaRPr kumimoji="1" lang="ja-JP" altLang="en-US"/>
+          </a:p>
+        </p:txBody>
+      </p:sp>
+      <p:sp>
+        <p:nvSpPr>
+          <p:cNvPr id="90" name="二等辺三角形 22">
+            <a:extLst>
+              <a:ext uri="{FF2B5EF4-FFF2-40B4-BE49-F238E27FC236}">
+                <a16:creationId xmlns:a16="http://schemas.microsoft.com/office/drawing/2014/main" id="{3FEB0F7F-C9BC-404B-8D22-CA14D006C7A0}"/>
+              </a:ext>
+            </a:extLst>
+          </p:cNvPr>
+          <p:cNvSpPr/>
+          <p:nvPr/>
+        </p:nvSpPr>
+        <p:spPr>
+          <a:xfrm rot="5400000">
+            <a:off x="2317402" y="5562528"/>
+            <a:ext cx="720080" cy="360040"/>
+          </a:xfrm>
+          <a:prstGeom prst="triangle">
+            <a:avLst/>
+          </a:prstGeom>
+          <a:solidFill>
+            <a:schemeClr val="accent2">
+              <a:lumMod val="40000"/>
+              <a:lumOff val="60000"/>
+            </a:schemeClr>
+          </a:solidFill>
+          <a:ln>
+            <a:solidFill>
+              <a:schemeClr val="tx1"/>
+            </a:solidFill>
+          </a:ln>
+        </p:spPr>
+        <p:style>
+          <a:lnRef idx="2">
+            <a:schemeClr val="accent1">
+              <a:shade val="50000"/>
+            </a:schemeClr>
+          </a:lnRef>
+          <a:fillRef idx="1">
+            <a:schemeClr val="accent1"/>
+          </a:fillRef>
+          <a:effectRef idx="0">
+            <a:schemeClr val="accent1"/>
+          </a:effectRef>
+          <a:fontRef idx="minor">
+            <a:schemeClr val="lt1"/>
+          </a:fontRef>
+        </p:style>
+        <p:txBody>
+          <a:bodyPr rtlCol="0" anchor="ctr"/>
+          <a:lstStyle/>
+          <a:p>
+            <a:pPr algn="ctr"/>
+            <a:endParaRPr kumimoji="1" lang="ja-JP" altLang="en-US"/>
+          </a:p>
+        </p:txBody>
+      </p:sp>
+      <p:sp>
+        <p:nvSpPr>
+          <p:cNvPr id="91" name="正方形/長方形 90">
+            <a:extLst>
+              <a:ext uri="{FF2B5EF4-FFF2-40B4-BE49-F238E27FC236}">
+                <a16:creationId xmlns:a16="http://schemas.microsoft.com/office/drawing/2014/main" id="{AF6E646D-1A73-7545-80F7-821A931E02E4}"/>
+              </a:ext>
+            </a:extLst>
+          </p:cNvPr>
+          <p:cNvSpPr/>
+          <p:nvPr/>
+        </p:nvSpPr>
+        <p:spPr>
+          <a:xfrm rot="10800000">
+            <a:off x="2137382" y="5670540"/>
+            <a:ext cx="360040" cy="144016"/>
+          </a:xfrm>
+          <a:prstGeom prst="rect">
+            <a:avLst/>
+          </a:prstGeom>
+          <a:solidFill>
+            <a:schemeClr val="tx1"/>
+          </a:solidFill>
+          <a:ln>
+            <a:solidFill>
+              <a:schemeClr val="tx1"/>
+            </a:solidFill>
+          </a:ln>
+        </p:spPr>
+        <p:style>
+          <a:lnRef idx="2">
+            <a:schemeClr val="accent1">
+              <a:shade val="50000"/>
+            </a:schemeClr>
+          </a:lnRef>
+          <a:fillRef idx="1">
+            <a:schemeClr val="accent1"/>
+          </a:fillRef>
+          <a:effectRef idx="0">
+            <a:schemeClr val="accent1"/>
+          </a:effectRef>
+          <a:fontRef idx="minor">
+            <a:schemeClr val="lt1"/>
+          </a:fontRef>
+        </p:style>
+        <p:txBody>
+          <a:bodyPr rtlCol="0" anchor="ctr"/>
+          <a:lstStyle/>
+          <a:p>
+            <a:pPr algn="ctr"/>
+            <a:endParaRPr kumimoji="1" lang="ja-JP" altLang="en-US"/>
+          </a:p>
+        </p:txBody>
+      </p:sp>
+      <p:sp>
+        <p:nvSpPr>
+          <p:cNvPr id="92" name="テキスト ボックス 91">
+            <a:extLst>
+              <a:ext uri="{FF2B5EF4-FFF2-40B4-BE49-F238E27FC236}">
+                <a16:creationId xmlns:a16="http://schemas.microsoft.com/office/drawing/2014/main" id="{FFCEB5DA-5F88-C947-8EDB-417B5B9DF150}"/>
+              </a:ext>
+            </a:extLst>
+          </p:cNvPr>
+          <p:cNvSpPr txBox="1"/>
+          <p:nvPr/>
+        </p:nvSpPr>
+        <p:spPr>
+          <a:xfrm>
+            <a:off x="2483768" y="5589240"/>
+            <a:ext cx="301686" cy="369332"/>
+          </a:xfrm>
+          <a:prstGeom prst="rect">
+            <a:avLst/>
+          </a:prstGeom>
+          <a:noFill/>
+        </p:spPr>
+        <p:txBody>
+          <a:bodyPr wrap="none" rtlCol="0">
+            <a:spAutoFit/>
+          </a:bodyPr>
+          <a:lstStyle/>
+          <a:p>
+            <a:r>
+              <a:rPr kumimoji="1" lang="en-US" altLang="ja-JP"/>
+              <a:t>1</a:t>
+            </a:r>
+            <a:endParaRPr kumimoji="1" lang="ja-JP" altLang="en-US"/>
+          </a:p>
+        </p:txBody>
+      </p:sp>
+      <mc:AlternateContent xmlns:mc="http://schemas.openxmlformats.org/markup-compatibility/2006">
+        <mc:Choice xmlns:a14="http://schemas.microsoft.com/office/drawing/2010/main" Requires="a14">
+          <p:sp>
+            <p:nvSpPr>
+              <p:cNvPr id="93" name="テキスト ボックス 92">
+                <a:extLst>
+                  <a:ext uri="{FF2B5EF4-FFF2-40B4-BE49-F238E27FC236}">
+                    <a16:creationId xmlns:a16="http://schemas.microsoft.com/office/drawing/2014/main" id="{4A9CA33E-DEF8-A146-95C9-D5823A63494C}"/>
+                  </a:ext>
+                </a:extLst>
+              </p:cNvPr>
+              <p:cNvSpPr txBox="1"/>
+              <p:nvPr/>
+            </p:nvSpPr>
+            <p:spPr>
+              <a:xfrm>
+                <a:off x="2281398" y="6174596"/>
+                <a:ext cx="458267" cy="358431"/>
+              </a:xfrm>
+              <a:prstGeom prst="rect">
+                <a:avLst/>
+              </a:prstGeom>
+              <a:noFill/>
+            </p:spPr>
+            <p:txBody>
+              <a:bodyPr wrap="none" lIns="0" tIns="0" rIns="0" bIns="0" rtlCol="0">
+                <a:spAutoFit/>
+              </a:bodyPr>
+              <a:lstStyle/>
+              <a:p>
+                <a14:m>
+                  <m:oMathPara xmlns:m="http://schemas.openxmlformats.org/officeDocument/2006/math">
+                    <m:oMathParaPr>
+                      <m:jc m:val="centerGroup"/>
+                    </m:oMathParaPr>
+                    <m:oMath xmlns:m="http://schemas.openxmlformats.org/officeDocument/2006/math">
+                      <m:sSubSup>
+                        <m:sSubSupPr>
+                          <m:ctrlPr>
+                            <a:rPr kumimoji="1" lang="en-US" altLang="ja-JP" i="1">
+                              <a:latin typeface="Cambria Math" panose="02040503050406030204" pitchFamily="18" charset="0"/>
+                            </a:rPr>
+                          </m:ctrlPr>
+                        </m:sSubSupPr>
+                        <m:e>
+                          <m:r>
+                            <a:rPr kumimoji="1" lang="en-US" altLang="ja-JP" b="0" i="1">
+                              <a:latin typeface="Cambria Math" panose="02040503050406030204" pitchFamily="18" charset="0"/>
+                            </a:rPr>
+                            <m:t>𝑉</m:t>
+                          </m:r>
+                        </m:e>
+                        <m:sub>
+                          <m:r>
+                            <a:rPr kumimoji="1" lang="en-US" altLang="ja-JP" b="0" i="1">
+                              <a:latin typeface="Cambria Math" panose="02040503050406030204" pitchFamily="18" charset="0"/>
+                            </a:rPr>
+                            <m:t>1</m:t>
+                          </m:r>
+                        </m:sub>
+                        <m:sup>
+                          <m:r>
+                            <a:rPr kumimoji="1" lang="en-US" altLang="ja-JP" b="0" i="1">
+                              <a:latin typeface="Cambria Math" panose="02040503050406030204" pitchFamily="18" charset="0"/>
+                            </a:rPr>
+                            <m:t>(0)</m:t>
+                          </m:r>
+                        </m:sup>
+                      </m:sSubSup>
+                    </m:oMath>
+                  </m:oMathPara>
+                </a14:m>
+                <a:endParaRPr kumimoji="1" lang="ja-JP" altLang="en-US"/>
+              </a:p>
+            </p:txBody>
+          </p:sp>
+        </mc:Choice>
+        <mc:Fallback>
+          <p:sp>
+            <p:nvSpPr>
+              <p:cNvPr id="93" name="テキスト ボックス 92">
+                <a:extLst>
+                  <a:ext uri="{FF2B5EF4-FFF2-40B4-BE49-F238E27FC236}">
+                    <a16:creationId xmlns:a16="http://schemas.microsoft.com/office/drawing/2014/main" id="{4A9CA33E-DEF8-A146-95C9-D5823A63494C}"/>
+                  </a:ext>
+                </a:extLst>
+              </p:cNvPr>
+              <p:cNvSpPr txBox="1">
+                <a:spLocks noRot="1" noChangeAspect="1" noMove="1" noResize="1" noEditPoints="1" noAdjustHandles="1" noChangeArrowheads="1" noChangeShapeType="1" noTextEdit="1"/>
+              </p:cNvSpPr>
+              <p:nvPr/>
+            </p:nvSpPr>
+            <p:spPr>
+              <a:xfrm>
+                <a:off x="2281398" y="6174596"/>
+                <a:ext cx="458267" cy="358431"/>
+              </a:xfrm>
+              <a:prstGeom prst="rect">
+                <a:avLst/>
+              </a:prstGeom>
+              <a:blipFill>
+                <a:blip r:embed="rId7"/>
+                <a:stretch>
+                  <a:fillRect l="-13889" r="-8333" b="-13793"/>
+                </a:stretch>
+              </a:blipFill>
+            </p:spPr>
+            <p:txBody>
+              <a:bodyPr/>
+              <a:lstStyle/>
+              <a:p>
+                <a:r>
+                  <a:rPr lang="ja-JP" altLang="en-US">
+                    <a:noFill/>
+                  </a:rPr>
+                  <a:t> </a:t>
+                </a:r>
+              </a:p>
+            </p:txBody>
+          </p:sp>
+        </mc:Fallback>
+      </mc:AlternateContent>
+      <p:cxnSp>
+        <p:nvCxnSpPr>
+          <p:cNvPr id="94" name="直線コネクタ 93">
+            <a:extLst>
+              <a:ext uri="{FF2B5EF4-FFF2-40B4-BE49-F238E27FC236}">
+                <a16:creationId xmlns:a16="http://schemas.microsoft.com/office/drawing/2014/main" id="{8B4E5BF4-F771-0A4C-B96F-1F4F9D89C251}"/>
+              </a:ext>
+            </a:extLst>
+          </p:cNvPr>
+          <p:cNvCxnSpPr/>
+          <p:nvPr/>
+        </p:nvCxnSpPr>
+        <p:spPr>
+          <a:xfrm flipH="1">
+            <a:off x="2857462" y="5742548"/>
+            <a:ext cx="360040" cy="0"/>
+          </a:xfrm>
+          <a:prstGeom prst="line">
+            <a:avLst/>
+          </a:prstGeom>
+          <a:ln w="12700">
+            <a:solidFill>
+              <a:schemeClr val="tx1"/>
+            </a:solidFill>
+          </a:ln>
+        </p:spPr>
+        <p:style>
+          <a:lnRef idx="1">
+            <a:schemeClr val="accent1"/>
+          </a:lnRef>
+          <a:fillRef idx="0">
+            <a:schemeClr val="accent1"/>
+          </a:fillRef>
+          <a:effectRef idx="0">
+            <a:schemeClr val="accent1"/>
+          </a:effectRef>
+          <a:fontRef idx="minor">
+            <a:schemeClr val="tx1"/>
+          </a:fontRef>
+        </p:style>
+      </p:cxnSp>
+      <p:sp>
+        <p:nvSpPr>
+          <p:cNvPr id="95" name="二等辺三角形 22">
+            <a:extLst>
+              <a:ext uri="{FF2B5EF4-FFF2-40B4-BE49-F238E27FC236}">
+                <a16:creationId xmlns:a16="http://schemas.microsoft.com/office/drawing/2014/main" id="{35823C64-4250-2B42-A8B3-20767B560AA5}"/>
+              </a:ext>
+            </a:extLst>
+          </p:cNvPr>
+          <p:cNvSpPr/>
+          <p:nvPr/>
+        </p:nvSpPr>
+        <p:spPr>
+          <a:xfrm rot="5400000">
+            <a:off x="4247964" y="5625244"/>
+            <a:ext cx="720080" cy="360040"/>
+          </a:xfrm>
+          <a:prstGeom prst="triangle">
+            <a:avLst/>
+          </a:prstGeom>
+          <a:solidFill>
+            <a:schemeClr val="accent2">
+              <a:lumMod val="40000"/>
+              <a:lumOff val="60000"/>
+            </a:schemeClr>
+          </a:solidFill>
+          <a:ln>
+            <a:solidFill>
+              <a:schemeClr val="tx1"/>
+            </a:solidFill>
+          </a:ln>
+        </p:spPr>
+        <p:style>
+          <a:lnRef idx="2">
+            <a:schemeClr val="accent1">
+              <a:shade val="50000"/>
+            </a:schemeClr>
+          </a:lnRef>
+          <a:fillRef idx="1">
+            <a:schemeClr val="accent1"/>
+          </a:fillRef>
+          <a:effectRef idx="0">
+            <a:schemeClr val="accent1"/>
+          </a:effectRef>
+          <a:fontRef idx="minor">
+            <a:schemeClr val="lt1"/>
+          </a:fontRef>
+        </p:style>
+        <p:txBody>
+          <a:bodyPr rtlCol="0" anchor="ctr"/>
+          <a:lstStyle/>
+          <a:p>
+            <a:pPr algn="ctr"/>
+            <a:endParaRPr kumimoji="1" lang="ja-JP" altLang="en-US"/>
+          </a:p>
+        </p:txBody>
+      </p:sp>
+      <p:sp>
+        <p:nvSpPr>
+          <p:cNvPr id="96" name="正方形/長方形 95">
+            <a:extLst>
+              <a:ext uri="{FF2B5EF4-FFF2-40B4-BE49-F238E27FC236}">
+                <a16:creationId xmlns:a16="http://schemas.microsoft.com/office/drawing/2014/main" id="{8E69D71C-12C8-074A-BFAA-DA6B51FE919A}"/>
+              </a:ext>
+            </a:extLst>
+          </p:cNvPr>
+          <p:cNvSpPr/>
+          <p:nvPr/>
+        </p:nvSpPr>
+        <p:spPr>
+          <a:xfrm rot="10800000">
+            <a:off x="4067944" y="5733256"/>
+            <a:ext cx="360040" cy="144016"/>
+          </a:xfrm>
+          <a:prstGeom prst="rect">
+            <a:avLst/>
+          </a:prstGeom>
+          <a:solidFill>
+            <a:schemeClr val="tx1"/>
+          </a:solidFill>
+          <a:ln>
+            <a:solidFill>
+              <a:schemeClr val="tx1"/>
+            </a:solidFill>
+          </a:ln>
+        </p:spPr>
+        <p:style>
+          <a:lnRef idx="2">
+            <a:schemeClr val="accent1">
+              <a:shade val="50000"/>
+            </a:schemeClr>
+          </a:lnRef>
+          <a:fillRef idx="1">
+            <a:schemeClr val="accent1"/>
+          </a:fillRef>
+          <a:effectRef idx="0">
+            <a:schemeClr val="accent1"/>
+          </a:effectRef>
+          <a:fontRef idx="minor">
+            <a:schemeClr val="lt1"/>
+          </a:fontRef>
+        </p:style>
+        <p:txBody>
+          <a:bodyPr rtlCol="0" anchor="ctr"/>
+          <a:lstStyle/>
+          <a:p>
+            <a:pPr algn="ctr"/>
+            <a:endParaRPr kumimoji="1" lang="ja-JP" altLang="en-US"/>
+          </a:p>
+        </p:txBody>
+      </p:sp>
+      <p:sp>
+        <p:nvSpPr>
+          <p:cNvPr id="97" name="テキスト ボックス 96">
+            <a:extLst>
+              <a:ext uri="{FF2B5EF4-FFF2-40B4-BE49-F238E27FC236}">
+                <a16:creationId xmlns:a16="http://schemas.microsoft.com/office/drawing/2014/main" id="{AC21EE77-6F38-EB49-9B81-2A43266D4381}"/>
+              </a:ext>
+            </a:extLst>
+          </p:cNvPr>
+          <p:cNvSpPr txBox="1"/>
+          <p:nvPr/>
+        </p:nvSpPr>
+        <p:spPr>
+          <a:xfrm>
+            <a:off x="4414330" y="5651956"/>
+            <a:ext cx="301686" cy="369332"/>
+          </a:xfrm>
+          <a:prstGeom prst="rect">
+            <a:avLst/>
+          </a:prstGeom>
+          <a:noFill/>
+        </p:spPr>
+        <p:txBody>
+          <a:bodyPr wrap="none" rtlCol="0">
+            <a:spAutoFit/>
+          </a:bodyPr>
+          <a:lstStyle/>
+          <a:p>
+            <a:r>
+              <a:rPr kumimoji="1" lang="en-US" altLang="ja-JP"/>
+              <a:t>1</a:t>
+            </a:r>
+            <a:endParaRPr kumimoji="1" lang="ja-JP" altLang="en-US"/>
+          </a:p>
+        </p:txBody>
+      </p:sp>
+      <mc:AlternateContent xmlns:mc="http://schemas.openxmlformats.org/markup-compatibility/2006">
+        <mc:Choice xmlns:a14="http://schemas.microsoft.com/office/drawing/2010/main" Requires="a14">
+          <p:sp>
+            <p:nvSpPr>
+              <p:cNvPr id="98" name="テキスト ボックス 97">
+                <a:extLst>
+                  <a:ext uri="{FF2B5EF4-FFF2-40B4-BE49-F238E27FC236}">
+                    <a16:creationId xmlns:a16="http://schemas.microsoft.com/office/drawing/2014/main" id="{DB6FF7FD-4366-D14E-9D1C-25EFDE745340}"/>
+                  </a:ext>
+                </a:extLst>
+              </p:cNvPr>
+              <p:cNvSpPr txBox="1"/>
+              <p:nvPr/>
+            </p:nvSpPr>
+            <p:spPr>
+              <a:xfrm>
+                <a:off x="4211960" y="6237312"/>
+                <a:ext cx="458267" cy="345929"/>
+              </a:xfrm>
+              <a:prstGeom prst="rect">
+                <a:avLst/>
+              </a:prstGeom>
+              <a:noFill/>
+            </p:spPr>
+            <p:txBody>
+              <a:bodyPr wrap="none" lIns="0" tIns="0" rIns="0" bIns="0" rtlCol="0">
+                <a:spAutoFit/>
+              </a:bodyPr>
+              <a:lstStyle/>
+              <a:p>
+                <a14:m>
+                  <m:oMathPara xmlns:m="http://schemas.openxmlformats.org/officeDocument/2006/math">
+                    <m:oMathParaPr>
+                      <m:jc m:val="centerGroup"/>
+                    </m:oMathParaPr>
+                    <m:oMath xmlns:m="http://schemas.openxmlformats.org/officeDocument/2006/math">
+                      <m:sSubSup>
+                        <m:sSubSupPr>
+                          <m:ctrlPr>
+                            <a:rPr kumimoji="1" lang="en-US" altLang="ja-JP" i="1">
+                              <a:latin typeface="Cambria Math" panose="02040503050406030204" pitchFamily="18" charset="0"/>
+                            </a:rPr>
+                          </m:ctrlPr>
+                        </m:sSubSupPr>
+                        <m:e>
+                          <m:r>
+                            <a:rPr kumimoji="1" lang="en-US" altLang="ja-JP" b="0" i="1">
+                              <a:latin typeface="Cambria Math" panose="02040503050406030204" pitchFamily="18" charset="0"/>
+                            </a:rPr>
+                            <m:t>𝑉</m:t>
+                          </m:r>
+                        </m:e>
+                        <m:sub>
+                          <m:r>
+                            <a:rPr kumimoji="1" lang="en-US" altLang="ja-JP" b="0" i="1">
+                              <a:latin typeface="Cambria Math" panose="02040503050406030204" pitchFamily="18" charset="0"/>
+                            </a:rPr>
+                            <m:t>1</m:t>
+                          </m:r>
+                        </m:sub>
+                        <m:sup>
+                          <m:r>
+                            <a:rPr kumimoji="1" lang="en-US" altLang="ja-JP" b="0" i="1">
+                              <a:latin typeface="Cambria Math" panose="02040503050406030204" pitchFamily="18" charset="0"/>
+                            </a:rPr>
+                            <m:t>(1)</m:t>
+                          </m:r>
+                        </m:sup>
+                      </m:sSubSup>
+                    </m:oMath>
+                  </m:oMathPara>
+                </a14:m>
+                <a:endParaRPr kumimoji="1" lang="ja-JP" altLang="en-US"/>
+              </a:p>
+            </p:txBody>
+          </p:sp>
+        </mc:Choice>
+        <mc:Fallback>
+          <p:sp>
+            <p:nvSpPr>
+              <p:cNvPr id="98" name="テキスト ボックス 97">
+                <a:extLst>
+                  <a:ext uri="{FF2B5EF4-FFF2-40B4-BE49-F238E27FC236}">
+                    <a16:creationId xmlns:a16="http://schemas.microsoft.com/office/drawing/2014/main" id="{DB6FF7FD-4366-D14E-9D1C-25EFDE745340}"/>
+                  </a:ext>
+                </a:extLst>
+              </p:cNvPr>
+              <p:cNvSpPr txBox="1">
+                <a:spLocks noRot="1" noChangeAspect="1" noMove="1" noResize="1" noEditPoints="1" noAdjustHandles="1" noChangeArrowheads="1" noChangeShapeType="1" noTextEdit="1"/>
+              </p:cNvSpPr>
+              <p:nvPr/>
+            </p:nvSpPr>
+            <p:spPr>
+              <a:xfrm>
+                <a:off x="4211960" y="6237312"/>
+                <a:ext cx="458267" cy="345929"/>
+              </a:xfrm>
+              <a:prstGeom prst="rect">
+                <a:avLst/>
+              </a:prstGeom>
+              <a:blipFill>
+                <a:blip r:embed="rId8"/>
+                <a:stretch>
+                  <a:fillRect l="-10811" r="-8108" b="-17857"/>
+                </a:stretch>
+              </a:blipFill>
+            </p:spPr>
+            <p:txBody>
+              <a:bodyPr/>
+              <a:lstStyle/>
+              <a:p>
+                <a:r>
+                  <a:rPr lang="ja-JP" altLang="en-US">
+                    <a:noFill/>
+                  </a:rPr>
+                  <a:t> </a:t>
+                </a:r>
+              </a:p>
+            </p:txBody>
+          </p:sp>
+        </mc:Fallback>
+      </mc:AlternateContent>
+      <p:cxnSp>
+        <p:nvCxnSpPr>
+          <p:cNvPr id="99" name="直線コネクタ 98">
+            <a:extLst>
+              <a:ext uri="{FF2B5EF4-FFF2-40B4-BE49-F238E27FC236}">
+                <a16:creationId xmlns:a16="http://schemas.microsoft.com/office/drawing/2014/main" id="{4DB4D533-DA54-6F4B-A738-9991BEC9DE70}"/>
+              </a:ext>
+            </a:extLst>
+          </p:cNvPr>
+          <p:cNvCxnSpPr/>
+          <p:nvPr/>
+        </p:nvCxnSpPr>
+        <p:spPr>
+          <a:xfrm flipH="1">
+            <a:off x="4788024" y="5805264"/>
+            <a:ext cx="360040" cy="0"/>
+          </a:xfrm>
+          <a:prstGeom prst="line">
+            <a:avLst/>
+          </a:prstGeom>
+          <a:ln w="12700">
+            <a:solidFill>
+              <a:schemeClr val="tx1"/>
+            </a:solidFill>
+          </a:ln>
+        </p:spPr>
+        <p:style>
+          <a:lnRef idx="1">
+            <a:schemeClr val="accent1"/>
+          </a:lnRef>
+          <a:fillRef idx="0">
+            <a:schemeClr val="accent1"/>
+          </a:fillRef>
+          <a:effectRef idx="0">
+            <a:schemeClr val="accent1"/>
+          </a:effectRef>
+          <a:fontRef idx="minor">
+            <a:schemeClr val="tx1"/>
+          </a:fontRef>
+        </p:style>
+      </p:cxnSp>
+      <p:sp>
+        <p:nvSpPr>
+          <p:cNvPr id="100" name="テキスト ボックス 99">
+            <a:extLst>
+              <a:ext uri="{FF2B5EF4-FFF2-40B4-BE49-F238E27FC236}">
+                <a16:creationId xmlns:a16="http://schemas.microsoft.com/office/drawing/2014/main" id="{376E43C1-6F7B-0E49-A20D-3692014CD649}"/>
+              </a:ext>
+            </a:extLst>
+          </p:cNvPr>
+          <p:cNvSpPr txBox="1"/>
+          <p:nvPr/>
+        </p:nvSpPr>
+        <p:spPr>
+          <a:xfrm>
+            <a:off x="5868144" y="5805264"/>
+            <a:ext cx="3071675" cy="369332"/>
+          </a:xfrm>
+          <a:prstGeom prst="rect">
+            <a:avLst/>
+          </a:prstGeom>
+          <a:noFill/>
+        </p:spPr>
+        <p:txBody>
+          <a:bodyPr wrap="none" rtlCol="0">
+            <a:spAutoFit/>
+          </a:bodyPr>
+          <a:lstStyle/>
+          <a:p>
+            <a:r>
+              <a:rPr lang="en-US" altLang="ja-JP"/>
+              <a:t>1</a:t>
+            </a:r>
+            <a:r>
+              <a:rPr lang="ja-JP" altLang="en-US"/>
+              <a:t>番の圧縮行列が更新された</a:t>
+            </a:r>
+            <a:endParaRPr lang="en-US" altLang="ja-JP"/>
+          </a:p>
+        </p:txBody>
+      </p:sp>
+    </p:spTree>
+    <p:extLst>
+      <p:ext uri="{BB962C8B-B14F-4D97-AF65-F5344CB8AC3E}">
+        <p14:creationId xmlns:p14="http://schemas.microsoft.com/office/powerpoint/2010/main" val="1668729594"/>
+      </p:ext>
+    </p:extLst>
+  </p:cSld>
+  <p:clrMapOvr>
+    <a:masterClrMapping/>
+  </p:clrMapOvr>
+</p:sld>
+</file>
+
+<file path=ppt/slides/slide7.xml><?xml version="1.0" encoding="utf-8"?>
+<p:sld xmlns:a="http://schemas.openxmlformats.org/drawingml/2006/main" xmlns:r="http://schemas.openxmlformats.org/officeDocument/2006/relationships" xmlns:p="http://schemas.openxmlformats.org/presentationml/2006/main">
+  <p:cSld>
+    <p:spTree>
+      <p:nvGrpSpPr>
+        <p:cNvPr id="1" name=""/>
+        <p:cNvGrpSpPr/>
+        <p:nvPr/>
+      </p:nvGrpSpPr>
+      <p:grpSpPr>
+        <a:xfrm>
+          <a:off x="0" y="0"/>
+          <a:ext cx="0" cy="0"/>
+          <a:chOff x="0" y="0"/>
+          <a:chExt cx="0" cy="0"/>
+        </a:xfrm>
+      </p:grpSpPr>
+      <p:sp>
+        <p:nvSpPr>
+          <p:cNvPr id="2" name="正方形/長方形 1">
+            <a:extLst>
+              <a:ext uri="{FF2B5EF4-FFF2-40B4-BE49-F238E27FC236}">
+                <a16:creationId xmlns:a16="http://schemas.microsoft.com/office/drawing/2014/main" id="{82C98F8E-A4CA-B94A-A6ED-54B191BE5902}"/>
+              </a:ext>
+            </a:extLst>
+          </p:cNvPr>
+          <p:cNvSpPr/>
+          <p:nvPr/>
+        </p:nvSpPr>
+        <p:spPr>
+          <a:xfrm>
+            <a:off x="1331640" y="548680"/>
+            <a:ext cx="720080" cy="720080"/>
+          </a:xfrm>
+          <a:prstGeom prst="rect">
+            <a:avLst/>
+          </a:prstGeom>
+          <a:solidFill>
+            <a:schemeClr val="accent1">
+              <a:lumMod val="20000"/>
+              <a:lumOff val="80000"/>
+            </a:schemeClr>
+          </a:solidFill>
+          <a:ln>
+            <a:solidFill>
+              <a:schemeClr val="tx1"/>
+            </a:solidFill>
+          </a:ln>
+        </p:spPr>
+        <p:style>
+          <a:lnRef idx="2">
+            <a:schemeClr val="accent1">
+              <a:shade val="50000"/>
+            </a:schemeClr>
+          </a:lnRef>
+          <a:fillRef idx="1">
+            <a:schemeClr val="accent1"/>
+          </a:fillRef>
+          <a:effectRef idx="0">
+            <a:schemeClr val="accent1"/>
+          </a:effectRef>
+          <a:fontRef idx="minor">
+            <a:schemeClr val="lt1"/>
+          </a:fontRef>
+        </p:style>
+        <p:txBody>
+          <a:bodyPr rtlCol="0" anchor="ctr"/>
+          <a:lstStyle/>
+          <a:p>
+            <a:pPr algn="ctr"/>
+            <a:r>
+              <a:rPr kumimoji="1" lang="en-US" altLang="ja-JP" sz="3600">
+                <a:solidFill>
+                  <a:schemeClr val="tx1"/>
+                </a:solidFill>
+              </a:rPr>
+              <a:t>X</a:t>
+            </a:r>
+            <a:endParaRPr kumimoji="1" lang="ja-JP" altLang="en-US" sz="3600" dirty="0">
+              <a:solidFill>
+                <a:schemeClr val="tx1"/>
+              </a:solidFill>
+            </a:endParaRPr>
+          </a:p>
+        </p:txBody>
+      </p:sp>
+      <p:sp>
+        <p:nvSpPr>
+          <p:cNvPr id="3" name="正方形/長方形 2">
+            <a:extLst>
+              <a:ext uri="{FF2B5EF4-FFF2-40B4-BE49-F238E27FC236}">
+                <a16:creationId xmlns:a16="http://schemas.microsoft.com/office/drawing/2014/main" id="{C0B7D2FC-125D-F145-B342-8A04CA5403CD}"/>
+              </a:ext>
+            </a:extLst>
+          </p:cNvPr>
+          <p:cNvSpPr/>
+          <p:nvPr/>
+        </p:nvSpPr>
+        <p:spPr>
+          <a:xfrm rot="10800000">
+            <a:off x="971600" y="836712"/>
+            <a:ext cx="360040" cy="144016"/>
+          </a:xfrm>
+          <a:prstGeom prst="rect">
+            <a:avLst/>
+          </a:prstGeom>
+          <a:solidFill>
+            <a:schemeClr val="tx1"/>
+          </a:solidFill>
+          <a:ln>
+            <a:solidFill>
+              <a:schemeClr val="tx1"/>
+            </a:solidFill>
+          </a:ln>
+        </p:spPr>
+        <p:style>
+          <a:lnRef idx="2">
+            <a:schemeClr val="accent1">
+              <a:shade val="50000"/>
+            </a:schemeClr>
+          </a:lnRef>
+          <a:fillRef idx="1">
+            <a:schemeClr val="accent1"/>
+          </a:fillRef>
+          <a:effectRef idx="0">
+            <a:schemeClr val="accent1"/>
+          </a:effectRef>
+          <a:fontRef idx="minor">
+            <a:schemeClr val="lt1"/>
+          </a:fontRef>
+        </p:style>
+        <p:txBody>
+          <a:bodyPr rtlCol="0" anchor="ctr"/>
+          <a:lstStyle/>
+          <a:p>
+            <a:pPr algn="ctr"/>
+            <a:endParaRPr kumimoji="1" lang="ja-JP" altLang="en-US"/>
+          </a:p>
+        </p:txBody>
+      </p:sp>
+      <p:sp>
+        <p:nvSpPr>
+          <p:cNvPr id="4" name="テキスト ボックス 3">
+            <a:extLst>
+              <a:ext uri="{FF2B5EF4-FFF2-40B4-BE49-F238E27FC236}">
+                <a16:creationId xmlns:a16="http://schemas.microsoft.com/office/drawing/2014/main" id="{423E51B8-8AEF-E146-A1A7-281D1FE1E742}"/>
+              </a:ext>
+            </a:extLst>
+          </p:cNvPr>
+          <p:cNvSpPr txBox="1"/>
+          <p:nvPr/>
+        </p:nvSpPr>
+        <p:spPr>
+          <a:xfrm>
+            <a:off x="971600" y="476672"/>
+            <a:ext cx="328936" cy="369332"/>
+          </a:xfrm>
+          <a:prstGeom prst="rect">
+            <a:avLst/>
+          </a:prstGeom>
+          <a:noFill/>
+        </p:spPr>
+        <p:txBody>
+          <a:bodyPr wrap="none" rtlCol="0">
+            <a:spAutoFit/>
+          </a:bodyPr>
+          <a:lstStyle/>
+          <a:p>
+            <a:r>
+              <a:rPr lang="en-US" altLang="ja-JP"/>
+              <a:t>H</a:t>
+            </a:r>
+            <a:endParaRPr kumimoji="1" lang="ja-JP" altLang="en-US"/>
+          </a:p>
+        </p:txBody>
+      </p:sp>
+      <p:sp>
+        <p:nvSpPr>
+          <p:cNvPr id="5" name="テキスト ボックス 4">
+            <a:extLst>
+              <a:ext uri="{FF2B5EF4-FFF2-40B4-BE49-F238E27FC236}">
+                <a16:creationId xmlns:a16="http://schemas.microsoft.com/office/drawing/2014/main" id="{260380F4-4704-BE4F-B2A2-9A3C31F0C888}"/>
+              </a:ext>
+            </a:extLst>
+          </p:cNvPr>
+          <p:cNvSpPr txBox="1"/>
+          <p:nvPr/>
+        </p:nvSpPr>
+        <p:spPr>
+          <a:xfrm>
+            <a:off x="2051720" y="476672"/>
+            <a:ext cx="389850" cy="369332"/>
+          </a:xfrm>
+          <a:prstGeom prst="rect">
+            <a:avLst/>
+          </a:prstGeom>
+          <a:noFill/>
+        </p:spPr>
+        <p:txBody>
+          <a:bodyPr wrap="none" rtlCol="0">
+            <a:spAutoFit/>
+          </a:bodyPr>
+          <a:lstStyle/>
+          <a:p>
+            <a:r>
+              <a:rPr lang="en-US" altLang="ja-JP"/>
+              <a:t>W</a:t>
+            </a:r>
+            <a:endParaRPr kumimoji="1" lang="ja-JP" altLang="en-US"/>
+          </a:p>
+        </p:txBody>
+      </p:sp>
+      <p:sp>
+        <p:nvSpPr>
+          <p:cNvPr id="6" name="正方形/長方形 5">
+            <a:extLst>
+              <a:ext uri="{FF2B5EF4-FFF2-40B4-BE49-F238E27FC236}">
+                <a16:creationId xmlns:a16="http://schemas.microsoft.com/office/drawing/2014/main" id="{C906F72A-3135-F146-96D2-66A039019144}"/>
+              </a:ext>
+            </a:extLst>
+          </p:cNvPr>
+          <p:cNvSpPr/>
+          <p:nvPr/>
+        </p:nvSpPr>
+        <p:spPr>
+          <a:xfrm rot="10800000">
+            <a:off x="2051720" y="836712"/>
+            <a:ext cx="360040" cy="144016"/>
+          </a:xfrm>
+          <a:prstGeom prst="rect">
+            <a:avLst/>
+          </a:prstGeom>
+          <a:solidFill>
+            <a:schemeClr val="tx1"/>
+          </a:solidFill>
+          <a:ln>
+            <a:solidFill>
+              <a:schemeClr val="tx1"/>
+            </a:solidFill>
+          </a:ln>
+        </p:spPr>
+        <p:style>
+          <a:lnRef idx="2">
+            <a:schemeClr val="accent1">
+              <a:shade val="50000"/>
+            </a:schemeClr>
+          </a:lnRef>
+          <a:fillRef idx="1">
+            <a:schemeClr val="accent1"/>
+          </a:fillRef>
+          <a:effectRef idx="0">
+            <a:schemeClr val="accent1"/>
+          </a:effectRef>
+          <a:fontRef idx="minor">
+            <a:schemeClr val="lt1"/>
+          </a:fontRef>
+        </p:style>
+        <p:txBody>
+          <a:bodyPr rtlCol="0" anchor="ctr"/>
+          <a:lstStyle/>
+          <a:p>
+            <a:pPr algn="ctr"/>
+            <a:endParaRPr kumimoji="1" lang="ja-JP" altLang="en-US"/>
+          </a:p>
+        </p:txBody>
+      </p:sp>
+      <p:sp>
+        <p:nvSpPr>
+          <p:cNvPr id="7" name="テキスト ボックス 6">
+            <a:extLst>
+              <a:ext uri="{FF2B5EF4-FFF2-40B4-BE49-F238E27FC236}">
+                <a16:creationId xmlns:a16="http://schemas.microsoft.com/office/drawing/2014/main" id="{D18C59D7-2939-0C45-B417-CB0AA625C7C8}"/>
+              </a:ext>
+            </a:extLst>
+          </p:cNvPr>
+          <p:cNvSpPr txBox="1"/>
+          <p:nvPr/>
+        </p:nvSpPr>
+        <p:spPr>
+          <a:xfrm>
+            <a:off x="1259632" y="1340768"/>
+            <a:ext cx="308098" cy="369332"/>
+          </a:xfrm>
+          <a:prstGeom prst="rect">
+            <a:avLst/>
+          </a:prstGeom>
+          <a:noFill/>
+        </p:spPr>
+        <p:txBody>
+          <a:bodyPr wrap="none" rtlCol="0">
+            <a:spAutoFit/>
+          </a:bodyPr>
+          <a:lstStyle/>
+          <a:p>
+            <a:r>
+              <a:rPr lang="en-US" altLang="ja-JP"/>
+              <a:t>C</a:t>
+            </a:r>
+            <a:endParaRPr kumimoji="1" lang="ja-JP" altLang="en-US"/>
+          </a:p>
+        </p:txBody>
+      </p:sp>
+      <p:cxnSp>
+        <p:nvCxnSpPr>
+          <p:cNvPr id="8" name="直線コネクタ 7">
+            <a:extLst>
+              <a:ext uri="{FF2B5EF4-FFF2-40B4-BE49-F238E27FC236}">
+                <a16:creationId xmlns:a16="http://schemas.microsoft.com/office/drawing/2014/main" id="{7BD43512-F2D1-F94F-BDDA-BFF753B7CD60}"/>
+              </a:ext>
+            </a:extLst>
+          </p:cNvPr>
+          <p:cNvCxnSpPr/>
+          <p:nvPr/>
+        </p:nvCxnSpPr>
+        <p:spPr>
+          <a:xfrm rot="16200000" flipH="1">
+            <a:off x="1511660" y="1448780"/>
+            <a:ext cx="360040" cy="0"/>
+          </a:xfrm>
+          <a:prstGeom prst="line">
+            <a:avLst/>
+          </a:prstGeom>
+          <a:ln w="12700">
+            <a:solidFill>
+              <a:schemeClr val="tx1"/>
+            </a:solidFill>
+          </a:ln>
+        </p:spPr>
+        <p:style>
+          <a:lnRef idx="1">
+            <a:schemeClr val="accent1"/>
+          </a:lnRef>
+          <a:fillRef idx="0">
+            <a:schemeClr val="accent1"/>
+          </a:fillRef>
+          <a:effectRef idx="0">
+            <a:schemeClr val="accent1"/>
+          </a:effectRef>
+          <a:fontRef idx="minor">
+            <a:schemeClr val="tx1"/>
+          </a:fontRef>
+        </p:style>
+      </p:cxnSp>
+      <mc:AlternateContent xmlns:mc="http://schemas.openxmlformats.org/markup-compatibility/2006">
+        <mc:Choice xmlns:a14="http://schemas.microsoft.com/office/drawing/2010/main" Requires="a14">
+          <p:sp>
+            <p:nvSpPr>
+              <p:cNvPr id="9" name="テキスト ボックス 8">
+                <a:extLst>
+                  <a:ext uri="{FF2B5EF4-FFF2-40B4-BE49-F238E27FC236}">
+                    <a16:creationId xmlns:a16="http://schemas.microsoft.com/office/drawing/2014/main" id="{E6BE14FF-7503-B643-B43F-D686E81B6B78}"/>
+                  </a:ext>
+                </a:extLst>
+              </p:cNvPr>
+              <p:cNvSpPr txBox="1"/>
+              <p:nvPr/>
+            </p:nvSpPr>
+            <p:spPr>
+              <a:xfrm>
+                <a:off x="2699792" y="620688"/>
+                <a:ext cx="399401" cy="677108"/>
+              </a:xfrm>
+              <a:prstGeom prst="rect">
+                <a:avLst/>
+              </a:prstGeom>
+              <a:noFill/>
+            </p:spPr>
+            <p:txBody>
+              <a:bodyPr wrap="square" lIns="0" tIns="0" rIns="0" bIns="0" rtlCol="0">
+                <a:spAutoFit/>
+              </a:bodyPr>
+              <a:lstStyle/>
+              <a:p>
+                <a:pPr/>
+                <a14:m>
+                  <m:oMathPara xmlns:m="http://schemas.openxmlformats.org/officeDocument/2006/math">
+                    <m:oMathParaPr>
+                      <m:jc m:val="centerGroup"/>
+                    </m:oMathParaPr>
+                    <m:oMath xmlns:m="http://schemas.openxmlformats.org/officeDocument/2006/math">
+                      <m:r>
+                        <a:rPr kumimoji="1" lang="en-US" altLang="ja-JP" sz="4400" b="0" i="1" smtClean="0">
+                          <a:latin typeface="Cambria Math" panose="02040503050406030204" pitchFamily="18" charset="0"/>
+                          <a:ea typeface="Cambria Math" panose="02040503050406030204" pitchFamily="18" charset="0"/>
+                        </a:rPr>
+                        <m:t>≈</m:t>
+                      </m:r>
+                    </m:oMath>
+                  </m:oMathPara>
+                </a14:m>
+                <a:endParaRPr kumimoji="1" lang="ja-JP" altLang="en-US" sz="4400" dirty="0"/>
+              </a:p>
+            </p:txBody>
+          </p:sp>
+        </mc:Choice>
+        <mc:Fallback>
+          <p:sp>
+            <p:nvSpPr>
+              <p:cNvPr id="9" name="テキスト ボックス 8">
+                <a:extLst>
+                  <a:ext uri="{FF2B5EF4-FFF2-40B4-BE49-F238E27FC236}">
+                    <a16:creationId xmlns:a16="http://schemas.microsoft.com/office/drawing/2014/main" id="{E6BE14FF-7503-B643-B43F-D686E81B6B78}"/>
+                  </a:ext>
+                </a:extLst>
+              </p:cNvPr>
+              <p:cNvSpPr txBox="1">
+                <a:spLocks noRot="1" noChangeAspect="1" noMove="1" noResize="1" noEditPoints="1" noAdjustHandles="1" noChangeArrowheads="1" noChangeShapeType="1" noTextEdit="1"/>
+              </p:cNvSpPr>
+              <p:nvPr/>
+            </p:nvSpPr>
+            <p:spPr>
+              <a:xfrm>
+                <a:off x="2699792" y="620688"/>
+                <a:ext cx="399401" cy="677108"/>
+              </a:xfrm>
+              <a:prstGeom prst="rect">
+                <a:avLst/>
+              </a:prstGeom>
+              <a:blipFill>
+                <a:blip r:embed="rId2"/>
+                <a:stretch>
+                  <a:fillRect l="-31250" r="-34375"/>
+                </a:stretch>
+              </a:blipFill>
+            </p:spPr>
+            <p:txBody>
+              <a:bodyPr/>
+              <a:lstStyle/>
+              <a:p>
+                <a:r>
+                  <a:rPr lang="ja-JP" altLang="en-US">
+                    <a:noFill/>
+                  </a:rPr>
+                  <a:t> </a:t>
+                </a:r>
+              </a:p>
+            </p:txBody>
+          </p:sp>
+        </mc:Fallback>
+      </mc:AlternateContent>
+      <p:sp>
+        <p:nvSpPr>
+          <p:cNvPr id="10" name="正方形/長方形 9">
+            <a:extLst>
+              <a:ext uri="{FF2B5EF4-FFF2-40B4-BE49-F238E27FC236}">
+                <a16:creationId xmlns:a16="http://schemas.microsoft.com/office/drawing/2014/main" id="{5BF65582-1111-714B-AF52-627588BC4D46}"/>
+              </a:ext>
+            </a:extLst>
+          </p:cNvPr>
+          <p:cNvSpPr/>
+          <p:nvPr/>
+        </p:nvSpPr>
+        <p:spPr>
+          <a:xfrm>
+            <a:off x="5220072" y="548680"/>
+            <a:ext cx="720080" cy="720080"/>
+          </a:xfrm>
+          <a:prstGeom prst="rect">
+            <a:avLst/>
+          </a:prstGeom>
+          <a:solidFill>
+            <a:schemeClr val="accent1">
+              <a:lumMod val="20000"/>
+              <a:lumOff val="80000"/>
+            </a:schemeClr>
+          </a:solidFill>
+          <a:ln>
+            <a:solidFill>
+              <a:schemeClr val="tx1"/>
+            </a:solidFill>
+          </a:ln>
+        </p:spPr>
+        <p:style>
+          <a:lnRef idx="2">
+            <a:schemeClr val="accent1">
+              <a:shade val="50000"/>
+            </a:schemeClr>
+          </a:lnRef>
+          <a:fillRef idx="1">
+            <a:schemeClr val="accent1"/>
+          </a:fillRef>
+          <a:effectRef idx="0">
+            <a:schemeClr val="accent1"/>
+          </a:effectRef>
+          <a:fontRef idx="minor">
+            <a:schemeClr val="lt1"/>
+          </a:fontRef>
+        </p:style>
+        <p:txBody>
+          <a:bodyPr rtlCol="0" anchor="ctr"/>
+          <a:lstStyle/>
+          <a:p>
+            <a:pPr algn="ctr"/>
+            <a:r>
+              <a:rPr lang="en-US" altLang="ja-JP" sz="3600">
+                <a:solidFill>
+                  <a:schemeClr val="tx1"/>
+                </a:solidFill>
+              </a:rPr>
+              <a:t>C</a:t>
+            </a:r>
+            <a:endParaRPr kumimoji="1" lang="ja-JP" altLang="en-US" sz="3600" dirty="0">
+              <a:solidFill>
+                <a:schemeClr val="tx1"/>
+              </a:solidFill>
+            </a:endParaRPr>
+          </a:p>
+        </p:txBody>
+      </p:sp>
+      <p:cxnSp>
+        <p:nvCxnSpPr>
+          <p:cNvPr id="11" name="直線コネクタ 10">
+            <a:extLst>
+              <a:ext uri="{FF2B5EF4-FFF2-40B4-BE49-F238E27FC236}">
+                <a16:creationId xmlns:a16="http://schemas.microsoft.com/office/drawing/2014/main" id="{36348F2F-6E5A-A04E-A1F9-42D42726010C}"/>
+              </a:ext>
+            </a:extLst>
+          </p:cNvPr>
+          <p:cNvCxnSpPr>
+            <a:stCxn id="10" idx="1"/>
+          </p:cNvCxnSpPr>
+          <p:nvPr/>
+        </p:nvCxnSpPr>
+        <p:spPr>
+          <a:xfrm flipH="1">
+            <a:off x="4860032" y="908720"/>
+            <a:ext cx="360040" cy="0"/>
+          </a:xfrm>
+          <a:prstGeom prst="line">
+            <a:avLst/>
+          </a:prstGeom>
+          <a:ln w="12700">
+            <a:solidFill>
+              <a:schemeClr val="tx1"/>
+            </a:solidFill>
+          </a:ln>
+        </p:spPr>
+        <p:style>
+          <a:lnRef idx="1">
+            <a:schemeClr val="accent1"/>
+          </a:lnRef>
+          <a:fillRef idx="0">
+            <a:schemeClr val="accent1"/>
+          </a:fillRef>
+          <a:effectRef idx="0">
+            <a:schemeClr val="accent1"/>
+          </a:effectRef>
+          <a:fontRef idx="minor">
+            <a:schemeClr val="tx1"/>
+          </a:fontRef>
+        </p:style>
+      </p:cxnSp>
+      <p:cxnSp>
+        <p:nvCxnSpPr>
+          <p:cNvPr id="12" name="直線コネクタ 11">
+            <a:extLst>
+              <a:ext uri="{FF2B5EF4-FFF2-40B4-BE49-F238E27FC236}">
+                <a16:creationId xmlns:a16="http://schemas.microsoft.com/office/drawing/2014/main" id="{01D9CAB6-3473-3A46-89A1-8959FD9C6F75}"/>
+              </a:ext>
+            </a:extLst>
+          </p:cNvPr>
+          <p:cNvCxnSpPr>
+            <a:stCxn id="10" idx="3"/>
+          </p:cNvCxnSpPr>
+          <p:nvPr/>
+        </p:nvCxnSpPr>
+        <p:spPr>
+          <a:xfrm>
+            <a:off x="5940152" y="908720"/>
+            <a:ext cx="360040" cy="0"/>
+          </a:xfrm>
+          <a:prstGeom prst="line">
+            <a:avLst/>
+          </a:prstGeom>
+          <a:ln w="12700">
+            <a:solidFill>
+              <a:schemeClr val="tx1"/>
+            </a:solidFill>
+          </a:ln>
+        </p:spPr>
+        <p:style>
+          <a:lnRef idx="1">
+            <a:schemeClr val="accent1"/>
+          </a:lnRef>
+          <a:fillRef idx="0">
+            <a:schemeClr val="accent1"/>
+          </a:fillRef>
+          <a:effectRef idx="0">
+            <a:schemeClr val="accent1"/>
+          </a:effectRef>
+          <a:fontRef idx="minor">
+            <a:schemeClr val="tx1"/>
+          </a:fontRef>
+        </p:style>
+      </p:cxnSp>
+      <p:cxnSp>
+        <p:nvCxnSpPr>
+          <p:cNvPr id="13" name="直線コネクタ 12">
+            <a:extLst>
+              <a:ext uri="{FF2B5EF4-FFF2-40B4-BE49-F238E27FC236}">
+                <a16:creationId xmlns:a16="http://schemas.microsoft.com/office/drawing/2014/main" id="{E51AD6C2-C905-3340-92F0-712589817D2D}"/>
+              </a:ext>
+            </a:extLst>
+          </p:cNvPr>
+          <p:cNvCxnSpPr>
+            <a:stCxn id="10" idx="2"/>
+          </p:cNvCxnSpPr>
+          <p:nvPr/>
+        </p:nvCxnSpPr>
+        <p:spPr>
+          <a:xfrm>
+            <a:off x="5580112" y="1268760"/>
+            <a:ext cx="0" cy="360040"/>
+          </a:xfrm>
+          <a:prstGeom prst="line">
+            <a:avLst/>
+          </a:prstGeom>
+          <a:ln w="12700">
+            <a:solidFill>
+              <a:schemeClr val="tx1"/>
+            </a:solidFill>
+          </a:ln>
+        </p:spPr>
+        <p:style>
+          <a:lnRef idx="1">
+            <a:schemeClr val="accent1"/>
+          </a:lnRef>
+          <a:fillRef idx="0">
+            <a:schemeClr val="accent1"/>
+          </a:fillRef>
+          <a:effectRef idx="0">
+            <a:schemeClr val="accent1"/>
+          </a:effectRef>
+          <a:fontRef idx="minor">
+            <a:schemeClr val="tx1"/>
+          </a:fontRef>
+        </p:style>
+      </p:cxnSp>
+      <p:sp>
+        <p:nvSpPr>
+          <p:cNvPr id="14" name="二等辺三角形 22">
+            <a:extLst>
+              <a:ext uri="{FF2B5EF4-FFF2-40B4-BE49-F238E27FC236}">
+                <a16:creationId xmlns:a16="http://schemas.microsoft.com/office/drawing/2014/main" id="{C97E618D-6581-6F4E-8665-FC7908547337}"/>
+              </a:ext>
+            </a:extLst>
+          </p:cNvPr>
+          <p:cNvSpPr/>
+          <p:nvPr/>
+        </p:nvSpPr>
+        <p:spPr>
+          <a:xfrm rot="5400000">
+            <a:off x="4333626" y="737992"/>
+            <a:ext cx="720080" cy="360040"/>
+          </a:xfrm>
+          <a:prstGeom prst="triangle">
+            <a:avLst/>
+          </a:prstGeom>
+          <a:solidFill>
+            <a:schemeClr val="accent2">
+              <a:lumMod val="40000"/>
+              <a:lumOff val="60000"/>
+            </a:schemeClr>
+          </a:solidFill>
+          <a:ln>
+            <a:solidFill>
+              <a:schemeClr val="tx1"/>
+            </a:solidFill>
+          </a:ln>
+        </p:spPr>
+        <p:style>
+          <a:lnRef idx="2">
+            <a:schemeClr val="accent1">
+              <a:shade val="50000"/>
+            </a:schemeClr>
+          </a:lnRef>
+          <a:fillRef idx="1">
+            <a:schemeClr val="accent1"/>
+          </a:fillRef>
+          <a:effectRef idx="0">
+            <a:schemeClr val="accent1"/>
+          </a:effectRef>
+          <a:fontRef idx="minor">
+            <a:schemeClr val="lt1"/>
+          </a:fontRef>
+        </p:style>
+        <p:txBody>
+          <a:bodyPr rtlCol="0" anchor="ctr"/>
+          <a:lstStyle/>
+          <a:p>
+            <a:pPr algn="ctr"/>
+            <a:endParaRPr kumimoji="1" lang="ja-JP" altLang="en-US"/>
+          </a:p>
+        </p:txBody>
+      </p:sp>
+      <p:sp>
+        <p:nvSpPr>
+          <p:cNvPr id="15" name="正方形/長方形 14">
+            <a:extLst>
+              <a:ext uri="{FF2B5EF4-FFF2-40B4-BE49-F238E27FC236}">
+                <a16:creationId xmlns:a16="http://schemas.microsoft.com/office/drawing/2014/main" id="{D6552982-C747-2740-A787-01B12FF03FDA}"/>
+              </a:ext>
+            </a:extLst>
+          </p:cNvPr>
+          <p:cNvSpPr/>
+          <p:nvPr/>
+        </p:nvSpPr>
+        <p:spPr>
+          <a:xfrm rot="10800000">
+            <a:off x="4153606" y="846004"/>
+            <a:ext cx="360040" cy="144016"/>
+          </a:xfrm>
+          <a:prstGeom prst="rect">
+            <a:avLst/>
+          </a:prstGeom>
+          <a:solidFill>
+            <a:schemeClr val="tx1"/>
+          </a:solidFill>
+          <a:ln>
+            <a:solidFill>
+              <a:schemeClr val="tx1"/>
+            </a:solidFill>
+          </a:ln>
+        </p:spPr>
+        <p:style>
+          <a:lnRef idx="2">
+            <a:schemeClr val="accent1">
+              <a:shade val="50000"/>
+            </a:schemeClr>
+          </a:lnRef>
+          <a:fillRef idx="1">
+            <a:schemeClr val="accent1"/>
+          </a:fillRef>
+          <a:effectRef idx="0">
+            <a:schemeClr val="accent1"/>
+          </a:effectRef>
+          <a:fontRef idx="minor">
+            <a:schemeClr val="lt1"/>
+          </a:fontRef>
+        </p:style>
+        <p:txBody>
+          <a:bodyPr rtlCol="0" anchor="ctr"/>
+          <a:lstStyle/>
+          <a:p>
+            <a:pPr algn="ctr"/>
+            <a:endParaRPr kumimoji="1" lang="ja-JP" altLang="en-US"/>
+          </a:p>
+        </p:txBody>
+      </p:sp>
+      <p:sp>
+        <p:nvSpPr>
+          <p:cNvPr id="17" name="正方形/長方形 16">
+            <a:extLst>
+              <a:ext uri="{FF2B5EF4-FFF2-40B4-BE49-F238E27FC236}">
+                <a16:creationId xmlns:a16="http://schemas.microsoft.com/office/drawing/2014/main" id="{42CE8FF3-E536-0B4E-A2C3-20C66FBE9ABB}"/>
+              </a:ext>
+            </a:extLst>
+          </p:cNvPr>
+          <p:cNvSpPr/>
+          <p:nvPr/>
+        </p:nvSpPr>
+        <p:spPr>
+          <a:xfrm>
+            <a:off x="4499992" y="692696"/>
+            <a:ext cx="282450" cy="369332"/>
+          </a:xfrm>
+          <a:prstGeom prst="rect">
+            <a:avLst/>
+          </a:prstGeom>
+        </p:spPr>
+        <p:txBody>
+          <a:bodyPr wrap="none">
+            <a:spAutoFit/>
+          </a:bodyPr>
+          <a:lstStyle/>
+          <a:p>
+            <a:pPr algn="ctr"/>
+            <a:r>
+              <a:rPr lang="en-US" altLang="ja-JP" dirty="0"/>
+              <a:t>L</a:t>
+            </a:r>
+            <a:endParaRPr lang="ja-JP" altLang="en-US" dirty="0"/>
+          </a:p>
+        </p:txBody>
+      </p:sp>
+      <p:sp>
+        <p:nvSpPr>
+          <p:cNvPr id="18" name="二等辺三角形 22">
+            <a:extLst>
+              <a:ext uri="{FF2B5EF4-FFF2-40B4-BE49-F238E27FC236}">
+                <a16:creationId xmlns:a16="http://schemas.microsoft.com/office/drawing/2014/main" id="{1DDEB345-B728-0C43-99DC-55BE7F527D73}"/>
+              </a:ext>
+            </a:extLst>
+          </p:cNvPr>
+          <p:cNvSpPr/>
+          <p:nvPr/>
+        </p:nvSpPr>
+        <p:spPr>
+          <a:xfrm rot="16200000">
+            <a:off x="6120172" y="728700"/>
+            <a:ext cx="720080" cy="360040"/>
+          </a:xfrm>
+          <a:prstGeom prst="triangle">
+            <a:avLst/>
+          </a:prstGeom>
+          <a:solidFill>
+            <a:schemeClr val="accent2">
+              <a:lumMod val="40000"/>
+              <a:lumOff val="60000"/>
+            </a:schemeClr>
+          </a:solidFill>
+          <a:ln>
+            <a:solidFill>
+              <a:schemeClr val="tx1"/>
+            </a:solidFill>
+          </a:ln>
+        </p:spPr>
+        <p:style>
+          <a:lnRef idx="2">
+            <a:schemeClr val="accent1">
+              <a:shade val="50000"/>
+            </a:schemeClr>
+          </a:lnRef>
+          <a:fillRef idx="1">
+            <a:schemeClr val="accent1"/>
+          </a:fillRef>
+          <a:effectRef idx="0">
+            <a:schemeClr val="accent1"/>
+          </a:effectRef>
+          <a:fontRef idx="minor">
+            <a:schemeClr val="lt1"/>
+          </a:fontRef>
+        </p:style>
+        <p:txBody>
+          <a:bodyPr rtlCol="0" anchor="ctr"/>
+          <a:lstStyle/>
+          <a:p>
+            <a:pPr algn="ctr"/>
+            <a:endParaRPr kumimoji="1" lang="ja-JP" altLang="en-US"/>
+          </a:p>
+        </p:txBody>
+      </p:sp>
+      <p:sp>
+        <p:nvSpPr>
+          <p:cNvPr id="19" name="正方形/長方形 18">
+            <a:extLst>
+              <a:ext uri="{FF2B5EF4-FFF2-40B4-BE49-F238E27FC236}">
+                <a16:creationId xmlns:a16="http://schemas.microsoft.com/office/drawing/2014/main" id="{178A5BD5-87CD-3940-8573-226C6C09876C}"/>
+              </a:ext>
+            </a:extLst>
+          </p:cNvPr>
+          <p:cNvSpPr/>
+          <p:nvPr/>
+        </p:nvSpPr>
+        <p:spPr>
+          <a:xfrm rot="10800000">
+            <a:off x="6660232" y="836712"/>
+            <a:ext cx="360040" cy="144016"/>
+          </a:xfrm>
+          <a:prstGeom prst="rect">
+            <a:avLst/>
+          </a:prstGeom>
+          <a:solidFill>
+            <a:schemeClr val="tx1"/>
+          </a:solidFill>
+          <a:ln>
+            <a:solidFill>
+              <a:schemeClr val="tx1"/>
+            </a:solidFill>
+          </a:ln>
+        </p:spPr>
+        <p:style>
+          <a:lnRef idx="2">
+            <a:schemeClr val="accent1">
+              <a:shade val="50000"/>
+            </a:schemeClr>
+          </a:lnRef>
+          <a:fillRef idx="1">
+            <a:schemeClr val="accent1"/>
+          </a:fillRef>
+          <a:effectRef idx="0">
+            <a:schemeClr val="accent1"/>
+          </a:effectRef>
+          <a:fontRef idx="minor">
+            <a:schemeClr val="lt1"/>
+          </a:fontRef>
+        </p:style>
+        <p:txBody>
+          <a:bodyPr rtlCol="0" anchor="ctr"/>
+          <a:lstStyle/>
+          <a:p>
+            <a:pPr algn="ctr"/>
+            <a:endParaRPr kumimoji="1" lang="ja-JP" altLang="en-US"/>
+          </a:p>
+        </p:txBody>
+      </p:sp>
+      <p:sp>
+        <p:nvSpPr>
+          <p:cNvPr id="20" name="テキスト ボックス 19">
+            <a:extLst>
+              <a:ext uri="{FF2B5EF4-FFF2-40B4-BE49-F238E27FC236}">
+                <a16:creationId xmlns:a16="http://schemas.microsoft.com/office/drawing/2014/main" id="{3B3EF256-391C-D248-B88E-D2FCA450448C}"/>
+              </a:ext>
+            </a:extLst>
+          </p:cNvPr>
+          <p:cNvSpPr txBox="1"/>
+          <p:nvPr/>
+        </p:nvSpPr>
+        <p:spPr>
+          <a:xfrm>
+            <a:off x="4139952" y="476672"/>
+            <a:ext cx="328936" cy="369332"/>
+          </a:xfrm>
+          <a:prstGeom prst="rect">
+            <a:avLst/>
+          </a:prstGeom>
+          <a:noFill/>
+        </p:spPr>
+        <p:txBody>
+          <a:bodyPr wrap="none" rtlCol="0">
+            <a:spAutoFit/>
+          </a:bodyPr>
+          <a:lstStyle/>
+          <a:p>
+            <a:r>
+              <a:rPr lang="en-US" altLang="ja-JP"/>
+              <a:t>H</a:t>
+            </a:r>
+            <a:endParaRPr kumimoji="1" lang="ja-JP" altLang="en-US"/>
+          </a:p>
+        </p:txBody>
+      </p:sp>
+      <p:sp>
+        <p:nvSpPr>
+          <p:cNvPr id="21" name="テキスト ボックス 20">
+            <a:extLst>
+              <a:ext uri="{FF2B5EF4-FFF2-40B4-BE49-F238E27FC236}">
+                <a16:creationId xmlns:a16="http://schemas.microsoft.com/office/drawing/2014/main" id="{FA3AF9F0-969E-8346-9964-DA97E55C096C}"/>
+              </a:ext>
+            </a:extLst>
+          </p:cNvPr>
+          <p:cNvSpPr txBox="1"/>
+          <p:nvPr/>
+        </p:nvSpPr>
+        <p:spPr>
+          <a:xfrm>
+            <a:off x="6732240" y="476672"/>
+            <a:ext cx="389850" cy="369332"/>
+          </a:xfrm>
+          <a:prstGeom prst="rect">
+            <a:avLst/>
+          </a:prstGeom>
+          <a:noFill/>
+        </p:spPr>
+        <p:txBody>
+          <a:bodyPr wrap="none" rtlCol="0">
+            <a:spAutoFit/>
+          </a:bodyPr>
+          <a:lstStyle/>
+          <a:p>
+            <a:r>
+              <a:rPr lang="en-US" altLang="ja-JP"/>
+              <a:t>W</a:t>
+            </a:r>
+            <a:endParaRPr kumimoji="1" lang="ja-JP" altLang="en-US"/>
+          </a:p>
+        </p:txBody>
+      </p:sp>
+      <p:sp>
+        <p:nvSpPr>
+          <p:cNvPr id="22" name="テキスト ボックス 21">
+            <a:extLst>
+              <a:ext uri="{FF2B5EF4-FFF2-40B4-BE49-F238E27FC236}">
+                <a16:creationId xmlns:a16="http://schemas.microsoft.com/office/drawing/2014/main" id="{68E3AFC8-1393-4F44-BA8B-836E57DFF4F3}"/>
+              </a:ext>
+            </a:extLst>
+          </p:cNvPr>
+          <p:cNvSpPr txBox="1"/>
+          <p:nvPr/>
+        </p:nvSpPr>
+        <p:spPr>
+          <a:xfrm>
+            <a:off x="5580112" y="1268760"/>
+            <a:ext cx="308098" cy="369332"/>
+          </a:xfrm>
+          <a:prstGeom prst="rect">
+            <a:avLst/>
+          </a:prstGeom>
+          <a:noFill/>
+        </p:spPr>
+        <p:txBody>
+          <a:bodyPr wrap="none" rtlCol="0">
+            <a:spAutoFit/>
+          </a:bodyPr>
+          <a:lstStyle/>
+          <a:p>
+            <a:r>
+              <a:rPr lang="en-US" altLang="ja-JP"/>
+              <a:t>C</a:t>
+            </a:r>
+            <a:endParaRPr kumimoji="1" lang="ja-JP" altLang="en-US"/>
+          </a:p>
+        </p:txBody>
+      </p:sp>
+      <p:sp>
+        <p:nvSpPr>
+          <p:cNvPr id="23" name="テキスト ボックス 22">
+            <a:extLst>
+              <a:ext uri="{FF2B5EF4-FFF2-40B4-BE49-F238E27FC236}">
+                <a16:creationId xmlns:a16="http://schemas.microsoft.com/office/drawing/2014/main" id="{6877CEBD-9804-BB4E-8752-26109E1A2905}"/>
+              </a:ext>
+            </a:extLst>
+          </p:cNvPr>
+          <p:cNvSpPr txBox="1"/>
+          <p:nvPr/>
+        </p:nvSpPr>
+        <p:spPr>
+          <a:xfrm>
+            <a:off x="4932040" y="548680"/>
+            <a:ext cx="264816" cy="369332"/>
+          </a:xfrm>
+          <a:prstGeom prst="rect">
+            <a:avLst/>
+          </a:prstGeom>
+          <a:noFill/>
+        </p:spPr>
+        <p:txBody>
+          <a:bodyPr wrap="none" rtlCol="0">
+            <a:spAutoFit/>
+          </a:bodyPr>
+          <a:lstStyle/>
+          <a:p>
+            <a:r>
+              <a:rPr kumimoji="1" lang="en-US" altLang="ja-JP"/>
+              <a:t>r</a:t>
+            </a:r>
+            <a:endParaRPr kumimoji="1" lang="ja-JP" altLang="en-US"/>
+          </a:p>
+        </p:txBody>
+      </p:sp>
+      <p:sp>
+        <p:nvSpPr>
+          <p:cNvPr id="24" name="テキスト ボックス 23">
+            <a:extLst>
+              <a:ext uri="{FF2B5EF4-FFF2-40B4-BE49-F238E27FC236}">
+                <a16:creationId xmlns:a16="http://schemas.microsoft.com/office/drawing/2014/main" id="{DF40FE9B-C636-D749-8B39-0A91D7757C2A}"/>
+              </a:ext>
+            </a:extLst>
+          </p:cNvPr>
+          <p:cNvSpPr txBox="1"/>
+          <p:nvPr/>
+        </p:nvSpPr>
+        <p:spPr>
+          <a:xfrm>
+            <a:off x="6012160" y="548680"/>
+            <a:ext cx="264816" cy="369332"/>
+          </a:xfrm>
+          <a:prstGeom prst="rect">
+            <a:avLst/>
+          </a:prstGeom>
+          <a:noFill/>
+        </p:spPr>
+        <p:txBody>
+          <a:bodyPr wrap="none" rtlCol="0">
+            <a:spAutoFit/>
+          </a:bodyPr>
+          <a:lstStyle/>
+          <a:p>
+            <a:r>
+              <a:rPr kumimoji="1" lang="en-US" altLang="ja-JP"/>
+              <a:t>r</a:t>
+            </a:r>
+            <a:endParaRPr kumimoji="1" lang="ja-JP" altLang="en-US"/>
+          </a:p>
+        </p:txBody>
+      </p:sp>
+      <p:sp>
+        <p:nvSpPr>
+          <p:cNvPr id="25" name="正方形/長方形 24">
+            <a:extLst>
+              <a:ext uri="{FF2B5EF4-FFF2-40B4-BE49-F238E27FC236}">
+                <a16:creationId xmlns:a16="http://schemas.microsoft.com/office/drawing/2014/main" id="{CEFD9DE6-F193-6546-9DB5-F82485C8E01D}"/>
+              </a:ext>
+            </a:extLst>
+          </p:cNvPr>
+          <p:cNvSpPr/>
+          <p:nvPr/>
+        </p:nvSpPr>
+        <p:spPr>
+          <a:xfrm>
+            <a:off x="6358575" y="692696"/>
+            <a:ext cx="309700" cy="369332"/>
+          </a:xfrm>
+          <a:prstGeom prst="rect">
+            <a:avLst/>
+          </a:prstGeom>
+        </p:spPr>
+        <p:txBody>
+          <a:bodyPr wrap="none">
+            <a:spAutoFit/>
+          </a:bodyPr>
+          <a:lstStyle/>
+          <a:p>
+            <a:pPr algn="ctr"/>
+            <a:r>
+              <a:rPr lang="en-US" altLang="ja-JP" dirty="0"/>
+              <a:t>R</a:t>
+            </a:r>
+            <a:endParaRPr lang="ja-JP" altLang="en-US" dirty="0"/>
+          </a:p>
+        </p:txBody>
+      </p:sp>
+      <p:sp>
+        <p:nvSpPr>
+          <p:cNvPr id="26" name="正方形/長方形 25">
+            <a:extLst>
+              <a:ext uri="{FF2B5EF4-FFF2-40B4-BE49-F238E27FC236}">
+                <a16:creationId xmlns:a16="http://schemas.microsoft.com/office/drawing/2014/main" id="{D35325E7-75F0-6448-8F2C-5C27D7B0DB6C}"/>
+              </a:ext>
+            </a:extLst>
+          </p:cNvPr>
+          <p:cNvSpPr/>
+          <p:nvPr/>
+        </p:nvSpPr>
+        <p:spPr>
+          <a:xfrm>
+            <a:off x="1331640" y="2276872"/>
+            <a:ext cx="720080" cy="720080"/>
+          </a:xfrm>
+          <a:prstGeom prst="rect">
+            <a:avLst/>
+          </a:prstGeom>
+          <a:solidFill>
+            <a:schemeClr val="accent1">
+              <a:lumMod val="20000"/>
+              <a:lumOff val="80000"/>
+            </a:schemeClr>
+          </a:solidFill>
+          <a:ln>
+            <a:solidFill>
+              <a:schemeClr val="tx1"/>
+            </a:solidFill>
+          </a:ln>
+        </p:spPr>
+        <p:style>
+          <a:lnRef idx="2">
+            <a:schemeClr val="accent1">
+              <a:shade val="50000"/>
+            </a:schemeClr>
+          </a:lnRef>
+          <a:fillRef idx="1">
+            <a:schemeClr val="accent1"/>
+          </a:fillRef>
+          <a:effectRef idx="0">
+            <a:schemeClr val="accent1"/>
+          </a:effectRef>
+          <a:fontRef idx="minor">
+            <a:schemeClr val="lt1"/>
+          </a:fontRef>
+        </p:style>
+        <p:txBody>
+          <a:bodyPr rtlCol="0" anchor="ctr"/>
+          <a:lstStyle/>
+          <a:p>
+            <a:pPr algn="ctr"/>
+            <a:r>
+              <a:rPr lang="en-US" altLang="ja-JP" sz="3600">
+                <a:solidFill>
+                  <a:schemeClr val="tx1"/>
+                </a:solidFill>
+              </a:rPr>
+              <a:t>C</a:t>
+            </a:r>
+            <a:endParaRPr kumimoji="1" lang="ja-JP" altLang="en-US" sz="3600" dirty="0">
+              <a:solidFill>
+                <a:schemeClr val="tx1"/>
+              </a:solidFill>
+            </a:endParaRPr>
+          </a:p>
+        </p:txBody>
+      </p:sp>
+      <p:cxnSp>
+        <p:nvCxnSpPr>
+          <p:cNvPr id="27" name="直線コネクタ 26">
+            <a:extLst>
+              <a:ext uri="{FF2B5EF4-FFF2-40B4-BE49-F238E27FC236}">
+                <a16:creationId xmlns:a16="http://schemas.microsoft.com/office/drawing/2014/main" id="{E57A0273-44EF-5F4D-886B-6A7642A205D4}"/>
+              </a:ext>
+            </a:extLst>
+          </p:cNvPr>
+          <p:cNvCxnSpPr>
+            <a:stCxn id="26" idx="1"/>
+          </p:cNvCxnSpPr>
+          <p:nvPr/>
+        </p:nvCxnSpPr>
+        <p:spPr>
+          <a:xfrm flipH="1">
+            <a:off x="971600" y="2636912"/>
+            <a:ext cx="360040" cy="0"/>
+          </a:xfrm>
+          <a:prstGeom prst="line">
+            <a:avLst/>
+          </a:prstGeom>
+          <a:ln w="12700">
+            <a:solidFill>
+              <a:schemeClr val="tx1"/>
+            </a:solidFill>
+          </a:ln>
+        </p:spPr>
+        <p:style>
+          <a:lnRef idx="1">
+            <a:schemeClr val="accent1"/>
+          </a:lnRef>
+          <a:fillRef idx="0">
+            <a:schemeClr val="accent1"/>
+          </a:fillRef>
+          <a:effectRef idx="0">
+            <a:schemeClr val="accent1"/>
+          </a:effectRef>
+          <a:fontRef idx="minor">
+            <a:schemeClr val="tx1"/>
+          </a:fontRef>
+        </p:style>
+      </p:cxnSp>
+      <p:cxnSp>
+        <p:nvCxnSpPr>
+          <p:cNvPr id="28" name="直線コネクタ 27">
+            <a:extLst>
+              <a:ext uri="{FF2B5EF4-FFF2-40B4-BE49-F238E27FC236}">
+                <a16:creationId xmlns:a16="http://schemas.microsoft.com/office/drawing/2014/main" id="{D59FA50C-71D9-DB4B-B16B-59486866BB51}"/>
+              </a:ext>
+            </a:extLst>
+          </p:cNvPr>
+          <p:cNvCxnSpPr>
+            <a:stCxn id="26" idx="3"/>
+          </p:cNvCxnSpPr>
+          <p:nvPr/>
+        </p:nvCxnSpPr>
+        <p:spPr>
+          <a:xfrm>
+            <a:off x="2051720" y="2636912"/>
+            <a:ext cx="360040" cy="0"/>
+          </a:xfrm>
+          <a:prstGeom prst="line">
+            <a:avLst/>
+          </a:prstGeom>
+          <a:ln w="12700">
+            <a:solidFill>
+              <a:schemeClr val="tx1"/>
+            </a:solidFill>
+          </a:ln>
+        </p:spPr>
+        <p:style>
+          <a:lnRef idx="1">
+            <a:schemeClr val="accent1"/>
+          </a:lnRef>
+          <a:fillRef idx="0">
+            <a:schemeClr val="accent1"/>
+          </a:fillRef>
+          <a:effectRef idx="0">
+            <a:schemeClr val="accent1"/>
+          </a:effectRef>
+          <a:fontRef idx="minor">
+            <a:schemeClr val="tx1"/>
+          </a:fontRef>
+        </p:style>
+      </p:cxnSp>
+      <p:cxnSp>
+        <p:nvCxnSpPr>
+          <p:cNvPr id="29" name="直線コネクタ 28">
+            <a:extLst>
+              <a:ext uri="{FF2B5EF4-FFF2-40B4-BE49-F238E27FC236}">
+                <a16:creationId xmlns:a16="http://schemas.microsoft.com/office/drawing/2014/main" id="{B564B7D0-2854-964A-A1A4-078B57CC8F48}"/>
+              </a:ext>
+            </a:extLst>
+          </p:cNvPr>
+          <p:cNvCxnSpPr>
+            <a:stCxn id="26" idx="2"/>
+          </p:cNvCxnSpPr>
+          <p:nvPr/>
+        </p:nvCxnSpPr>
+        <p:spPr>
+          <a:xfrm>
+            <a:off x="1691680" y="2996952"/>
+            <a:ext cx="0" cy="360040"/>
+          </a:xfrm>
+          <a:prstGeom prst="line">
+            <a:avLst/>
+          </a:prstGeom>
+          <a:ln w="12700">
+            <a:solidFill>
+              <a:schemeClr val="tx1"/>
+            </a:solidFill>
+          </a:ln>
+        </p:spPr>
+        <p:style>
+          <a:lnRef idx="1">
+            <a:schemeClr val="accent1"/>
+          </a:lnRef>
+          <a:fillRef idx="0">
+            <a:schemeClr val="accent1"/>
+          </a:fillRef>
+          <a:effectRef idx="0">
+            <a:schemeClr val="accent1"/>
+          </a:effectRef>
+          <a:fontRef idx="minor">
+            <a:schemeClr val="tx1"/>
+          </a:fontRef>
+        </p:style>
+      </p:cxnSp>
+      <p:sp>
+        <p:nvSpPr>
+          <p:cNvPr id="30" name="テキスト ボックス 29">
+            <a:extLst>
+              <a:ext uri="{FF2B5EF4-FFF2-40B4-BE49-F238E27FC236}">
+                <a16:creationId xmlns:a16="http://schemas.microsoft.com/office/drawing/2014/main" id="{526669E0-50CD-854F-A160-D98DED622E62}"/>
+              </a:ext>
+            </a:extLst>
+          </p:cNvPr>
+          <p:cNvSpPr txBox="1"/>
+          <p:nvPr/>
+        </p:nvSpPr>
+        <p:spPr>
+          <a:xfrm>
+            <a:off x="1691680" y="2996952"/>
+            <a:ext cx="308098" cy="369332"/>
+          </a:xfrm>
+          <a:prstGeom prst="rect">
+            <a:avLst/>
+          </a:prstGeom>
+          <a:noFill/>
+        </p:spPr>
+        <p:txBody>
+          <a:bodyPr wrap="none" rtlCol="0">
+            <a:spAutoFit/>
+          </a:bodyPr>
+          <a:lstStyle/>
+          <a:p>
+            <a:r>
+              <a:rPr lang="en-US" altLang="ja-JP"/>
+              <a:t>C</a:t>
+            </a:r>
+            <a:endParaRPr kumimoji="1" lang="ja-JP" altLang="en-US"/>
+          </a:p>
+        </p:txBody>
+      </p:sp>
+      <p:sp>
+        <p:nvSpPr>
+          <p:cNvPr id="31" name="テキスト ボックス 30">
+            <a:extLst>
+              <a:ext uri="{FF2B5EF4-FFF2-40B4-BE49-F238E27FC236}">
+                <a16:creationId xmlns:a16="http://schemas.microsoft.com/office/drawing/2014/main" id="{A9339D53-4715-CF41-80E5-7E0ED66860B3}"/>
+              </a:ext>
+            </a:extLst>
+          </p:cNvPr>
+          <p:cNvSpPr txBox="1"/>
+          <p:nvPr/>
+        </p:nvSpPr>
+        <p:spPr>
+          <a:xfrm>
+            <a:off x="1043608" y="2276872"/>
+            <a:ext cx="264816" cy="369332"/>
+          </a:xfrm>
+          <a:prstGeom prst="rect">
+            <a:avLst/>
+          </a:prstGeom>
+          <a:noFill/>
+        </p:spPr>
+        <p:txBody>
+          <a:bodyPr wrap="none" rtlCol="0">
+            <a:spAutoFit/>
+          </a:bodyPr>
+          <a:lstStyle/>
+          <a:p>
+            <a:r>
+              <a:rPr kumimoji="1" lang="en-US" altLang="ja-JP"/>
+              <a:t>r</a:t>
+            </a:r>
+            <a:endParaRPr kumimoji="1" lang="ja-JP" altLang="en-US"/>
+          </a:p>
+        </p:txBody>
+      </p:sp>
+      <p:sp>
+        <p:nvSpPr>
+          <p:cNvPr id="32" name="テキスト ボックス 31">
+            <a:extLst>
+              <a:ext uri="{FF2B5EF4-FFF2-40B4-BE49-F238E27FC236}">
+                <a16:creationId xmlns:a16="http://schemas.microsoft.com/office/drawing/2014/main" id="{F82AB9E2-B9FD-174A-8098-670832C4308E}"/>
+              </a:ext>
+            </a:extLst>
+          </p:cNvPr>
+          <p:cNvSpPr txBox="1"/>
+          <p:nvPr/>
+        </p:nvSpPr>
+        <p:spPr>
+          <a:xfrm>
+            <a:off x="2123728" y="2276872"/>
+            <a:ext cx="264816" cy="369332"/>
+          </a:xfrm>
+          <a:prstGeom prst="rect">
+            <a:avLst/>
+          </a:prstGeom>
+          <a:noFill/>
+        </p:spPr>
+        <p:txBody>
+          <a:bodyPr wrap="none" rtlCol="0">
+            <a:spAutoFit/>
+          </a:bodyPr>
+          <a:lstStyle/>
+          <a:p>
+            <a:r>
+              <a:rPr kumimoji="1" lang="en-US" altLang="ja-JP"/>
+              <a:t>r</a:t>
+            </a:r>
+            <a:endParaRPr kumimoji="1" lang="ja-JP" altLang="en-US"/>
+          </a:p>
+        </p:txBody>
+      </p:sp>
+      <p:sp>
+        <p:nvSpPr>
+          <p:cNvPr id="33" name="テキスト ボックス 32">
+            <a:extLst>
+              <a:ext uri="{FF2B5EF4-FFF2-40B4-BE49-F238E27FC236}">
+                <a16:creationId xmlns:a16="http://schemas.microsoft.com/office/drawing/2014/main" id="{A565D498-694A-BC43-A040-7CDF9C2CB870}"/>
+              </a:ext>
+            </a:extLst>
+          </p:cNvPr>
+          <p:cNvSpPr txBox="1"/>
+          <p:nvPr/>
+        </p:nvSpPr>
+        <p:spPr>
+          <a:xfrm>
+            <a:off x="2627784" y="2276872"/>
+            <a:ext cx="465192" cy="769441"/>
+          </a:xfrm>
+          <a:prstGeom prst="rect">
+            <a:avLst/>
+          </a:prstGeom>
+          <a:noFill/>
+        </p:spPr>
+        <p:txBody>
+          <a:bodyPr wrap="none" rtlCol="0">
+            <a:spAutoFit/>
+          </a:bodyPr>
+          <a:lstStyle/>
+          <a:p>
+            <a:r>
+              <a:rPr kumimoji="1" lang="en-US" altLang="ja-JP" sz="4400"/>
+              <a:t>=</a:t>
+            </a:r>
+            <a:endParaRPr kumimoji="1" lang="ja-JP" altLang="en-US" sz="4400"/>
+          </a:p>
+        </p:txBody>
+      </p:sp>
+      <p:sp>
+        <p:nvSpPr>
+          <p:cNvPr id="34" name="正方形/長方形 33">
+            <a:extLst>
+              <a:ext uri="{FF2B5EF4-FFF2-40B4-BE49-F238E27FC236}">
+                <a16:creationId xmlns:a16="http://schemas.microsoft.com/office/drawing/2014/main" id="{72663FB6-1BB9-8948-B512-4B60CC007EA7}"/>
+              </a:ext>
+            </a:extLst>
+          </p:cNvPr>
+          <p:cNvSpPr/>
+          <p:nvPr/>
+        </p:nvSpPr>
+        <p:spPr>
+          <a:xfrm>
+            <a:off x="4932040" y="2348880"/>
+            <a:ext cx="720080" cy="720080"/>
+          </a:xfrm>
+          <a:prstGeom prst="rect">
+            <a:avLst/>
+          </a:prstGeom>
+          <a:solidFill>
+            <a:schemeClr val="accent1">
+              <a:lumMod val="20000"/>
+              <a:lumOff val="80000"/>
+            </a:schemeClr>
+          </a:solidFill>
+          <a:ln>
+            <a:solidFill>
+              <a:schemeClr val="tx1"/>
+            </a:solidFill>
+          </a:ln>
+        </p:spPr>
+        <p:style>
+          <a:lnRef idx="2">
+            <a:schemeClr val="accent1">
+              <a:shade val="50000"/>
+            </a:schemeClr>
+          </a:lnRef>
+          <a:fillRef idx="1">
+            <a:schemeClr val="accent1"/>
+          </a:fillRef>
+          <a:effectRef idx="0">
+            <a:schemeClr val="accent1"/>
+          </a:effectRef>
+          <a:fontRef idx="minor">
+            <a:schemeClr val="lt1"/>
+          </a:fontRef>
+        </p:style>
+        <p:txBody>
+          <a:bodyPr rtlCol="0" anchor="ctr"/>
+          <a:lstStyle/>
+          <a:p>
+            <a:pPr algn="ctr"/>
+            <a:r>
+              <a:rPr kumimoji="1" lang="en-US" altLang="ja-JP" sz="3600">
+                <a:solidFill>
+                  <a:schemeClr val="tx1"/>
+                </a:solidFill>
+              </a:rPr>
+              <a:t>X</a:t>
+            </a:r>
+            <a:endParaRPr kumimoji="1" lang="ja-JP" altLang="en-US" sz="3600" dirty="0">
+              <a:solidFill>
+                <a:schemeClr val="tx1"/>
+              </a:solidFill>
+            </a:endParaRPr>
+          </a:p>
+        </p:txBody>
+      </p:sp>
+      <p:sp>
+        <p:nvSpPr>
+          <p:cNvPr id="35" name="正方形/長方形 34">
+            <a:extLst>
+              <a:ext uri="{FF2B5EF4-FFF2-40B4-BE49-F238E27FC236}">
+                <a16:creationId xmlns:a16="http://schemas.microsoft.com/office/drawing/2014/main" id="{CB5BD4EF-1433-DF41-9DA1-A49B8A3D6EFC}"/>
+              </a:ext>
+            </a:extLst>
+          </p:cNvPr>
+          <p:cNvSpPr/>
+          <p:nvPr/>
+        </p:nvSpPr>
+        <p:spPr>
+          <a:xfrm rot="10800000">
+            <a:off x="4572000" y="2636912"/>
+            <a:ext cx="360040" cy="144016"/>
+          </a:xfrm>
+          <a:prstGeom prst="rect">
+            <a:avLst/>
+          </a:prstGeom>
+          <a:solidFill>
+            <a:schemeClr val="tx1"/>
+          </a:solidFill>
+          <a:ln>
+            <a:solidFill>
+              <a:schemeClr val="tx1"/>
+            </a:solidFill>
+          </a:ln>
+        </p:spPr>
+        <p:style>
+          <a:lnRef idx="2">
+            <a:schemeClr val="accent1">
+              <a:shade val="50000"/>
+            </a:schemeClr>
+          </a:lnRef>
+          <a:fillRef idx="1">
+            <a:schemeClr val="accent1"/>
+          </a:fillRef>
+          <a:effectRef idx="0">
+            <a:schemeClr val="accent1"/>
+          </a:effectRef>
+          <a:fontRef idx="minor">
+            <a:schemeClr val="lt1"/>
+          </a:fontRef>
+        </p:style>
+        <p:txBody>
+          <a:bodyPr rtlCol="0" anchor="ctr"/>
+          <a:lstStyle/>
+          <a:p>
+            <a:pPr algn="ctr"/>
+            <a:endParaRPr kumimoji="1" lang="ja-JP" altLang="en-US"/>
+          </a:p>
+        </p:txBody>
+      </p:sp>
+      <p:sp>
+        <p:nvSpPr>
+          <p:cNvPr id="36" name="テキスト ボックス 35">
+            <a:extLst>
+              <a:ext uri="{FF2B5EF4-FFF2-40B4-BE49-F238E27FC236}">
+                <a16:creationId xmlns:a16="http://schemas.microsoft.com/office/drawing/2014/main" id="{DA9E38C8-36CD-C744-AD0E-5CAB196116CA}"/>
+              </a:ext>
+            </a:extLst>
+          </p:cNvPr>
+          <p:cNvSpPr txBox="1"/>
+          <p:nvPr/>
+        </p:nvSpPr>
+        <p:spPr>
+          <a:xfrm>
+            <a:off x="4572000" y="2276872"/>
+            <a:ext cx="328936" cy="369332"/>
+          </a:xfrm>
+          <a:prstGeom prst="rect">
+            <a:avLst/>
+          </a:prstGeom>
+          <a:noFill/>
+        </p:spPr>
+        <p:txBody>
+          <a:bodyPr wrap="none" rtlCol="0">
+            <a:spAutoFit/>
+          </a:bodyPr>
+          <a:lstStyle/>
+          <a:p>
+            <a:r>
+              <a:rPr lang="en-US" altLang="ja-JP"/>
+              <a:t>H</a:t>
+            </a:r>
+            <a:endParaRPr kumimoji="1" lang="ja-JP" altLang="en-US"/>
+          </a:p>
+        </p:txBody>
+      </p:sp>
+      <p:sp>
+        <p:nvSpPr>
+          <p:cNvPr id="37" name="テキスト ボックス 36">
+            <a:extLst>
+              <a:ext uri="{FF2B5EF4-FFF2-40B4-BE49-F238E27FC236}">
+                <a16:creationId xmlns:a16="http://schemas.microsoft.com/office/drawing/2014/main" id="{82A2F289-E2D2-BA45-8F04-1CFE5667189F}"/>
+              </a:ext>
+            </a:extLst>
+          </p:cNvPr>
+          <p:cNvSpPr txBox="1"/>
+          <p:nvPr/>
+        </p:nvSpPr>
+        <p:spPr>
+          <a:xfrm>
+            <a:off x="5652120" y="2276872"/>
+            <a:ext cx="389850" cy="369332"/>
+          </a:xfrm>
+          <a:prstGeom prst="rect">
+            <a:avLst/>
+          </a:prstGeom>
+          <a:noFill/>
+        </p:spPr>
+        <p:txBody>
+          <a:bodyPr wrap="none" rtlCol="0">
+            <a:spAutoFit/>
+          </a:bodyPr>
+          <a:lstStyle/>
+          <a:p>
+            <a:r>
+              <a:rPr lang="en-US" altLang="ja-JP"/>
+              <a:t>W</a:t>
+            </a:r>
+            <a:endParaRPr kumimoji="1" lang="ja-JP" altLang="en-US"/>
+          </a:p>
+        </p:txBody>
+      </p:sp>
+      <p:sp>
+        <p:nvSpPr>
+          <p:cNvPr id="38" name="正方形/長方形 37">
+            <a:extLst>
+              <a:ext uri="{FF2B5EF4-FFF2-40B4-BE49-F238E27FC236}">
+                <a16:creationId xmlns:a16="http://schemas.microsoft.com/office/drawing/2014/main" id="{0F9CED72-D8F5-8849-AE68-C40937F470D9}"/>
+              </a:ext>
+            </a:extLst>
+          </p:cNvPr>
+          <p:cNvSpPr/>
+          <p:nvPr/>
+        </p:nvSpPr>
+        <p:spPr>
+          <a:xfrm rot="10800000">
+            <a:off x="5652120" y="2636912"/>
+            <a:ext cx="360040" cy="144016"/>
+          </a:xfrm>
+          <a:prstGeom prst="rect">
+            <a:avLst/>
+          </a:prstGeom>
+          <a:solidFill>
+            <a:schemeClr val="tx1"/>
+          </a:solidFill>
+          <a:ln>
+            <a:solidFill>
+              <a:schemeClr val="tx1"/>
+            </a:solidFill>
+          </a:ln>
+        </p:spPr>
+        <p:style>
+          <a:lnRef idx="2">
+            <a:schemeClr val="accent1">
+              <a:shade val="50000"/>
+            </a:schemeClr>
+          </a:lnRef>
+          <a:fillRef idx="1">
+            <a:schemeClr val="accent1"/>
+          </a:fillRef>
+          <a:effectRef idx="0">
+            <a:schemeClr val="accent1"/>
+          </a:effectRef>
+          <a:fontRef idx="minor">
+            <a:schemeClr val="lt1"/>
+          </a:fontRef>
+        </p:style>
+        <p:txBody>
+          <a:bodyPr rtlCol="0" anchor="ctr"/>
+          <a:lstStyle/>
+          <a:p>
+            <a:pPr algn="ctr"/>
+            <a:endParaRPr kumimoji="1" lang="ja-JP" altLang="en-US"/>
+          </a:p>
+        </p:txBody>
+      </p:sp>
+      <p:sp>
+        <p:nvSpPr>
+          <p:cNvPr id="39" name="テキスト ボックス 38">
+            <a:extLst>
+              <a:ext uri="{FF2B5EF4-FFF2-40B4-BE49-F238E27FC236}">
+                <a16:creationId xmlns:a16="http://schemas.microsoft.com/office/drawing/2014/main" id="{FFECF060-7C96-464E-BCD4-D2BB50E136C2}"/>
+              </a:ext>
+            </a:extLst>
+          </p:cNvPr>
+          <p:cNvSpPr txBox="1"/>
+          <p:nvPr/>
+        </p:nvSpPr>
+        <p:spPr>
+          <a:xfrm>
+            <a:off x="4860032" y="3140968"/>
+            <a:ext cx="308098" cy="369332"/>
+          </a:xfrm>
+          <a:prstGeom prst="rect">
+            <a:avLst/>
+          </a:prstGeom>
+          <a:noFill/>
+        </p:spPr>
+        <p:txBody>
+          <a:bodyPr wrap="none" rtlCol="0">
+            <a:spAutoFit/>
+          </a:bodyPr>
+          <a:lstStyle/>
+          <a:p>
+            <a:r>
+              <a:rPr lang="en-US" altLang="ja-JP"/>
+              <a:t>C</a:t>
+            </a:r>
+            <a:endParaRPr kumimoji="1" lang="ja-JP" altLang="en-US"/>
+          </a:p>
+        </p:txBody>
+      </p:sp>
+      <p:cxnSp>
+        <p:nvCxnSpPr>
+          <p:cNvPr id="40" name="直線コネクタ 39">
+            <a:extLst>
+              <a:ext uri="{FF2B5EF4-FFF2-40B4-BE49-F238E27FC236}">
+                <a16:creationId xmlns:a16="http://schemas.microsoft.com/office/drawing/2014/main" id="{CED3FB52-C202-CC4D-8769-42D6749B661A}"/>
+              </a:ext>
+            </a:extLst>
+          </p:cNvPr>
+          <p:cNvCxnSpPr/>
+          <p:nvPr/>
+        </p:nvCxnSpPr>
+        <p:spPr>
+          <a:xfrm rot="16200000" flipH="1">
+            <a:off x="5112060" y="3248980"/>
+            <a:ext cx="360040" cy="0"/>
+          </a:xfrm>
+          <a:prstGeom prst="line">
+            <a:avLst/>
+          </a:prstGeom>
+          <a:ln w="12700">
+            <a:solidFill>
+              <a:schemeClr val="tx1"/>
+            </a:solidFill>
+          </a:ln>
+        </p:spPr>
+        <p:style>
+          <a:lnRef idx="1">
+            <a:schemeClr val="accent1"/>
+          </a:lnRef>
+          <a:fillRef idx="0">
+            <a:schemeClr val="accent1"/>
+          </a:fillRef>
+          <a:effectRef idx="0">
+            <a:schemeClr val="accent1"/>
+          </a:effectRef>
+          <a:fontRef idx="minor">
+            <a:schemeClr val="tx1"/>
+          </a:fontRef>
+        </p:style>
+      </p:cxnSp>
+      <p:sp>
+        <p:nvSpPr>
+          <p:cNvPr id="41" name="二等辺三角形 22">
+            <a:extLst>
+              <a:ext uri="{FF2B5EF4-FFF2-40B4-BE49-F238E27FC236}">
+                <a16:creationId xmlns:a16="http://schemas.microsoft.com/office/drawing/2014/main" id="{B7EE7572-843B-924B-93F7-1952BB03B164}"/>
+              </a:ext>
+            </a:extLst>
+          </p:cNvPr>
+          <p:cNvSpPr/>
+          <p:nvPr/>
+        </p:nvSpPr>
+        <p:spPr>
+          <a:xfrm rot="16200000">
+            <a:off x="4031940" y="2528900"/>
+            <a:ext cx="720080" cy="360040"/>
+          </a:xfrm>
+          <a:prstGeom prst="triangle">
+            <a:avLst/>
+          </a:prstGeom>
+          <a:solidFill>
+            <a:schemeClr val="accent2">
+              <a:lumMod val="40000"/>
+              <a:lumOff val="60000"/>
+            </a:schemeClr>
+          </a:solidFill>
+          <a:ln>
+            <a:solidFill>
+              <a:schemeClr val="tx1"/>
+            </a:solidFill>
+          </a:ln>
+        </p:spPr>
+        <p:style>
+          <a:lnRef idx="2">
+            <a:schemeClr val="accent1">
+              <a:shade val="50000"/>
+            </a:schemeClr>
+          </a:lnRef>
+          <a:fillRef idx="1">
+            <a:schemeClr val="accent1"/>
+          </a:fillRef>
+          <a:effectRef idx="0">
+            <a:schemeClr val="accent1"/>
+          </a:effectRef>
+          <a:fontRef idx="minor">
+            <a:schemeClr val="lt1"/>
+          </a:fontRef>
+        </p:style>
+        <p:txBody>
+          <a:bodyPr rtlCol="0" anchor="ctr"/>
+          <a:lstStyle/>
+          <a:p>
+            <a:pPr algn="ctr"/>
+            <a:endParaRPr kumimoji="1" lang="ja-JP" altLang="en-US"/>
+          </a:p>
+        </p:txBody>
+      </p:sp>
+      <p:cxnSp>
+        <p:nvCxnSpPr>
+          <p:cNvPr id="44" name="直線コネクタ 43">
+            <a:extLst>
+              <a:ext uri="{FF2B5EF4-FFF2-40B4-BE49-F238E27FC236}">
+                <a16:creationId xmlns:a16="http://schemas.microsoft.com/office/drawing/2014/main" id="{3A59DC66-1626-2049-BDB0-BF768F479C5E}"/>
+              </a:ext>
+            </a:extLst>
+          </p:cNvPr>
+          <p:cNvCxnSpPr/>
+          <p:nvPr/>
+        </p:nvCxnSpPr>
+        <p:spPr>
+          <a:xfrm flipH="1">
+            <a:off x="3851920" y="2708920"/>
+            <a:ext cx="360040" cy="0"/>
+          </a:xfrm>
+          <a:prstGeom prst="line">
+            <a:avLst/>
+          </a:prstGeom>
+          <a:ln w="12700">
+            <a:solidFill>
+              <a:schemeClr val="tx1"/>
+            </a:solidFill>
+          </a:ln>
+        </p:spPr>
+        <p:style>
+          <a:lnRef idx="1">
+            <a:schemeClr val="accent1"/>
+          </a:lnRef>
+          <a:fillRef idx="0">
+            <a:schemeClr val="accent1"/>
+          </a:fillRef>
+          <a:effectRef idx="0">
+            <a:schemeClr val="accent1"/>
+          </a:effectRef>
+          <a:fontRef idx="minor">
+            <a:schemeClr val="tx1"/>
+          </a:fontRef>
+        </p:style>
+      </p:cxnSp>
+      <p:sp>
+        <p:nvSpPr>
+          <p:cNvPr id="45" name="テキスト ボックス 44">
+            <a:extLst>
+              <a:ext uri="{FF2B5EF4-FFF2-40B4-BE49-F238E27FC236}">
+                <a16:creationId xmlns:a16="http://schemas.microsoft.com/office/drawing/2014/main" id="{6AA68045-9D2F-DA4D-B93B-8DDFAA46A860}"/>
+              </a:ext>
+            </a:extLst>
+          </p:cNvPr>
+          <p:cNvSpPr txBox="1"/>
+          <p:nvPr/>
+        </p:nvSpPr>
+        <p:spPr>
+          <a:xfrm>
+            <a:off x="3923928" y="2348880"/>
+            <a:ext cx="264816" cy="369332"/>
+          </a:xfrm>
+          <a:prstGeom prst="rect">
+            <a:avLst/>
+          </a:prstGeom>
+          <a:noFill/>
+        </p:spPr>
+        <p:txBody>
+          <a:bodyPr wrap="none" rtlCol="0">
+            <a:spAutoFit/>
+          </a:bodyPr>
+          <a:lstStyle/>
+          <a:p>
+            <a:r>
+              <a:rPr kumimoji="1" lang="en-US" altLang="ja-JP"/>
+              <a:t>r</a:t>
+            </a:r>
+            <a:endParaRPr kumimoji="1" lang="ja-JP" altLang="en-US"/>
+          </a:p>
+        </p:txBody>
+      </p:sp>
+      <p:cxnSp>
+        <p:nvCxnSpPr>
+          <p:cNvPr id="46" name="直線コネクタ 45">
+            <a:extLst>
+              <a:ext uri="{FF2B5EF4-FFF2-40B4-BE49-F238E27FC236}">
+                <a16:creationId xmlns:a16="http://schemas.microsoft.com/office/drawing/2014/main" id="{1585899A-5A04-5D42-A9EC-4C8AB4E60B23}"/>
+              </a:ext>
+            </a:extLst>
+          </p:cNvPr>
+          <p:cNvCxnSpPr/>
+          <p:nvPr/>
+        </p:nvCxnSpPr>
+        <p:spPr>
+          <a:xfrm flipH="1">
+            <a:off x="6358546" y="2699628"/>
+            <a:ext cx="360040" cy="0"/>
+          </a:xfrm>
+          <a:prstGeom prst="line">
+            <a:avLst/>
+          </a:prstGeom>
+          <a:ln w="12700">
+            <a:solidFill>
+              <a:schemeClr val="tx1"/>
+            </a:solidFill>
+          </a:ln>
+        </p:spPr>
+        <p:style>
+          <a:lnRef idx="1">
+            <a:schemeClr val="accent1"/>
+          </a:lnRef>
+          <a:fillRef idx="0">
+            <a:schemeClr val="accent1"/>
+          </a:fillRef>
+          <a:effectRef idx="0">
+            <a:schemeClr val="accent1"/>
+          </a:effectRef>
+          <a:fontRef idx="minor">
+            <a:schemeClr val="tx1"/>
+          </a:fontRef>
+        </p:style>
+      </p:cxnSp>
+      <p:sp>
+        <p:nvSpPr>
+          <p:cNvPr id="47" name="二等辺三角形 22">
+            <a:extLst>
+              <a:ext uri="{FF2B5EF4-FFF2-40B4-BE49-F238E27FC236}">
+                <a16:creationId xmlns:a16="http://schemas.microsoft.com/office/drawing/2014/main" id="{67579BB2-550A-7A46-A798-E8009052FB7A}"/>
+              </a:ext>
+            </a:extLst>
+          </p:cNvPr>
+          <p:cNvSpPr/>
+          <p:nvPr/>
+        </p:nvSpPr>
+        <p:spPr>
+          <a:xfrm rot="5400000">
+            <a:off x="5832140" y="2528900"/>
+            <a:ext cx="720080" cy="360040"/>
+          </a:xfrm>
+          <a:prstGeom prst="triangle">
+            <a:avLst/>
+          </a:prstGeom>
+          <a:solidFill>
+            <a:schemeClr val="accent2">
+              <a:lumMod val="40000"/>
+              <a:lumOff val="60000"/>
+            </a:schemeClr>
+          </a:solidFill>
+          <a:ln>
+            <a:solidFill>
+              <a:schemeClr val="tx1"/>
+            </a:solidFill>
+          </a:ln>
+        </p:spPr>
+        <p:style>
+          <a:lnRef idx="2">
+            <a:schemeClr val="accent1">
+              <a:shade val="50000"/>
+            </a:schemeClr>
+          </a:lnRef>
+          <a:fillRef idx="1">
+            <a:schemeClr val="accent1"/>
+          </a:fillRef>
+          <a:effectRef idx="0">
+            <a:schemeClr val="accent1"/>
+          </a:effectRef>
+          <a:fontRef idx="minor">
+            <a:schemeClr val="lt1"/>
+          </a:fontRef>
+        </p:style>
+        <p:txBody>
+          <a:bodyPr rtlCol="0" anchor="ctr"/>
+          <a:lstStyle/>
+          <a:p>
+            <a:pPr algn="ctr"/>
+            <a:endParaRPr kumimoji="1" lang="ja-JP" altLang="en-US"/>
+          </a:p>
+        </p:txBody>
+      </p:sp>
+      <p:sp>
+        <p:nvSpPr>
+          <p:cNvPr id="49" name="テキスト ボックス 48">
+            <a:extLst>
+              <a:ext uri="{FF2B5EF4-FFF2-40B4-BE49-F238E27FC236}">
+                <a16:creationId xmlns:a16="http://schemas.microsoft.com/office/drawing/2014/main" id="{D49743FA-EC4E-3148-BA5B-FDE67648B81B}"/>
+              </a:ext>
+            </a:extLst>
+          </p:cNvPr>
+          <p:cNvSpPr txBox="1"/>
+          <p:nvPr/>
+        </p:nvSpPr>
+        <p:spPr>
+          <a:xfrm>
+            <a:off x="6430554" y="2339588"/>
+            <a:ext cx="264816" cy="369332"/>
+          </a:xfrm>
+          <a:prstGeom prst="rect">
+            <a:avLst/>
+          </a:prstGeom>
+          <a:noFill/>
+        </p:spPr>
+        <p:txBody>
+          <a:bodyPr wrap="none" rtlCol="0">
+            <a:spAutoFit/>
+          </a:bodyPr>
+          <a:lstStyle/>
+          <a:p>
+            <a:r>
+              <a:rPr kumimoji="1" lang="en-US" altLang="ja-JP"/>
+              <a:t>r</a:t>
+            </a:r>
+            <a:endParaRPr kumimoji="1" lang="ja-JP" altLang="en-US"/>
+          </a:p>
+        </p:txBody>
+      </p:sp>
+      <p:sp>
+        <p:nvSpPr>
+          <p:cNvPr id="50" name="テキスト ボックス 49">
+            <a:extLst>
+              <a:ext uri="{FF2B5EF4-FFF2-40B4-BE49-F238E27FC236}">
+                <a16:creationId xmlns:a16="http://schemas.microsoft.com/office/drawing/2014/main" id="{98E66978-E8D4-C741-BEFE-FD4CC93E2A48}"/>
+              </a:ext>
+            </a:extLst>
+          </p:cNvPr>
+          <p:cNvSpPr txBox="1"/>
+          <p:nvPr/>
+        </p:nvSpPr>
+        <p:spPr>
+          <a:xfrm>
+            <a:off x="4289550" y="2555612"/>
+            <a:ext cx="282450" cy="369332"/>
+          </a:xfrm>
+          <a:prstGeom prst="rect">
+            <a:avLst/>
+          </a:prstGeom>
+          <a:noFill/>
+        </p:spPr>
+        <p:txBody>
+          <a:bodyPr wrap="none" rtlCol="0">
+            <a:spAutoFit/>
+          </a:bodyPr>
+          <a:lstStyle/>
+          <a:p>
+            <a:r>
+              <a:rPr kumimoji="1" lang="en-US" altLang="ja-JP"/>
+              <a:t>L</a:t>
+            </a:r>
+            <a:endParaRPr kumimoji="1" lang="ja-JP" altLang="en-US"/>
+          </a:p>
+        </p:txBody>
+      </p:sp>
+      <p:sp>
+        <p:nvSpPr>
+          <p:cNvPr id="51" name="テキスト ボックス 50">
+            <a:extLst>
+              <a:ext uri="{FF2B5EF4-FFF2-40B4-BE49-F238E27FC236}">
+                <a16:creationId xmlns:a16="http://schemas.microsoft.com/office/drawing/2014/main" id="{AABF4796-A788-F44E-BDE3-0BA66C9F3084}"/>
+              </a:ext>
+            </a:extLst>
+          </p:cNvPr>
+          <p:cNvSpPr txBox="1"/>
+          <p:nvPr/>
+        </p:nvSpPr>
+        <p:spPr>
+          <a:xfrm>
+            <a:off x="4355976" y="2492896"/>
+            <a:ext cx="235962" cy="276999"/>
+          </a:xfrm>
+          <a:prstGeom prst="rect">
+            <a:avLst/>
+          </a:prstGeom>
+          <a:noFill/>
+        </p:spPr>
+        <p:txBody>
+          <a:bodyPr wrap="none" rtlCol="0">
+            <a:spAutoFit/>
+          </a:bodyPr>
+          <a:lstStyle/>
+          <a:p>
+            <a:r>
+              <a:rPr kumimoji="1" lang="en-US" altLang="ja-JP" sz="1200"/>
+              <a:t>t</a:t>
+            </a:r>
+            <a:endParaRPr kumimoji="1" lang="ja-JP" altLang="en-US" sz="1200"/>
+          </a:p>
+        </p:txBody>
+      </p:sp>
+      <p:sp>
+        <p:nvSpPr>
+          <p:cNvPr id="52" name="テキスト ボックス 51">
+            <a:extLst>
+              <a:ext uri="{FF2B5EF4-FFF2-40B4-BE49-F238E27FC236}">
+                <a16:creationId xmlns:a16="http://schemas.microsoft.com/office/drawing/2014/main" id="{60E371B8-A8C1-1440-9E46-E43F13B9E448}"/>
+              </a:ext>
+            </a:extLst>
+          </p:cNvPr>
+          <p:cNvSpPr txBox="1"/>
+          <p:nvPr/>
+        </p:nvSpPr>
+        <p:spPr>
+          <a:xfrm>
+            <a:off x="5940152" y="2564904"/>
+            <a:ext cx="309700" cy="369332"/>
+          </a:xfrm>
+          <a:prstGeom prst="rect">
+            <a:avLst/>
+          </a:prstGeom>
+          <a:noFill/>
+        </p:spPr>
+        <p:txBody>
+          <a:bodyPr wrap="none" rtlCol="0">
+            <a:spAutoFit/>
+          </a:bodyPr>
+          <a:lstStyle/>
+          <a:p>
+            <a:r>
+              <a:rPr kumimoji="1" lang="en-US" altLang="ja-JP"/>
+              <a:t>R</a:t>
+            </a:r>
+            <a:endParaRPr kumimoji="1" lang="ja-JP" altLang="en-US"/>
+          </a:p>
+        </p:txBody>
+      </p:sp>
+      <p:sp>
+        <p:nvSpPr>
+          <p:cNvPr id="53" name="テキスト ボックス 52">
+            <a:extLst>
+              <a:ext uri="{FF2B5EF4-FFF2-40B4-BE49-F238E27FC236}">
+                <a16:creationId xmlns:a16="http://schemas.microsoft.com/office/drawing/2014/main" id="{0F80297F-B789-EF4D-8F98-B1B87827597F}"/>
+              </a:ext>
+            </a:extLst>
+          </p:cNvPr>
+          <p:cNvSpPr txBox="1"/>
+          <p:nvPr/>
+        </p:nvSpPr>
+        <p:spPr>
+          <a:xfrm>
+            <a:off x="6078586" y="2502188"/>
+            <a:ext cx="235962" cy="276999"/>
+          </a:xfrm>
+          <a:prstGeom prst="rect">
+            <a:avLst/>
+          </a:prstGeom>
+          <a:noFill/>
+        </p:spPr>
+        <p:txBody>
+          <a:bodyPr wrap="none" rtlCol="0">
+            <a:spAutoFit/>
+          </a:bodyPr>
+          <a:lstStyle/>
+          <a:p>
+            <a:r>
+              <a:rPr kumimoji="1" lang="en-US" altLang="ja-JP" sz="1200"/>
+              <a:t>t</a:t>
+            </a:r>
+            <a:endParaRPr kumimoji="1" lang="ja-JP" altLang="en-US" sz="1200"/>
+          </a:p>
+        </p:txBody>
+      </p:sp>
+    </p:spTree>
+    <p:extLst>
+      <p:ext uri="{BB962C8B-B14F-4D97-AF65-F5344CB8AC3E}">
+        <p14:creationId xmlns:p14="http://schemas.microsoft.com/office/powerpoint/2010/main" val="858781514"/>
       </p:ext>
     </p:extLst>
   </p:cSld>
